--- a/Lectures/Introduction to Distributed Version Control/Introduction to Distributed Version Control.pptx
+++ b/Lectures/Introduction to Distributed Version Control/Introduction to Distributed Version Control.pptx
@@ -5,7 +5,7 @@
     <p:sldMasterId id="2147483660" r:id="rId1"/>
   </p:sldMasterIdLst>
   <p:notesMasterIdLst>
-    <p:notesMasterId r:id="rId13"/>
+    <p:notesMasterId r:id="rId19"/>
   </p:notesMasterIdLst>
   <p:sldIdLst>
     <p:sldId id="256" r:id="rId2"/>
@@ -19,6 +19,12 @@
     <p:sldId id="264" r:id="rId10"/>
     <p:sldId id="266" r:id="rId11"/>
     <p:sldId id="265" r:id="rId12"/>
+    <p:sldId id="268" r:id="rId13"/>
+    <p:sldId id="267" r:id="rId14"/>
+    <p:sldId id="269" r:id="rId15"/>
+    <p:sldId id="270" r:id="rId16"/>
+    <p:sldId id="271" r:id="rId17"/>
+    <p:sldId id="272" r:id="rId18"/>
   </p:sldIdLst>
   <p:sldSz cx="9144000" cy="6858000" type="screen4x3"/>
   <p:notesSz cx="6858000" cy="9144000"/>
@@ -202,7 +208,7 @@
           <a:p>
             <a:fld id="{DBE0ECA1-3FBF-48AE-AD2A-4439AE745E19}" type="datetimeFigureOut">
               <a:rPr lang="en-US" smtClean="0"/>
-              <a:t>10/15/2013</a:t>
+              <a:t>10/16/2013</a:t>
             </a:fld>
             <a:endParaRPr lang="en-US"/>
           </a:p>
@@ -663,7 +669,7 @@
           <a:p>
             <a:fld id="{9769DED8-28D4-45B9-A00F-7CFE9335FEA6}" type="datetime1">
               <a:rPr lang="en-US" smtClean="0"/>
-              <a:t>10/15/2013</a:t>
+              <a:t>10/16/2013</a:t>
             </a:fld>
             <a:endParaRPr lang="en-US"/>
           </a:p>
@@ -928,7 +934,7 @@
           <a:p>
             <a:fld id="{2DB3D439-1F88-44B4-B5F7-F9BCD4064257}" type="datetime1">
               <a:rPr lang="en-US" smtClean="0"/>
-              <a:t>10/15/2013</a:t>
+              <a:t>10/16/2013</a:t>
             </a:fld>
             <a:endParaRPr lang="en-US"/>
           </a:p>
@@ -1103,7 +1109,7 @@
           <a:p>
             <a:fld id="{99C5638F-6F55-4055-935C-67841BE78C36}" type="datetime1">
               <a:rPr lang="en-US" smtClean="0"/>
-              <a:t>10/15/2013</a:t>
+              <a:t>10/16/2013</a:t>
             </a:fld>
             <a:endParaRPr lang="en-US"/>
           </a:p>
@@ -1268,7 +1274,7 @@
           <a:p>
             <a:fld id="{E6987D90-0C92-4B22-A29D-FED15412CED2}" type="datetime1">
               <a:rPr lang="en-US" smtClean="0"/>
-              <a:t>10/15/2013</a:t>
+              <a:t>10/16/2013</a:t>
             </a:fld>
             <a:endParaRPr lang="en-US"/>
           </a:p>
@@ -1517,7 +1523,7 @@
           <a:p>
             <a:fld id="{DDB67BC4-9554-49E0-BCB3-D1EF965BA0B8}" type="datetime1">
               <a:rPr lang="en-US" smtClean="0"/>
-              <a:t>10/15/2013</a:t>
+              <a:t>10/16/2013</a:t>
             </a:fld>
             <a:endParaRPr lang="en-US"/>
           </a:p>
@@ -1800,7 +1806,7 @@
           <a:p>
             <a:fld id="{EC24D770-803D-4E01-921C-9C100DD8230C}" type="datetime1">
               <a:rPr lang="en-US" smtClean="0"/>
-              <a:t>10/15/2013</a:t>
+              <a:t>10/16/2013</a:t>
             </a:fld>
             <a:endParaRPr lang="en-US"/>
           </a:p>
@@ -2239,7 +2245,7 @@
           <a:p>
             <a:fld id="{356AD44B-78A4-4209-8070-7DCBE2DC4992}" type="datetime1">
               <a:rPr lang="en-US" smtClean="0"/>
-              <a:t>10/15/2013</a:t>
+              <a:t>10/16/2013</a:t>
             </a:fld>
             <a:endParaRPr lang="en-US"/>
           </a:p>
@@ -2352,7 +2358,7 @@
           <a:p>
             <a:fld id="{A993C59A-7CA2-467F-B7F1-9096881A01B8}" type="datetime1">
               <a:rPr lang="en-US" smtClean="0"/>
-              <a:t>10/15/2013</a:t>
+              <a:t>10/16/2013</a:t>
             </a:fld>
             <a:endParaRPr lang="en-US"/>
           </a:p>
@@ -2442,7 +2448,7 @@
           <a:p>
             <a:fld id="{2B6B58D0-2488-434A-8ED1-692E09B85CC5}" type="datetime1">
               <a:rPr lang="en-US" smtClean="0"/>
-              <a:t>10/15/2013</a:t>
+              <a:t>10/16/2013</a:t>
             </a:fld>
             <a:endParaRPr lang="en-US"/>
           </a:p>
@@ -2684,7 +2690,7 @@
           <a:p>
             <a:fld id="{FDB0AFC2-7D64-4F61-A7B7-9932D3305DDA}" type="datetime1">
               <a:rPr lang="en-US" smtClean="0"/>
-              <a:t>10/15/2013</a:t>
+              <a:t>10/16/2013</a:t>
             </a:fld>
             <a:endParaRPr lang="en-US"/>
           </a:p>
@@ -2978,7 +2984,7 @@
           <a:p>
             <a:fld id="{4983D17A-D7B2-4ECE-8A2C-93679B9D177B}" type="datetime1">
               <a:rPr lang="en-US" smtClean="0"/>
-              <a:t>10/15/2013</a:t>
+              <a:t>10/16/2013</a:t>
             </a:fld>
             <a:endParaRPr lang="en-US"/>
           </a:p>
@@ -3272,7 +3278,7 @@
           <a:p>
             <a:fld id="{2A5275F7-419E-4C23-8A3D-2EE5742B2EC9}" type="datetime1">
               <a:rPr lang="en-US" smtClean="0"/>
-              <a:t>10/15/2013</a:t>
+              <a:t>10/16/2013</a:t>
             </a:fld>
             <a:endParaRPr lang="en-US"/>
           </a:p>
@@ -8114,6 +8120,6924 @@
   <p:clrMapOvr>
     <a:masterClrMapping/>
   </p:clrMapOvr>
+</p:sld>
+</file>
+
+<file path=ppt/slides/slide12.xml><?xml version="1.0" encoding="utf-8"?>
+<p:sld xmlns:a="http://schemas.openxmlformats.org/drawingml/2006/main" xmlns:r="http://schemas.openxmlformats.org/officeDocument/2006/relationships" xmlns:p="http://schemas.openxmlformats.org/presentationml/2006/main">
+  <p:cSld>
+    <p:spTree>
+      <p:nvGrpSpPr>
+        <p:cNvPr id="1" name=""/>
+        <p:cNvGrpSpPr/>
+        <p:nvPr/>
+      </p:nvGrpSpPr>
+      <p:grpSpPr>
+        <a:xfrm>
+          <a:off x="0" y="0"/>
+          <a:ext cx="0" cy="0"/>
+          <a:chOff x="0" y="0"/>
+          <a:chExt cx="0" cy="0"/>
+        </a:xfrm>
+      </p:grpSpPr>
+      <p:sp>
+        <p:nvSpPr>
+          <p:cNvPr id="2" name="Title 1"/>
+          <p:cNvSpPr>
+            <a:spLocks noGrp="1"/>
+          </p:cNvSpPr>
+          <p:nvPr>
+            <p:ph type="title"/>
+          </p:nvPr>
+        </p:nvSpPr>
+        <p:spPr/>
+        <p:txBody>
+          <a:bodyPr/>
+          <a:lstStyle/>
+          <a:p>
+            <a:r>
+              <a:rPr lang="en-US" dirty="0" smtClean="0"/>
+              <a:t>Reviewing changes</a:t>
+            </a:r>
+            <a:endParaRPr lang="en-US" dirty="0"/>
+          </a:p>
+        </p:txBody>
+      </p:sp>
+      <p:sp>
+        <p:nvSpPr>
+          <p:cNvPr id="3" name="Content Placeholder 2"/>
+          <p:cNvSpPr>
+            <a:spLocks noGrp="1"/>
+          </p:cNvSpPr>
+          <p:nvPr>
+            <p:ph idx="1"/>
+          </p:nvPr>
+        </p:nvSpPr>
+        <p:spPr/>
+        <p:txBody>
+          <a:bodyPr/>
+          <a:lstStyle/>
+          <a:p>
+            <a:pPr marL="342900" indent="-342900"/>
+            <a:r>
+              <a:rPr lang="en-US" dirty="0" smtClean="0"/>
+              <a:t>Changes can be reviewed both before and after they are in the repository</a:t>
+            </a:r>
+          </a:p>
+          <a:p>
+            <a:pPr marL="800100" lvl="1" indent="-342900"/>
+            <a:r>
+              <a:rPr lang="en-US" dirty="0" smtClean="0"/>
+              <a:t>Review </a:t>
+            </a:r>
+            <a:r>
+              <a:rPr lang="en-US" dirty="0"/>
+              <a:t>changes that are local, but </a:t>
+            </a:r>
+            <a:r>
+              <a:rPr lang="en-US" dirty="0" smtClean="0"/>
+              <a:t>not </a:t>
+            </a:r>
+            <a:r>
+              <a:rPr lang="en-US" dirty="0"/>
+              <a:t>in the </a:t>
+            </a:r>
+            <a:r>
+              <a:rPr lang="en-US" dirty="0" smtClean="0"/>
+              <a:t>repository</a:t>
+            </a:r>
+          </a:p>
+          <a:p>
+            <a:pPr marL="800100" lvl="1" indent="-342900"/>
+            <a:endParaRPr lang="en-US" dirty="0"/>
+          </a:p>
+          <a:p>
+            <a:pPr marL="800100" lvl="1" indent="-342900"/>
+            <a:endParaRPr lang="en-US" dirty="0" smtClean="0"/>
+          </a:p>
+          <a:p>
+            <a:pPr marL="800100" lvl="1" indent="-342900"/>
+            <a:r>
+              <a:rPr lang="en-US" dirty="0" smtClean="0"/>
+              <a:t>Review changes that have been committed to the repo</a:t>
+            </a:r>
+            <a:endParaRPr lang="en-US" dirty="0"/>
+          </a:p>
+        </p:txBody>
+      </p:sp>
+      <p:sp>
+        <p:nvSpPr>
+          <p:cNvPr id="4" name="Slide Number Placeholder 3"/>
+          <p:cNvSpPr>
+            <a:spLocks noGrp="1"/>
+          </p:cNvSpPr>
+          <p:nvPr>
+            <p:ph type="sldNum" sz="quarter" idx="12"/>
+          </p:nvPr>
+        </p:nvSpPr>
+        <p:spPr/>
+        <p:txBody>
+          <a:bodyPr/>
+          <a:lstStyle/>
+          <a:p>
+            <a:fld id="{6DA12B36-9664-4CB0-8B2E-F4A2F44AE97E}" type="slidenum">
+              <a:rPr lang="en-US" smtClean="0"/>
+              <a:t>12</a:t>
+            </a:fld>
+            <a:endParaRPr lang="en-US"/>
+          </a:p>
+        </p:txBody>
+      </p:sp>
+      <p:sp>
+        <p:nvSpPr>
+          <p:cNvPr id="5" name="Rectangle 4"/>
+          <p:cNvSpPr/>
+          <p:nvPr/>
+        </p:nvSpPr>
+        <p:spPr>
+          <a:xfrm>
+            <a:off x="1447800" y="2971800"/>
+            <a:ext cx="6477000" cy="381000"/>
+          </a:xfrm>
+          <a:prstGeom prst="rect">
+            <a:avLst/>
+          </a:prstGeom>
+        </p:spPr>
+        <p:style>
+          <a:lnRef idx="2">
+            <a:schemeClr val="accent1">
+              <a:shade val="50000"/>
+            </a:schemeClr>
+          </a:lnRef>
+          <a:fillRef idx="1">
+            <a:schemeClr val="accent1"/>
+          </a:fillRef>
+          <a:effectRef idx="0">
+            <a:schemeClr val="accent1"/>
+          </a:effectRef>
+          <a:fontRef idx="minor">
+            <a:schemeClr val="lt1"/>
+          </a:fontRef>
+        </p:style>
+        <p:txBody>
+          <a:bodyPr rtlCol="0" anchor="ctr"/>
+          <a:lstStyle/>
+          <a:p>
+            <a:r>
+              <a:rPr lang="en-US" dirty="0" err="1" smtClean="0">
+                <a:latin typeface="Courier New" panose="02070309020205020404" pitchFamily="49" charset="0"/>
+                <a:cs typeface="Courier New" panose="02070309020205020404" pitchFamily="49" charset="0"/>
+              </a:rPr>
+              <a:t>git</a:t>
+            </a:r>
+            <a:r>
+              <a:rPr lang="en-US" dirty="0" smtClean="0">
+                <a:latin typeface="Courier New" panose="02070309020205020404" pitchFamily="49" charset="0"/>
+                <a:cs typeface="Courier New" panose="02070309020205020404" pitchFamily="49" charset="0"/>
+              </a:rPr>
+              <a:t> status</a:t>
+            </a:r>
+            <a:endParaRPr lang="en-US" dirty="0">
+              <a:latin typeface="Courier New" panose="02070309020205020404" pitchFamily="49" charset="0"/>
+              <a:cs typeface="Courier New" panose="02070309020205020404" pitchFamily="49" charset="0"/>
+            </a:endParaRPr>
+          </a:p>
+        </p:txBody>
+      </p:sp>
+      <p:sp>
+        <p:nvSpPr>
+          <p:cNvPr id="6" name="Rectangle 5"/>
+          <p:cNvSpPr/>
+          <p:nvPr/>
+        </p:nvSpPr>
+        <p:spPr>
+          <a:xfrm>
+            <a:off x="1447800" y="4038600"/>
+            <a:ext cx="6477000" cy="381000"/>
+          </a:xfrm>
+          <a:prstGeom prst="rect">
+            <a:avLst/>
+          </a:prstGeom>
+        </p:spPr>
+        <p:style>
+          <a:lnRef idx="2">
+            <a:schemeClr val="accent1">
+              <a:shade val="50000"/>
+            </a:schemeClr>
+          </a:lnRef>
+          <a:fillRef idx="1">
+            <a:schemeClr val="accent1"/>
+          </a:fillRef>
+          <a:effectRef idx="0">
+            <a:schemeClr val="accent1"/>
+          </a:effectRef>
+          <a:fontRef idx="minor">
+            <a:schemeClr val="lt1"/>
+          </a:fontRef>
+        </p:style>
+        <p:txBody>
+          <a:bodyPr rtlCol="0" anchor="ctr"/>
+          <a:lstStyle/>
+          <a:p>
+            <a:r>
+              <a:rPr lang="en-US" dirty="0" err="1" smtClean="0">
+                <a:latin typeface="Courier New" panose="02070309020205020404" pitchFamily="49" charset="0"/>
+                <a:cs typeface="Courier New" panose="02070309020205020404" pitchFamily="49" charset="0"/>
+              </a:rPr>
+              <a:t>git</a:t>
+            </a:r>
+            <a:r>
+              <a:rPr lang="en-US" dirty="0" smtClean="0">
+                <a:latin typeface="Courier New" panose="02070309020205020404" pitchFamily="49" charset="0"/>
+                <a:cs typeface="Courier New" panose="02070309020205020404" pitchFamily="49" charset="0"/>
+              </a:rPr>
+              <a:t> log</a:t>
+            </a:r>
+            <a:endParaRPr lang="en-US" dirty="0">
+              <a:latin typeface="Courier New" panose="02070309020205020404" pitchFamily="49" charset="0"/>
+              <a:cs typeface="Courier New" panose="02070309020205020404" pitchFamily="49" charset="0"/>
+            </a:endParaRPr>
+          </a:p>
+        </p:txBody>
+      </p:sp>
+    </p:spTree>
+    <p:extLst>
+      <p:ext uri="{BB962C8B-B14F-4D97-AF65-F5344CB8AC3E}">
+        <p14:creationId xmlns:p14="http://schemas.microsoft.com/office/powerpoint/2010/main" val="227813372"/>
+      </p:ext>
+    </p:extLst>
+  </p:cSld>
+  <p:clrMapOvr>
+    <a:masterClrMapping/>
+  </p:clrMapOvr>
+</p:sld>
+</file>
+
+<file path=ppt/slides/slide13.xml><?xml version="1.0" encoding="utf-8"?>
+<p:sld xmlns:a="http://schemas.openxmlformats.org/drawingml/2006/main" xmlns:r="http://schemas.openxmlformats.org/officeDocument/2006/relationships" xmlns:p="http://schemas.openxmlformats.org/presentationml/2006/main">
+  <p:cSld>
+    <p:spTree>
+      <p:nvGrpSpPr>
+        <p:cNvPr id="1" name=""/>
+        <p:cNvGrpSpPr/>
+        <p:nvPr/>
+      </p:nvGrpSpPr>
+      <p:grpSpPr>
+        <a:xfrm>
+          <a:off x="0" y="0"/>
+          <a:ext cx="0" cy="0"/>
+          <a:chOff x="0" y="0"/>
+          <a:chExt cx="0" cy="0"/>
+        </a:xfrm>
+      </p:grpSpPr>
+      <p:sp>
+        <p:nvSpPr>
+          <p:cNvPr id="2" name="Title 1"/>
+          <p:cNvSpPr>
+            <a:spLocks noGrp="1"/>
+          </p:cNvSpPr>
+          <p:nvPr>
+            <p:ph type="title"/>
+          </p:nvPr>
+        </p:nvSpPr>
+        <p:spPr/>
+        <p:txBody>
+          <a:bodyPr/>
+          <a:lstStyle/>
+          <a:p>
+            <a:r>
+              <a:rPr lang="en-US" dirty="0" smtClean="0"/>
+              <a:t>Recording changes</a:t>
+            </a:r>
+            <a:endParaRPr lang="en-US" dirty="0"/>
+          </a:p>
+        </p:txBody>
+      </p:sp>
+      <p:sp>
+        <p:nvSpPr>
+          <p:cNvPr id="3" name="Content Placeholder 2"/>
+          <p:cNvSpPr>
+            <a:spLocks noGrp="1"/>
+          </p:cNvSpPr>
+          <p:nvPr>
+            <p:ph idx="1"/>
+          </p:nvPr>
+        </p:nvSpPr>
+        <p:spPr/>
+        <p:txBody>
+          <a:bodyPr/>
+          <a:lstStyle/>
+          <a:p>
+            <a:r>
+              <a:rPr lang="en-US" dirty="0" smtClean="0"/>
+              <a:t>To record changes commit them to the repository</a:t>
+            </a:r>
+          </a:p>
+          <a:p>
+            <a:pPr marL="800100" lvl="1" indent="-342900"/>
+            <a:r>
+              <a:rPr lang="en-US" dirty="0" smtClean="0"/>
+              <a:t>Commit a single file</a:t>
+            </a:r>
+          </a:p>
+          <a:p>
+            <a:pPr marL="800100" lvl="1" indent="-342900"/>
+            <a:endParaRPr lang="en-US" dirty="0"/>
+          </a:p>
+          <a:p>
+            <a:pPr marL="800100" lvl="1" indent="-342900"/>
+            <a:endParaRPr lang="en-US" dirty="0" smtClean="0"/>
+          </a:p>
+          <a:p>
+            <a:pPr marL="800100" lvl="1" indent="-342900"/>
+            <a:r>
+              <a:rPr lang="en-US" dirty="0" smtClean="0"/>
+              <a:t>Commit all changed files</a:t>
+            </a:r>
+          </a:p>
+          <a:p>
+            <a:pPr marL="800100" lvl="1" indent="-342900"/>
+            <a:endParaRPr lang="en-US" dirty="0"/>
+          </a:p>
+          <a:p>
+            <a:pPr marL="800100" lvl="1" indent="-342900"/>
+            <a:endParaRPr lang="en-US" dirty="0" smtClean="0"/>
+          </a:p>
+          <a:p>
+            <a:pPr marL="800100" lvl="1" indent="-342900"/>
+            <a:r>
+              <a:rPr lang="en-US" dirty="0" smtClean="0"/>
+              <a:t>Commit all changed files with an inline message</a:t>
+            </a:r>
+          </a:p>
+        </p:txBody>
+      </p:sp>
+      <p:sp>
+        <p:nvSpPr>
+          <p:cNvPr id="4" name="Slide Number Placeholder 3"/>
+          <p:cNvSpPr>
+            <a:spLocks noGrp="1"/>
+          </p:cNvSpPr>
+          <p:nvPr>
+            <p:ph type="sldNum" sz="quarter" idx="12"/>
+          </p:nvPr>
+        </p:nvSpPr>
+        <p:spPr/>
+        <p:txBody>
+          <a:bodyPr/>
+          <a:lstStyle/>
+          <a:p>
+            <a:fld id="{6DA12B36-9664-4CB0-8B2E-F4A2F44AE97E}" type="slidenum">
+              <a:rPr lang="en-US" smtClean="0"/>
+              <a:t>13</a:t>
+            </a:fld>
+            <a:endParaRPr lang="en-US"/>
+          </a:p>
+        </p:txBody>
+      </p:sp>
+      <p:sp>
+        <p:nvSpPr>
+          <p:cNvPr id="5" name="Rectangle 4"/>
+          <p:cNvSpPr/>
+          <p:nvPr/>
+        </p:nvSpPr>
+        <p:spPr>
+          <a:xfrm>
+            <a:off x="1447800" y="2667000"/>
+            <a:ext cx="6477000" cy="381000"/>
+          </a:xfrm>
+          <a:prstGeom prst="rect">
+            <a:avLst/>
+          </a:prstGeom>
+        </p:spPr>
+        <p:style>
+          <a:lnRef idx="2">
+            <a:schemeClr val="accent1">
+              <a:shade val="50000"/>
+            </a:schemeClr>
+          </a:lnRef>
+          <a:fillRef idx="1">
+            <a:schemeClr val="accent1"/>
+          </a:fillRef>
+          <a:effectRef idx="0">
+            <a:schemeClr val="accent1"/>
+          </a:effectRef>
+          <a:fontRef idx="minor">
+            <a:schemeClr val="lt1"/>
+          </a:fontRef>
+        </p:style>
+        <p:txBody>
+          <a:bodyPr rtlCol="0" anchor="ctr"/>
+          <a:lstStyle/>
+          <a:p>
+            <a:r>
+              <a:rPr lang="en-US" dirty="0" err="1" smtClean="0">
+                <a:latin typeface="Courier New" panose="02070309020205020404" pitchFamily="49" charset="0"/>
+                <a:cs typeface="Courier New" panose="02070309020205020404" pitchFamily="49" charset="0"/>
+              </a:rPr>
+              <a:t>git</a:t>
+            </a:r>
+            <a:r>
+              <a:rPr lang="en-US" dirty="0" smtClean="0">
+                <a:latin typeface="Courier New" panose="02070309020205020404" pitchFamily="49" charset="0"/>
+                <a:cs typeface="Courier New" panose="02070309020205020404" pitchFamily="49" charset="0"/>
+              </a:rPr>
+              <a:t> </a:t>
+            </a:r>
+            <a:r>
+              <a:rPr lang="en-US" dirty="0" smtClean="0">
+                <a:latin typeface="Courier New" panose="02070309020205020404" pitchFamily="49" charset="0"/>
+                <a:cs typeface="Courier New" panose="02070309020205020404" pitchFamily="49" charset="0"/>
+              </a:rPr>
+              <a:t>commit</a:t>
+            </a:r>
+            <a:r>
+              <a:rPr lang="en-US" dirty="0" smtClean="0">
+                <a:latin typeface="Courier New" panose="02070309020205020404" pitchFamily="49" charset="0"/>
+                <a:cs typeface="Courier New" panose="02070309020205020404" pitchFamily="49" charset="0"/>
+              </a:rPr>
+              <a:t> </a:t>
+            </a:r>
+            <a:r>
+              <a:rPr lang="en-US" dirty="0" smtClean="0">
+                <a:latin typeface="Courier New" panose="02070309020205020404" pitchFamily="49" charset="0"/>
+                <a:cs typeface="Courier New" panose="02070309020205020404" pitchFamily="49" charset="0"/>
+              </a:rPr>
+              <a:t>path/to/file</a:t>
+            </a:r>
+            <a:endParaRPr lang="en-US" dirty="0">
+              <a:latin typeface="Courier New" panose="02070309020205020404" pitchFamily="49" charset="0"/>
+              <a:cs typeface="Courier New" panose="02070309020205020404" pitchFamily="49" charset="0"/>
+            </a:endParaRPr>
+          </a:p>
+        </p:txBody>
+      </p:sp>
+      <p:sp>
+        <p:nvSpPr>
+          <p:cNvPr id="6" name="Rectangle 5"/>
+          <p:cNvSpPr/>
+          <p:nvPr/>
+        </p:nvSpPr>
+        <p:spPr>
+          <a:xfrm>
+            <a:off x="1447800" y="3810000"/>
+            <a:ext cx="6477000" cy="381000"/>
+          </a:xfrm>
+          <a:prstGeom prst="rect">
+            <a:avLst/>
+          </a:prstGeom>
+        </p:spPr>
+        <p:style>
+          <a:lnRef idx="2">
+            <a:schemeClr val="accent1">
+              <a:shade val="50000"/>
+            </a:schemeClr>
+          </a:lnRef>
+          <a:fillRef idx="1">
+            <a:schemeClr val="accent1"/>
+          </a:fillRef>
+          <a:effectRef idx="0">
+            <a:schemeClr val="accent1"/>
+          </a:effectRef>
+          <a:fontRef idx="minor">
+            <a:schemeClr val="lt1"/>
+          </a:fontRef>
+        </p:style>
+        <p:txBody>
+          <a:bodyPr rtlCol="0" anchor="ctr"/>
+          <a:lstStyle/>
+          <a:p>
+            <a:r>
+              <a:rPr lang="en-US" dirty="0" err="1" smtClean="0">
+                <a:latin typeface="Courier New" panose="02070309020205020404" pitchFamily="49" charset="0"/>
+                <a:cs typeface="Courier New" panose="02070309020205020404" pitchFamily="49" charset="0"/>
+              </a:rPr>
+              <a:t>git</a:t>
+            </a:r>
+            <a:r>
+              <a:rPr lang="en-US" dirty="0" smtClean="0">
+                <a:latin typeface="Courier New" panose="02070309020205020404" pitchFamily="49" charset="0"/>
+                <a:cs typeface="Courier New" panose="02070309020205020404" pitchFamily="49" charset="0"/>
+              </a:rPr>
+              <a:t> </a:t>
+            </a:r>
+            <a:r>
+              <a:rPr lang="en-US" dirty="0" smtClean="0">
+                <a:latin typeface="Courier New" panose="02070309020205020404" pitchFamily="49" charset="0"/>
+                <a:cs typeface="Courier New" panose="02070309020205020404" pitchFamily="49" charset="0"/>
+              </a:rPr>
+              <a:t>commit</a:t>
+            </a:r>
+            <a:r>
+              <a:rPr lang="en-US" dirty="0" smtClean="0">
+                <a:latin typeface="Courier New" panose="02070309020205020404" pitchFamily="49" charset="0"/>
+                <a:cs typeface="Courier New" panose="02070309020205020404" pitchFamily="49" charset="0"/>
+              </a:rPr>
+              <a:t> -a</a:t>
+            </a:r>
+            <a:endParaRPr lang="en-US" dirty="0">
+              <a:latin typeface="Courier New" panose="02070309020205020404" pitchFamily="49" charset="0"/>
+              <a:cs typeface="Courier New" panose="02070309020205020404" pitchFamily="49" charset="0"/>
+            </a:endParaRPr>
+          </a:p>
+        </p:txBody>
+      </p:sp>
+      <p:sp>
+        <p:nvSpPr>
+          <p:cNvPr id="7" name="Rectangle 6"/>
+          <p:cNvSpPr/>
+          <p:nvPr/>
+        </p:nvSpPr>
+        <p:spPr>
+          <a:xfrm>
+            <a:off x="1447800" y="4876800"/>
+            <a:ext cx="6477000" cy="381000"/>
+          </a:xfrm>
+          <a:prstGeom prst="rect">
+            <a:avLst/>
+          </a:prstGeom>
+        </p:spPr>
+        <p:style>
+          <a:lnRef idx="2">
+            <a:schemeClr val="accent1">
+              <a:shade val="50000"/>
+            </a:schemeClr>
+          </a:lnRef>
+          <a:fillRef idx="1">
+            <a:schemeClr val="accent1"/>
+          </a:fillRef>
+          <a:effectRef idx="0">
+            <a:schemeClr val="accent1"/>
+          </a:effectRef>
+          <a:fontRef idx="minor">
+            <a:schemeClr val="lt1"/>
+          </a:fontRef>
+        </p:style>
+        <p:txBody>
+          <a:bodyPr rtlCol="0" anchor="ctr"/>
+          <a:lstStyle/>
+          <a:p>
+            <a:r>
+              <a:rPr lang="en-US" dirty="0" err="1" smtClean="0">
+                <a:latin typeface="Courier New" panose="02070309020205020404" pitchFamily="49" charset="0"/>
+                <a:cs typeface="Courier New" panose="02070309020205020404" pitchFamily="49" charset="0"/>
+              </a:rPr>
+              <a:t>git</a:t>
+            </a:r>
+            <a:r>
+              <a:rPr lang="en-US" dirty="0" smtClean="0">
+                <a:latin typeface="Courier New" panose="02070309020205020404" pitchFamily="49" charset="0"/>
+                <a:cs typeface="Courier New" panose="02070309020205020404" pitchFamily="49" charset="0"/>
+              </a:rPr>
+              <a:t> </a:t>
+            </a:r>
+            <a:r>
+              <a:rPr lang="en-US" dirty="0" smtClean="0">
+                <a:latin typeface="Courier New" panose="02070309020205020404" pitchFamily="49" charset="0"/>
+                <a:cs typeface="Courier New" panose="02070309020205020404" pitchFamily="49" charset="0"/>
+              </a:rPr>
+              <a:t>commit</a:t>
+            </a:r>
+            <a:r>
+              <a:rPr lang="en-US" dirty="0" smtClean="0">
+                <a:latin typeface="Courier New" panose="02070309020205020404" pitchFamily="49" charset="0"/>
+                <a:cs typeface="Courier New" panose="02070309020205020404" pitchFamily="49" charset="0"/>
+              </a:rPr>
+              <a:t> –a –m “Correct possible deadlock.”</a:t>
+            </a:r>
+            <a:endParaRPr lang="en-US" dirty="0">
+              <a:latin typeface="Courier New" panose="02070309020205020404" pitchFamily="49" charset="0"/>
+              <a:cs typeface="Courier New" panose="02070309020205020404" pitchFamily="49" charset="0"/>
+            </a:endParaRPr>
+          </a:p>
+        </p:txBody>
+      </p:sp>
+    </p:spTree>
+    <p:extLst>
+      <p:ext uri="{BB962C8B-B14F-4D97-AF65-F5344CB8AC3E}">
+        <p14:creationId xmlns:p14="http://schemas.microsoft.com/office/powerpoint/2010/main" val="1921603728"/>
+      </p:ext>
+    </p:extLst>
+  </p:cSld>
+  <p:clrMapOvr>
+    <a:masterClrMapping/>
+  </p:clrMapOvr>
+</p:sld>
+</file>
+
+<file path=ppt/slides/slide14.xml><?xml version="1.0" encoding="utf-8"?>
+<p:sld xmlns:a="http://schemas.openxmlformats.org/drawingml/2006/main" xmlns:r="http://schemas.openxmlformats.org/officeDocument/2006/relationships" xmlns:p="http://schemas.openxmlformats.org/presentationml/2006/main">
+  <p:cSld>
+    <p:spTree>
+      <p:nvGrpSpPr>
+        <p:cNvPr id="1" name=""/>
+        <p:cNvGrpSpPr/>
+        <p:nvPr/>
+      </p:nvGrpSpPr>
+      <p:grpSpPr>
+        <a:xfrm>
+          <a:off x="0" y="0"/>
+          <a:ext cx="0" cy="0"/>
+          <a:chOff x="0" y="0"/>
+          <a:chExt cx="0" cy="0"/>
+        </a:xfrm>
+      </p:grpSpPr>
+      <p:sp>
+        <p:nvSpPr>
+          <p:cNvPr id="2" name="Title 1"/>
+          <p:cNvSpPr>
+            <a:spLocks noGrp="1"/>
+          </p:cNvSpPr>
+          <p:nvPr>
+            <p:ph type="title"/>
+          </p:nvPr>
+        </p:nvSpPr>
+        <p:spPr/>
+        <p:txBody>
+          <a:bodyPr/>
+          <a:lstStyle/>
+          <a:p>
+            <a:r>
+              <a:rPr lang="en-US" dirty="0" smtClean="0"/>
+              <a:t>Undoing changes to the local repo</a:t>
+            </a:r>
+            <a:endParaRPr lang="en-US" dirty="0"/>
+          </a:p>
+        </p:txBody>
+      </p:sp>
+      <p:sp>
+        <p:nvSpPr>
+          <p:cNvPr id="3" name="Content Placeholder 2"/>
+          <p:cNvSpPr>
+            <a:spLocks noGrp="1"/>
+          </p:cNvSpPr>
+          <p:nvPr>
+            <p:ph idx="1"/>
+          </p:nvPr>
+        </p:nvSpPr>
+        <p:spPr/>
+        <p:txBody>
+          <a:bodyPr/>
+          <a:lstStyle/>
+          <a:p>
+            <a:r>
+              <a:rPr lang="en-US" dirty="0" smtClean="0"/>
+              <a:t>You can undo local changes which have not yet been committed to the repository</a:t>
+            </a:r>
+          </a:p>
+          <a:p>
+            <a:pPr marL="800100" lvl="1" indent="-342900"/>
+            <a:r>
+              <a:rPr lang="en-US" dirty="0" smtClean="0"/>
+              <a:t>To change a modified file back to the version in the repository</a:t>
+            </a:r>
+          </a:p>
+          <a:p>
+            <a:pPr marL="800100" lvl="1" indent="-342900"/>
+            <a:endParaRPr lang="en-US" dirty="0"/>
+          </a:p>
+          <a:p>
+            <a:pPr marL="800100" lvl="1" indent="-342900"/>
+            <a:endParaRPr lang="en-US" dirty="0" smtClean="0"/>
+          </a:p>
+          <a:p>
+            <a:pPr marL="800100" lvl="1" indent="-342900"/>
+            <a:r>
+              <a:rPr lang="en-US" dirty="0" smtClean="0"/>
+              <a:t>To change a staged (moved, added, deleted) file back to the version in the repository</a:t>
+            </a:r>
+            <a:endParaRPr lang="en-US" dirty="0"/>
+          </a:p>
+        </p:txBody>
+      </p:sp>
+      <p:sp>
+        <p:nvSpPr>
+          <p:cNvPr id="4" name="Slide Number Placeholder 3"/>
+          <p:cNvSpPr>
+            <a:spLocks noGrp="1"/>
+          </p:cNvSpPr>
+          <p:nvPr>
+            <p:ph type="sldNum" sz="quarter" idx="12"/>
+          </p:nvPr>
+        </p:nvSpPr>
+        <p:spPr/>
+        <p:txBody>
+          <a:bodyPr/>
+          <a:lstStyle/>
+          <a:p>
+            <a:fld id="{6DA12B36-9664-4CB0-8B2E-F4A2F44AE97E}" type="slidenum">
+              <a:rPr lang="en-US" smtClean="0"/>
+              <a:t>14</a:t>
+            </a:fld>
+            <a:endParaRPr lang="en-US"/>
+          </a:p>
+        </p:txBody>
+      </p:sp>
+      <p:sp>
+        <p:nvSpPr>
+          <p:cNvPr id="5" name="Rectangle 4"/>
+          <p:cNvSpPr/>
+          <p:nvPr/>
+        </p:nvSpPr>
+        <p:spPr>
+          <a:xfrm>
+            <a:off x="1447800" y="3276600"/>
+            <a:ext cx="6477000" cy="381000"/>
+          </a:xfrm>
+          <a:prstGeom prst="rect">
+            <a:avLst/>
+          </a:prstGeom>
+        </p:spPr>
+        <p:style>
+          <a:lnRef idx="2">
+            <a:schemeClr val="accent1">
+              <a:shade val="50000"/>
+            </a:schemeClr>
+          </a:lnRef>
+          <a:fillRef idx="1">
+            <a:schemeClr val="accent1"/>
+          </a:fillRef>
+          <a:effectRef idx="0">
+            <a:schemeClr val="accent1"/>
+          </a:effectRef>
+          <a:fontRef idx="minor">
+            <a:schemeClr val="lt1"/>
+          </a:fontRef>
+        </p:style>
+        <p:txBody>
+          <a:bodyPr rtlCol="0" anchor="ctr"/>
+          <a:lstStyle/>
+          <a:p>
+            <a:r>
+              <a:rPr lang="en-US" dirty="0" err="1">
+                <a:latin typeface="Courier New" panose="02070309020205020404" pitchFamily="49" charset="0"/>
+                <a:cs typeface="Courier New" panose="02070309020205020404" pitchFamily="49" charset="0"/>
+              </a:rPr>
+              <a:t>git</a:t>
+            </a:r>
+            <a:r>
+              <a:rPr lang="en-US" dirty="0">
+                <a:latin typeface="Courier New" panose="02070309020205020404" pitchFamily="49" charset="0"/>
+                <a:cs typeface="Courier New" panose="02070309020205020404" pitchFamily="49" charset="0"/>
+              </a:rPr>
+              <a:t> checkout </a:t>
+            </a:r>
+            <a:r>
+              <a:rPr lang="en-US" dirty="0" smtClean="0">
+                <a:latin typeface="Courier New" panose="02070309020205020404" pitchFamily="49" charset="0"/>
+                <a:cs typeface="Courier New" panose="02070309020205020404" pitchFamily="49" charset="0"/>
+              </a:rPr>
+              <a:t>-- path/to/file</a:t>
+            </a:r>
+            <a:endParaRPr lang="en-US" dirty="0">
+              <a:latin typeface="Courier New" panose="02070309020205020404" pitchFamily="49" charset="0"/>
+              <a:cs typeface="Courier New" panose="02070309020205020404" pitchFamily="49" charset="0"/>
+            </a:endParaRPr>
+          </a:p>
+        </p:txBody>
+      </p:sp>
+      <p:sp>
+        <p:nvSpPr>
+          <p:cNvPr id="6" name="Rectangle 5"/>
+          <p:cNvSpPr/>
+          <p:nvPr/>
+        </p:nvSpPr>
+        <p:spPr>
+          <a:xfrm>
+            <a:off x="1447800" y="4648200"/>
+            <a:ext cx="6477000" cy="381000"/>
+          </a:xfrm>
+          <a:prstGeom prst="rect">
+            <a:avLst/>
+          </a:prstGeom>
+        </p:spPr>
+        <p:style>
+          <a:lnRef idx="2">
+            <a:schemeClr val="accent1">
+              <a:shade val="50000"/>
+            </a:schemeClr>
+          </a:lnRef>
+          <a:fillRef idx="1">
+            <a:schemeClr val="accent1"/>
+          </a:fillRef>
+          <a:effectRef idx="0">
+            <a:schemeClr val="accent1"/>
+          </a:effectRef>
+          <a:fontRef idx="minor">
+            <a:schemeClr val="lt1"/>
+          </a:fontRef>
+        </p:style>
+        <p:txBody>
+          <a:bodyPr rtlCol="0" anchor="ctr"/>
+          <a:lstStyle/>
+          <a:p>
+            <a:r>
+              <a:rPr lang="en-US" dirty="0" err="1">
+                <a:latin typeface="Courier New" panose="02070309020205020404" pitchFamily="49" charset="0"/>
+                <a:cs typeface="Courier New" panose="02070309020205020404" pitchFamily="49" charset="0"/>
+              </a:rPr>
+              <a:t>git</a:t>
+            </a:r>
+            <a:r>
+              <a:rPr lang="en-US" dirty="0">
+                <a:latin typeface="Courier New" panose="02070309020205020404" pitchFamily="49" charset="0"/>
+                <a:cs typeface="Courier New" panose="02070309020205020404" pitchFamily="49" charset="0"/>
+              </a:rPr>
+              <a:t> reset </a:t>
+            </a:r>
+            <a:r>
+              <a:rPr lang="en-US" dirty="0" smtClean="0">
+                <a:latin typeface="Courier New" panose="02070309020205020404" pitchFamily="49" charset="0"/>
+                <a:cs typeface="Courier New" panose="02070309020205020404" pitchFamily="49" charset="0"/>
+              </a:rPr>
+              <a:t>HEAD path/to/file</a:t>
+            </a:r>
+            <a:endParaRPr lang="en-US" dirty="0">
+              <a:latin typeface="Courier New" panose="02070309020205020404" pitchFamily="49" charset="0"/>
+              <a:cs typeface="Courier New" panose="02070309020205020404" pitchFamily="49" charset="0"/>
+            </a:endParaRPr>
+          </a:p>
+        </p:txBody>
+      </p:sp>
+    </p:spTree>
+    <p:extLst>
+      <p:ext uri="{BB962C8B-B14F-4D97-AF65-F5344CB8AC3E}">
+        <p14:creationId xmlns:p14="http://schemas.microsoft.com/office/powerpoint/2010/main" val="1866459283"/>
+      </p:ext>
+    </p:extLst>
+  </p:cSld>
+  <p:clrMapOvr>
+    <a:masterClrMapping/>
+  </p:clrMapOvr>
+  <p:timing>
+    <p:tnLst>
+      <p:par>
+        <p:cTn id="1" dur="indefinite" restart="never" nodeType="tmRoot"/>
+      </p:par>
+    </p:tnLst>
+  </p:timing>
+</p:sld>
+</file>
+
+<file path=ppt/slides/slide15.xml><?xml version="1.0" encoding="utf-8"?>
+<p:sld xmlns:a="http://schemas.openxmlformats.org/drawingml/2006/main" xmlns:r="http://schemas.openxmlformats.org/officeDocument/2006/relationships" xmlns:p="http://schemas.openxmlformats.org/presentationml/2006/main">
+  <p:cSld>
+    <p:spTree>
+      <p:nvGrpSpPr>
+        <p:cNvPr id="1" name=""/>
+        <p:cNvGrpSpPr/>
+        <p:nvPr/>
+      </p:nvGrpSpPr>
+      <p:grpSpPr>
+        <a:xfrm>
+          <a:off x="0" y="0"/>
+          <a:ext cx="0" cy="0"/>
+          <a:chOff x="0" y="0"/>
+          <a:chExt cx="0" cy="0"/>
+        </a:xfrm>
+      </p:grpSpPr>
+      <p:sp>
+        <p:nvSpPr>
+          <p:cNvPr id="2" name="Title 1"/>
+          <p:cNvSpPr>
+            <a:spLocks noGrp="1"/>
+          </p:cNvSpPr>
+          <p:nvPr>
+            <p:ph type="title"/>
+          </p:nvPr>
+        </p:nvSpPr>
+        <p:spPr/>
+        <p:txBody>
+          <a:bodyPr/>
+          <a:lstStyle/>
+          <a:p>
+            <a:r>
+              <a:rPr lang="en-US" dirty="0" smtClean="0"/>
+              <a:t>Pushing and pulling changes</a:t>
+            </a:r>
+            <a:endParaRPr lang="en-US" dirty="0"/>
+          </a:p>
+        </p:txBody>
+      </p:sp>
+      <p:sp>
+        <p:nvSpPr>
+          <p:cNvPr id="3" name="Content Placeholder 2"/>
+          <p:cNvSpPr>
+            <a:spLocks noGrp="1"/>
+          </p:cNvSpPr>
+          <p:nvPr>
+            <p:ph idx="1"/>
+          </p:nvPr>
+        </p:nvSpPr>
+        <p:spPr/>
+        <p:txBody>
+          <a:bodyPr/>
+          <a:lstStyle/>
+          <a:p>
+            <a:r>
+              <a:rPr lang="en-US" dirty="0" smtClean="0"/>
+              <a:t>Changes can be moved from a local repository to a remote repository and back.</a:t>
+            </a:r>
+            <a:endParaRPr lang="en-US" dirty="0"/>
+          </a:p>
+        </p:txBody>
+      </p:sp>
+      <p:sp>
+        <p:nvSpPr>
+          <p:cNvPr id="4" name="Slide Number Placeholder 3"/>
+          <p:cNvSpPr>
+            <a:spLocks noGrp="1"/>
+          </p:cNvSpPr>
+          <p:nvPr>
+            <p:ph type="sldNum" sz="quarter" idx="12"/>
+          </p:nvPr>
+        </p:nvSpPr>
+        <p:spPr/>
+        <p:txBody>
+          <a:bodyPr/>
+          <a:lstStyle/>
+          <a:p>
+            <a:fld id="{6DA12B36-9664-4CB0-8B2E-F4A2F44AE97E}" type="slidenum">
+              <a:rPr lang="en-US" smtClean="0"/>
+              <a:t>15</a:t>
+            </a:fld>
+            <a:endParaRPr lang="en-US"/>
+          </a:p>
+        </p:txBody>
+      </p:sp>
+      <p:grpSp>
+        <p:nvGrpSpPr>
+          <p:cNvPr id="5" name="Group 4"/>
+          <p:cNvGrpSpPr/>
+          <p:nvPr/>
+        </p:nvGrpSpPr>
+        <p:grpSpPr>
+          <a:xfrm>
+            <a:off x="914400" y="2221468"/>
+            <a:ext cx="7772400" cy="4179332"/>
+            <a:chOff x="914400" y="2221468"/>
+            <a:chExt cx="7772400" cy="4179332"/>
+          </a:xfrm>
+        </p:grpSpPr>
+        <p:grpSp>
+          <p:nvGrpSpPr>
+            <p:cNvPr id="6" name="Group 5"/>
+            <p:cNvGrpSpPr/>
+            <p:nvPr/>
+          </p:nvGrpSpPr>
+          <p:grpSpPr>
+            <a:xfrm>
+              <a:off x="3048000" y="2686878"/>
+              <a:ext cx="1411355" cy="797269"/>
+              <a:chOff x="609600" y="3124200"/>
+              <a:chExt cx="7505700" cy="2667000"/>
+            </a:xfrm>
+          </p:grpSpPr>
+          <p:sp>
+            <p:nvSpPr>
+              <p:cNvPr id="102" name="Rectangle 101"/>
+              <p:cNvSpPr/>
+              <p:nvPr/>
+            </p:nvSpPr>
+            <p:spPr>
+              <a:xfrm>
+                <a:off x="2743201" y="3124200"/>
+                <a:ext cx="2743201" cy="685800"/>
+              </a:xfrm>
+              <a:prstGeom prst="rect">
+                <a:avLst/>
+              </a:prstGeom>
+            </p:spPr>
+            <p:style>
+              <a:lnRef idx="2">
+                <a:schemeClr val="accent1">
+                  <a:shade val="50000"/>
+                </a:schemeClr>
+              </a:lnRef>
+              <a:fillRef idx="1">
+                <a:schemeClr val="accent1"/>
+              </a:fillRef>
+              <a:effectRef idx="0">
+                <a:schemeClr val="accent1"/>
+              </a:effectRef>
+              <a:fontRef idx="minor">
+                <a:schemeClr val="lt1"/>
+              </a:fontRef>
+            </p:style>
+            <p:txBody>
+              <a:bodyPr rtlCol="0" anchor="ctr"/>
+              <a:lstStyle/>
+              <a:p>
+                <a:pPr algn="ctr"/>
+                <a:endParaRPr lang="en-US" dirty="0"/>
+              </a:p>
+            </p:txBody>
+          </p:sp>
+          <p:sp>
+            <p:nvSpPr>
+              <p:cNvPr id="103" name="Rectangle 102"/>
+              <p:cNvSpPr/>
+              <p:nvPr/>
+            </p:nvSpPr>
+            <p:spPr>
+              <a:xfrm>
+                <a:off x="609600" y="5105400"/>
+                <a:ext cx="1752600" cy="685800"/>
+              </a:xfrm>
+              <a:prstGeom prst="rect">
+                <a:avLst/>
+              </a:prstGeom>
+            </p:spPr>
+            <p:style>
+              <a:lnRef idx="2">
+                <a:schemeClr val="accent1">
+                  <a:shade val="50000"/>
+                </a:schemeClr>
+              </a:lnRef>
+              <a:fillRef idx="1">
+                <a:schemeClr val="accent1"/>
+              </a:fillRef>
+              <a:effectRef idx="0">
+                <a:schemeClr val="accent1"/>
+              </a:effectRef>
+              <a:fontRef idx="minor">
+                <a:schemeClr val="lt1"/>
+              </a:fontRef>
+            </p:style>
+            <p:txBody>
+              <a:bodyPr rtlCol="0" anchor="ctr"/>
+              <a:lstStyle/>
+              <a:p>
+                <a:pPr algn="ctr"/>
+                <a:endParaRPr lang="en-US" dirty="0"/>
+              </a:p>
+            </p:txBody>
+          </p:sp>
+          <p:sp>
+            <p:nvSpPr>
+              <p:cNvPr id="104" name="Rectangle 103"/>
+              <p:cNvSpPr/>
+              <p:nvPr/>
+            </p:nvSpPr>
+            <p:spPr>
+              <a:xfrm>
+                <a:off x="2536372" y="5086895"/>
+                <a:ext cx="1752600" cy="685800"/>
+              </a:xfrm>
+              <a:prstGeom prst="rect">
+                <a:avLst/>
+              </a:prstGeom>
+            </p:spPr>
+            <p:style>
+              <a:lnRef idx="2">
+                <a:schemeClr val="accent1">
+                  <a:shade val="50000"/>
+                </a:schemeClr>
+              </a:lnRef>
+              <a:fillRef idx="1">
+                <a:schemeClr val="accent1"/>
+              </a:fillRef>
+              <a:effectRef idx="0">
+                <a:schemeClr val="accent1"/>
+              </a:effectRef>
+              <a:fontRef idx="minor">
+                <a:schemeClr val="lt1"/>
+              </a:fontRef>
+            </p:style>
+            <p:txBody>
+              <a:bodyPr rtlCol="0" anchor="ctr"/>
+              <a:lstStyle/>
+              <a:p>
+                <a:pPr algn="ctr"/>
+                <a:endParaRPr lang="en-US" dirty="0"/>
+              </a:p>
+            </p:txBody>
+          </p:sp>
+          <p:sp>
+            <p:nvSpPr>
+              <p:cNvPr id="105" name="Rectangle 104"/>
+              <p:cNvSpPr/>
+              <p:nvPr/>
+            </p:nvSpPr>
+            <p:spPr>
+              <a:xfrm>
+                <a:off x="4457700" y="5082541"/>
+                <a:ext cx="1752600" cy="685800"/>
+              </a:xfrm>
+              <a:prstGeom prst="rect">
+                <a:avLst/>
+              </a:prstGeom>
+            </p:spPr>
+            <p:style>
+              <a:lnRef idx="2">
+                <a:schemeClr val="accent1">
+                  <a:shade val="50000"/>
+                </a:schemeClr>
+              </a:lnRef>
+              <a:fillRef idx="1">
+                <a:schemeClr val="accent1"/>
+              </a:fillRef>
+              <a:effectRef idx="0">
+                <a:schemeClr val="accent1"/>
+              </a:effectRef>
+              <a:fontRef idx="minor">
+                <a:schemeClr val="lt1"/>
+              </a:fontRef>
+            </p:style>
+            <p:txBody>
+              <a:bodyPr rtlCol="0" anchor="ctr"/>
+              <a:lstStyle/>
+              <a:p>
+                <a:pPr algn="ctr"/>
+                <a:endParaRPr lang="en-US" dirty="0"/>
+              </a:p>
+            </p:txBody>
+          </p:sp>
+          <p:sp>
+            <p:nvSpPr>
+              <p:cNvPr id="106" name="Rectangle 105"/>
+              <p:cNvSpPr/>
+              <p:nvPr/>
+            </p:nvSpPr>
+            <p:spPr>
+              <a:xfrm>
+                <a:off x="6362700" y="5082542"/>
+                <a:ext cx="1752600" cy="685800"/>
+              </a:xfrm>
+              <a:prstGeom prst="rect">
+                <a:avLst/>
+              </a:prstGeom>
+            </p:spPr>
+            <p:style>
+              <a:lnRef idx="2">
+                <a:schemeClr val="accent1">
+                  <a:shade val="50000"/>
+                </a:schemeClr>
+              </a:lnRef>
+              <a:fillRef idx="1">
+                <a:schemeClr val="accent1"/>
+              </a:fillRef>
+              <a:effectRef idx="0">
+                <a:schemeClr val="accent1"/>
+              </a:effectRef>
+              <a:fontRef idx="minor">
+                <a:schemeClr val="lt1"/>
+              </a:fontRef>
+            </p:style>
+            <p:txBody>
+              <a:bodyPr rtlCol="0" anchor="ctr"/>
+              <a:lstStyle/>
+              <a:p>
+                <a:pPr algn="ctr"/>
+                <a:endParaRPr lang="en-US" dirty="0"/>
+              </a:p>
+            </p:txBody>
+          </p:sp>
+          <p:cxnSp>
+            <p:nvCxnSpPr>
+              <p:cNvPr id="107" name="Straight Arrow Connector 106"/>
+              <p:cNvCxnSpPr/>
+              <p:nvPr/>
+            </p:nvCxnSpPr>
+            <p:spPr>
+              <a:xfrm flipV="1">
+                <a:off x="1714500" y="3838304"/>
+                <a:ext cx="1448889" cy="1343296"/>
+              </a:xfrm>
+              <a:prstGeom prst="straightConnector1">
+                <a:avLst/>
+              </a:prstGeom>
+              <a:ln>
+                <a:tailEnd type="arrow"/>
+              </a:ln>
+            </p:spPr>
+            <p:style>
+              <a:lnRef idx="1">
+                <a:schemeClr val="accent1"/>
+              </a:lnRef>
+              <a:fillRef idx="0">
+                <a:schemeClr val="accent1"/>
+              </a:fillRef>
+              <a:effectRef idx="0">
+                <a:schemeClr val="accent1"/>
+              </a:effectRef>
+              <a:fontRef idx="minor">
+                <a:schemeClr val="tx1"/>
+              </a:fontRef>
+            </p:style>
+          </p:cxnSp>
+          <p:cxnSp>
+            <p:nvCxnSpPr>
+              <p:cNvPr id="108" name="Straight Arrow Connector 107"/>
+              <p:cNvCxnSpPr/>
+              <p:nvPr/>
+            </p:nvCxnSpPr>
+            <p:spPr>
+              <a:xfrm flipH="1">
+                <a:off x="1479369" y="3805016"/>
+                <a:ext cx="1562100" cy="1244238"/>
+              </a:xfrm>
+              <a:prstGeom prst="straightConnector1">
+                <a:avLst/>
+              </a:prstGeom>
+              <a:ln>
+                <a:tailEnd type="arrow"/>
+              </a:ln>
+            </p:spPr>
+            <p:style>
+              <a:lnRef idx="1">
+                <a:schemeClr val="accent1"/>
+              </a:lnRef>
+              <a:fillRef idx="0">
+                <a:schemeClr val="accent1"/>
+              </a:fillRef>
+              <a:effectRef idx="0">
+                <a:schemeClr val="accent1"/>
+              </a:effectRef>
+              <a:fontRef idx="minor">
+                <a:schemeClr val="tx1"/>
+              </a:fontRef>
+            </p:style>
+          </p:cxnSp>
+          <p:cxnSp>
+            <p:nvCxnSpPr>
+              <p:cNvPr id="109" name="Straight Arrow Connector 108"/>
+              <p:cNvCxnSpPr>
+                <a:endCxn id="105" idx="0"/>
+              </p:cNvCxnSpPr>
+              <p:nvPr/>
+            </p:nvCxnSpPr>
+            <p:spPr>
+              <a:xfrm>
+                <a:off x="5029200" y="3838303"/>
+                <a:ext cx="304800" cy="1244238"/>
+              </a:xfrm>
+              <a:prstGeom prst="straightConnector1">
+                <a:avLst/>
+              </a:prstGeom>
+              <a:ln>
+                <a:tailEnd type="arrow"/>
+              </a:ln>
+            </p:spPr>
+            <p:style>
+              <a:lnRef idx="1">
+                <a:schemeClr val="accent1"/>
+              </a:lnRef>
+              <a:fillRef idx="0">
+                <a:schemeClr val="accent1"/>
+              </a:fillRef>
+              <a:effectRef idx="0">
+                <a:schemeClr val="accent1"/>
+              </a:effectRef>
+              <a:fontRef idx="minor">
+                <a:schemeClr val="tx1"/>
+              </a:fontRef>
+            </p:style>
+          </p:cxnSp>
+          <p:cxnSp>
+            <p:nvCxnSpPr>
+              <p:cNvPr id="110" name="Straight Arrow Connector 109"/>
+              <p:cNvCxnSpPr>
+                <a:endCxn id="106" idx="0"/>
+              </p:cNvCxnSpPr>
+              <p:nvPr/>
+            </p:nvCxnSpPr>
+            <p:spPr>
+              <a:xfrm>
+                <a:off x="5334000" y="3838303"/>
+                <a:ext cx="1905000" cy="1244239"/>
+              </a:xfrm>
+              <a:prstGeom prst="straightConnector1">
+                <a:avLst/>
+              </a:prstGeom>
+              <a:ln>
+                <a:tailEnd type="arrow"/>
+              </a:ln>
+            </p:spPr>
+            <p:style>
+              <a:lnRef idx="1">
+                <a:schemeClr val="accent1"/>
+              </a:lnRef>
+              <a:fillRef idx="0">
+                <a:schemeClr val="accent1"/>
+              </a:fillRef>
+              <a:effectRef idx="0">
+                <a:schemeClr val="accent1"/>
+              </a:effectRef>
+              <a:fontRef idx="minor">
+                <a:schemeClr val="tx1"/>
+              </a:fontRef>
+            </p:style>
+          </p:cxnSp>
+          <p:cxnSp>
+            <p:nvCxnSpPr>
+              <p:cNvPr id="111" name="Straight Arrow Connector 110"/>
+              <p:cNvCxnSpPr/>
+              <p:nvPr/>
+            </p:nvCxnSpPr>
+            <p:spPr>
+              <a:xfrm flipH="1">
+                <a:off x="3810000" y="3810000"/>
+                <a:ext cx="152400" cy="1272541"/>
+              </a:xfrm>
+              <a:prstGeom prst="straightConnector1">
+                <a:avLst/>
+              </a:prstGeom>
+              <a:ln>
+                <a:tailEnd type="arrow"/>
+              </a:ln>
+            </p:spPr>
+            <p:style>
+              <a:lnRef idx="1">
+                <a:schemeClr val="accent1"/>
+              </a:lnRef>
+              <a:fillRef idx="0">
+                <a:schemeClr val="accent1"/>
+              </a:fillRef>
+              <a:effectRef idx="0">
+                <a:schemeClr val="accent1"/>
+              </a:effectRef>
+              <a:fontRef idx="minor">
+                <a:schemeClr val="tx1"/>
+              </a:fontRef>
+            </p:style>
+          </p:cxnSp>
+          <p:cxnSp>
+            <p:nvCxnSpPr>
+              <p:cNvPr id="112" name="Straight Arrow Connector 111"/>
+              <p:cNvCxnSpPr>
+                <a:endCxn id="102" idx="2"/>
+              </p:cNvCxnSpPr>
+              <p:nvPr/>
+            </p:nvCxnSpPr>
+            <p:spPr>
+              <a:xfrm flipV="1">
+                <a:off x="3962401" y="3810000"/>
+                <a:ext cx="152401" cy="1262531"/>
+              </a:xfrm>
+              <a:prstGeom prst="straightConnector1">
+                <a:avLst/>
+              </a:prstGeom>
+              <a:ln>
+                <a:tailEnd type="arrow"/>
+              </a:ln>
+            </p:spPr>
+            <p:style>
+              <a:lnRef idx="1">
+                <a:schemeClr val="accent1"/>
+              </a:lnRef>
+              <a:fillRef idx="0">
+                <a:schemeClr val="accent1"/>
+              </a:fillRef>
+              <a:effectRef idx="0">
+                <a:schemeClr val="accent1"/>
+              </a:effectRef>
+              <a:fontRef idx="minor">
+                <a:schemeClr val="tx1"/>
+              </a:fontRef>
+            </p:style>
+          </p:cxnSp>
+        </p:grpSp>
+        <p:grpSp>
+          <p:nvGrpSpPr>
+            <p:cNvPr id="7" name="Group 6"/>
+            <p:cNvGrpSpPr/>
+            <p:nvPr/>
+          </p:nvGrpSpPr>
+          <p:grpSpPr>
+            <a:xfrm>
+              <a:off x="1345405" y="3800363"/>
+              <a:ext cx="1411355" cy="797269"/>
+              <a:chOff x="609600" y="3124200"/>
+              <a:chExt cx="7505700" cy="2667000"/>
+            </a:xfrm>
+          </p:grpSpPr>
+          <p:sp>
+            <p:nvSpPr>
+              <p:cNvPr id="91" name="Rectangle 90"/>
+              <p:cNvSpPr/>
+              <p:nvPr/>
+            </p:nvSpPr>
+            <p:spPr>
+              <a:xfrm>
+                <a:off x="2743201" y="3124200"/>
+                <a:ext cx="2743201" cy="685800"/>
+              </a:xfrm>
+              <a:prstGeom prst="rect">
+                <a:avLst/>
+              </a:prstGeom>
+            </p:spPr>
+            <p:style>
+              <a:lnRef idx="2">
+                <a:schemeClr val="accent1">
+                  <a:shade val="50000"/>
+                </a:schemeClr>
+              </a:lnRef>
+              <a:fillRef idx="1">
+                <a:schemeClr val="accent1"/>
+              </a:fillRef>
+              <a:effectRef idx="0">
+                <a:schemeClr val="accent1"/>
+              </a:effectRef>
+              <a:fontRef idx="minor">
+                <a:schemeClr val="lt1"/>
+              </a:fontRef>
+            </p:style>
+            <p:txBody>
+              <a:bodyPr rtlCol="0" anchor="ctr"/>
+              <a:lstStyle/>
+              <a:p>
+                <a:pPr algn="ctr"/>
+                <a:endParaRPr lang="en-US" dirty="0"/>
+              </a:p>
+            </p:txBody>
+          </p:sp>
+          <p:sp>
+            <p:nvSpPr>
+              <p:cNvPr id="92" name="Rectangle 91"/>
+              <p:cNvSpPr/>
+              <p:nvPr/>
+            </p:nvSpPr>
+            <p:spPr>
+              <a:xfrm>
+                <a:off x="609600" y="5105400"/>
+                <a:ext cx="1752600" cy="685800"/>
+              </a:xfrm>
+              <a:prstGeom prst="rect">
+                <a:avLst/>
+              </a:prstGeom>
+            </p:spPr>
+            <p:style>
+              <a:lnRef idx="2">
+                <a:schemeClr val="accent1">
+                  <a:shade val="50000"/>
+                </a:schemeClr>
+              </a:lnRef>
+              <a:fillRef idx="1">
+                <a:schemeClr val="accent1"/>
+              </a:fillRef>
+              <a:effectRef idx="0">
+                <a:schemeClr val="accent1"/>
+              </a:effectRef>
+              <a:fontRef idx="minor">
+                <a:schemeClr val="lt1"/>
+              </a:fontRef>
+            </p:style>
+            <p:txBody>
+              <a:bodyPr rtlCol="0" anchor="ctr"/>
+              <a:lstStyle/>
+              <a:p>
+                <a:pPr algn="ctr"/>
+                <a:endParaRPr lang="en-US" dirty="0"/>
+              </a:p>
+            </p:txBody>
+          </p:sp>
+          <p:sp>
+            <p:nvSpPr>
+              <p:cNvPr id="93" name="Rectangle 92"/>
+              <p:cNvSpPr/>
+              <p:nvPr/>
+            </p:nvSpPr>
+            <p:spPr>
+              <a:xfrm>
+                <a:off x="2536372" y="5086895"/>
+                <a:ext cx="1752600" cy="685800"/>
+              </a:xfrm>
+              <a:prstGeom prst="rect">
+                <a:avLst/>
+              </a:prstGeom>
+            </p:spPr>
+            <p:style>
+              <a:lnRef idx="2">
+                <a:schemeClr val="accent1">
+                  <a:shade val="50000"/>
+                </a:schemeClr>
+              </a:lnRef>
+              <a:fillRef idx="1">
+                <a:schemeClr val="accent1"/>
+              </a:fillRef>
+              <a:effectRef idx="0">
+                <a:schemeClr val="accent1"/>
+              </a:effectRef>
+              <a:fontRef idx="minor">
+                <a:schemeClr val="lt1"/>
+              </a:fontRef>
+            </p:style>
+            <p:txBody>
+              <a:bodyPr rtlCol="0" anchor="ctr"/>
+              <a:lstStyle/>
+              <a:p>
+                <a:pPr algn="ctr"/>
+                <a:endParaRPr lang="en-US" dirty="0"/>
+              </a:p>
+            </p:txBody>
+          </p:sp>
+          <p:sp>
+            <p:nvSpPr>
+              <p:cNvPr id="94" name="Rectangle 93"/>
+              <p:cNvSpPr/>
+              <p:nvPr/>
+            </p:nvSpPr>
+            <p:spPr>
+              <a:xfrm>
+                <a:off x="4457700" y="5082541"/>
+                <a:ext cx="1752600" cy="685800"/>
+              </a:xfrm>
+              <a:prstGeom prst="rect">
+                <a:avLst/>
+              </a:prstGeom>
+            </p:spPr>
+            <p:style>
+              <a:lnRef idx="2">
+                <a:schemeClr val="accent1">
+                  <a:shade val="50000"/>
+                </a:schemeClr>
+              </a:lnRef>
+              <a:fillRef idx="1">
+                <a:schemeClr val="accent1"/>
+              </a:fillRef>
+              <a:effectRef idx="0">
+                <a:schemeClr val="accent1"/>
+              </a:effectRef>
+              <a:fontRef idx="minor">
+                <a:schemeClr val="lt1"/>
+              </a:fontRef>
+            </p:style>
+            <p:txBody>
+              <a:bodyPr rtlCol="0" anchor="ctr"/>
+              <a:lstStyle/>
+              <a:p>
+                <a:pPr algn="ctr"/>
+                <a:endParaRPr lang="en-US" dirty="0"/>
+              </a:p>
+            </p:txBody>
+          </p:sp>
+          <p:sp>
+            <p:nvSpPr>
+              <p:cNvPr id="95" name="Rectangle 94"/>
+              <p:cNvSpPr/>
+              <p:nvPr/>
+            </p:nvSpPr>
+            <p:spPr>
+              <a:xfrm>
+                <a:off x="6362700" y="5082542"/>
+                <a:ext cx="1752600" cy="685800"/>
+              </a:xfrm>
+              <a:prstGeom prst="rect">
+                <a:avLst/>
+              </a:prstGeom>
+            </p:spPr>
+            <p:style>
+              <a:lnRef idx="2">
+                <a:schemeClr val="accent1">
+                  <a:shade val="50000"/>
+                </a:schemeClr>
+              </a:lnRef>
+              <a:fillRef idx="1">
+                <a:schemeClr val="accent1"/>
+              </a:fillRef>
+              <a:effectRef idx="0">
+                <a:schemeClr val="accent1"/>
+              </a:effectRef>
+              <a:fontRef idx="minor">
+                <a:schemeClr val="lt1"/>
+              </a:fontRef>
+            </p:style>
+            <p:txBody>
+              <a:bodyPr rtlCol="0" anchor="ctr"/>
+              <a:lstStyle/>
+              <a:p>
+                <a:pPr algn="ctr"/>
+                <a:endParaRPr lang="en-US" dirty="0"/>
+              </a:p>
+            </p:txBody>
+          </p:sp>
+          <p:cxnSp>
+            <p:nvCxnSpPr>
+              <p:cNvPr id="96" name="Straight Arrow Connector 95"/>
+              <p:cNvCxnSpPr/>
+              <p:nvPr/>
+            </p:nvCxnSpPr>
+            <p:spPr>
+              <a:xfrm flipV="1">
+                <a:off x="1714500" y="3838304"/>
+                <a:ext cx="1448889" cy="1343296"/>
+              </a:xfrm>
+              <a:prstGeom prst="straightConnector1">
+                <a:avLst/>
+              </a:prstGeom>
+              <a:ln>
+                <a:tailEnd type="arrow"/>
+              </a:ln>
+            </p:spPr>
+            <p:style>
+              <a:lnRef idx="1">
+                <a:schemeClr val="accent1"/>
+              </a:lnRef>
+              <a:fillRef idx="0">
+                <a:schemeClr val="accent1"/>
+              </a:fillRef>
+              <a:effectRef idx="0">
+                <a:schemeClr val="accent1"/>
+              </a:effectRef>
+              <a:fontRef idx="minor">
+                <a:schemeClr val="tx1"/>
+              </a:fontRef>
+            </p:style>
+          </p:cxnSp>
+          <p:cxnSp>
+            <p:nvCxnSpPr>
+              <p:cNvPr id="97" name="Straight Arrow Connector 96"/>
+              <p:cNvCxnSpPr/>
+              <p:nvPr/>
+            </p:nvCxnSpPr>
+            <p:spPr>
+              <a:xfrm flipH="1">
+                <a:off x="1479369" y="3805016"/>
+                <a:ext cx="1562100" cy="1244238"/>
+              </a:xfrm>
+              <a:prstGeom prst="straightConnector1">
+                <a:avLst/>
+              </a:prstGeom>
+              <a:ln>
+                <a:tailEnd type="arrow"/>
+              </a:ln>
+            </p:spPr>
+            <p:style>
+              <a:lnRef idx="1">
+                <a:schemeClr val="accent1"/>
+              </a:lnRef>
+              <a:fillRef idx="0">
+                <a:schemeClr val="accent1"/>
+              </a:fillRef>
+              <a:effectRef idx="0">
+                <a:schemeClr val="accent1"/>
+              </a:effectRef>
+              <a:fontRef idx="minor">
+                <a:schemeClr val="tx1"/>
+              </a:fontRef>
+            </p:style>
+          </p:cxnSp>
+          <p:cxnSp>
+            <p:nvCxnSpPr>
+              <p:cNvPr id="98" name="Straight Arrow Connector 97"/>
+              <p:cNvCxnSpPr>
+                <a:endCxn id="94" idx="0"/>
+              </p:cNvCxnSpPr>
+              <p:nvPr/>
+            </p:nvCxnSpPr>
+            <p:spPr>
+              <a:xfrm>
+                <a:off x="5029200" y="3838303"/>
+                <a:ext cx="304800" cy="1244238"/>
+              </a:xfrm>
+              <a:prstGeom prst="straightConnector1">
+                <a:avLst/>
+              </a:prstGeom>
+              <a:ln>
+                <a:tailEnd type="arrow"/>
+              </a:ln>
+            </p:spPr>
+            <p:style>
+              <a:lnRef idx="1">
+                <a:schemeClr val="accent1"/>
+              </a:lnRef>
+              <a:fillRef idx="0">
+                <a:schemeClr val="accent1"/>
+              </a:fillRef>
+              <a:effectRef idx="0">
+                <a:schemeClr val="accent1"/>
+              </a:effectRef>
+              <a:fontRef idx="minor">
+                <a:schemeClr val="tx1"/>
+              </a:fontRef>
+            </p:style>
+          </p:cxnSp>
+          <p:cxnSp>
+            <p:nvCxnSpPr>
+              <p:cNvPr id="99" name="Straight Arrow Connector 98"/>
+              <p:cNvCxnSpPr>
+                <a:endCxn id="95" idx="0"/>
+              </p:cNvCxnSpPr>
+              <p:nvPr/>
+            </p:nvCxnSpPr>
+            <p:spPr>
+              <a:xfrm>
+                <a:off x="5334000" y="3838303"/>
+                <a:ext cx="1905000" cy="1244239"/>
+              </a:xfrm>
+              <a:prstGeom prst="straightConnector1">
+                <a:avLst/>
+              </a:prstGeom>
+              <a:ln>
+                <a:tailEnd type="arrow"/>
+              </a:ln>
+            </p:spPr>
+            <p:style>
+              <a:lnRef idx="1">
+                <a:schemeClr val="accent1"/>
+              </a:lnRef>
+              <a:fillRef idx="0">
+                <a:schemeClr val="accent1"/>
+              </a:fillRef>
+              <a:effectRef idx="0">
+                <a:schemeClr val="accent1"/>
+              </a:effectRef>
+              <a:fontRef idx="minor">
+                <a:schemeClr val="tx1"/>
+              </a:fontRef>
+            </p:style>
+          </p:cxnSp>
+          <p:cxnSp>
+            <p:nvCxnSpPr>
+              <p:cNvPr id="100" name="Straight Arrow Connector 99"/>
+              <p:cNvCxnSpPr/>
+              <p:nvPr/>
+            </p:nvCxnSpPr>
+            <p:spPr>
+              <a:xfrm flipH="1">
+                <a:off x="3810000" y="3810000"/>
+                <a:ext cx="152400" cy="1272541"/>
+              </a:xfrm>
+              <a:prstGeom prst="straightConnector1">
+                <a:avLst/>
+              </a:prstGeom>
+              <a:ln>
+                <a:tailEnd type="arrow"/>
+              </a:ln>
+            </p:spPr>
+            <p:style>
+              <a:lnRef idx="1">
+                <a:schemeClr val="accent1"/>
+              </a:lnRef>
+              <a:fillRef idx="0">
+                <a:schemeClr val="accent1"/>
+              </a:fillRef>
+              <a:effectRef idx="0">
+                <a:schemeClr val="accent1"/>
+              </a:effectRef>
+              <a:fontRef idx="minor">
+                <a:schemeClr val="tx1"/>
+              </a:fontRef>
+            </p:style>
+          </p:cxnSp>
+          <p:cxnSp>
+            <p:nvCxnSpPr>
+              <p:cNvPr id="101" name="Straight Arrow Connector 100"/>
+              <p:cNvCxnSpPr>
+                <a:endCxn id="91" idx="2"/>
+              </p:cNvCxnSpPr>
+              <p:nvPr/>
+            </p:nvCxnSpPr>
+            <p:spPr>
+              <a:xfrm flipV="1">
+                <a:off x="3962401" y="3810000"/>
+                <a:ext cx="152401" cy="1262531"/>
+              </a:xfrm>
+              <a:prstGeom prst="straightConnector1">
+                <a:avLst/>
+              </a:prstGeom>
+              <a:ln>
+                <a:tailEnd type="arrow"/>
+              </a:ln>
+            </p:spPr>
+            <p:style>
+              <a:lnRef idx="1">
+                <a:schemeClr val="accent1"/>
+              </a:lnRef>
+              <a:fillRef idx="0">
+                <a:schemeClr val="accent1"/>
+              </a:fillRef>
+              <a:effectRef idx="0">
+                <a:schemeClr val="accent1"/>
+              </a:effectRef>
+              <a:fontRef idx="minor">
+                <a:schemeClr val="tx1"/>
+              </a:fontRef>
+            </p:style>
+          </p:cxnSp>
+        </p:grpSp>
+        <p:grpSp>
+          <p:nvGrpSpPr>
+            <p:cNvPr id="8" name="Group 7"/>
+            <p:cNvGrpSpPr/>
+            <p:nvPr/>
+          </p:nvGrpSpPr>
+          <p:grpSpPr>
+            <a:xfrm>
+              <a:off x="3065910" y="3801176"/>
+              <a:ext cx="1411355" cy="797269"/>
+              <a:chOff x="609600" y="3124200"/>
+              <a:chExt cx="7505700" cy="2667000"/>
+            </a:xfrm>
+          </p:grpSpPr>
+          <p:sp>
+            <p:nvSpPr>
+              <p:cNvPr id="80" name="Rectangle 79"/>
+              <p:cNvSpPr/>
+              <p:nvPr/>
+            </p:nvSpPr>
+            <p:spPr>
+              <a:xfrm>
+                <a:off x="2743201" y="3124200"/>
+                <a:ext cx="2743201" cy="685800"/>
+              </a:xfrm>
+              <a:prstGeom prst="rect">
+                <a:avLst/>
+              </a:prstGeom>
+            </p:spPr>
+            <p:style>
+              <a:lnRef idx="2">
+                <a:schemeClr val="accent1">
+                  <a:shade val="50000"/>
+                </a:schemeClr>
+              </a:lnRef>
+              <a:fillRef idx="1">
+                <a:schemeClr val="accent1"/>
+              </a:fillRef>
+              <a:effectRef idx="0">
+                <a:schemeClr val="accent1"/>
+              </a:effectRef>
+              <a:fontRef idx="minor">
+                <a:schemeClr val="lt1"/>
+              </a:fontRef>
+            </p:style>
+            <p:txBody>
+              <a:bodyPr rtlCol="0" anchor="ctr"/>
+              <a:lstStyle/>
+              <a:p>
+                <a:pPr algn="ctr"/>
+                <a:endParaRPr lang="en-US" dirty="0"/>
+              </a:p>
+            </p:txBody>
+          </p:sp>
+          <p:sp>
+            <p:nvSpPr>
+              <p:cNvPr id="81" name="Rectangle 80"/>
+              <p:cNvSpPr/>
+              <p:nvPr/>
+            </p:nvSpPr>
+            <p:spPr>
+              <a:xfrm>
+                <a:off x="609600" y="5105400"/>
+                <a:ext cx="1752600" cy="685800"/>
+              </a:xfrm>
+              <a:prstGeom prst="rect">
+                <a:avLst/>
+              </a:prstGeom>
+            </p:spPr>
+            <p:style>
+              <a:lnRef idx="2">
+                <a:schemeClr val="accent1">
+                  <a:shade val="50000"/>
+                </a:schemeClr>
+              </a:lnRef>
+              <a:fillRef idx="1">
+                <a:schemeClr val="accent1"/>
+              </a:fillRef>
+              <a:effectRef idx="0">
+                <a:schemeClr val="accent1"/>
+              </a:effectRef>
+              <a:fontRef idx="minor">
+                <a:schemeClr val="lt1"/>
+              </a:fontRef>
+            </p:style>
+            <p:txBody>
+              <a:bodyPr rtlCol="0" anchor="ctr"/>
+              <a:lstStyle/>
+              <a:p>
+                <a:pPr algn="ctr"/>
+                <a:endParaRPr lang="en-US" dirty="0"/>
+              </a:p>
+            </p:txBody>
+          </p:sp>
+          <p:sp>
+            <p:nvSpPr>
+              <p:cNvPr id="82" name="Rectangle 81"/>
+              <p:cNvSpPr/>
+              <p:nvPr/>
+            </p:nvSpPr>
+            <p:spPr>
+              <a:xfrm>
+                <a:off x="2536372" y="5086895"/>
+                <a:ext cx="1752600" cy="685800"/>
+              </a:xfrm>
+              <a:prstGeom prst="rect">
+                <a:avLst/>
+              </a:prstGeom>
+            </p:spPr>
+            <p:style>
+              <a:lnRef idx="2">
+                <a:schemeClr val="accent1">
+                  <a:shade val="50000"/>
+                </a:schemeClr>
+              </a:lnRef>
+              <a:fillRef idx="1">
+                <a:schemeClr val="accent1"/>
+              </a:fillRef>
+              <a:effectRef idx="0">
+                <a:schemeClr val="accent1"/>
+              </a:effectRef>
+              <a:fontRef idx="minor">
+                <a:schemeClr val="lt1"/>
+              </a:fontRef>
+            </p:style>
+            <p:txBody>
+              <a:bodyPr rtlCol="0" anchor="ctr"/>
+              <a:lstStyle/>
+              <a:p>
+                <a:pPr algn="ctr"/>
+                <a:endParaRPr lang="en-US" dirty="0"/>
+              </a:p>
+            </p:txBody>
+          </p:sp>
+          <p:sp>
+            <p:nvSpPr>
+              <p:cNvPr id="83" name="Rectangle 82"/>
+              <p:cNvSpPr/>
+              <p:nvPr/>
+            </p:nvSpPr>
+            <p:spPr>
+              <a:xfrm>
+                <a:off x="4457700" y="5082541"/>
+                <a:ext cx="1752600" cy="685800"/>
+              </a:xfrm>
+              <a:prstGeom prst="rect">
+                <a:avLst/>
+              </a:prstGeom>
+            </p:spPr>
+            <p:style>
+              <a:lnRef idx="2">
+                <a:schemeClr val="accent1">
+                  <a:shade val="50000"/>
+                </a:schemeClr>
+              </a:lnRef>
+              <a:fillRef idx="1">
+                <a:schemeClr val="accent1"/>
+              </a:fillRef>
+              <a:effectRef idx="0">
+                <a:schemeClr val="accent1"/>
+              </a:effectRef>
+              <a:fontRef idx="minor">
+                <a:schemeClr val="lt1"/>
+              </a:fontRef>
+            </p:style>
+            <p:txBody>
+              <a:bodyPr rtlCol="0" anchor="ctr"/>
+              <a:lstStyle/>
+              <a:p>
+                <a:pPr algn="ctr"/>
+                <a:endParaRPr lang="en-US" dirty="0"/>
+              </a:p>
+            </p:txBody>
+          </p:sp>
+          <p:sp>
+            <p:nvSpPr>
+              <p:cNvPr id="84" name="Rectangle 83"/>
+              <p:cNvSpPr/>
+              <p:nvPr/>
+            </p:nvSpPr>
+            <p:spPr>
+              <a:xfrm>
+                <a:off x="6362700" y="5082542"/>
+                <a:ext cx="1752600" cy="685800"/>
+              </a:xfrm>
+              <a:prstGeom prst="rect">
+                <a:avLst/>
+              </a:prstGeom>
+            </p:spPr>
+            <p:style>
+              <a:lnRef idx="2">
+                <a:schemeClr val="accent1">
+                  <a:shade val="50000"/>
+                </a:schemeClr>
+              </a:lnRef>
+              <a:fillRef idx="1">
+                <a:schemeClr val="accent1"/>
+              </a:fillRef>
+              <a:effectRef idx="0">
+                <a:schemeClr val="accent1"/>
+              </a:effectRef>
+              <a:fontRef idx="minor">
+                <a:schemeClr val="lt1"/>
+              </a:fontRef>
+            </p:style>
+            <p:txBody>
+              <a:bodyPr rtlCol="0" anchor="ctr"/>
+              <a:lstStyle/>
+              <a:p>
+                <a:pPr algn="ctr"/>
+                <a:endParaRPr lang="en-US" dirty="0"/>
+              </a:p>
+            </p:txBody>
+          </p:sp>
+          <p:cxnSp>
+            <p:nvCxnSpPr>
+              <p:cNvPr id="85" name="Straight Arrow Connector 84"/>
+              <p:cNvCxnSpPr/>
+              <p:nvPr/>
+            </p:nvCxnSpPr>
+            <p:spPr>
+              <a:xfrm flipV="1">
+                <a:off x="1714500" y="3838304"/>
+                <a:ext cx="1448889" cy="1343296"/>
+              </a:xfrm>
+              <a:prstGeom prst="straightConnector1">
+                <a:avLst/>
+              </a:prstGeom>
+              <a:ln>
+                <a:tailEnd type="arrow"/>
+              </a:ln>
+            </p:spPr>
+            <p:style>
+              <a:lnRef idx="1">
+                <a:schemeClr val="accent1"/>
+              </a:lnRef>
+              <a:fillRef idx="0">
+                <a:schemeClr val="accent1"/>
+              </a:fillRef>
+              <a:effectRef idx="0">
+                <a:schemeClr val="accent1"/>
+              </a:effectRef>
+              <a:fontRef idx="minor">
+                <a:schemeClr val="tx1"/>
+              </a:fontRef>
+            </p:style>
+          </p:cxnSp>
+          <p:cxnSp>
+            <p:nvCxnSpPr>
+              <p:cNvPr id="86" name="Straight Arrow Connector 85"/>
+              <p:cNvCxnSpPr/>
+              <p:nvPr/>
+            </p:nvCxnSpPr>
+            <p:spPr>
+              <a:xfrm flipH="1">
+                <a:off x="1479369" y="3805016"/>
+                <a:ext cx="1562100" cy="1244238"/>
+              </a:xfrm>
+              <a:prstGeom prst="straightConnector1">
+                <a:avLst/>
+              </a:prstGeom>
+              <a:ln>
+                <a:tailEnd type="arrow"/>
+              </a:ln>
+            </p:spPr>
+            <p:style>
+              <a:lnRef idx="1">
+                <a:schemeClr val="accent1"/>
+              </a:lnRef>
+              <a:fillRef idx="0">
+                <a:schemeClr val="accent1"/>
+              </a:fillRef>
+              <a:effectRef idx="0">
+                <a:schemeClr val="accent1"/>
+              </a:effectRef>
+              <a:fontRef idx="minor">
+                <a:schemeClr val="tx1"/>
+              </a:fontRef>
+            </p:style>
+          </p:cxnSp>
+          <p:cxnSp>
+            <p:nvCxnSpPr>
+              <p:cNvPr id="87" name="Straight Arrow Connector 86"/>
+              <p:cNvCxnSpPr>
+                <a:endCxn id="83" idx="0"/>
+              </p:cNvCxnSpPr>
+              <p:nvPr/>
+            </p:nvCxnSpPr>
+            <p:spPr>
+              <a:xfrm>
+                <a:off x="5029200" y="3838303"/>
+                <a:ext cx="304800" cy="1244238"/>
+              </a:xfrm>
+              <a:prstGeom prst="straightConnector1">
+                <a:avLst/>
+              </a:prstGeom>
+              <a:ln>
+                <a:tailEnd type="arrow"/>
+              </a:ln>
+            </p:spPr>
+            <p:style>
+              <a:lnRef idx="1">
+                <a:schemeClr val="accent1"/>
+              </a:lnRef>
+              <a:fillRef idx="0">
+                <a:schemeClr val="accent1"/>
+              </a:fillRef>
+              <a:effectRef idx="0">
+                <a:schemeClr val="accent1"/>
+              </a:effectRef>
+              <a:fontRef idx="minor">
+                <a:schemeClr val="tx1"/>
+              </a:fontRef>
+            </p:style>
+          </p:cxnSp>
+          <p:cxnSp>
+            <p:nvCxnSpPr>
+              <p:cNvPr id="88" name="Straight Arrow Connector 87"/>
+              <p:cNvCxnSpPr>
+                <a:endCxn id="84" idx="0"/>
+              </p:cNvCxnSpPr>
+              <p:nvPr/>
+            </p:nvCxnSpPr>
+            <p:spPr>
+              <a:xfrm>
+                <a:off x="5334000" y="3838303"/>
+                <a:ext cx="1905000" cy="1244239"/>
+              </a:xfrm>
+              <a:prstGeom prst="straightConnector1">
+                <a:avLst/>
+              </a:prstGeom>
+              <a:ln>
+                <a:tailEnd type="arrow"/>
+              </a:ln>
+            </p:spPr>
+            <p:style>
+              <a:lnRef idx="1">
+                <a:schemeClr val="accent1"/>
+              </a:lnRef>
+              <a:fillRef idx="0">
+                <a:schemeClr val="accent1"/>
+              </a:fillRef>
+              <a:effectRef idx="0">
+                <a:schemeClr val="accent1"/>
+              </a:effectRef>
+              <a:fontRef idx="minor">
+                <a:schemeClr val="tx1"/>
+              </a:fontRef>
+            </p:style>
+          </p:cxnSp>
+          <p:cxnSp>
+            <p:nvCxnSpPr>
+              <p:cNvPr id="89" name="Straight Arrow Connector 88"/>
+              <p:cNvCxnSpPr/>
+              <p:nvPr/>
+            </p:nvCxnSpPr>
+            <p:spPr>
+              <a:xfrm flipH="1">
+                <a:off x="3810000" y="3810000"/>
+                <a:ext cx="152400" cy="1272541"/>
+              </a:xfrm>
+              <a:prstGeom prst="straightConnector1">
+                <a:avLst/>
+              </a:prstGeom>
+              <a:ln>
+                <a:tailEnd type="arrow"/>
+              </a:ln>
+            </p:spPr>
+            <p:style>
+              <a:lnRef idx="1">
+                <a:schemeClr val="accent1"/>
+              </a:lnRef>
+              <a:fillRef idx="0">
+                <a:schemeClr val="accent1"/>
+              </a:fillRef>
+              <a:effectRef idx="0">
+                <a:schemeClr val="accent1"/>
+              </a:effectRef>
+              <a:fontRef idx="minor">
+                <a:schemeClr val="tx1"/>
+              </a:fontRef>
+            </p:style>
+          </p:cxnSp>
+          <p:cxnSp>
+            <p:nvCxnSpPr>
+              <p:cNvPr id="90" name="Straight Arrow Connector 89"/>
+              <p:cNvCxnSpPr>
+                <a:endCxn id="80" idx="2"/>
+              </p:cNvCxnSpPr>
+              <p:nvPr/>
+            </p:nvCxnSpPr>
+            <p:spPr>
+              <a:xfrm flipV="1">
+                <a:off x="3962401" y="3810000"/>
+                <a:ext cx="152401" cy="1262531"/>
+              </a:xfrm>
+              <a:prstGeom prst="straightConnector1">
+                <a:avLst/>
+              </a:prstGeom>
+              <a:ln>
+                <a:tailEnd type="arrow"/>
+              </a:ln>
+            </p:spPr>
+            <p:style>
+              <a:lnRef idx="1">
+                <a:schemeClr val="accent1"/>
+              </a:lnRef>
+              <a:fillRef idx="0">
+                <a:schemeClr val="accent1"/>
+              </a:fillRef>
+              <a:effectRef idx="0">
+                <a:schemeClr val="accent1"/>
+              </a:effectRef>
+              <a:fontRef idx="minor">
+                <a:schemeClr val="tx1"/>
+              </a:fontRef>
+            </p:style>
+          </p:cxnSp>
+        </p:grpSp>
+        <p:grpSp>
+          <p:nvGrpSpPr>
+            <p:cNvPr id="9" name="Group 8"/>
+            <p:cNvGrpSpPr/>
+            <p:nvPr/>
+          </p:nvGrpSpPr>
+          <p:grpSpPr>
+            <a:xfrm>
+              <a:off x="4780805" y="3797821"/>
+              <a:ext cx="1411355" cy="797269"/>
+              <a:chOff x="609600" y="3124200"/>
+              <a:chExt cx="7505700" cy="2667000"/>
+            </a:xfrm>
+          </p:grpSpPr>
+          <p:sp>
+            <p:nvSpPr>
+              <p:cNvPr id="69" name="Rectangle 68"/>
+              <p:cNvSpPr/>
+              <p:nvPr/>
+            </p:nvSpPr>
+            <p:spPr>
+              <a:xfrm>
+                <a:off x="2743201" y="3124200"/>
+                <a:ext cx="2743201" cy="685800"/>
+              </a:xfrm>
+              <a:prstGeom prst="rect">
+                <a:avLst/>
+              </a:prstGeom>
+            </p:spPr>
+            <p:style>
+              <a:lnRef idx="2">
+                <a:schemeClr val="accent1">
+                  <a:shade val="50000"/>
+                </a:schemeClr>
+              </a:lnRef>
+              <a:fillRef idx="1">
+                <a:schemeClr val="accent1"/>
+              </a:fillRef>
+              <a:effectRef idx="0">
+                <a:schemeClr val="accent1"/>
+              </a:effectRef>
+              <a:fontRef idx="minor">
+                <a:schemeClr val="lt1"/>
+              </a:fontRef>
+            </p:style>
+            <p:txBody>
+              <a:bodyPr rtlCol="0" anchor="ctr"/>
+              <a:lstStyle/>
+              <a:p>
+                <a:pPr algn="ctr"/>
+                <a:endParaRPr lang="en-US" dirty="0"/>
+              </a:p>
+            </p:txBody>
+          </p:sp>
+          <p:sp>
+            <p:nvSpPr>
+              <p:cNvPr id="70" name="Rectangle 69"/>
+              <p:cNvSpPr/>
+              <p:nvPr/>
+            </p:nvSpPr>
+            <p:spPr>
+              <a:xfrm>
+                <a:off x="609600" y="5105400"/>
+                <a:ext cx="1752600" cy="685800"/>
+              </a:xfrm>
+              <a:prstGeom prst="rect">
+                <a:avLst/>
+              </a:prstGeom>
+            </p:spPr>
+            <p:style>
+              <a:lnRef idx="2">
+                <a:schemeClr val="accent1">
+                  <a:shade val="50000"/>
+                </a:schemeClr>
+              </a:lnRef>
+              <a:fillRef idx="1">
+                <a:schemeClr val="accent1"/>
+              </a:fillRef>
+              <a:effectRef idx="0">
+                <a:schemeClr val="accent1"/>
+              </a:effectRef>
+              <a:fontRef idx="minor">
+                <a:schemeClr val="lt1"/>
+              </a:fontRef>
+            </p:style>
+            <p:txBody>
+              <a:bodyPr rtlCol="0" anchor="ctr"/>
+              <a:lstStyle/>
+              <a:p>
+                <a:pPr algn="ctr"/>
+                <a:endParaRPr lang="en-US" dirty="0"/>
+              </a:p>
+            </p:txBody>
+          </p:sp>
+          <p:sp>
+            <p:nvSpPr>
+              <p:cNvPr id="71" name="Rectangle 70"/>
+              <p:cNvSpPr/>
+              <p:nvPr/>
+            </p:nvSpPr>
+            <p:spPr>
+              <a:xfrm>
+                <a:off x="2536372" y="5086895"/>
+                <a:ext cx="1752600" cy="685800"/>
+              </a:xfrm>
+              <a:prstGeom prst="rect">
+                <a:avLst/>
+              </a:prstGeom>
+            </p:spPr>
+            <p:style>
+              <a:lnRef idx="2">
+                <a:schemeClr val="accent1">
+                  <a:shade val="50000"/>
+                </a:schemeClr>
+              </a:lnRef>
+              <a:fillRef idx="1">
+                <a:schemeClr val="accent1"/>
+              </a:fillRef>
+              <a:effectRef idx="0">
+                <a:schemeClr val="accent1"/>
+              </a:effectRef>
+              <a:fontRef idx="minor">
+                <a:schemeClr val="lt1"/>
+              </a:fontRef>
+            </p:style>
+            <p:txBody>
+              <a:bodyPr rtlCol="0" anchor="ctr"/>
+              <a:lstStyle/>
+              <a:p>
+                <a:pPr algn="ctr"/>
+                <a:endParaRPr lang="en-US" dirty="0"/>
+              </a:p>
+            </p:txBody>
+          </p:sp>
+          <p:sp>
+            <p:nvSpPr>
+              <p:cNvPr id="72" name="Rectangle 71"/>
+              <p:cNvSpPr/>
+              <p:nvPr/>
+            </p:nvSpPr>
+            <p:spPr>
+              <a:xfrm>
+                <a:off x="4457700" y="5082541"/>
+                <a:ext cx="1752600" cy="685800"/>
+              </a:xfrm>
+              <a:prstGeom prst="rect">
+                <a:avLst/>
+              </a:prstGeom>
+            </p:spPr>
+            <p:style>
+              <a:lnRef idx="2">
+                <a:schemeClr val="accent1">
+                  <a:shade val="50000"/>
+                </a:schemeClr>
+              </a:lnRef>
+              <a:fillRef idx="1">
+                <a:schemeClr val="accent1"/>
+              </a:fillRef>
+              <a:effectRef idx="0">
+                <a:schemeClr val="accent1"/>
+              </a:effectRef>
+              <a:fontRef idx="minor">
+                <a:schemeClr val="lt1"/>
+              </a:fontRef>
+            </p:style>
+            <p:txBody>
+              <a:bodyPr rtlCol="0" anchor="ctr"/>
+              <a:lstStyle/>
+              <a:p>
+                <a:pPr algn="ctr"/>
+                <a:endParaRPr lang="en-US" dirty="0"/>
+              </a:p>
+            </p:txBody>
+          </p:sp>
+          <p:sp>
+            <p:nvSpPr>
+              <p:cNvPr id="73" name="Rectangle 72"/>
+              <p:cNvSpPr/>
+              <p:nvPr/>
+            </p:nvSpPr>
+            <p:spPr>
+              <a:xfrm>
+                <a:off x="6362700" y="5082542"/>
+                <a:ext cx="1752600" cy="685800"/>
+              </a:xfrm>
+              <a:prstGeom prst="rect">
+                <a:avLst/>
+              </a:prstGeom>
+            </p:spPr>
+            <p:style>
+              <a:lnRef idx="2">
+                <a:schemeClr val="accent1">
+                  <a:shade val="50000"/>
+                </a:schemeClr>
+              </a:lnRef>
+              <a:fillRef idx="1">
+                <a:schemeClr val="accent1"/>
+              </a:fillRef>
+              <a:effectRef idx="0">
+                <a:schemeClr val="accent1"/>
+              </a:effectRef>
+              <a:fontRef idx="minor">
+                <a:schemeClr val="lt1"/>
+              </a:fontRef>
+            </p:style>
+            <p:txBody>
+              <a:bodyPr rtlCol="0" anchor="ctr"/>
+              <a:lstStyle/>
+              <a:p>
+                <a:pPr algn="ctr"/>
+                <a:endParaRPr lang="en-US" dirty="0"/>
+              </a:p>
+            </p:txBody>
+          </p:sp>
+          <p:cxnSp>
+            <p:nvCxnSpPr>
+              <p:cNvPr id="74" name="Straight Arrow Connector 73"/>
+              <p:cNvCxnSpPr/>
+              <p:nvPr/>
+            </p:nvCxnSpPr>
+            <p:spPr>
+              <a:xfrm flipV="1">
+                <a:off x="1714500" y="3838304"/>
+                <a:ext cx="1448889" cy="1343296"/>
+              </a:xfrm>
+              <a:prstGeom prst="straightConnector1">
+                <a:avLst/>
+              </a:prstGeom>
+              <a:ln>
+                <a:tailEnd type="arrow"/>
+              </a:ln>
+            </p:spPr>
+            <p:style>
+              <a:lnRef idx="1">
+                <a:schemeClr val="accent1"/>
+              </a:lnRef>
+              <a:fillRef idx="0">
+                <a:schemeClr val="accent1"/>
+              </a:fillRef>
+              <a:effectRef idx="0">
+                <a:schemeClr val="accent1"/>
+              </a:effectRef>
+              <a:fontRef idx="minor">
+                <a:schemeClr val="tx1"/>
+              </a:fontRef>
+            </p:style>
+          </p:cxnSp>
+          <p:cxnSp>
+            <p:nvCxnSpPr>
+              <p:cNvPr id="75" name="Straight Arrow Connector 74"/>
+              <p:cNvCxnSpPr/>
+              <p:nvPr/>
+            </p:nvCxnSpPr>
+            <p:spPr>
+              <a:xfrm flipH="1">
+                <a:off x="1479369" y="3805016"/>
+                <a:ext cx="1562100" cy="1244238"/>
+              </a:xfrm>
+              <a:prstGeom prst="straightConnector1">
+                <a:avLst/>
+              </a:prstGeom>
+              <a:ln>
+                <a:tailEnd type="arrow"/>
+              </a:ln>
+            </p:spPr>
+            <p:style>
+              <a:lnRef idx="1">
+                <a:schemeClr val="accent1"/>
+              </a:lnRef>
+              <a:fillRef idx="0">
+                <a:schemeClr val="accent1"/>
+              </a:fillRef>
+              <a:effectRef idx="0">
+                <a:schemeClr val="accent1"/>
+              </a:effectRef>
+              <a:fontRef idx="minor">
+                <a:schemeClr val="tx1"/>
+              </a:fontRef>
+            </p:style>
+          </p:cxnSp>
+          <p:cxnSp>
+            <p:nvCxnSpPr>
+              <p:cNvPr id="76" name="Straight Arrow Connector 75"/>
+              <p:cNvCxnSpPr>
+                <a:endCxn id="72" idx="0"/>
+              </p:cNvCxnSpPr>
+              <p:nvPr/>
+            </p:nvCxnSpPr>
+            <p:spPr>
+              <a:xfrm>
+                <a:off x="5029200" y="3838303"/>
+                <a:ext cx="304800" cy="1244238"/>
+              </a:xfrm>
+              <a:prstGeom prst="straightConnector1">
+                <a:avLst/>
+              </a:prstGeom>
+              <a:ln>
+                <a:tailEnd type="arrow"/>
+              </a:ln>
+            </p:spPr>
+            <p:style>
+              <a:lnRef idx="1">
+                <a:schemeClr val="accent1"/>
+              </a:lnRef>
+              <a:fillRef idx="0">
+                <a:schemeClr val="accent1"/>
+              </a:fillRef>
+              <a:effectRef idx="0">
+                <a:schemeClr val="accent1"/>
+              </a:effectRef>
+              <a:fontRef idx="minor">
+                <a:schemeClr val="tx1"/>
+              </a:fontRef>
+            </p:style>
+          </p:cxnSp>
+          <p:cxnSp>
+            <p:nvCxnSpPr>
+              <p:cNvPr id="77" name="Straight Arrow Connector 76"/>
+              <p:cNvCxnSpPr>
+                <a:endCxn id="73" idx="0"/>
+              </p:cNvCxnSpPr>
+              <p:nvPr/>
+            </p:nvCxnSpPr>
+            <p:spPr>
+              <a:xfrm>
+                <a:off x="5334000" y="3838303"/>
+                <a:ext cx="1905000" cy="1244239"/>
+              </a:xfrm>
+              <a:prstGeom prst="straightConnector1">
+                <a:avLst/>
+              </a:prstGeom>
+              <a:ln>
+                <a:tailEnd type="arrow"/>
+              </a:ln>
+            </p:spPr>
+            <p:style>
+              <a:lnRef idx="1">
+                <a:schemeClr val="accent1"/>
+              </a:lnRef>
+              <a:fillRef idx="0">
+                <a:schemeClr val="accent1"/>
+              </a:fillRef>
+              <a:effectRef idx="0">
+                <a:schemeClr val="accent1"/>
+              </a:effectRef>
+              <a:fontRef idx="minor">
+                <a:schemeClr val="tx1"/>
+              </a:fontRef>
+            </p:style>
+          </p:cxnSp>
+          <p:cxnSp>
+            <p:nvCxnSpPr>
+              <p:cNvPr id="78" name="Straight Arrow Connector 77"/>
+              <p:cNvCxnSpPr/>
+              <p:nvPr/>
+            </p:nvCxnSpPr>
+            <p:spPr>
+              <a:xfrm flipH="1">
+                <a:off x="3810000" y="3810000"/>
+                <a:ext cx="152400" cy="1272541"/>
+              </a:xfrm>
+              <a:prstGeom prst="straightConnector1">
+                <a:avLst/>
+              </a:prstGeom>
+              <a:ln>
+                <a:tailEnd type="arrow"/>
+              </a:ln>
+            </p:spPr>
+            <p:style>
+              <a:lnRef idx="1">
+                <a:schemeClr val="accent1"/>
+              </a:lnRef>
+              <a:fillRef idx="0">
+                <a:schemeClr val="accent1"/>
+              </a:fillRef>
+              <a:effectRef idx="0">
+                <a:schemeClr val="accent1"/>
+              </a:effectRef>
+              <a:fontRef idx="minor">
+                <a:schemeClr val="tx1"/>
+              </a:fontRef>
+            </p:style>
+          </p:cxnSp>
+          <p:cxnSp>
+            <p:nvCxnSpPr>
+              <p:cNvPr id="79" name="Straight Arrow Connector 78"/>
+              <p:cNvCxnSpPr>
+                <a:endCxn id="69" idx="2"/>
+              </p:cNvCxnSpPr>
+              <p:nvPr/>
+            </p:nvCxnSpPr>
+            <p:spPr>
+              <a:xfrm flipV="1">
+                <a:off x="3962401" y="3810000"/>
+                <a:ext cx="152401" cy="1262531"/>
+              </a:xfrm>
+              <a:prstGeom prst="straightConnector1">
+                <a:avLst/>
+              </a:prstGeom>
+              <a:ln>
+                <a:tailEnd type="arrow"/>
+              </a:ln>
+            </p:spPr>
+            <p:style>
+              <a:lnRef idx="1">
+                <a:schemeClr val="accent1"/>
+              </a:lnRef>
+              <a:fillRef idx="0">
+                <a:schemeClr val="accent1"/>
+              </a:fillRef>
+              <a:effectRef idx="0">
+                <a:schemeClr val="accent1"/>
+              </a:effectRef>
+              <a:fontRef idx="minor">
+                <a:schemeClr val="tx1"/>
+              </a:fontRef>
+            </p:style>
+          </p:cxnSp>
+        </p:grpSp>
+        <p:sp>
+          <p:nvSpPr>
+            <p:cNvPr id="10" name="Rectangle 9"/>
+            <p:cNvSpPr/>
+            <p:nvPr/>
+          </p:nvSpPr>
+          <p:spPr>
+            <a:xfrm>
+              <a:off x="914400" y="2590800"/>
+              <a:ext cx="6553200" cy="2209800"/>
+            </a:xfrm>
+            <a:prstGeom prst="rect">
+              <a:avLst/>
+            </a:prstGeom>
+            <a:noFill/>
+            <a:ln>
+              <a:prstDash val="sysDash"/>
+            </a:ln>
+          </p:spPr>
+          <p:style>
+            <a:lnRef idx="2">
+              <a:schemeClr val="accent1">
+                <a:shade val="50000"/>
+              </a:schemeClr>
+            </a:lnRef>
+            <a:fillRef idx="1">
+              <a:schemeClr val="accent1"/>
+            </a:fillRef>
+            <a:effectRef idx="0">
+              <a:schemeClr val="accent1"/>
+            </a:effectRef>
+            <a:fontRef idx="minor">
+              <a:schemeClr val="lt1"/>
+            </a:fontRef>
+          </p:style>
+          <p:txBody>
+            <a:bodyPr rtlCol="0" anchor="ctr"/>
+            <a:lstStyle/>
+            <a:p>
+              <a:pPr algn="ctr"/>
+              <a:endParaRPr lang="en-US"/>
+            </a:p>
+          </p:txBody>
+        </p:sp>
+        <p:grpSp>
+          <p:nvGrpSpPr>
+            <p:cNvPr id="11" name="Group 10"/>
+            <p:cNvGrpSpPr/>
+            <p:nvPr/>
+          </p:nvGrpSpPr>
+          <p:grpSpPr>
+            <a:xfrm>
+              <a:off x="1103245" y="5603531"/>
+              <a:ext cx="1411355" cy="797269"/>
+              <a:chOff x="609600" y="3124200"/>
+              <a:chExt cx="7505700" cy="2667000"/>
+            </a:xfrm>
+          </p:grpSpPr>
+          <p:sp>
+            <p:nvSpPr>
+              <p:cNvPr id="58" name="Rectangle 57"/>
+              <p:cNvSpPr/>
+              <p:nvPr/>
+            </p:nvSpPr>
+            <p:spPr>
+              <a:xfrm>
+                <a:off x="2743201" y="3124200"/>
+                <a:ext cx="2743201" cy="685800"/>
+              </a:xfrm>
+              <a:prstGeom prst="rect">
+                <a:avLst/>
+              </a:prstGeom>
+            </p:spPr>
+            <p:style>
+              <a:lnRef idx="2">
+                <a:schemeClr val="accent1">
+                  <a:shade val="50000"/>
+                </a:schemeClr>
+              </a:lnRef>
+              <a:fillRef idx="1">
+                <a:schemeClr val="accent1"/>
+              </a:fillRef>
+              <a:effectRef idx="0">
+                <a:schemeClr val="accent1"/>
+              </a:effectRef>
+              <a:fontRef idx="minor">
+                <a:schemeClr val="lt1"/>
+              </a:fontRef>
+            </p:style>
+            <p:txBody>
+              <a:bodyPr rtlCol="0" anchor="ctr"/>
+              <a:lstStyle/>
+              <a:p>
+                <a:pPr algn="ctr"/>
+                <a:endParaRPr lang="en-US" dirty="0"/>
+              </a:p>
+            </p:txBody>
+          </p:sp>
+          <p:sp>
+            <p:nvSpPr>
+              <p:cNvPr id="59" name="Rectangle 58"/>
+              <p:cNvSpPr/>
+              <p:nvPr/>
+            </p:nvSpPr>
+            <p:spPr>
+              <a:xfrm>
+                <a:off x="609600" y="5105400"/>
+                <a:ext cx="1752600" cy="685800"/>
+              </a:xfrm>
+              <a:prstGeom prst="rect">
+                <a:avLst/>
+              </a:prstGeom>
+            </p:spPr>
+            <p:style>
+              <a:lnRef idx="2">
+                <a:schemeClr val="accent1">
+                  <a:shade val="50000"/>
+                </a:schemeClr>
+              </a:lnRef>
+              <a:fillRef idx="1">
+                <a:schemeClr val="accent1"/>
+              </a:fillRef>
+              <a:effectRef idx="0">
+                <a:schemeClr val="accent1"/>
+              </a:effectRef>
+              <a:fontRef idx="minor">
+                <a:schemeClr val="lt1"/>
+              </a:fontRef>
+            </p:style>
+            <p:txBody>
+              <a:bodyPr rtlCol="0" anchor="ctr"/>
+              <a:lstStyle/>
+              <a:p>
+                <a:pPr algn="ctr"/>
+                <a:endParaRPr lang="en-US" dirty="0"/>
+              </a:p>
+            </p:txBody>
+          </p:sp>
+          <p:sp>
+            <p:nvSpPr>
+              <p:cNvPr id="60" name="Rectangle 59"/>
+              <p:cNvSpPr/>
+              <p:nvPr/>
+            </p:nvSpPr>
+            <p:spPr>
+              <a:xfrm>
+                <a:off x="2536372" y="5086895"/>
+                <a:ext cx="1752600" cy="685800"/>
+              </a:xfrm>
+              <a:prstGeom prst="rect">
+                <a:avLst/>
+              </a:prstGeom>
+            </p:spPr>
+            <p:style>
+              <a:lnRef idx="2">
+                <a:schemeClr val="accent1">
+                  <a:shade val="50000"/>
+                </a:schemeClr>
+              </a:lnRef>
+              <a:fillRef idx="1">
+                <a:schemeClr val="accent1"/>
+              </a:fillRef>
+              <a:effectRef idx="0">
+                <a:schemeClr val="accent1"/>
+              </a:effectRef>
+              <a:fontRef idx="minor">
+                <a:schemeClr val="lt1"/>
+              </a:fontRef>
+            </p:style>
+            <p:txBody>
+              <a:bodyPr rtlCol="0" anchor="ctr"/>
+              <a:lstStyle/>
+              <a:p>
+                <a:pPr algn="ctr"/>
+                <a:endParaRPr lang="en-US" dirty="0"/>
+              </a:p>
+            </p:txBody>
+          </p:sp>
+          <p:sp>
+            <p:nvSpPr>
+              <p:cNvPr id="61" name="Rectangle 60"/>
+              <p:cNvSpPr/>
+              <p:nvPr/>
+            </p:nvSpPr>
+            <p:spPr>
+              <a:xfrm>
+                <a:off x="4457700" y="5082541"/>
+                <a:ext cx="1752600" cy="685800"/>
+              </a:xfrm>
+              <a:prstGeom prst="rect">
+                <a:avLst/>
+              </a:prstGeom>
+            </p:spPr>
+            <p:style>
+              <a:lnRef idx="2">
+                <a:schemeClr val="accent1">
+                  <a:shade val="50000"/>
+                </a:schemeClr>
+              </a:lnRef>
+              <a:fillRef idx="1">
+                <a:schemeClr val="accent1"/>
+              </a:fillRef>
+              <a:effectRef idx="0">
+                <a:schemeClr val="accent1"/>
+              </a:effectRef>
+              <a:fontRef idx="minor">
+                <a:schemeClr val="lt1"/>
+              </a:fontRef>
+            </p:style>
+            <p:txBody>
+              <a:bodyPr rtlCol="0" anchor="ctr"/>
+              <a:lstStyle/>
+              <a:p>
+                <a:pPr algn="ctr"/>
+                <a:endParaRPr lang="en-US" dirty="0"/>
+              </a:p>
+            </p:txBody>
+          </p:sp>
+          <p:sp>
+            <p:nvSpPr>
+              <p:cNvPr id="62" name="Rectangle 61"/>
+              <p:cNvSpPr/>
+              <p:nvPr/>
+            </p:nvSpPr>
+            <p:spPr>
+              <a:xfrm>
+                <a:off x="6362700" y="5082542"/>
+                <a:ext cx="1752600" cy="685800"/>
+              </a:xfrm>
+              <a:prstGeom prst="rect">
+                <a:avLst/>
+              </a:prstGeom>
+            </p:spPr>
+            <p:style>
+              <a:lnRef idx="2">
+                <a:schemeClr val="accent1">
+                  <a:shade val="50000"/>
+                </a:schemeClr>
+              </a:lnRef>
+              <a:fillRef idx="1">
+                <a:schemeClr val="accent1"/>
+              </a:fillRef>
+              <a:effectRef idx="0">
+                <a:schemeClr val="accent1"/>
+              </a:effectRef>
+              <a:fontRef idx="minor">
+                <a:schemeClr val="lt1"/>
+              </a:fontRef>
+            </p:style>
+            <p:txBody>
+              <a:bodyPr rtlCol="0" anchor="ctr"/>
+              <a:lstStyle/>
+              <a:p>
+                <a:pPr algn="ctr"/>
+                <a:endParaRPr lang="en-US" dirty="0"/>
+              </a:p>
+            </p:txBody>
+          </p:sp>
+          <p:cxnSp>
+            <p:nvCxnSpPr>
+              <p:cNvPr id="63" name="Straight Arrow Connector 62"/>
+              <p:cNvCxnSpPr/>
+              <p:nvPr/>
+            </p:nvCxnSpPr>
+            <p:spPr>
+              <a:xfrm flipV="1">
+                <a:off x="1714500" y="3838304"/>
+                <a:ext cx="1448889" cy="1343296"/>
+              </a:xfrm>
+              <a:prstGeom prst="straightConnector1">
+                <a:avLst/>
+              </a:prstGeom>
+              <a:ln>
+                <a:tailEnd type="arrow"/>
+              </a:ln>
+            </p:spPr>
+            <p:style>
+              <a:lnRef idx="1">
+                <a:schemeClr val="accent1"/>
+              </a:lnRef>
+              <a:fillRef idx="0">
+                <a:schemeClr val="accent1"/>
+              </a:fillRef>
+              <a:effectRef idx="0">
+                <a:schemeClr val="accent1"/>
+              </a:effectRef>
+              <a:fontRef idx="minor">
+                <a:schemeClr val="tx1"/>
+              </a:fontRef>
+            </p:style>
+          </p:cxnSp>
+          <p:cxnSp>
+            <p:nvCxnSpPr>
+              <p:cNvPr id="64" name="Straight Arrow Connector 63"/>
+              <p:cNvCxnSpPr/>
+              <p:nvPr/>
+            </p:nvCxnSpPr>
+            <p:spPr>
+              <a:xfrm flipH="1">
+                <a:off x="1479369" y="3805016"/>
+                <a:ext cx="1562100" cy="1244238"/>
+              </a:xfrm>
+              <a:prstGeom prst="straightConnector1">
+                <a:avLst/>
+              </a:prstGeom>
+              <a:ln>
+                <a:tailEnd type="arrow"/>
+              </a:ln>
+            </p:spPr>
+            <p:style>
+              <a:lnRef idx="1">
+                <a:schemeClr val="accent1"/>
+              </a:lnRef>
+              <a:fillRef idx="0">
+                <a:schemeClr val="accent1"/>
+              </a:fillRef>
+              <a:effectRef idx="0">
+                <a:schemeClr val="accent1"/>
+              </a:effectRef>
+              <a:fontRef idx="minor">
+                <a:schemeClr val="tx1"/>
+              </a:fontRef>
+            </p:style>
+          </p:cxnSp>
+          <p:cxnSp>
+            <p:nvCxnSpPr>
+              <p:cNvPr id="65" name="Straight Arrow Connector 64"/>
+              <p:cNvCxnSpPr>
+                <a:endCxn id="61" idx="0"/>
+              </p:cNvCxnSpPr>
+              <p:nvPr/>
+            </p:nvCxnSpPr>
+            <p:spPr>
+              <a:xfrm>
+                <a:off x="5029200" y="3838303"/>
+                <a:ext cx="304800" cy="1244238"/>
+              </a:xfrm>
+              <a:prstGeom prst="straightConnector1">
+                <a:avLst/>
+              </a:prstGeom>
+              <a:ln>
+                <a:tailEnd type="arrow"/>
+              </a:ln>
+            </p:spPr>
+            <p:style>
+              <a:lnRef idx="1">
+                <a:schemeClr val="accent1"/>
+              </a:lnRef>
+              <a:fillRef idx="0">
+                <a:schemeClr val="accent1"/>
+              </a:fillRef>
+              <a:effectRef idx="0">
+                <a:schemeClr val="accent1"/>
+              </a:effectRef>
+              <a:fontRef idx="minor">
+                <a:schemeClr val="tx1"/>
+              </a:fontRef>
+            </p:style>
+          </p:cxnSp>
+          <p:cxnSp>
+            <p:nvCxnSpPr>
+              <p:cNvPr id="66" name="Straight Arrow Connector 65"/>
+              <p:cNvCxnSpPr>
+                <a:endCxn id="62" idx="0"/>
+              </p:cNvCxnSpPr>
+              <p:nvPr/>
+            </p:nvCxnSpPr>
+            <p:spPr>
+              <a:xfrm>
+                <a:off x="5334000" y="3838303"/>
+                <a:ext cx="1905000" cy="1244239"/>
+              </a:xfrm>
+              <a:prstGeom prst="straightConnector1">
+                <a:avLst/>
+              </a:prstGeom>
+              <a:ln>
+                <a:tailEnd type="arrow"/>
+              </a:ln>
+            </p:spPr>
+            <p:style>
+              <a:lnRef idx="1">
+                <a:schemeClr val="accent1"/>
+              </a:lnRef>
+              <a:fillRef idx="0">
+                <a:schemeClr val="accent1"/>
+              </a:fillRef>
+              <a:effectRef idx="0">
+                <a:schemeClr val="accent1"/>
+              </a:effectRef>
+              <a:fontRef idx="minor">
+                <a:schemeClr val="tx1"/>
+              </a:fontRef>
+            </p:style>
+          </p:cxnSp>
+          <p:cxnSp>
+            <p:nvCxnSpPr>
+              <p:cNvPr id="67" name="Straight Arrow Connector 66"/>
+              <p:cNvCxnSpPr/>
+              <p:nvPr/>
+            </p:nvCxnSpPr>
+            <p:spPr>
+              <a:xfrm flipH="1">
+                <a:off x="3810000" y="3810000"/>
+                <a:ext cx="152400" cy="1272541"/>
+              </a:xfrm>
+              <a:prstGeom prst="straightConnector1">
+                <a:avLst/>
+              </a:prstGeom>
+              <a:ln>
+                <a:tailEnd type="arrow"/>
+              </a:ln>
+            </p:spPr>
+            <p:style>
+              <a:lnRef idx="1">
+                <a:schemeClr val="accent1"/>
+              </a:lnRef>
+              <a:fillRef idx="0">
+                <a:schemeClr val="accent1"/>
+              </a:fillRef>
+              <a:effectRef idx="0">
+                <a:schemeClr val="accent1"/>
+              </a:effectRef>
+              <a:fontRef idx="minor">
+                <a:schemeClr val="tx1"/>
+              </a:fontRef>
+            </p:style>
+          </p:cxnSp>
+          <p:cxnSp>
+            <p:nvCxnSpPr>
+              <p:cNvPr id="68" name="Straight Arrow Connector 67"/>
+              <p:cNvCxnSpPr>
+                <a:endCxn id="58" idx="2"/>
+              </p:cNvCxnSpPr>
+              <p:nvPr/>
+            </p:nvCxnSpPr>
+            <p:spPr>
+              <a:xfrm flipV="1">
+                <a:off x="3962401" y="3810000"/>
+                <a:ext cx="152401" cy="1262531"/>
+              </a:xfrm>
+              <a:prstGeom prst="straightConnector1">
+                <a:avLst/>
+              </a:prstGeom>
+              <a:ln>
+                <a:tailEnd type="arrow"/>
+              </a:ln>
+            </p:spPr>
+            <p:style>
+              <a:lnRef idx="1">
+                <a:schemeClr val="accent1"/>
+              </a:lnRef>
+              <a:fillRef idx="0">
+                <a:schemeClr val="accent1"/>
+              </a:fillRef>
+              <a:effectRef idx="0">
+                <a:schemeClr val="accent1"/>
+              </a:effectRef>
+              <a:fontRef idx="minor">
+                <a:schemeClr val="tx1"/>
+              </a:fontRef>
+            </p:style>
+          </p:cxnSp>
+        </p:grpSp>
+        <p:grpSp>
+          <p:nvGrpSpPr>
+            <p:cNvPr id="12" name="Group 11"/>
+            <p:cNvGrpSpPr/>
+            <p:nvPr/>
+          </p:nvGrpSpPr>
+          <p:grpSpPr>
+            <a:xfrm>
+              <a:off x="3541645" y="5603531"/>
+              <a:ext cx="1411355" cy="797269"/>
+              <a:chOff x="609600" y="3124200"/>
+              <a:chExt cx="7505700" cy="2667000"/>
+            </a:xfrm>
+          </p:grpSpPr>
+          <p:sp>
+            <p:nvSpPr>
+              <p:cNvPr id="47" name="Rectangle 46"/>
+              <p:cNvSpPr/>
+              <p:nvPr/>
+            </p:nvSpPr>
+            <p:spPr>
+              <a:xfrm>
+                <a:off x="2743201" y="3124200"/>
+                <a:ext cx="2743201" cy="685800"/>
+              </a:xfrm>
+              <a:prstGeom prst="rect">
+                <a:avLst/>
+              </a:prstGeom>
+            </p:spPr>
+            <p:style>
+              <a:lnRef idx="2">
+                <a:schemeClr val="accent1">
+                  <a:shade val="50000"/>
+                </a:schemeClr>
+              </a:lnRef>
+              <a:fillRef idx="1">
+                <a:schemeClr val="accent1"/>
+              </a:fillRef>
+              <a:effectRef idx="0">
+                <a:schemeClr val="accent1"/>
+              </a:effectRef>
+              <a:fontRef idx="minor">
+                <a:schemeClr val="lt1"/>
+              </a:fontRef>
+            </p:style>
+            <p:txBody>
+              <a:bodyPr rtlCol="0" anchor="ctr"/>
+              <a:lstStyle/>
+              <a:p>
+                <a:pPr algn="ctr"/>
+                <a:endParaRPr lang="en-US" dirty="0"/>
+              </a:p>
+            </p:txBody>
+          </p:sp>
+          <p:sp>
+            <p:nvSpPr>
+              <p:cNvPr id="48" name="Rectangle 47"/>
+              <p:cNvSpPr/>
+              <p:nvPr/>
+            </p:nvSpPr>
+            <p:spPr>
+              <a:xfrm>
+                <a:off x="609600" y="5105400"/>
+                <a:ext cx="1752600" cy="685800"/>
+              </a:xfrm>
+              <a:prstGeom prst="rect">
+                <a:avLst/>
+              </a:prstGeom>
+            </p:spPr>
+            <p:style>
+              <a:lnRef idx="2">
+                <a:schemeClr val="accent1">
+                  <a:shade val="50000"/>
+                </a:schemeClr>
+              </a:lnRef>
+              <a:fillRef idx="1">
+                <a:schemeClr val="accent1"/>
+              </a:fillRef>
+              <a:effectRef idx="0">
+                <a:schemeClr val="accent1"/>
+              </a:effectRef>
+              <a:fontRef idx="minor">
+                <a:schemeClr val="lt1"/>
+              </a:fontRef>
+            </p:style>
+            <p:txBody>
+              <a:bodyPr rtlCol="0" anchor="ctr"/>
+              <a:lstStyle/>
+              <a:p>
+                <a:pPr algn="ctr"/>
+                <a:endParaRPr lang="en-US" dirty="0"/>
+              </a:p>
+            </p:txBody>
+          </p:sp>
+          <p:sp>
+            <p:nvSpPr>
+              <p:cNvPr id="49" name="Rectangle 48"/>
+              <p:cNvSpPr/>
+              <p:nvPr/>
+            </p:nvSpPr>
+            <p:spPr>
+              <a:xfrm>
+                <a:off x="2536372" y="5086895"/>
+                <a:ext cx="1752600" cy="685800"/>
+              </a:xfrm>
+              <a:prstGeom prst="rect">
+                <a:avLst/>
+              </a:prstGeom>
+            </p:spPr>
+            <p:style>
+              <a:lnRef idx="2">
+                <a:schemeClr val="accent1">
+                  <a:shade val="50000"/>
+                </a:schemeClr>
+              </a:lnRef>
+              <a:fillRef idx="1">
+                <a:schemeClr val="accent1"/>
+              </a:fillRef>
+              <a:effectRef idx="0">
+                <a:schemeClr val="accent1"/>
+              </a:effectRef>
+              <a:fontRef idx="minor">
+                <a:schemeClr val="lt1"/>
+              </a:fontRef>
+            </p:style>
+            <p:txBody>
+              <a:bodyPr rtlCol="0" anchor="ctr"/>
+              <a:lstStyle/>
+              <a:p>
+                <a:pPr algn="ctr"/>
+                <a:endParaRPr lang="en-US" dirty="0"/>
+              </a:p>
+            </p:txBody>
+          </p:sp>
+          <p:sp>
+            <p:nvSpPr>
+              <p:cNvPr id="50" name="Rectangle 49"/>
+              <p:cNvSpPr/>
+              <p:nvPr/>
+            </p:nvSpPr>
+            <p:spPr>
+              <a:xfrm>
+                <a:off x="4457700" y="5082541"/>
+                <a:ext cx="1752600" cy="685800"/>
+              </a:xfrm>
+              <a:prstGeom prst="rect">
+                <a:avLst/>
+              </a:prstGeom>
+            </p:spPr>
+            <p:style>
+              <a:lnRef idx="2">
+                <a:schemeClr val="accent1">
+                  <a:shade val="50000"/>
+                </a:schemeClr>
+              </a:lnRef>
+              <a:fillRef idx="1">
+                <a:schemeClr val="accent1"/>
+              </a:fillRef>
+              <a:effectRef idx="0">
+                <a:schemeClr val="accent1"/>
+              </a:effectRef>
+              <a:fontRef idx="minor">
+                <a:schemeClr val="lt1"/>
+              </a:fontRef>
+            </p:style>
+            <p:txBody>
+              <a:bodyPr rtlCol="0" anchor="ctr"/>
+              <a:lstStyle/>
+              <a:p>
+                <a:pPr algn="ctr"/>
+                <a:endParaRPr lang="en-US" dirty="0"/>
+              </a:p>
+            </p:txBody>
+          </p:sp>
+          <p:sp>
+            <p:nvSpPr>
+              <p:cNvPr id="51" name="Rectangle 50"/>
+              <p:cNvSpPr/>
+              <p:nvPr/>
+            </p:nvSpPr>
+            <p:spPr>
+              <a:xfrm>
+                <a:off x="6362700" y="5082542"/>
+                <a:ext cx="1752600" cy="685800"/>
+              </a:xfrm>
+              <a:prstGeom prst="rect">
+                <a:avLst/>
+              </a:prstGeom>
+            </p:spPr>
+            <p:style>
+              <a:lnRef idx="2">
+                <a:schemeClr val="accent1">
+                  <a:shade val="50000"/>
+                </a:schemeClr>
+              </a:lnRef>
+              <a:fillRef idx="1">
+                <a:schemeClr val="accent1"/>
+              </a:fillRef>
+              <a:effectRef idx="0">
+                <a:schemeClr val="accent1"/>
+              </a:effectRef>
+              <a:fontRef idx="minor">
+                <a:schemeClr val="lt1"/>
+              </a:fontRef>
+            </p:style>
+            <p:txBody>
+              <a:bodyPr rtlCol="0" anchor="ctr"/>
+              <a:lstStyle/>
+              <a:p>
+                <a:pPr algn="ctr"/>
+                <a:endParaRPr lang="en-US" dirty="0"/>
+              </a:p>
+            </p:txBody>
+          </p:sp>
+          <p:cxnSp>
+            <p:nvCxnSpPr>
+              <p:cNvPr id="52" name="Straight Arrow Connector 51"/>
+              <p:cNvCxnSpPr/>
+              <p:nvPr/>
+            </p:nvCxnSpPr>
+            <p:spPr>
+              <a:xfrm flipV="1">
+                <a:off x="1714500" y="3838304"/>
+                <a:ext cx="1448889" cy="1343296"/>
+              </a:xfrm>
+              <a:prstGeom prst="straightConnector1">
+                <a:avLst/>
+              </a:prstGeom>
+              <a:ln>
+                <a:tailEnd type="arrow"/>
+              </a:ln>
+            </p:spPr>
+            <p:style>
+              <a:lnRef idx="1">
+                <a:schemeClr val="accent1"/>
+              </a:lnRef>
+              <a:fillRef idx="0">
+                <a:schemeClr val="accent1"/>
+              </a:fillRef>
+              <a:effectRef idx="0">
+                <a:schemeClr val="accent1"/>
+              </a:effectRef>
+              <a:fontRef idx="minor">
+                <a:schemeClr val="tx1"/>
+              </a:fontRef>
+            </p:style>
+          </p:cxnSp>
+          <p:cxnSp>
+            <p:nvCxnSpPr>
+              <p:cNvPr id="53" name="Straight Arrow Connector 52"/>
+              <p:cNvCxnSpPr/>
+              <p:nvPr/>
+            </p:nvCxnSpPr>
+            <p:spPr>
+              <a:xfrm flipH="1">
+                <a:off x="1479369" y="3805016"/>
+                <a:ext cx="1562100" cy="1244238"/>
+              </a:xfrm>
+              <a:prstGeom prst="straightConnector1">
+                <a:avLst/>
+              </a:prstGeom>
+              <a:ln>
+                <a:tailEnd type="arrow"/>
+              </a:ln>
+            </p:spPr>
+            <p:style>
+              <a:lnRef idx="1">
+                <a:schemeClr val="accent1"/>
+              </a:lnRef>
+              <a:fillRef idx="0">
+                <a:schemeClr val="accent1"/>
+              </a:fillRef>
+              <a:effectRef idx="0">
+                <a:schemeClr val="accent1"/>
+              </a:effectRef>
+              <a:fontRef idx="minor">
+                <a:schemeClr val="tx1"/>
+              </a:fontRef>
+            </p:style>
+          </p:cxnSp>
+          <p:cxnSp>
+            <p:nvCxnSpPr>
+              <p:cNvPr id="54" name="Straight Arrow Connector 53"/>
+              <p:cNvCxnSpPr>
+                <a:endCxn id="50" idx="0"/>
+              </p:cNvCxnSpPr>
+              <p:nvPr/>
+            </p:nvCxnSpPr>
+            <p:spPr>
+              <a:xfrm>
+                <a:off x="5029200" y="3838303"/>
+                <a:ext cx="304800" cy="1244238"/>
+              </a:xfrm>
+              <a:prstGeom prst="straightConnector1">
+                <a:avLst/>
+              </a:prstGeom>
+              <a:ln>
+                <a:tailEnd type="arrow"/>
+              </a:ln>
+            </p:spPr>
+            <p:style>
+              <a:lnRef idx="1">
+                <a:schemeClr val="accent1"/>
+              </a:lnRef>
+              <a:fillRef idx="0">
+                <a:schemeClr val="accent1"/>
+              </a:fillRef>
+              <a:effectRef idx="0">
+                <a:schemeClr val="accent1"/>
+              </a:effectRef>
+              <a:fontRef idx="minor">
+                <a:schemeClr val="tx1"/>
+              </a:fontRef>
+            </p:style>
+          </p:cxnSp>
+          <p:cxnSp>
+            <p:nvCxnSpPr>
+              <p:cNvPr id="55" name="Straight Arrow Connector 54"/>
+              <p:cNvCxnSpPr>
+                <a:endCxn id="51" idx="0"/>
+              </p:cNvCxnSpPr>
+              <p:nvPr/>
+            </p:nvCxnSpPr>
+            <p:spPr>
+              <a:xfrm>
+                <a:off x="5334000" y="3838303"/>
+                <a:ext cx="1905000" cy="1244239"/>
+              </a:xfrm>
+              <a:prstGeom prst="straightConnector1">
+                <a:avLst/>
+              </a:prstGeom>
+              <a:ln>
+                <a:tailEnd type="arrow"/>
+              </a:ln>
+            </p:spPr>
+            <p:style>
+              <a:lnRef idx="1">
+                <a:schemeClr val="accent1"/>
+              </a:lnRef>
+              <a:fillRef idx="0">
+                <a:schemeClr val="accent1"/>
+              </a:fillRef>
+              <a:effectRef idx="0">
+                <a:schemeClr val="accent1"/>
+              </a:effectRef>
+              <a:fontRef idx="minor">
+                <a:schemeClr val="tx1"/>
+              </a:fontRef>
+            </p:style>
+          </p:cxnSp>
+          <p:cxnSp>
+            <p:nvCxnSpPr>
+              <p:cNvPr id="56" name="Straight Arrow Connector 55"/>
+              <p:cNvCxnSpPr/>
+              <p:nvPr/>
+            </p:nvCxnSpPr>
+            <p:spPr>
+              <a:xfrm flipH="1">
+                <a:off x="3810000" y="3810000"/>
+                <a:ext cx="152400" cy="1272541"/>
+              </a:xfrm>
+              <a:prstGeom prst="straightConnector1">
+                <a:avLst/>
+              </a:prstGeom>
+              <a:ln>
+                <a:tailEnd type="arrow"/>
+              </a:ln>
+            </p:spPr>
+            <p:style>
+              <a:lnRef idx="1">
+                <a:schemeClr val="accent1"/>
+              </a:lnRef>
+              <a:fillRef idx="0">
+                <a:schemeClr val="accent1"/>
+              </a:fillRef>
+              <a:effectRef idx="0">
+                <a:schemeClr val="accent1"/>
+              </a:effectRef>
+              <a:fontRef idx="minor">
+                <a:schemeClr val="tx1"/>
+              </a:fontRef>
+            </p:style>
+          </p:cxnSp>
+          <p:cxnSp>
+            <p:nvCxnSpPr>
+              <p:cNvPr id="57" name="Straight Arrow Connector 56"/>
+              <p:cNvCxnSpPr>
+                <a:endCxn id="47" idx="2"/>
+              </p:cNvCxnSpPr>
+              <p:nvPr/>
+            </p:nvCxnSpPr>
+            <p:spPr>
+              <a:xfrm flipV="1">
+                <a:off x="3962401" y="3810000"/>
+                <a:ext cx="152401" cy="1262531"/>
+              </a:xfrm>
+              <a:prstGeom prst="straightConnector1">
+                <a:avLst/>
+              </a:prstGeom>
+              <a:ln>
+                <a:tailEnd type="arrow"/>
+              </a:ln>
+            </p:spPr>
+            <p:style>
+              <a:lnRef idx="1">
+                <a:schemeClr val="accent1"/>
+              </a:lnRef>
+              <a:fillRef idx="0">
+                <a:schemeClr val="accent1"/>
+              </a:fillRef>
+              <a:effectRef idx="0">
+                <a:schemeClr val="accent1"/>
+              </a:effectRef>
+              <a:fontRef idx="minor">
+                <a:schemeClr val="tx1"/>
+              </a:fontRef>
+            </p:style>
+          </p:cxnSp>
+        </p:grpSp>
+        <p:grpSp>
+          <p:nvGrpSpPr>
+            <p:cNvPr id="13" name="Group 12"/>
+            <p:cNvGrpSpPr/>
+            <p:nvPr/>
+          </p:nvGrpSpPr>
+          <p:grpSpPr>
+            <a:xfrm>
+              <a:off x="6019800" y="5603531"/>
+              <a:ext cx="1411355" cy="797269"/>
+              <a:chOff x="609600" y="3124200"/>
+              <a:chExt cx="7505700" cy="2667000"/>
+            </a:xfrm>
+          </p:grpSpPr>
+          <p:sp>
+            <p:nvSpPr>
+              <p:cNvPr id="36" name="Rectangle 35"/>
+              <p:cNvSpPr/>
+              <p:nvPr/>
+            </p:nvSpPr>
+            <p:spPr>
+              <a:xfrm>
+                <a:off x="2743201" y="3124200"/>
+                <a:ext cx="2743201" cy="685800"/>
+              </a:xfrm>
+              <a:prstGeom prst="rect">
+                <a:avLst/>
+              </a:prstGeom>
+            </p:spPr>
+            <p:style>
+              <a:lnRef idx="2">
+                <a:schemeClr val="accent1">
+                  <a:shade val="50000"/>
+                </a:schemeClr>
+              </a:lnRef>
+              <a:fillRef idx="1">
+                <a:schemeClr val="accent1"/>
+              </a:fillRef>
+              <a:effectRef idx="0">
+                <a:schemeClr val="accent1"/>
+              </a:effectRef>
+              <a:fontRef idx="minor">
+                <a:schemeClr val="lt1"/>
+              </a:fontRef>
+            </p:style>
+            <p:txBody>
+              <a:bodyPr rtlCol="0" anchor="ctr"/>
+              <a:lstStyle/>
+              <a:p>
+                <a:pPr algn="ctr"/>
+                <a:endParaRPr lang="en-US" dirty="0"/>
+              </a:p>
+            </p:txBody>
+          </p:sp>
+          <p:sp>
+            <p:nvSpPr>
+              <p:cNvPr id="37" name="Rectangle 36"/>
+              <p:cNvSpPr/>
+              <p:nvPr/>
+            </p:nvSpPr>
+            <p:spPr>
+              <a:xfrm>
+                <a:off x="609600" y="5105400"/>
+                <a:ext cx="1752600" cy="685800"/>
+              </a:xfrm>
+              <a:prstGeom prst="rect">
+                <a:avLst/>
+              </a:prstGeom>
+            </p:spPr>
+            <p:style>
+              <a:lnRef idx="2">
+                <a:schemeClr val="accent1">
+                  <a:shade val="50000"/>
+                </a:schemeClr>
+              </a:lnRef>
+              <a:fillRef idx="1">
+                <a:schemeClr val="accent1"/>
+              </a:fillRef>
+              <a:effectRef idx="0">
+                <a:schemeClr val="accent1"/>
+              </a:effectRef>
+              <a:fontRef idx="minor">
+                <a:schemeClr val="lt1"/>
+              </a:fontRef>
+            </p:style>
+            <p:txBody>
+              <a:bodyPr rtlCol="0" anchor="ctr"/>
+              <a:lstStyle/>
+              <a:p>
+                <a:pPr algn="ctr"/>
+                <a:endParaRPr lang="en-US" dirty="0"/>
+              </a:p>
+            </p:txBody>
+          </p:sp>
+          <p:sp>
+            <p:nvSpPr>
+              <p:cNvPr id="38" name="Rectangle 37"/>
+              <p:cNvSpPr/>
+              <p:nvPr/>
+            </p:nvSpPr>
+            <p:spPr>
+              <a:xfrm>
+                <a:off x="2536372" y="5086895"/>
+                <a:ext cx="1752600" cy="685800"/>
+              </a:xfrm>
+              <a:prstGeom prst="rect">
+                <a:avLst/>
+              </a:prstGeom>
+            </p:spPr>
+            <p:style>
+              <a:lnRef idx="2">
+                <a:schemeClr val="accent1">
+                  <a:shade val="50000"/>
+                </a:schemeClr>
+              </a:lnRef>
+              <a:fillRef idx="1">
+                <a:schemeClr val="accent1"/>
+              </a:fillRef>
+              <a:effectRef idx="0">
+                <a:schemeClr val="accent1"/>
+              </a:effectRef>
+              <a:fontRef idx="minor">
+                <a:schemeClr val="lt1"/>
+              </a:fontRef>
+            </p:style>
+            <p:txBody>
+              <a:bodyPr rtlCol="0" anchor="ctr"/>
+              <a:lstStyle/>
+              <a:p>
+                <a:pPr algn="ctr"/>
+                <a:endParaRPr lang="en-US" dirty="0"/>
+              </a:p>
+            </p:txBody>
+          </p:sp>
+          <p:sp>
+            <p:nvSpPr>
+              <p:cNvPr id="39" name="Rectangle 38"/>
+              <p:cNvSpPr/>
+              <p:nvPr/>
+            </p:nvSpPr>
+            <p:spPr>
+              <a:xfrm>
+                <a:off x="4457700" y="5082541"/>
+                <a:ext cx="1752600" cy="685800"/>
+              </a:xfrm>
+              <a:prstGeom prst="rect">
+                <a:avLst/>
+              </a:prstGeom>
+            </p:spPr>
+            <p:style>
+              <a:lnRef idx="2">
+                <a:schemeClr val="accent1">
+                  <a:shade val="50000"/>
+                </a:schemeClr>
+              </a:lnRef>
+              <a:fillRef idx="1">
+                <a:schemeClr val="accent1"/>
+              </a:fillRef>
+              <a:effectRef idx="0">
+                <a:schemeClr val="accent1"/>
+              </a:effectRef>
+              <a:fontRef idx="minor">
+                <a:schemeClr val="lt1"/>
+              </a:fontRef>
+            </p:style>
+            <p:txBody>
+              <a:bodyPr rtlCol="0" anchor="ctr"/>
+              <a:lstStyle/>
+              <a:p>
+                <a:pPr algn="ctr"/>
+                <a:endParaRPr lang="en-US" dirty="0"/>
+              </a:p>
+            </p:txBody>
+          </p:sp>
+          <p:sp>
+            <p:nvSpPr>
+              <p:cNvPr id="40" name="Rectangle 39"/>
+              <p:cNvSpPr/>
+              <p:nvPr/>
+            </p:nvSpPr>
+            <p:spPr>
+              <a:xfrm>
+                <a:off x="6362700" y="5082542"/>
+                <a:ext cx="1752600" cy="685800"/>
+              </a:xfrm>
+              <a:prstGeom prst="rect">
+                <a:avLst/>
+              </a:prstGeom>
+            </p:spPr>
+            <p:style>
+              <a:lnRef idx="2">
+                <a:schemeClr val="accent1">
+                  <a:shade val="50000"/>
+                </a:schemeClr>
+              </a:lnRef>
+              <a:fillRef idx="1">
+                <a:schemeClr val="accent1"/>
+              </a:fillRef>
+              <a:effectRef idx="0">
+                <a:schemeClr val="accent1"/>
+              </a:effectRef>
+              <a:fontRef idx="minor">
+                <a:schemeClr val="lt1"/>
+              </a:fontRef>
+            </p:style>
+            <p:txBody>
+              <a:bodyPr rtlCol="0" anchor="ctr"/>
+              <a:lstStyle/>
+              <a:p>
+                <a:pPr algn="ctr"/>
+                <a:endParaRPr lang="en-US" dirty="0"/>
+              </a:p>
+            </p:txBody>
+          </p:sp>
+          <p:cxnSp>
+            <p:nvCxnSpPr>
+              <p:cNvPr id="41" name="Straight Arrow Connector 40"/>
+              <p:cNvCxnSpPr/>
+              <p:nvPr/>
+            </p:nvCxnSpPr>
+            <p:spPr>
+              <a:xfrm flipV="1">
+                <a:off x="1714500" y="3838304"/>
+                <a:ext cx="1448889" cy="1343296"/>
+              </a:xfrm>
+              <a:prstGeom prst="straightConnector1">
+                <a:avLst/>
+              </a:prstGeom>
+              <a:ln>
+                <a:tailEnd type="arrow"/>
+              </a:ln>
+            </p:spPr>
+            <p:style>
+              <a:lnRef idx="1">
+                <a:schemeClr val="accent1"/>
+              </a:lnRef>
+              <a:fillRef idx="0">
+                <a:schemeClr val="accent1"/>
+              </a:fillRef>
+              <a:effectRef idx="0">
+                <a:schemeClr val="accent1"/>
+              </a:effectRef>
+              <a:fontRef idx="minor">
+                <a:schemeClr val="tx1"/>
+              </a:fontRef>
+            </p:style>
+          </p:cxnSp>
+          <p:cxnSp>
+            <p:nvCxnSpPr>
+              <p:cNvPr id="42" name="Straight Arrow Connector 41"/>
+              <p:cNvCxnSpPr/>
+              <p:nvPr/>
+            </p:nvCxnSpPr>
+            <p:spPr>
+              <a:xfrm flipH="1">
+                <a:off x="1479369" y="3805016"/>
+                <a:ext cx="1562100" cy="1244238"/>
+              </a:xfrm>
+              <a:prstGeom prst="straightConnector1">
+                <a:avLst/>
+              </a:prstGeom>
+              <a:ln>
+                <a:tailEnd type="arrow"/>
+              </a:ln>
+            </p:spPr>
+            <p:style>
+              <a:lnRef idx="1">
+                <a:schemeClr val="accent1"/>
+              </a:lnRef>
+              <a:fillRef idx="0">
+                <a:schemeClr val="accent1"/>
+              </a:fillRef>
+              <a:effectRef idx="0">
+                <a:schemeClr val="accent1"/>
+              </a:effectRef>
+              <a:fontRef idx="minor">
+                <a:schemeClr val="tx1"/>
+              </a:fontRef>
+            </p:style>
+          </p:cxnSp>
+          <p:cxnSp>
+            <p:nvCxnSpPr>
+              <p:cNvPr id="43" name="Straight Arrow Connector 42"/>
+              <p:cNvCxnSpPr>
+                <a:endCxn id="39" idx="0"/>
+              </p:cNvCxnSpPr>
+              <p:nvPr/>
+            </p:nvCxnSpPr>
+            <p:spPr>
+              <a:xfrm>
+                <a:off x="5029200" y="3838303"/>
+                <a:ext cx="304800" cy="1244238"/>
+              </a:xfrm>
+              <a:prstGeom prst="straightConnector1">
+                <a:avLst/>
+              </a:prstGeom>
+              <a:ln>
+                <a:tailEnd type="arrow"/>
+              </a:ln>
+            </p:spPr>
+            <p:style>
+              <a:lnRef idx="1">
+                <a:schemeClr val="accent1"/>
+              </a:lnRef>
+              <a:fillRef idx="0">
+                <a:schemeClr val="accent1"/>
+              </a:fillRef>
+              <a:effectRef idx="0">
+                <a:schemeClr val="accent1"/>
+              </a:effectRef>
+              <a:fontRef idx="minor">
+                <a:schemeClr val="tx1"/>
+              </a:fontRef>
+            </p:style>
+          </p:cxnSp>
+          <p:cxnSp>
+            <p:nvCxnSpPr>
+              <p:cNvPr id="44" name="Straight Arrow Connector 43"/>
+              <p:cNvCxnSpPr>
+                <a:endCxn id="40" idx="0"/>
+              </p:cNvCxnSpPr>
+              <p:nvPr/>
+            </p:nvCxnSpPr>
+            <p:spPr>
+              <a:xfrm>
+                <a:off x="5334000" y="3838303"/>
+                <a:ext cx="1905000" cy="1244239"/>
+              </a:xfrm>
+              <a:prstGeom prst="straightConnector1">
+                <a:avLst/>
+              </a:prstGeom>
+              <a:ln>
+                <a:tailEnd type="arrow"/>
+              </a:ln>
+            </p:spPr>
+            <p:style>
+              <a:lnRef idx="1">
+                <a:schemeClr val="accent1"/>
+              </a:lnRef>
+              <a:fillRef idx="0">
+                <a:schemeClr val="accent1"/>
+              </a:fillRef>
+              <a:effectRef idx="0">
+                <a:schemeClr val="accent1"/>
+              </a:effectRef>
+              <a:fontRef idx="minor">
+                <a:schemeClr val="tx1"/>
+              </a:fontRef>
+            </p:style>
+          </p:cxnSp>
+          <p:cxnSp>
+            <p:nvCxnSpPr>
+              <p:cNvPr id="45" name="Straight Arrow Connector 44"/>
+              <p:cNvCxnSpPr/>
+              <p:nvPr/>
+            </p:nvCxnSpPr>
+            <p:spPr>
+              <a:xfrm flipH="1">
+                <a:off x="3810000" y="3810000"/>
+                <a:ext cx="152400" cy="1272541"/>
+              </a:xfrm>
+              <a:prstGeom prst="straightConnector1">
+                <a:avLst/>
+              </a:prstGeom>
+              <a:ln>
+                <a:tailEnd type="arrow"/>
+              </a:ln>
+            </p:spPr>
+            <p:style>
+              <a:lnRef idx="1">
+                <a:schemeClr val="accent1"/>
+              </a:lnRef>
+              <a:fillRef idx="0">
+                <a:schemeClr val="accent1"/>
+              </a:fillRef>
+              <a:effectRef idx="0">
+                <a:schemeClr val="accent1"/>
+              </a:effectRef>
+              <a:fontRef idx="minor">
+                <a:schemeClr val="tx1"/>
+              </a:fontRef>
+            </p:style>
+          </p:cxnSp>
+          <p:cxnSp>
+            <p:nvCxnSpPr>
+              <p:cNvPr id="46" name="Straight Arrow Connector 45"/>
+              <p:cNvCxnSpPr>
+                <a:endCxn id="36" idx="2"/>
+              </p:cNvCxnSpPr>
+              <p:nvPr/>
+            </p:nvCxnSpPr>
+            <p:spPr>
+              <a:xfrm flipV="1">
+                <a:off x="3962401" y="3810000"/>
+                <a:ext cx="152401" cy="1262531"/>
+              </a:xfrm>
+              <a:prstGeom prst="straightConnector1">
+                <a:avLst/>
+              </a:prstGeom>
+              <a:ln>
+                <a:tailEnd type="arrow"/>
+              </a:ln>
+            </p:spPr>
+            <p:style>
+              <a:lnRef idx="1">
+                <a:schemeClr val="accent1"/>
+              </a:lnRef>
+              <a:fillRef idx="0">
+                <a:schemeClr val="accent1"/>
+              </a:fillRef>
+              <a:effectRef idx="0">
+                <a:schemeClr val="accent1"/>
+              </a:effectRef>
+              <a:fontRef idx="minor">
+                <a:schemeClr val="tx1"/>
+              </a:fontRef>
+            </p:style>
+          </p:cxnSp>
+        </p:grpSp>
+        <p:sp>
+          <p:nvSpPr>
+            <p:cNvPr id="14" name="TextBox 13"/>
+            <p:cNvSpPr txBox="1"/>
+            <p:nvPr/>
+          </p:nvSpPr>
+          <p:spPr>
+            <a:xfrm>
+              <a:off x="3204003" y="2221468"/>
+              <a:ext cx="983835" cy="369332"/>
+            </a:xfrm>
+            <a:prstGeom prst="rect">
+              <a:avLst/>
+            </a:prstGeom>
+            <a:noFill/>
+          </p:spPr>
+          <p:txBody>
+            <a:bodyPr wrap="square" rtlCol="0">
+              <a:spAutoFit/>
+            </a:bodyPr>
+            <a:lstStyle/>
+            <a:p>
+              <a:r>
+                <a:rPr lang="en-US" dirty="0" err="1" smtClean="0"/>
+                <a:t>Github</a:t>
+              </a:r>
+              <a:endParaRPr lang="en-US" dirty="0"/>
+            </a:p>
+          </p:txBody>
+        </p:sp>
+        <p:sp>
+          <p:nvSpPr>
+            <p:cNvPr id="15" name="TextBox 14"/>
+            <p:cNvSpPr txBox="1"/>
+            <p:nvPr/>
+          </p:nvSpPr>
+          <p:spPr>
+            <a:xfrm>
+              <a:off x="4243123" y="2655583"/>
+              <a:ext cx="1020972" cy="646331"/>
+            </a:xfrm>
+            <a:prstGeom prst="rect">
+              <a:avLst/>
+            </a:prstGeom>
+            <a:noFill/>
+          </p:spPr>
+          <p:txBody>
+            <a:bodyPr wrap="square" rtlCol="0">
+              <a:spAutoFit/>
+            </a:bodyPr>
+            <a:lstStyle/>
+            <a:p>
+              <a:pPr algn="ctr"/>
+              <a:r>
+                <a:rPr lang="en-US" dirty="0" smtClean="0"/>
+                <a:t>Course Repo</a:t>
+              </a:r>
+              <a:endParaRPr lang="en-US" dirty="0"/>
+            </a:p>
+          </p:txBody>
+        </p:sp>
+        <p:sp>
+          <p:nvSpPr>
+            <p:cNvPr id="16" name="TextBox 15"/>
+            <p:cNvSpPr txBox="1"/>
+            <p:nvPr/>
+          </p:nvSpPr>
+          <p:spPr>
+            <a:xfrm>
+              <a:off x="6323711" y="3797821"/>
+              <a:ext cx="1014376" cy="646331"/>
+            </a:xfrm>
+            <a:prstGeom prst="rect">
+              <a:avLst/>
+            </a:prstGeom>
+            <a:noFill/>
+          </p:spPr>
+          <p:txBody>
+            <a:bodyPr wrap="square" rtlCol="0">
+              <a:spAutoFit/>
+            </a:bodyPr>
+            <a:lstStyle/>
+            <a:p>
+              <a:pPr algn="ctr"/>
+              <a:r>
+                <a:rPr lang="en-US" dirty="0" smtClean="0"/>
+                <a:t>Student Repos</a:t>
+              </a:r>
+              <a:endParaRPr lang="en-US" dirty="0"/>
+            </a:p>
+          </p:txBody>
+        </p:sp>
+        <p:cxnSp>
+          <p:nvCxnSpPr>
+            <p:cNvPr id="17" name="Straight Arrow Connector 16"/>
+            <p:cNvCxnSpPr/>
+            <p:nvPr/>
+          </p:nvCxnSpPr>
+          <p:spPr>
+            <a:xfrm flipH="1">
+              <a:off x="2262428" y="3374808"/>
+              <a:ext cx="709372" cy="320892"/>
+            </a:xfrm>
+            <a:prstGeom prst="straightConnector1">
+              <a:avLst/>
+            </a:prstGeom>
+            <a:ln>
+              <a:tailEnd type="arrow"/>
+            </a:ln>
+          </p:spPr>
+          <p:style>
+            <a:lnRef idx="1">
+              <a:schemeClr val="accent1"/>
+            </a:lnRef>
+            <a:fillRef idx="0">
+              <a:schemeClr val="accent1"/>
+            </a:fillRef>
+            <a:effectRef idx="0">
+              <a:schemeClr val="accent1"/>
+            </a:effectRef>
+            <a:fontRef idx="minor">
+              <a:schemeClr val="tx1"/>
+            </a:fontRef>
+          </p:style>
+        </p:cxnSp>
+        <p:cxnSp>
+          <p:nvCxnSpPr>
+            <p:cNvPr id="18" name="Straight Arrow Connector 17"/>
+            <p:cNvCxnSpPr/>
+            <p:nvPr/>
+          </p:nvCxnSpPr>
+          <p:spPr>
+            <a:xfrm>
+              <a:off x="4580735" y="3381641"/>
+              <a:ext cx="657353" cy="416180"/>
+            </a:xfrm>
+            <a:prstGeom prst="straightConnector1">
+              <a:avLst/>
+            </a:prstGeom>
+            <a:ln>
+              <a:tailEnd type="arrow"/>
+            </a:ln>
+          </p:spPr>
+          <p:style>
+            <a:lnRef idx="1">
+              <a:schemeClr val="accent1"/>
+            </a:lnRef>
+            <a:fillRef idx="0">
+              <a:schemeClr val="accent1"/>
+            </a:fillRef>
+            <a:effectRef idx="0">
+              <a:schemeClr val="accent1"/>
+            </a:effectRef>
+            <a:fontRef idx="minor">
+              <a:schemeClr val="tx1"/>
+            </a:fontRef>
+          </p:style>
+        </p:cxnSp>
+        <p:cxnSp>
+          <p:nvCxnSpPr>
+            <p:cNvPr id="19" name="Straight Arrow Connector 18"/>
+            <p:cNvCxnSpPr>
+              <a:endCxn id="80" idx="0"/>
+            </p:cNvCxnSpPr>
+            <p:nvPr/>
+          </p:nvCxnSpPr>
+          <p:spPr>
+            <a:xfrm flipH="1">
+              <a:off x="3725021" y="3535254"/>
+              <a:ext cx="32750" cy="265922"/>
+            </a:xfrm>
+            <a:prstGeom prst="straightConnector1">
+              <a:avLst/>
+            </a:prstGeom>
+            <a:ln>
+              <a:tailEnd type="arrow"/>
+            </a:ln>
+          </p:spPr>
+          <p:style>
+            <a:lnRef idx="1">
+              <a:schemeClr val="accent1"/>
+            </a:lnRef>
+            <a:fillRef idx="0">
+              <a:schemeClr val="accent1"/>
+            </a:fillRef>
+            <a:effectRef idx="0">
+              <a:schemeClr val="accent1"/>
+            </a:effectRef>
+            <a:fontRef idx="minor">
+              <a:schemeClr val="tx1"/>
+            </a:fontRef>
+          </p:style>
+        </p:cxnSp>
+        <p:sp>
+          <p:nvSpPr>
+            <p:cNvPr id="20" name="TextBox 19"/>
+            <p:cNvSpPr txBox="1"/>
+            <p:nvPr/>
+          </p:nvSpPr>
+          <p:spPr>
+            <a:xfrm>
+              <a:off x="2068993" y="3220399"/>
+              <a:ext cx="601591" cy="369332"/>
+            </a:xfrm>
+            <a:prstGeom prst="rect">
+              <a:avLst/>
+            </a:prstGeom>
+            <a:noFill/>
+          </p:spPr>
+          <p:txBody>
+            <a:bodyPr wrap="square" rtlCol="0">
+              <a:spAutoFit/>
+            </a:bodyPr>
+            <a:lstStyle/>
+            <a:p>
+              <a:r>
+                <a:rPr lang="en-US" dirty="0" smtClean="0"/>
+                <a:t>Pull</a:t>
+              </a:r>
+              <a:endParaRPr lang="en-US" dirty="0"/>
+            </a:p>
+          </p:txBody>
+        </p:sp>
+        <p:sp>
+          <p:nvSpPr>
+            <p:cNvPr id="21" name="TextBox 20"/>
+            <p:cNvSpPr txBox="1"/>
+            <p:nvPr/>
+          </p:nvSpPr>
+          <p:spPr>
+            <a:xfrm>
+              <a:off x="4937292" y="3397286"/>
+              <a:ext cx="601591" cy="369332"/>
+            </a:xfrm>
+            <a:prstGeom prst="rect">
+              <a:avLst/>
+            </a:prstGeom>
+            <a:noFill/>
+          </p:spPr>
+          <p:txBody>
+            <a:bodyPr wrap="square" rtlCol="0">
+              <a:spAutoFit/>
+            </a:bodyPr>
+            <a:lstStyle/>
+            <a:p>
+              <a:r>
+                <a:rPr lang="en-US" dirty="0" smtClean="0"/>
+                <a:t>Pull</a:t>
+              </a:r>
+              <a:endParaRPr lang="en-US" dirty="0"/>
+            </a:p>
+          </p:txBody>
+        </p:sp>
+        <p:sp>
+          <p:nvSpPr>
+            <p:cNvPr id="22" name="TextBox 21"/>
+            <p:cNvSpPr txBox="1"/>
+            <p:nvPr/>
+          </p:nvSpPr>
+          <p:spPr>
+            <a:xfrm>
+              <a:off x="3789498" y="3506022"/>
+              <a:ext cx="601591" cy="369332"/>
+            </a:xfrm>
+            <a:prstGeom prst="rect">
+              <a:avLst/>
+            </a:prstGeom>
+            <a:noFill/>
+          </p:spPr>
+          <p:txBody>
+            <a:bodyPr wrap="square" rtlCol="0">
+              <a:spAutoFit/>
+            </a:bodyPr>
+            <a:lstStyle/>
+            <a:p>
+              <a:r>
+                <a:rPr lang="en-US" dirty="0" smtClean="0"/>
+                <a:t>Pull</a:t>
+              </a:r>
+              <a:endParaRPr lang="en-US" dirty="0"/>
+            </a:p>
+          </p:txBody>
+        </p:sp>
+        <p:cxnSp>
+          <p:nvCxnSpPr>
+            <p:cNvPr id="23" name="Straight Arrow Connector 22"/>
+            <p:cNvCxnSpPr/>
+            <p:nvPr/>
+          </p:nvCxnSpPr>
+          <p:spPr>
+            <a:xfrm flipH="1">
+              <a:off x="1655821" y="4598445"/>
+              <a:ext cx="92205" cy="1005086"/>
+            </a:xfrm>
+            <a:prstGeom prst="straightConnector1">
+              <a:avLst/>
+            </a:prstGeom>
+            <a:ln>
+              <a:tailEnd type="arrow"/>
+            </a:ln>
+          </p:spPr>
+          <p:style>
+            <a:lnRef idx="1">
+              <a:schemeClr val="accent1"/>
+            </a:lnRef>
+            <a:fillRef idx="0">
+              <a:schemeClr val="accent1"/>
+            </a:fillRef>
+            <a:effectRef idx="0">
+              <a:schemeClr val="accent1"/>
+            </a:effectRef>
+            <a:fontRef idx="minor">
+              <a:schemeClr val="tx1"/>
+            </a:fontRef>
+          </p:style>
+        </p:cxnSp>
+        <p:cxnSp>
+          <p:nvCxnSpPr>
+            <p:cNvPr id="24" name="Straight Arrow Connector 23"/>
+            <p:cNvCxnSpPr>
+              <a:stCxn id="58" idx="0"/>
+              <a:endCxn id="93" idx="2"/>
+            </p:cNvCxnSpPr>
+            <p:nvPr/>
+          </p:nvCxnSpPr>
+          <p:spPr>
+            <a:xfrm flipV="1">
+              <a:off x="1762356" y="4592100"/>
+              <a:ext cx="110133" cy="1011431"/>
+            </a:xfrm>
+            <a:prstGeom prst="straightConnector1">
+              <a:avLst/>
+            </a:prstGeom>
+            <a:ln>
+              <a:tailEnd type="arrow"/>
+            </a:ln>
+          </p:spPr>
+          <p:style>
+            <a:lnRef idx="1">
+              <a:schemeClr val="accent1"/>
+            </a:lnRef>
+            <a:fillRef idx="0">
+              <a:schemeClr val="accent1"/>
+            </a:fillRef>
+            <a:effectRef idx="0">
+              <a:schemeClr val="accent1"/>
+            </a:effectRef>
+            <a:fontRef idx="minor">
+              <a:schemeClr val="tx1"/>
+            </a:fontRef>
+          </p:style>
+        </p:cxnSp>
+        <p:cxnSp>
+          <p:nvCxnSpPr>
+            <p:cNvPr id="25" name="Straight Arrow Connector 24"/>
+            <p:cNvCxnSpPr>
+              <a:endCxn id="47" idx="0"/>
+            </p:cNvCxnSpPr>
+            <p:nvPr/>
+          </p:nvCxnSpPr>
+          <p:spPr>
+            <a:xfrm>
+              <a:off x="3852061" y="4598445"/>
+              <a:ext cx="348695" cy="1005086"/>
+            </a:xfrm>
+            <a:prstGeom prst="straightConnector1">
+              <a:avLst/>
+            </a:prstGeom>
+            <a:ln>
+              <a:tailEnd type="arrow"/>
+            </a:ln>
+          </p:spPr>
+          <p:style>
+            <a:lnRef idx="1">
+              <a:schemeClr val="accent1"/>
+            </a:lnRef>
+            <a:fillRef idx="0">
+              <a:schemeClr val="accent1"/>
+            </a:fillRef>
+            <a:effectRef idx="0">
+              <a:schemeClr val="accent1"/>
+            </a:effectRef>
+            <a:fontRef idx="minor">
+              <a:schemeClr val="tx1"/>
+            </a:fontRef>
+          </p:style>
+        </p:cxnSp>
+        <p:cxnSp>
+          <p:nvCxnSpPr>
+            <p:cNvPr id="26" name="Straight Arrow Connector 25"/>
+            <p:cNvCxnSpPr>
+              <a:endCxn id="83" idx="2"/>
+            </p:cNvCxnSpPr>
+            <p:nvPr/>
+          </p:nvCxnSpPr>
+          <p:spPr>
+            <a:xfrm flipH="1" flipV="1">
+              <a:off x="3954276" y="4591612"/>
+              <a:ext cx="447078" cy="1011919"/>
+            </a:xfrm>
+            <a:prstGeom prst="straightConnector1">
+              <a:avLst/>
+            </a:prstGeom>
+            <a:ln>
+              <a:tailEnd type="arrow"/>
+            </a:ln>
+          </p:spPr>
+          <p:style>
+            <a:lnRef idx="1">
+              <a:schemeClr val="accent1"/>
+            </a:lnRef>
+            <a:fillRef idx="0">
+              <a:schemeClr val="accent1"/>
+            </a:fillRef>
+            <a:effectRef idx="0">
+              <a:schemeClr val="accent1"/>
+            </a:effectRef>
+            <a:fontRef idx="minor">
+              <a:schemeClr val="tx1"/>
+            </a:fontRef>
+          </p:style>
+        </p:cxnSp>
+        <p:cxnSp>
+          <p:nvCxnSpPr>
+            <p:cNvPr id="27" name="Straight Arrow Connector 26"/>
+            <p:cNvCxnSpPr>
+              <a:stCxn id="72" idx="2"/>
+            </p:cNvCxnSpPr>
+            <p:nvPr/>
+          </p:nvCxnSpPr>
+          <p:spPr>
+            <a:xfrm>
+              <a:off x="5669171" y="4588257"/>
+              <a:ext cx="830838" cy="1015274"/>
+            </a:xfrm>
+            <a:prstGeom prst="straightConnector1">
+              <a:avLst/>
+            </a:prstGeom>
+            <a:ln>
+              <a:tailEnd type="arrow"/>
+            </a:ln>
+          </p:spPr>
+          <p:style>
+            <a:lnRef idx="1">
+              <a:schemeClr val="accent1"/>
+            </a:lnRef>
+            <a:fillRef idx="0">
+              <a:schemeClr val="accent1"/>
+            </a:fillRef>
+            <a:effectRef idx="0">
+              <a:schemeClr val="accent1"/>
+            </a:effectRef>
+            <a:fontRef idx="minor">
+              <a:schemeClr val="tx1"/>
+            </a:fontRef>
+          </p:style>
+        </p:cxnSp>
+        <p:cxnSp>
+          <p:nvCxnSpPr>
+            <p:cNvPr id="28" name="Straight Arrow Connector 27"/>
+            <p:cNvCxnSpPr>
+              <a:stCxn id="36" idx="0"/>
+            </p:cNvCxnSpPr>
+            <p:nvPr/>
+          </p:nvCxnSpPr>
+          <p:spPr>
+            <a:xfrm flipH="1" flipV="1">
+              <a:off x="6019800" y="4598445"/>
+              <a:ext cx="659111" cy="1005086"/>
+            </a:xfrm>
+            <a:prstGeom prst="straightConnector1">
+              <a:avLst/>
+            </a:prstGeom>
+            <a:ln>
+              <a:tailEnd type="arrow"/>
+            </a:ln>
+          </p:spPr>
+          <p:style>
+            <a:lnRef idx="1">
+              <a:schemeClr val="accent1"/>
+            </a:lnRef>
+            <a:fillRef idx="0">
+              <a:schemeClr val="accent1"/>
+            </a:fillRef>
+            <a:effectRef idx="0">
+              <a:schemeClr val="accent1"/>
+            </a:effectRef>
+            <a:fontRef idx="minor">
+              <a:schemeClr val="tx1"/>
+            </a:fontRef>
+          </p:style>
+        </p:cxnSp>
+        <p:sp>
+          <p:nvSpPr>
+            <p:cNvPr id="29" name="TextBox 28"/>
+            <p:cNvSpPr txBox="1"/>
+            <p:nvPr/>
+          </p:nvSpPr>
+          <p:spPr>
+            <a:xfrm>
+              <a:off x="1182404" y="4916322"/>
+              <a:ext cx="601591" cy="369332"/>
+            </a:xfrm>
+            <a:prstGeom prst="rect">
+              <a:avLst/>
+            </a:prstGeom>
+            <a:noFill/>
+          </p:spPr>
+          <p:txBody>
+            <a:bodyPr wrap="square" rtlCol="0">
+              <a:spAutoFit/>
+            </a:bodyPr>
+            <a:lstStyle/>
+            <a:p>
+              <a:r>
+                <a:rPr lang="en-US" dirty="0" smtClean="0"/>
+                <a:t>Pull</a:t>
+              </a:r>
+              <a:endParaRPr lang="en-US" dirty="0"/>
+            </a:p>
+          </p:txBody>
+        </p:sp>
+        <p:sp>
+          <p:nvSpPr>
+            <p:cNvPr id="30" name="TextBox 29"/>
+            <p:cNvSpPr txBox="1"/>
+            <p:nvPr/>
+          </p:nvSpPr>
+          <p:spPr>
+            <a:xfrm>
+              <a:off x="3424224" y="4931967"/>
+              <a:ext cx="601591" cy="369332"/>
+            </a:xfrm>
+            <a:prstGeom prst="rect">
+              <a:avLst/>
+            </a:prstGeom>
+            <a:noFill/>
+          </p:spPr>
+          <p:txBody>
+            <a:bodyPr wrap="square" rtlCol="0">
+              <a:spAutoFit/>
+            </a:bodyPr>
+            <a:lstStyle/>
+            <a:p>
+              <a:r>
+                <a:rPr lang="en-US" dirty="0" smtClean="0"/>
+                <a:t>Pull</a:t>
+              </a:r>
+              <a:endParaRPr lang="en-US" dirty="0"/>
+            </a:p>
+          </p:txBody>
+        </p:sp>
+        <p:sp>
+          <p:nvSpPr>
+            <p:cNvPr id="31" name="TextBox 30"/>
+            <p:cNvSpPr txBox="1"/>
+            <p:nvPr/>
+          </p:nvSpPr>
+          <p:spPr>
+            <a:xfrm>
+              <a:off x="5538883" y="5066779"/>
+              <a:ext cx="601591" cy="369332"/>
+            </a:xfrm>
+            <a:prstGeom prst="rect">
+              <a:avLst/>
+            </a:prstGeom>
+            <a:noFill/>
+          </p:spPr>
+          <p:txBody>
+            <a:bodyPr wrap="square" rtlCol="0">
+              <a:spAutoFit/>
+            </a:bodyPr>
+            <a:lstStyle/>
+            <a:p>
+              <a:r>
+                <a:rPr lang="en-US" dirty="0" smtClean="0"/>
+                <a:t>Pull</a:t>
+              </a:r>
+              <a:endParaRPr lang="en-US" dirty="0"/>
+            </a:p>
+          </p:txBody>
+        </p:sp>
+        <p:sp>
+          <p:nvSpPr>
+            <p:cNvPr id="32" name="TextBox 31"/>
+            <p:cNvSpPr txBox="1"/>
+            <p:nvPr/>
+          </p:nvSpPr>
+          <p:spPr>
+            <a:xfrm>
+              <a:off x="1826833" y="4947612"/>
+              <a:ext cx="765149" cy="369332"/>
+            </a:xfrm>
+            <a:prstGeom prst="rect">
+              <a:avLst/>
+            </a:prstGeom>
+            <a:noFill/>
+          </p:spPr>
+          <p:txBody>
+            <a:bodyPr wrap="square" rtlCol="0">
+              <a:spAutoFit/>
+            </a:bodyPr>
+            <a:lstStyle/>
+            <a:p>
+              <a:r>
+                <a:rPr lang="en-US" dirty="0" smtClean="0"/>
+                <a:t>Push</a:t>
+              </a:r>
+              <a:endParaRPr lang="en-US" dirty="0"/>
+            </a:p>
+          </p:txBody>
+        </p:sp>
+        <p:sp>
+          <p:nvSpPr>
+            <p:cNvPr id="33" name="TextBox 32"/>
+            <p:cNvSpPr txBox="1"/>
+            <p:nvPr/>
+          </p:nvSpPr>
+          <p:spPr>
+            <a:xfrm>
+              <a:off x="4200755" y="4916322"/>
+              <a:ext cx="765149" cy="369332"/>
+            </a:xfrm>
+            <a:prstGeom prst="rect">
+              <a:avLst/>
+            </a:prstGeom>
+            <a:noFill/>
+          </p:spPr>
+          <p:txBody>
+            <a:bodyPr wrap="square" rtlCol="0">
+              <a:spAutoFit/>
+            </a:bodyPr>
+            <a:lstStyle/>
+            <a:p>
+              <a:r>
+                <a:rPr lang="en-US" dirty="0" smtClean="0"/>
+                <a:t>Push</a:t>
+              </a:r>
+              <a:endParaRPr lang="en-US" dirty="0"/>
+            </a:p>
+          </p:txBody>
+        </p:sp>
+        <p:sp>
+          <p:nvSpPr>
+            <p:cNvPr id="34" name="TextBox 33"/>
+            <p:cNvSpPr txBox="1"/>
+            <p:nvPr/>
+          </p:nvSpPr>
+          <p:spPr>
+            <a:xfrm>
+              <a:off x="6420998" y="5065169"/>
+              <a:ext cx="765149" cy="369332"/>
+            </a:xfrm>
+            <a:prstGeom prst="rect">
+              <a:avLst/>
+            </a:prstGeom>
+            <a:noFill/>
+          </p:spPr>
+          <p:txBody>
+            <a:bodyPr wrap="square" rtlCol="0">
+              <a:spAutoFit/>
+            </a:bodyPr>
+            <a:lstStyle/>
+            <a:p>
+              <a:r>
+                <a:rPr lang="en-US" dirty="0" smtClean="0"/>
+                <a:t>Push</a:t>
+              </a:r>
+              <a:endParaRPr lang="en-US" dirty="0"/>
+            </a:p>
+          </p:txBody>
+        </p:sp>
+        <p:sp>
+          <p:nvSpPr>
+            <p:cNvPr id="35" name="TextBox 34"/>
+            <p:cNvSpPr txBox="1"/>
+            <p:nvPr/>
+          </p:nvSpPr>
+          <p:spPr>
+            <a:xfrm>
+              <a:off x="7467600" y="5244372"/>
+              <a:ext cx="1219200" cy="923330"/>
+            </a:xfrm>
+            <a:prstGeom prst="rect">
+              <a:avLst/>
+            </a:prstGeom>
+            <a:noFill/>
+          </p:spPr>
+          <p:txBody>
+            <a:bodyPr wrap="square" rtlCol="0">
+              <a:spAutoFit/>
+            </a:bodyPr>
+            <a:lstStyle/>
+            <a:p>
+              <a:pPr algn="ctr"/>
+              <a:r>
+                <a:rPr lang="en-US" dirty="0" smtClean="0"/>
+                <a:t>Local Computer Repos</a:t>
+              </a:r>
+              <a:endParaRPr lang="en-US" dirty="0"/>
+            </a:p>
+          </p:txBody>
+        </p:sp>
+      </p:grpSp>
+      <p:sp>
+        <p:nvSpPr>
+          <p:cNvPr id="113" name="Rectangle 112"/>
+          <p:cNvSpPr/>
+          <p:nvPr/>
+        </p:nvSpPr>
+        <p:spPr>
+          <a:xfrm>
+            <a:off x="990600" y="3695700"/>
+            <a:ext cx="1868555" cy="2857500"/>
+          </a:xfrm>
+          <a:prstGeom prst="rect">
+            <a:avLst/>
+          </a:prstGeom>
+          <a:noFill/>
+          <a:ln>
+            <a:solidFill>
+              <a:schemeClr val="tx2"/>
+            </a:solidFill>
+          </a:ln>
+        </p:spPr>
+        <p:style>
+          <a:lnRef idx="2">
+            <a:schemeClr val="accent1">
+              <a:shade val="50000"/>
+            </a:schemeClr>
+          </a:lnRef>
+          <a:fillRef idx="1">
+            <a:schemeClr val="accent1"/>
+          </a:fillRef>
+          <a:effectRef idx="0">
+            <a:schemeClr val="accent1"/>
+          </a:effectRef>
+          <a:fontRef idx="minor">
+            <a:schemeClr val="lt1"/>
+          </a:fontRef>
+        </p:style>
+        <p:txBody>
+          <a:bodyPr rtlCol="0" anchor="ctr"/>
+          <a:lstStyle/>
+          <a:p>
+            <a:pPr algn="ctr"/>
+            <a:endParaRPr lang="en-US"/>
+          </a:p>
+        </p:txBody>
+      </p:sp>
+      <p:sp>
+        <p:nvSpPr>
+          <p:cNvPr id="114" name="TextBox 113"/>
+          <p:cNvSpPr txBox="1"/>
+          <p:nvPr/>
+        </p:nvSpPr>
+        <p:spPr>
+          <a:xfrm>
+            <a:off x="1036672" y="3810000"/>
+            <a:ext cx="944528" cy="369332"/>
+          </a:xfrm>
+          <a:prstGeom prst="rect">
+            <a:avLst/>
+          </a:prstGeom>
+          <a:noFill/>
+        </p:spPr>
+        <p:txBody>
+          <a:bodyPr wrap="square" rtlCol="0">
+            <a:spAutoFit/>
+          </a:bodyPr>
+          <a:lstStyle/>
+          <a:p>
+            <a:r>
+              <a:rPr lang="en-US" dirty="0" smtClean="0">
+                <a:solidFill>
+                  <a:schemeClr val="accent3"/>
+                </a:solidFill>
+              </a:rPr>
+              <a:t>origin</a:t>
+            </a:r>
+            <a:endParaRPr lang="en-US" dirty="0">
+              <a:solidFill>
+                <a:schemeClr val="accent3"/>
+              </a:solidFill>
+            </a:endParaRPr>
+          </a:p>
+        </p:txBody>
+      </p:sp>
+    </p:spTree>
+    <p:extLst>
+      <p:ext uri="{BB962C8B-B14F-4D97-AF65-F5344CB8AC3E}">
+        <p14:creationId xmlns:p14="http://schemas.microsoft.com/office/powerpoint/2010/main" val="2751507841"/>
+      </p:ext>
+    </p:extLst>
+  </p:cSld>
+  <p:clrMapOvr>
+    <a:masterClrMapping/>
+  </p:clrMapOvr>
+  <p:timing>
+    <p:tnLst>
+      <p:par>
+        <p:cTn id="1" dur="indefinite" restart="never" nodeType="tmRoot"/>
+      </p:par>
+    </p:tnLst>
+  </p:timing>
+</p:sld>
+</file>
+
+<file path=ppt/slides/slide16.xml><?xml version="1.0" encoding="utf-8"?>
+<p:sld xmlns:a="http://schemas.openxmlformats.org/drawingml/2006/main" xmlns:r="http://schemas.openxmlformats.org/officeDocument/2006/relationships" xmlns:p="http://schemas.openxmlformats.org/presentationml/2006/main">
+  <p:cSld>
+    <p:spTree>
+      <p:nvGrpSpPr>
+        <p:cNvPr id="1" name=""/>
+        <p:cNvGrpSpPr/>
+        <p:nvPr/>
+      </p:nvGrpSpPr>
+      <p:grpSpPr>
+        <a:xfrm>
+          <a:off x="0" y="0"/>
+          <a:ext cx="0" cy="0"/>
+          <a:chOff x="0" y="0"/>
+          <a:chExt cx="0" cy="0"/>
+        </a:xfrm>
+      </p:grpSpPr>
+      <p:sp>
+        <p:nvSpPr>
+          <p:cNvPr id="2" name="Title 1"/>
+          <p:cNvSpPr>
+            <a:spLocks noGrp="1"/>
+          </p:cNvSpPr>
+          <p:nvPr>
+            <p:ph type="title"/>
+          </p:nvPr>
+        </p:nvSpPr>
+        <p:spPr/>
+        <p:txBody>
+          <a:bodyPr/>
+          <a:lstStyle/>
+          <a:p>
+            <a:r>
+              <a:rPr lang="en-US" dirty="0" smtClean="0"/>
+              <a:t>Pushing and pulling changes</a:t>
+            </a:r>
+            <a:endParaRPr lang="en-US" dirty="0"/>
+          </a:p>
+        </p:txBody>
+      </p:sp>
+      <p:sp>
+        <p:nvSpPr>
+          <p:cNvPr id="3" name="Content Placeholder 2"/>
+          <p:cNvSpPr>
+            <a:spLocks noGrp="1"/>
+          </p:cNvSpPr>
+          <p:nvPr>
+            <p:ph idx="1"/>
+          </p:nvPr>
+        </p:nvSpPr>
+        <p:spPr/>
+        <p:txBody>
+          <a:bodyPr/>
+          <a:lstStyle/>
+          <a:p>
+            <a:r>
+              <a:rPr lang="en-US" dirty="0" smtClean="0"/>
+              <a:t>Changes can be moved to a from a remote repository.</a:t>
+            </a:r>
+          </a:p>
+          <a:p>
+            <a:pPr marL="800100" lvl="1" indent="-342900"/>
+            <a:r>
+              <a:rPr lang="en-US" dirty="0" smtClean="0"/>
+              <a:t>To push change from your local repository to your remote repository</a:t>
+            </a:r>
+          </a:p>
+          <a:p>
+            <a:pPr marL="800100" lvl="1" indent="-342900"/>
+            <a:endParaRPr lang="en-US" dirty="0"/>
+          </a:p>
+          <a:p>
+            <a:pPr marL="800100" lvl="1" indent="-342900"/>
+            <a:endParaRPr lang="en-US" dirty="0" smtClean="0"/>
+          </a:p>
+          <a:p>
+            <a:pPr marL="800100" lvl="1" indent="-342900"/>
+            <a:r>
+              <a:rPr lang="en-US" dirty="0" smtClean="0"/>
+              <a:t>To pull changes from the remote repository, but not apply them to your local repository</a:t>
+            </a:r>
+          </a:p>
+          <a:p>
+            <a:pPr marL="800100" lvl="1" indent="-342900"/>
+            <a:endParaRPr lang="en-US" dirty="0"/>
+          </a:p>
+          <a:p>
+            <a:pPr marL="800100" lvl="1" indent="-342900"/>
+            <a:endParaRPr lang="en-US" dirty="0" smtClean="0"/>
+          </a:p>
+          <a:p>
+            <a:pPr marL="800100" lvl="1" indent="-342900"/>
+            <a:r>
+              <a:rPr lang="en-US" dirty="0"/>
+              <a:t>To pull changes from the remote </a:t>
+            </a:r>
+            <a:r>
+              <a:rPr lang="en-US" dirty="0" smtClean="0"/>
+              <a:t>repository and apply </a:t>
+            </a:r>
+            <a:r>
+              <a:rPr lang="en-US" dirty="0"/>
+              <a:t>them to your local repository</a:t>
+            </a:r>
+          </a:p>
+          <a:p>
+            <a:pPr marL="800100" lvl="1" indent="-342900"/>
+            <a:endParaRPr lang="en-US" dirty="0" smtClean="0"/>
+          </a:p>
+        </p:txBody>
+      </p:sp>
+      <p:sp>
+        <p:nvSpPr>
+          <p:cNvPr id="4" name="Slide Number Placeholder 3"/>
+          <p:cNvSpPr>
+            <a:spLocks noGrp="1"/>
+          </p:cNvSpPr>
+          <p:nvPr>
+            <p:ph type="sldNum" sz="quarter" idx="12"/>
+          </p:nvPr>
+        </p:nvSpPr>
+        <p:spPr/>
+        <p:txBody>
+          <a:bodyPr/>
+          <a:lstStyle/>
+          <a:p>
+            <a:fld id="{6DA12B36-9664-4CB0-8B2E-F4A2F44AE97E}" type="slidenum">
+              <a:rPr lang="en-US" smtClean="0"/>
+              <a:t>16</a:t>
+            </a:fld>
+            <a:endParaRPr lang="en-US"/>
+          </a:p>
+        </p:txBody>
+      </p:sp>
+      <p:sp>
+        <p:nvSpPr>
+          <p:cNvPr id="5" name="Rectangle 4"/>
+          <p:cNvSpPr/>
+          <p:nvPr/>
+        </p:nvSpPr>
+        <p:spPr>
+          <a:xfrm>
+            <a:off x="1447800" y="3048000"/>
+            <a:ext cx="6477000" cy="381000"/>
+          </a:xfrm>
+          <a:prstGeom prst="rect">
+            <a:avLst/>
+          </a:prstGeom>
+        </p:spPr>
+        <p:style>
+          <a:lnRef idx="2">
+            <a:schemeClr val="accent1">
+              <a:shade val="50000"/>
+            </a:schemeClr>
+          </a:lnRef>
+          <a:fillRef idx="1">
+            <a:schemeClr val="accent1"/>
+          </a:fillRef>
+          <a:effectRef idx="0">
+            <a:schemeClr val="accent1"/>
+          </a:effectRef>
+          <a:fontRef idx="minor">
+            <a:schemeClr val="lt1"/>
+          </a:fontRef>
+        </p:style>
+        <p:txBody>
+          <a:bodyPr rtlCol="0" anchor="ctr"/>
+          <a:lstStyle/>
+          <a:p>
+            <a:r>
+              <a:rPr lang="en-US" dirty="0" err="1">
+                <a:latin typeface="Courier New" panose="02070309020205020404" pitchFamily="49" charset="0"/>
+                <a:cs typeface="Courier New" panose="02070309020205020404" pitchFamily="49" charset="0"/>
+              </a:rPr>
+              <a:t>git</a:t>
+            </a:r>
+            <a:r>
+              <a:rPr lang="en-US" dirty="0">
+                <a:latin typeface="Courier New" panose="02070309020205020404" pitchFamily="49" charset="0"/>
+                <a:cs typeface="Courier New" panose="02070309020205020404" pitchFamily="49" charset="0"/>
+              </a:rPr>
+              <a:t> </a:t>
+            </a:r>
+            <a:r>
+              <a:rPr lang="en-US" dirty="0" smtClean="0">
+                <a:latin typeface="Courier New" panose="02070309020205020404" pitchFamily="49" charset="0"/>
+                <a:cs typeface="Courier New" panose="02070309020205020404" pitchFamily="49" charset="0"/>
+              </a:rPr>
+              <a:t>push origin master</a:t>
+            </a:r>
+            <a:endParaRPr lang="en-US" dirty="0">
+              <a:latin typeface="Courier New" panose="02070309020205020404" pitchFamily="49" charset="0"/>
+              <a:cs typeface="Courier New" panose="02070309020205020404" pitchFamily="49" charset="0"/>
+            </a:endParaRPr>
+          </a:p>
+        </p:txBody>
+      </p:sp>
+      <p:sp>
+        <p:nvSpPr>
+          <p:cNvPr id="6" name="Rectangle 5"/>
+          <p:cNvSpPr/>
+          <p:nvPr/>
+        </p:nvSpPr>
+        <p:spPr>
+          <a:xfrm>
+            <a:off x="1447800" y="4419600"/>
+            <a:ext cx="6477000" cy="381000"/>
+          </a:xfrm>
+          <a:prstGeom prst="rect">
+            <a:avLst/>
+          </a:prstGeom>
+        </p:spPr>
+        <p:style>
+          <a:lnRef idx="2">
+            <a:schemeClr val="accent1">
+              <a:shade val="50000"/>
+            </a:schemeClr>
+          </a:lnRef>
+          <a:fillRef idx="1">
+            <a:schemeClr val="accent1"/>
+          </a:fillRef>
+          <a:effectRef idx="0">
+            <a:schemeClr val="accent1"/>
+          </a:effectRef>
+          <a:fontRef idx="minor">
+            <a:schemeClr val="lt1"/>
+          </a:fontRef>
+        </p:style>
+        <p:txBody>
+          <a:bodyPr rtlCol="0" anchor="ctr"/>
+          <a:lstStyle/>
+          <a:p>
+            <a:r>
+              <a:rPr lang="en-US" dirty="0" err="1">
+                <a:latin typeface="Courier New" panose="02070309020205020404" pitchFamily="49" charset="0"/>
+                <a:cs typeface="Courier New" panose="02070309020205020404" pitchFamily="49" charset="0"/>
+              </a:rPr>
+              <a:t>git</a:t>
+            </a:r>
+            <a:r>
+              <a:rPr lang="en-US" dirty="0">
+                <a:latin typeface="Courier New" panose="02070309020205020404" pitchFamily="49" charset="0"/>
+                <a:cs typeface="Courier New" panose="02070309020205020404" pitchFamily="49" charset="0"/>
+              </a:rPr>
+              <a:t> </a:t>
+            </a:r>
+            <a:r>
+              <a:rPr lang="en-US" dirty="0" smtClean="0">
+                <a:latin typeface="Courier New" panose="02070309020205020404" pitchFamily="49" charset="0"/>
+                <a:cs typeface="Courier New" panose="02070309020205020404" pitchFamily="49" charset="0"/>
+              </a:rPr>
+              <a:t>fetch origin master</a:t>
+            </a:r>
+            <a:endParaRPr lang="en-US" dirty="0">
+              <a:latin typeface="Courier New" panose="02070309020205020404" pitchFamily="49" charset="0"/>
+              <a:cs typeface="Courier New" panose="02070309020205020404" pitchFamily="49" charset="0"/>
+            </a:endParaRPr>
+          </a:p>
+        </p:txBody>
+      </p:sp>
+      <p:sp>
+        <p:nvSpPr>
+          <p:cNvPr id="7" name="Rectangle 6"/>
+          <p:cNvSpPr/>
+          <p:nvPr/>
+        </p:nvSpPr>
+        <p:spPr>
+          <a:xfrm>
+            <a:off x="1447800" y="5791200"/>
+            <a:ext cx="6477000" cy="381000"/>
+          </a:xfrm>
+          <a:prstGeom prst="rect">
+            <a:avLst/>
+          </a:prstGeom>
+        </p:spPr>
+        <p:style>
+          <a:lnRef idx="2">
+            <a:schemeClr val="accent1">
+              <a:shade val="50000"/>
+            </a:schemeClr>
+          </a:lnRef>
+          <a:fillRef idx="1">
+            <a:schemeClr val="accent1"/>
+          </a:fillRef>
+          <a:effectRef idx="0">
+            <a:schemeClr val="accent1"/>
+          </a:effectRef>
+          <a:fontRef idx="minor">
+            <a:schemeClr val="lt1"/>
+          </a:fontRef>
+        </p:style>
+        <p:txBody>
+          <a:bodyPr rtlCol="0" anchor="ctr"/>
+          <a:lstStyle/>
+          <a:p>
+            <a:r>
+              <a:rPr lang="en-US" dirty="0" err="1">
+                <a:latin typeface="Courier New" panose="02070309020205020404" pitchFamily="49" charset="0"/>
+                <a:cs typeface="Courier New" panose="02070309020205020404" pitchFamily="49" charset="0"/>
+              </a:rPr>
+              <a:t>git</a:t>
+            </a:r>
+            <a:r>
+              <a:rPr lang="en-US" dirty="0">
+                <a:latin typeface="Courier New" panose="02070309020205020404" pitchFamily="49" charset="0"/>
+                <a:cs typeface="Courier New" panose="02070309020205020404" pitchFamily="49" charset="0"/>
+              </a:rPr>
+              <a:t> </a:t>
+            </a:r>
+            <a:r>
+              <a:rPr lang="en-US" dirty="0" smtClean="0">
+                <a:latin typeface="Courier New" panose="02070309020205020404" pitchFamily="49" charset="0"/>
+                <a:cs typeface="Courier New" panose="02070309020205020404" pitchFamily="49" charset="0"/>
+              </a:rPr>
+              <a:t>pull origin master</a:t>
+            </a:r>
+            <a:endParaRPr lang="en-US" dirty="0">
+              <a:latin typeface="Courier New" panose="02070309020205020404" pitchFamily="49" charset="0"/>
+              <a:cs typeface="Courier New" panose="02070309020205020404" pitchFamily="49" charset="0"/>
+            </a:endParaRPr>
+          </a:p>
+        </p:txBody>
+      </p:sp>
+    </p:spTree>
+    <p:extLst>
+      <p:ext uri="{BB962C8B-B14F-4D97-AF65-F5344CB8AC3E}">
+        <p14:creationId xmlns:p14="http://schemas.microsoft.com/office/powerpoint/2010/main" val="4076749149"/>
+      </p:ext>
+    </p:extLst>
+  </p:cSld>
+  <p:clrMapOvr>
+    <a:masterClrMapping/>
+  </p:clrMapOvr>
+  <p:timing>
+    <p:tnLst>
+      <p:par>
+        <p:cTn id="1" dur="indefinite" restart="never" nodeType="tmRoot"/>
+      </p:par>
+    </p:tnLst>
+  </p:timing>
+</p:sld>
+</file>
+
+<file path=ppt/slides/slide17.xml><?xml version="1.0" encoding="utf-8"?>
+<p:sld xmlns:a="http://schemas.openxmlformats.org/drawingml/2006/main" xmlns:r="http://schemas.openxmlformats.org/officeDocument/2006/relationships" xmlns:p="http://schemas.openxmlformats.org/presentationml/2006/main">
+  <p:cSld>
+    <p:spTree>
+      <p:nvGrpSpPr>
+        <p:cNvPr id="1" name=""/>
+        <p:cNvGrpSpPr/>
+        <p:nvPr/>
+      </p:nvGrpSpPr>
+      <p:grpSpPr>
+        <a:xfrm>
+          <a:off x="0" y="0"/>
+          <a:ext cx="0" cy="0"/>
+          <a:chOff x="0" y="0"/>
+          <a:chExt cx="0" cy="0"/>
+        </a:xfrm>
+      </p:grpSpPr>
+      <p:sp>
+        <p:nvSpPr>
+          <p:cNvPr id="2" name="Title 1"/>
+          <p:cNvSpPr>
+            <a:spLocks noGrp="1"/>
+          </p:cNvSpPr>
+          <p:nvPr>
+            <p:ph type="title"/>
+          </p:nvPr>
+        </p:nvSpPr>
+        <p:spPr/>
+        <p:txBody>
+          <a:bodyPr/>
+          <a:lstStyle/>
+          <a:p>
+            <a:r>
+              <a:rPr lang="en-US" dirty="0" smtClean="0"/>
+              <a:t>Pull vs. fetch</a:t>
+            </a:r>
+            <a:endParaRPr lang="en-US" dirty="0"/>
+          </a:p>
+        </p:txBody>
+      </p:sp>
+      <p:sp>
+        <p:nvSpPr>
+          <p:cNvPr id="3" name="Content Placeholder 2"/>
+          <p:cNvSpPr>
+            <a:spLocks noGrp="1"/>
+          </p:cNvSpPr>
+          <p:nvPr>
+            <p:ph idx="1"/>
+          </p:nvPr>
+        </p:nvSpPr>
+        <p:spPr/>
+        <p:txBody>
+          <a:bodyPr/>
+          <a:lstStyle/>
+          <a:p>
+            <a:r>
+              <a:rPr lang="en-US" dirty="0" smtClean="0"/>
+              <a:t>Pull is a </a:t>
+            </a:r>
+            <a:r>
+              <a:rPr lang="en-US" dirty="0" smtClean="0">
+                <a:latin typeface="Courier New" panose="02070309020205020404" pitchFamily="49" charset="0"/>
+                <a:cs typeface="Courier New" panose="02070309020205020404" pitchFamily="49" charset="0"/>
+              </a:rPr>
+              <a:t>fetch</a:t>
+            </a:r>
+            <a:r>
+              <a:rPr lang="en-US" dirty="0" smtClean="0"/>
+              <a:t> and a </a:t>
+            </a:r>
+            <a:r>
+              <a:rPr lang="en-US" dirty="0" smtClean="0">
+                <a:latin typeface="Courier New" panose="02070309020205020404" pitchFamily="49" charset="0"/>
+                <a:cs typeface="Courier New" panose="02070309020205020404" pitchFamily="49" charset="0"/>
+              </a:rPr>
+              <a:t>merge</a:t>
+            </a:r>
+            <a:endParaRPr lang="en-US" dirty="0">
+              <a:latin typeface="Courier New" panose="02070309020205020404" pitchFamily="49" charset="0"/>
+              <a:cs typeface="Courier New" panose="02070309020205020404" pitchFamily="49" charset="0"/>
+            </a:endParaRPr>
+          </a:p>
+        </p:txBody>
+      </p:sp>
+      <p:sp>
+        <p:nvSpPr>
+          <p:cNvPr id="4" name="Slide Number Placeholder 3"/>
+          <p:cNvSpPr>
+            <a:spLocks noGrp="1"/>
+          </p:cNvSpPr>
+          <p:nvPr>
+            <p:ph type="sldNum" sz="quarter" idx="12"/>
+          </p:nvPr>
+        </p:nvSpPr>
+        <p:spPr/>
+        <p:txBody>
+          <a:bodyPr/>
+          <a:lstStyle/>
+          <a:p>
+            <a:fld id="{6DA12B36-9664-4CB0-8B2E-F4A2F44AE97E}" type="slidenum">
+              <a:rPr lang="en-US" smtClean="0"/>
+              <a:t>17</a:t>
+            </a:fld>
+            <a:endParaRPr lang="en-US"/>
+          </a:p>
+        </p:txBody>
+      </p:sp>
+      <p:grpSp>
+        <p:nvGrpSpPr>
+          <p:cNvPr id="7" name="Group 6"/>
+          <p:cNvGrpSpPr/>
+          <p:nvPr/>
+        </p:nvGrpSpPr>
+        <p:grpSpPr>
+          <a:xfrm>
+            <a:off x="2759978" y="2628900"/>
+            <a:ext cx="1411355" cy="797269"/>
+            <a:chOff x="609600" y="3124200"/>
+            <a:chExt cx="7505700" cy="2667000"/>
+          </a:xfrm>
+        </p:grpSpPr>
+        <p:sp>
+          <p:nvSpPr>
+            <p:cNvPr id="91" name="Rectangle 90"/>
+            <p:cNvSpPr/>
+            <p:nvPr/>
+          </p:nvSpPr>
+          <p:spPr>
+            <a:xfrm>
+              <a:off x="2743201" y="3124200"/>
+              <a:ext cx="2743201" cy="685800"/>
+            </a:xfrm>
+            <a:prstGeom prst="rect">
+              <a:avLst/>
+            </a:prstGeom>
+          </p:spPr>
+          <p:style>
+            <a:lnRef idx="2">
+              <a:schemeClr val="accent1">
+                <a:shade val="50000"/>
+              </a:schemeClr>
+            </a:lnRef>
+            <a:fillRef idx="1">
+              <a:schemeClr val="accent1"/>
+            </a:fillRef>
+            <a:effectRef idx="0">
+              <a:schemeClr val="accent1"/>
+            </a:effectRef>
+            <a:fontRef idx="minor">
+              <a:schemeClr val="lt1"/>
+            </a:fontRef>
+          </p:style>
+          <p:txBody>
+            <a:bodyPr rtlCol="0" anchor="ctr"/>
+            <a:lstStyle/>
+            <a:p>
+              <a:pPr algn="ctr"/>
+              <a:endParaRPr lang="en-US" dirty="0"/>
+            </a:p>
+          </p:txBody>
+        </p:sp>
+        <p:sp>
+          <p:nvSpPr>
+            <p:cNvPr id="92" name="Rectangle 91"/>
+            <p:cNvSpPr/>
+            <p:nvPr/>
+          </p:nvSpPr>
+          <p:spPr>
+            <a:xfrm>
+              <a:off x="609600" y="5105400"/>
+              <a:ext cx="1752600" cy="685800"/>
+            </a:xfrm>
+            <a:prstGeom prst="rect">
+              <a:avLst/>
+            </a:prstGeom>
+          </p:spPr>
+          <p:style>
+            <a:lnRef idx="2">
+              <a:schemeClr val="accent1">
+                <a:shade val="50000"/>
+              </a:schemeClr>
+            </a:lnRef>
+            <a:fillRef idx="1">
+              <a:schemeClr val="accent1"/>
+            </a:fillRef>
+            <a:effectRef idx="0">
+              <a:schemeClr val="accent1"/>
+            </a:effectRef>
+            <a:fontRef idx="minor">
+              <a:schemeClr val="lt1"/>
+            </a:fontRef>
+          </p:style>
+          <p:txBody>
+            <a:bodyPr rtlCol="0" anchor="ctr"/>
+            <a:lstStyle/>
+            <a:p>
+              <a:pPr algn="ctr"/>
+              <a:endParaRPr lang="en-US" dirty="0"/>
+            </a:p>
+          </p:txBody>
+        </p:sp>
+        <p:sp>
+          <p:nvSpPr>
+            <p:cNvPr id="93" name="Rectangle 92"/>
+            <p:cNvSpPr/>
+            <p:nvPr/>
+          </p:nvSpPr>
+          <p:spPr>
+            <a:xfrm>
+              <a:off x="2536372" y="5086895"/>
+              <a:ext cx="1752600" cy="685800"/>
+            </a:xfrm>
+            <a:prstGeom prst="rect">
+              <a:avLst/>
+            </a:prstGeom>
+          </p:spPr>
+          <p:style>
+            <a:lnRef idx="2">
+              <a:schemeClr val="accent1">
+                <a:shade val="50000"/>
+              </a:schemeClr>
+            </a:lnRef>
+            <a:fillRef idx="1">
+              <a:schemeClr val="accent1"/>
+            </a:fillRef>
+            <a:effectRef idx="0">
+              <a:schemeClr val="accent1"/>
+            </a:effectRef>
+            <a:fontRef idx="minor">
+              <a:schemeClr val="lt1"/>
+            </a:fontRef>
+          </p:style>
+          <p:txBody>
+            <a:bodyPr rtlCol="0" anchor="ctr"/>
+            <a:lstStyle/>
+            <a:p>
+              <a:pPr algn="ctr"/>
+              <a:endParaRPr lang="en-US" dirty="0"/>
+            </a:p>
+          </p:txBody>
+        </p:sp>
+        <p:sp>
+          <p:nvSpPr>
+            <p:cNvPr id="94" name="Rectangle 93"/>
+            <p:cNvSpPr/>
+            <p:nvPr/>
+          </p:nvSpPr>
+          <p:spPr>
+            <a:xfrm>
+              <a:off x="4457700" y="5082541"/>
+              <a:ext cx="1752600" cy="685800"/>
+            </a:xfrm>
+            <a:prstGeom prst="rect">
+              <a:avLst/>
+            </a:prstGeom>
+          </p:spPr>
+          <p:style>
+            <a:lnRef idx="2">
+              <a:schemeClr val="accent1">
+                <a:shade val="50000"/>
+              </a:schemeClr>
+            </a:lnRef>
+            <a:fillRef idx="1">
+              <a:schemeClr val="accent1"/>
+            </a:fillRef>
+            <a:effectRef idx="0">
+              <a:schemeClr val="accent1"/>
+            </a:effectRef>
+            <a:fontRef idx="minor">
+              <a:schemeClr val="lt1"/>
+            </a:fontRef>
+          </p:style>
+          <p:txBody>
+            <a:bodyPr rtlCol="0" anchor="ctr"/>
+            <a:lstStyle/>
+            <a:p>
+              <a:pPr algn="ctr"/>
+              <a:endParaRPr lang="en-US" dirty="0"/>
+            </a:p>
+          </p:txBody>
+        </p:sp>
+        <p:sp>
+          <p:nvSpPr>
+            <p:cNvPr id="95" name="Rectangle 94"/>
+            <p:cNvSpPr/>
+            <p:nvPr/>
+          </p:nvSpPr>
+          <p:spPr>
+            <a:xfrm>
+              <a:off x="6362700" y="5082542"/>
+              <a:ext cx="1752600" cy="685800"/>
+            </a:xfrm>
+            <a:prstGeom prst="rect">
+              <a:avLst/>
+            </a:prstGeom>
+          </p:spPr>
+          <p:style>
+            <a:lnRef idx="2">
+              <a:schemeClr val="accent1">
+                <a:shade val="50000"/>
+              </a:schemeClr>
+            </a:lnRef>
+            <a:fillRef idx="1">
+              <a:schemeClr val="accent1"/>
+            </a:fillRef>
+            <a:effectRef idx="0">
+              <a:schemeClr val="accent1"/>
+            </a:effectRef>
+            <a:fontRef idx="minor">
+              <a:schemeClr val="lt1"/>
+            </a:fontRef>
+          </p:style>
+          <p:txBody>
+            <a:bodyPr rtlCol="0" anchor="ctr"/>
+            <a:lstStyle/>
+            <a:p>
+              <a:pPr algn="ctr"/>
+              <a:endParaRPr lang="en-US" dirty="0"/>
+            </a:p>
+          </p:txBody>
+        </p:sp>
+        <p:cxnSp>
+          <p:nvCxnSpPr>
+            <p:cNvPr id="96" name="Straight Arrow Connector 95"/>
+            <p:cNvCxnSpPr/>
+            <p:nvPr/>
+          </p:nvCxnSpPr>
+          <p:spPr>
+            <a:xfrm flipV="1">
+              <a:off x="1714500" y="3838304"/>
+              <a:ext cx="1448889" cy="1343296"/>
+            </a:xfrm>
+            <a:prstGeom prst="straightConnector1">
+              <a:avLst/>
+            </a:prstGeom>
+            <a:ln>
+              <a:tailEnd type="arrow"/>
+            </a:ln>
+          </p:spPr>
+          <p:style>
+            <a:lnRef idx="1">
+              <a:schemeClr val="accent1"/>
+            </a:lnRef>
+            <a:fillRef idx="0">
+              <a:schemeClr val="accent1"/>
+            </a:fillRef>
+            <a:effectRef idx="0">
+              <a:schemeClr val="accent1"/>
+            </a:effectRef>
+            <a:fontRef idx="minor">
+              <a:schemeClr val="tx1"/>
+            </a:fontRef>
+          </p:style>
+        </p:cxnSp>
+        <p:cxnSp>
+          <p:nvCxnSpPr>
+            <p:cNvPr id="97" name="Straight Arrow Connector 96"/>
+            <p:cNvCxnSpPr/>
+            <p:nvPr/>
+          </p:nvCxnSpPr>
+          <p:spPr>
+            <a:xfrm flipH="1">
+              <a:off x="1479369" y="3805016"/>
+              <a:ext cx="1562100" cy="1244238"/>
+            </a:xfrm>
+            <a:prstGeom prst="straightConnector1">
+              <a:avLst/>
+            </a:prstGeom>
+            <a:ln>
+              <a:tailEnd type="arrow"/>
+            </a:ln>
+          </p:spPr>
+          <p:style>
+            <a:lnRef idx="1">
+              <a:schemeClr val="accent1"/>
+            </a:lnRef>
+            <a:fillRef idx="0">
+              <a:schemeClr val="accent1"/>
+            </a:fillRef>
+            <a:effectRef idx="0">
+              <a:schemeClr val="accent1"/>
+            </a:effectRef>
+            <a:fontRef idx="minor">
+              <a:schemeClr val="tx1"/>
+            </a:fontRef>
+          </p:style>
+        </p:cxnSp>
+        <p:cxnSp>
+          <p:nvCxnSpPr>
+            <p:cNvPr id="98" name="Straight Arrow Connector 97"/>
+            <p:cNvCxnSpPr>
+              <a:endCxn id="94" idx="0"/>
+            </p:cNvCxnSpPr>
+            <p:nvPr/>
+          </p:nvCxnSpPr>
+          <p:spPr>
+            <a:xfrm>
+              <a:off x="5029200" y="3838303"/>
+              <a:ext cx="304800" cy="1244238"/>
+            </a:xfrm>
+            <a:prstGeom prst="straightConnector1">
+              <a:avLst/>
+            </a:prstGeom>
+            <a:ln>
+              <a:tailEnd type="arrow"/>
+            </a:ln>
+          </p:spPr>
+          <p:style>
+            <a:lnRef idx="1">
+              <a:schemeClr val="accent1"/>
+            </a:lnRef>
+            <a:fillRef idx="0">
+              <a:schemeClr val="accent1"/>
+            </a:fillRef>
+            <a:effectRef idx="0">
+              <a:schemeClr val="accent1"/>
+            </a:effectRef>
+            <a:fontRef idx="minor">
+              <a:schemeClr val="tx1"/>
+            </a:fontRef>
+          </p:style>
+        </p:cxnSp>
+        <p:cxnSp>
+          <p:nvCxnSpPr>
+            <p:cNvPr id="99" name="Straight Arrow Connector 98"/>
+            <p:cNvCxnSpPr>
+              <a:endCxn id="95" idx="0"/>
+            </p:cNvCxnSpPr>
+            <p:nvPr/>
+          </p:nvCxnSpPr>
+          <p:spPr>
+            <a:xfrm>
+              <a:off x="5334000" y="3838303"/>
+              <a:ext cx="1905000" cy="1244239"/>
+            </a:xfrm>
+            <a:prstGeom prst="straightConnector1">
+              <a:avLst/>
+            </a:prstGeom>
+            <a:ln>
+              <a:tailEnd type="arrow"/>
+            </a:ln>
+          </p:spPr>
+          <p:style>
+            <a:lnRef idx="1">
+              <a:schemeClr val="accent1"/>
+            </a:lnRef>
+            <a:fillRef idx="0">
+              <a:schemeClr val="accent1"/>
+            </a:fillRef>
+            <a:effectRef idx="0">
+              <a:schemeClr val="accent1"/>
+            </a:effectRef>
+            <a:fontRef idx="minor">
+              <a:schemeClr val="tx1"/>
+            </a:fontRef>
+          </p:style>
+        </p:cxnSp>
+        <p:cxnSp>
+          <p:nvCxnSpPr>
+            <p:cNvPr id="100" name="Straight Arrow Connector 99"/>
+            <p:cNvCxnSpPr/>
+            <p:nvPr/>
+          </p:nvCxnSpPr>
+          <p:spPr>
+            <a:xfrm flipH="1">
+              <a:off x="3810000" y="3810000"/>
+              <a:ext cx="152400" cy="1272541"/>
+            </a:xfrm>
+            <a:prstGeom prst="straightConnector1">
+              <a:avLst/>
+            </a:prstGeom>
+            <a:ln>
+              <a:tailEnd type="arrow"/>
+            </a:ln>
+          </p:spPr>
+          <p:style>
+            <a:lnRef idx="1">
+              <a:schemeClr val="accent1"/>
+            </a:lnRef>
+            <a:fillRef idx="0">
+              <a:schemeClr val="accent1"/>
+            </a:fillRef>
+            <a:effectRef idx="0">
+              <a:schemeClr val="accent1"/>
+            </a:effectRef>
+            <a:fontRef idx="minor">
+              <a:schemeClr val="tx1"/>
+            </a:fontRef>
+          </p:style>
+        </p:cxnSp>
+        <p:cxnSp>
+          <p:nvCxnSpPr>
+            <p:cNvPr id="101" name="Straight Arrow Connector 100"/>
+            <p:cNvCxnSpPr>
+              <a:endCxn id="91" idx="2"/>
+            </p:cNvCxnSpPr>
+            <p:nvPr/>
+          </p:nvCxnSpPr>
+          <p:spPr>
+            <a:xfrm flipV="1">
+              <a:off x="3962401" y="3810000"/>
+              <a:ext cx="152401" cy="1262531"/>
+            </a:xfrm>
+            <a:prstGeom prst="straightConnector1">
+              <a:avLst/>
+            </a:prstGeom>
+            <a:ln>
+              <a:tailEnd type="arrow"/>
+            </a:ln>
+          </p:spPr>
+          <p:style>
+            <a:lnRef idx="1">
+              <a:schemeClr val="accent1"/>
+            </a:lnRef>
+            <a:fillRef idx="0">
+              <a:schemeClr val="accent1"/>
+            </a:fillRef>
+            <a:effectRef idx="0">
+              <a:schemeClr val="accent1"/>
+            </a:effectRef>
+            <a:fontRef idx="minor">
+              <a:schemeClr val="tx1"/>
+            </a:fontRef>
+          </p:style>
+        </p:cxnSp>
+      </p:grpSp>
+      <p:sp>
+        <p:nvSpPr>
+          <p:cNvPr id="10" name="Rectangle 9"/>
+          <p:cNvSpPr/>
+          <p:nvPr/>
+        </p:nvSpPr>
+        <p:spPr>
+          <a:xfrm>
+            <a:off x="2491974" y="2590800"/>
+            <a:ext cx="2133600" cy="990600"/>
+          </a:xfrm>
+          <a:prstGeom prst="rect">
+            <a:avLst/>
+          </a:prstGeom>
+          <a:noFill/>
+          <a:ln>
+            <a:prstDash val="sysDash"/>
+          </a:ln>
+        </p:spPr>
+        <p:style>
+          <a:lnRef idx="2">
+            <a:schemeClr val="accent1">
+              <a:shade val="50000"/>
+            </a:schemeClr>
+          </a:lnRef>
+          <a:fillRef idx="1">
+            <a:schemeClr val="accent1"/>
+          </a:fillRef>
+          <a:effectRef idx="0">
+            <a:schemeClr val="accent1"/>
+          </a:effectRef>
+          <a:fontRef idx="minor">
+            <a:schemeClr val="lt1"/>
+          </a:fontRef>
+        </p:style>
+        <p:txBody>
+          <a:bodyPr rtlCol="0" anchor="ctr"/>
+          <a:lstStyle/>
+          <a:p>
+            <a:pPr algn="ctr"/>
+            <a:endParaRPr lang="en-US"/>
+          </a:p>
+        </p:txBody>
+      </p:sp>
+      <p:grpSp>
+        <p:nvGrpSpPr>
+          <p:cNvPr id="11" name="Group 10"/>
+          <p:cNvGrpSpPr/>
+          <p:nvPr/>
+        </p:nvGrpSpPr>
+        <p:grpSpPr>
+          <a:xfrm>
+            <a:off x="2680819" y="4179332"/>
+            <a:ext cx="1411355" cy="797269"/>
+            <a:chOff x="609600" y="3124200"/>
+            <a:chExt cx="7505700" cy="2667000"/>
+          </a:xfrm>
+        </p:grpSpPr>
+        <p:sp>
+          <p:nvSpPr>
+            <p:cNvPr id="58" name="Rectangle 57"/>
+            <p:cNvSpPr/>
+            <p:nvPr/>
+          </p:nvSpPr>
+          <p:spPr>
+            <a:xfrm>
+              <a:off x="2743201" y="3124200"/>
+              <a:ext cx="2743201" cy="685800"/>
+            </a:xfrm>
+            <a:prstGeom prst="rect">
+              <a:avLst/>
+            </a:prstGeom>
+          </p:spPr>
+          <p:style>
+            <a:lnRef idx="2">
+              <a:schemeClr val="accent1">
+                <a:shade val="50000"/>
+              </a:schemeClr>
+            </a:lnRef>
+            <a:fillRef idx="1">
+              <a:schemeClr val="accent1"/>
+            </a:fillRef>
+            <a:effectRef idx="0">
+              <a:schemeClr val="accent1"/>
+            </a:effectRef>
+            <a:fontRef idx="minor">
+              <a:schemeClr val="lt1"/>
+            </a:fontRef>
+          </p:style>
+          <p:txBody>
+            <a:bodyPr rtlCol="0" anchor="ctr"/>
+            <a:lstStyle/>
+            <a:p>
+              <a:pPr algn="ctr"/>
+              <a:endParaRPr lang="en-US" dirty="0"/>
+            </a:p>
+          </p:txBody>
+        </p:sp>
+        <p:sp>
+          <p:nvSpPr>
+            <p:cNvPr id="59" name="Rectangle 58"/>
+            <p:cNvSpPr/>
+            <p:nvPr/>
+          </p:nvSpPr>
+          <p:spPr>
+            <a:xfrm>
+              <a:off x="609600" y="5105400"/>
+              <a:ext cx="1752600" cy="685800"/>
+            </a:xfrm>
+            <a:prstGeom prst="rect">
+              <a:avLst/>
+            </a:prstGeom>
+          </p:spPr>
+          <p:style>
+            <a:lnRef idx="2">
+              <a:schemeClr val="accent1">
+                <a:shade val="50000"/>
+              </a:schemeClr>
+            </a:lnRef>
+            <a:fillRef idx="1">
+              <a:schemeClr val="accent1"/>
+            </a:fillRef>
+            <a:effectRef idx="0">
+              <a:schemeClr val="accent1"/>
+            </a:effectRef>
+            <a:fontRef idx="minor">
+              <a:schemeClr val="lt1"/>
+            </a:fontRef>
+          </p:style>
+          <p:txBody>
+            <a:bodyPr rtlCol="0" anchor="ctr"/>
+            <a:lstStyle/>
+            <a:p>
+              <a:pPr algn="ctr"/>
+              <a:endParaRPr lang="en-US" dirty="0"/>
+            </a:p>
+          </p:txBody>
+        </p:sp>
+        <p:sp>
+          <p:nvSpPr>
+            <p:cNvPr id="60" name="Rectangle 59"/>
+            <p:cNvSpPr/>
+            <p:nvPr/>
+          </p:nvSpPr>
+          <p:spPr>
+            <a:xfrm>
+              <a:off x="2536372" y="5086895"/>
+              <a:ext cx="1752600" cy="685800"/>
+            </a:xfrm>
+            <a:prstGeom prst="rect">
+              <a:avLst/>
+            </a:prstGeom>
+          </p:spPr>
+          <p:style>
+            <a:lnRef idx="2">
+              <a:schemeClr val="accent1">
+                <a:shade val="50000"/>
+              </a:schemeClr>
+            </a:lnRef>
+            <a:fillRef idx="1">
+              <a:schemeClr val="accent1"/>
+            </a:fillRef>
+            <a:effectRef idx="0">
+              <a:schemeClr val="accent1"/>
+            </a:effectRef>
+            <a:fontRef idx="minor">
+              <a:schemeClr val="lt1"/>
+            </a:fontRef>
+          </p:style>
+          <p:txBody>
+            <a:bodyPr rtlCol="0" anchor="ctr"/>
+            <a:lstStyle/>
+            <a:p>
+              <a:pPr algn="ctr"/>
+              <a:endParaRPr lang="en-US" dirty="0"/>
+            </a:p>
+          </p:txBody>
+        </p:sp>
+        <p:sp>
+          <p:nvSpPr>
+            <p:cNvPr id="61" name="Rectangle 60"/>
+            <p:cNvSpPr/>
+            <p:nvPr/>
+          </p:nvSpPr>
+          <p:spPr>
+            <a:xfrm>
+              <a:off x="4457700" y="5082541"/>
+              <a:ext cx="1752600" cy="685800"/>
+            </a:xfrm>
+            <a:prstGeom prst="rect">
+              <a:avLst/>
+            </a:prstGeom>
+          </p:spPr>
+          <p:style>
+            <a:lnRef idx="2">
+              <a:schemeClr val="accent1">
+                <a:shade val="50000"/>
+              </a:schemeClr>
+            </a:lnRef>
+            <a:fillRef idx="1">
+              <a:schemeClr val="accent1"/>
+            </a:fillRef>
+            <a:effectRef idx="0">
+              <a:schemeClr val="accent1"/>
+            </a:effectRef>
+            <a:fontRef idx="minor">
+              <a:schemeClr val="lt1"/>
+            </a:fontRef>
+          </p:style>
+          <p:txBody>
+            <a:bodyPr rtlCol="0" anchor="ctr"/>
+            <a:lstStyle/>
+            <a:p>
+              <a:pPr algn="ctr"/>
+              <a:endParaRPr lang="en-US" dirty="0"/>
+            </a:p>
+          </p:txBody>
+        </p:sp>
+        <p:sp>
+          <p:nvSpPr>
+            <p:cNvPr id="62" name="Rectangle 61"/>
+            <p:cNvSpPr/>
+            <p:nvPr/>
+          </p:nvSpPr>
+          <p:spPr>
+            <a:xfrm>
+              <a:off x="6362700" y="5082542"/>
+              <a:ext cx="1752600" cy="685800"/>
+            </a:xfrm>
+            <a:prstGeom prst="rect">
+              <a:avLst/>
+            </a:prstGeom>
+          </p:spPr>
+          <p:style>
+            <a:lnRef idx="2">
+              <a:schemeClr val="accent1">
+                <a:shade val="50000"/>
+              </a:schemeClr>
+            </a:lnRef>
+            <a:fillRef idx="1">
+              <a:schemeClr val="accent1"/>
+            </a:fillRef>
+            <a:effectRef idx="0">
+              <a:schemeClr val="accent1"/>
+            </a:effectRef>
+            <a:fontRef idx="minor">
+              <a:schemeClr val="lt1"/>
+            </a:fontRef>
+          </p:style>
+          <p:txBody>
+            <a:bodyPr rtlCol="0" anchor="ctr"/>
+            <a:lstStyle/>
+            <a:p>
+              <a:pPr algn="ctr"/>
+              <a:endParaRPr lang="en-US" dirty="0"/>
+            </a:p>
+          </p:txBody>
+        </p:sp>
+        <p:cxnSp>
+          <p:nvCxnSpPr>
+            <p:cNvPr id="63" name="Straight Arrow Connector 62"/>
+            <p:cNvCxnSpPr/>
+            <p:nvPr/>
+          </p:nvCxnSpPr>
+          <p:spPr>
+            <a:xfrm flipV="1">
+              <a:off x="1714500" y="3838304"/>
+              <a:ext cx="1448889" cy="1343296"/>
+            </a:xfrm>
+            <a:prstGeom prst="straightConnector1">
+              <a:avLst/>
+            </a:prstGeom>
+            <a:ln>
+              <a:tailEnd type="arrow"/>
+            </a:ln>
+          </p:spPr>
+          <p:style>
+            <a:lnRef idx="1">
+              <a:schemeClr val="accent1"/>
+            </a:lnRef>
+            <a:fillRef idx="0">
+              <a:schemeClr val="accent1"/>
+            </a:fillRef>
+            <a:effectRef idx="0">
+              <a:schemeClr val="accent1"/>
+            </a:effectRef>
+            <a:fontRef idx="minor">
+              <a:schemeClr val="tx1"/>
+            </a:fontRef>
+          </p:style>
+        </p:cxnSp>
+        <p:cxnSp>
+          <p:nvCxnSpPr>
+            <p:cNvPr id="64" name="Straight Arrow Connector 63"/>
+            <p:cNvCxnSpPr/>
+            <p:nvPr/>
+          </p:nvCxnSpPr>
+          <p:spPr>
+            <a:xfrm flipH="1">
+              <a:off x="1479369" y="3805016"/>
+              <a:ext cx="1562100" cy="1244238"/>
+            </a:xfrm>
+            <a:prstGeom prst="straightConnector1">
+              <a:avLst/>
+            </a:prstGeom>
+            <a:ln>
+              <a:tailEnd type="arrow"/>
+            </a:ln>
+          </p:spPr>
+          <p:style>
+            <a:lnRef idx="1">
+              <a:schemeClr val="accent1"/>
+            </a:lnRef>
+            <a:fillRef idx="0">
+              <a:schemeClr val="accent1"/>
+            </a:fillRef>
+            <a:effectRef idx="0">
+              <a:schemeClr val="accent1"/>
+            </a:effectRef>
+            <a:fontRef idx="minor">
+              <a:schemeClr val="tx1"/>
+            </a:fontRef>
+          </p:style>
+        </p:cxnSp>
+        <p:cxnSp>
+          <p:nvCxnSpPr>
+            <p:cNvPr id="65" name="Straight Arrow Connector 64"/>
+            <p:cNvCxnSpPr>
+              <a:endCxn id="61" idx="0"/>
+            </p:cNvCxnSpPr>
+            <p:nvPr/>
+          </p:nvCxnSpPr>
+          <p:spPr>
+            <a:xfrm>
+              <a:off x="5029200" y="3838303"/>
+              <a:ext cx="304800" cy="1244238"/>
+            </a:xfrm>
+            <a:prstGeom prst="straightConnector1">
+              <a:avLst/>
+            </a:prstGeom>
+            <a:ln>
+              <a:tailEnd type="arrow"/>
+            </a:ln>
+          </p:spPr>
+          <p:style>
+            <a:lnRef idx="1">
+              <a:schemeClr val="accent1"/>
+            </a:lnRef>
+            <a:fillRef idx="0">
+              <a:schemeClr val="accent1"/>
+            </a:fillRef>
+            <a:effectRef idx="0">
+              <a:schemeClr val="accent1"/>
+            </a:effectRef>
+            <a:fontRef idx="minor">
+              <a:schemeClr val="tx1"/>
+            </a:fontRef>
+          </p:style>
+        </p:cxnSp>
+        <p:cxnSp>
+          <p:nvCxnSpPr>
+            <p:cNvPr id="66" name="Straight Arrow Connector 65"/>
+            <p:cNvCxnSpPr>
+              <a:endCxn id="62" idx="0"/>
+            </p:cNvCxnSpPr>
+            <p:nvPr/>
+          </p:nvCxnSpPr>
+          <p:spPr>
+            <a:xfrm>
+              <a:off x="5334000" y="3838303"/>
+              <a:ext cx="1905000" cy="1244239"/>
+            </a:xfrm>
+            <a:prstGeom prst="straightConnector1">
+              <a:avLst/>
+            </a:prstGeom>
+            <a:ln>
+              <a:tailEnd type="arrow"/>
+            </a:ln>
+          </p:spPr>
+          <p:style>
+            <a:lnRef idx="1">
+              <a:schemeClr val="accent1"/>
+            </a:lnRef>
+            <a:fillRef idx="0">
+              <a:schemeClr val="accent1"/>
+            </a:fillRef>
+            <a:effectRef idx="0">
+              <a:schemeClr val="accent1"/>
+            </a:effectRef>
+            <a:fontRef idx="minor">
+              <a:schemeClr val="tx1"/>
+            </a:fontRef>
+          </p:style>
+        </p:cxnSp>
+        <p:cxnSp>
+          <p:nvCxnSpPr>
+            <p:cNvPr id="67" name="Straight Arrow Connector 66"/>
+            <p:cNvCxnSpPr/>
+            <p:nvPr/>
+          </p:nvCxnSpPr>
+          <p:spPr>
+            <a:xfrm flipH="1">
+              <a:off x="3810000" y="3810000"/>
+              <a:ext cx="152400" cy="1272541"/>
+            </a:xfrm>
+            <a:prstGeom prst="straightConnector1">
+              <a:avLst/>
+            </a:prstGeom>
+            <a:ln>
+              <a:tailEnd type="arrow"/>
+            </a:ln>
+          </p:spPr>
+          <p:style>
+            <a:lnRef idx="1">
+              <a:schemeClr val="accent1"/>
+            </a:lnRef>
+            <a:fillRef idx="0">
+              <a:schemeClr val="accent1"/>
+            </a:fillRef>
+            <a:effectRef idx="0">
+              <a:schemeClr val="accent1"/>
+            </a:effectRef>
+            <a:fontRef idx="minor">
+              <a:schemeClr val="tx1"/>
+            </a:fontRef>
+          </p:style>
+        </p:cxnSp>
+        <p:cxnSp>
+          <p:nvCxnSpPr>
+            <p:cNvPr id="68" name="Straight Arrow Connector 67"/>
+            <p:cNvCxnSpPr>
+              <a:endCxn id="58" idx="2"/>
+            </p:cNvCxnSpPr>
+            <p:nvPr/>
+          </p:nvCxnSpPr>
+          <p:spPr>
+            <a:xfrm flipV="1">
+              <a:off x="3962401" y="3810000"/>
+              <a:ext cx="152401" cy="1262531"/>
+            </a:xfrm>
+            <a:prstGeom prst="straightConnector1">
+              <a:avLst/>
+            </a:prstGeom>
+            <a:ln>
+              <a:tailEnd type="arrow"/>
+            </a:ln>
+          </p:spPr>
+          <p:style>
+            <a:lnRef idx="1">
+              <a:schemeClr val="accent1"/>
+            </a:lnRef>
+            <a:fillRef idx="0">
+              <a:schemeClr val="accent1"/>
+            </a:fillRef>
+            <a:effectRef idx="0">
+              <a:schemeClr val="accent1"/>
+            </a:effectRef>
+            <a:fontRef idx="minor">
+              <a:schemeClr val="tx1"/>
+            </a:fontRef>
+          </p:style>
+        </p:cxnSp>
+      </p:grpSp>
+      <p:sp>
+        <p:nvSpPr>
+          <p:cNvPr id="14" name="TextBox 13"/>
+          <p:cNvSpPr txBox="1"/>
+          <p:nvPr/>
+        </p:nvSpPr>
+        <p:spPr>
+          <a:xfrm>
+            <a:off x="4761982" y="2874604"/>
+            <a:ext cx="983835" cy="369332"/>
+          </a:xfrm>
+          <a:prstGeom prst="rect">
+            <a:avLst/>
+          </a:prstGeom>
+          <a:noFill/>
+        </p:spPr>
+        <p:txBody>
+          <a:bodyPr wrap="square" rtlCol="0">
+            <a:spAutoFit/>
+          </a:bodyPr>
+          <a:lstStyle/>
+          <a:p>
+            <a:r>
+              <a:rPr lang="en-US" dirty="0" err="1" smtClean="0"/>
+              <a:t>Github</a:t>
+            </a:r>
+            <a:endParaRPr lang="en-US" dirty="0"/>
+          </a:p>
+        </p:txBody>
+      </p:sp>
+      <p:cxnSp>
+        <p:nvCxnSpPr>
+          <p:cNvPr id="23" name="Straight Arrow Connector 22"/>
+          <p:cNvCxnSpPr>
+            <a:stCxn id="93" idx="2"/>
+            <a:endCxn id="58" idx="0"/>
+          </p:cNvCxnSpPr>
+          <p:nvPr/>
+        </p:nvCxnSpPr>
+        <p:spPr>
+          <a:xfrm>
+            <a:off x="3287062" y="3420637"/>
+            <a:ext cx="52868" cy="758695"/>
+          </a:xfrm>
+          <a:prstGeom prst="straightConnector1">
+            <a:avLst/>
+          </a:prstGeom>
+          <a:ln>
+            <a:tailEnd type="arrow"/>
+          </a:ln>
+        </p:spPr>
+        <p:style>
+          <a:lnRef idx="1">
+            <a:schemeClr val="accent1"/>
+          </a:lnRef>
+          <a:fillRef idx="0">
+            <a:schemeClr val="accent1"/>
+          </a:fillRef>
+          <a:effectRef idx="0">
+            <a:schemeClr val="accent1"/>
+          </a:effectRef>
+          <a:fontRef idx="minor">
+            <a:schemeClr val="tx1"/>
+          </a:fontRef>
+        </p:style>
+      </p:cxnSp>
+      <p:cxnSp>
+        <p:nvCxnSpPr>
+          <p:cNvPr id="24" name="Straight Arrow Connector 23"/>
+          <p:cNvCxnSpPr>
+            <a:endCxn id="94" idx="1"/>
+          </p:cNvCxnSpPr>
+          <p:nvPr/>
+        </p:nvCxnSpPr>
+        <p:spPr>
+          <a:xfrm flipH="1" flipV="1">
+            <a:off x="3483566" y="3316830"/>
+            <a:ext cx="28305" cy="862502"/>
+          </a:xfrm>
+          <a:prstGeom prst="straightConnector1">
+            <a:avLst/>
+          </a:prstGeom>
+          <a:ln>
+            <a:tailEnd type="arrow"/>
+          </a:ln>
+        </p:spPr>
+        <p:style>
+          <a:lnRef idx="1">
+            <a:schemeClr val="accent1"/>
+          </a:lnRef>
+          <a:fillRef idx="0">
+            <a:schemeClr val="accent1"/>
+          </a:fillRef>
+          <a:effectRef idx="0">
+            <a:schemeClr val="accent1"/>
+          </a:effectRef>
+          <a:fontRef idx="minor">
+            <a:schemeClr val="tx1"/>
+          </a:fontRef>
+        </p:style>
+      </p:cxnSp>
+      <p:sp>
+        <p:nvSpPr>
+          <p:cNvPr id="29" name="TextBox 28"/>
+          <p:cNvSpPr txBox="1"/>
+          <p:nvPr/>
+        </p:nvSpPr>
+        <p:spPr>
+          <a:xfrm>
+            <a:off x="2804783" y="3656147"/>
+            <a:ext cx="601591" cy="369332"/>
+          </a:xfrm>
+          <a:prstGeom prst="rect">
+            <a:avLst/>
+          </a:prstGeom>
+          <a:noFill/>
+        </p:spPr>
+        <p:txBody>
+          <a:bodyPr wrap="square" rtlCol="0">
+            <a:spAutoFit/>
+          </a:bodyPr>
+          <a:lstStyle/>
+          <a:p>
+            <a:r>
+              <a:rPr lang="en-US" dirty="0" smtClean="0"/>
+              <a:t>Pull</a:t>
+            </a:r>
+            <a:endParaRPr lang="en-US" dirty="0"/>
+          </a:p>
+        </p:txBody>
+      </p:sp>
+      <p:sp>
+        <p:nvSpPr>
+          <p:cNvPr id="32" name="TextBox 31"/>
+          <p:cNvSpPr txBox="1"/>
+          <p:nvPr/>
+        </p:nvSpPr>
+        <p:spPr>
+          <a:xfrm>
+            <a:off x="3482574" y="3657600"/>
+            <a:ext cx="765149" cy="369332"/>
+          </a:xfrm>
+          <a:prstGeom prst="rect">
+            <a:avLst/>
+          </a:prstGeom>
+          <a:noFill/>
+        </p:spPr>
+        <p:txBody>
+          <a:bodyPr wrap="square" rtlCol="0">
+            <a:spAutoFit/>
+          </a:bodyPr>
+          <a:lstStyle/>
+          <a:p>
+            <a:r>
+              <a:rPr lang="en-US" dirty="0" smtClean="0"/>
+              <a:t>Push</a:t>
+            </a:r>
+            <a:endParaRPr lang="en-US" dirty="0"/>
+          </a:p>
+        </p:txBody>
+      </p:sp>
+      <p:sp>
+        <p:nvSpPr>
+          <p:cNvPr id="113" name="TextBox 112"/>
+          <p:cNvSpPr txBox="1"/>
+          <p:nvPr/>
+        </p:nvSpPr>
+        <p:spPr>
+          <a:xfrm>
+            <a:off x="2461846" y="2590800"/>
+            <a:ext cx="944528" cy="369332"/>
+          </a:xfrm>
+          <a:prstGeom prst="rect">
+            <a:avLst/>
+          </a:prstGeom>
+          <a:noFill/>
+        </p:spPr>
+        <p:txBody>
+          <a:bodyPr wrap="square" rtlCol="0">
+            <a:spAutoFit/>
+          </a:bodyPr>
+          <a:lstStyle/>
+          <a:p>
+            <a:r>
+              <a:rPr lang="en-US" dirty="0" smtClean="0">
+                <a:solidFill>
+                  <a:schemeClr val="accent3"/>
+                </a:solidFill>
+              </a:rPr>
+              <a:t>origin</a:t>
+            </a:r>
+            <a:endParaRPr lang="en-US" dirty="0">
+              <a:solidFill>
+                <a:schemeClr val="accent3"/>
+              </a:solidFill>
+            </a:endParaRPr>
+          </a:p>
+        </p:txBody>
+      </p:sp>
+      <p:grpSp>
+        <p:nvGrpSpPr>
+          <p:cNvPr id="116" name="Group 115"/>
+          <p:cNvGrpSpPr/>
+          <p:nvPr/>
+        </p:nvGrpSpPr>
+        <p:grpSpPr>
+          <a:xfrm>
+            <a:off x="2634251" y="5562600"/>
+            <a:ext cx="1411355" cy="797269"/>
+            <a:chOff x="609600" y="3124200"/>
+            <a:chExt cx="7505700" cy="2667000"/>
+          </a:xfrm>
+        </p:grpSpPr>
+        <p:sp>
+          <p:nvSpPr>
+            <p:cNvPr id="117" name="Rectangle 116"/>
+            <p:cNvSpPr/>
+            <p:nvPr/>
+          </p:nvSpPr>
+          <p:spPr>
+            <a:xfrm>
+              <a:off x="2743201" y="3124200"/>
+              <a:ext cx="2743201" cy="685800"/>
+            </a:xfrm>
+            <a:prstGeom prst="rect">
+              <a:avLst/>
+            </a:prstGeom>
+          </p:spPr>
+          <p:style>
+            <a:lnRef idx="2">
+              <a:schemeClr val="accent1">
+                <a:shade val="50000"/>
+              </a:schemeClr>
+            </a:lnRef>
+            <a:fillRef idx="1">
+              <a:schemeClr val="accent1"/>
+            </a:fillRef>
+            <a:effectRef idx="0">
+              <a:schemeClr val="accent1"/>
+            </a:effectRef>
+            <a:fontRef idx="minor">
+              <a:schemeClr val="lt1"/>
+            </a:fontRef>
+          </p:style>
+          <p:txBody>
+            <a:bodyPr rtlCol="0" anchor="ctr"/>
+            <a:lstStyle/>
+            <a:p>
+              <a:pPr algn="ctr"/>
+              <a:endParaRPr lang="en-US" dirty="0"/>
+            </a:p>
+          </p:txBody>
+        </p:sp>
+        <p:sp>
+          <p:nvSpPr>
+            <p:cNvPr id="118" name="Rectangle 117"/>
+            <p:cNvSpPr/>
+            <p:nvPr/>
+          </p:nvSpPr>
+          <p:spPr>
+            <a:xfrm>
+              <a:off x="609600" y="5105400"/>
+              <a:ext cx="1752600" cy="685800"/>
+            </a:xfrm>
+            <a:prstGeom prst="rect">
+              <a:avLst/>
+            </a:prstGeom>
+          </p:spPr>
+          <p:style>
+            <a:lnRef idx="2">
+              <a:schemeClr val="accent1">
+                <a:shade val="50000"/>
+              </a:schemeClr>
+            </a:lnRef>
+            <a:fillRef idx="1">
+              <a:schemeClr val="accent1"/>
+            </a:fillRef>
+            <a:effectRef idx="0">
+              <a:schemeClr val="accent1"/>
+            </a:effectRef>
+            <a:fontRef idx="minor">
+              <a:schemeClr val="lt1"/>
+            </a:fontRef>
+          </p:style>
+          <p:txBody>
+            <a:bodyPr rtlCol="0" anchor="ctr"/>
+            <a:lstStyle/>
+            <a:p>
+              <a:pPr algn="ctr"/>
+              <a:endParaRPr lang="en-US" dirty="0"/>
+            </a:p>
+          </p:txBody>
+        </p:sp>
+        <p:sp>
+          <p:nvSpPr>
+            <p:cNvPr id="119" name="Rectangle 118"/>
+            <p:cNvSpPr/>
+            <p:nvPr/>
+          </p:nvSpPr>
+          <p:spPr>
+            <a:xfrm>
+              <a:off x="2536372" y="5086895"/>
+              <a:ext cx="1752600" cy="685800"/>
+            </a:xfrm>
+            <a:prstGeom prst="rect">
+              <a:avLst/>
+            </a:prstGeom>
+          </p:spPr>
+          <p:style>
+            <a:lnRef idx="2">
+              <a:schemeClr val="accent1">
+                <a:shade val="50000"/>
+              </a:schemeClr>
+            </a:lnRef>
+            <a:fillRef idx="1">
+              <a:schemeClr val="accent1"/>
+            </a:fillRef>
+            <a:effectRef idx="0">
+              <a:schemeClr val="accent1"/>
+            </a:effectRef>
+            <a:fontRef idx="minor">
+              <a:schemeClr val="lt1"/>
+            </a:fontRef>
+          </p:style>
+          <p:txBody>
+            <a:bodyPr rtlCol="0" anchor="ctr"/>
+            <a:lstStyle/>
+            <a:p>
+              <a:pPr algn="ctr"/>
+              <a:endParaRPr lang="en-US" dirty="0"/>
+            </a:p>
+          </p:txBody>
+        </p:sp>
+        <p:sp>
+          <p:nvSpPr>
+            <p:cNvPr id="120" name="Rectangle 119"/>
+            <p:cNvSpPr/>
+            <p:nvPr/>
+          </p:nvSpPr>
+          <p:spPr>
+            <a:xfrm>
+              <a:off x="4457700" y="5082541"/>
+              <a:ext cx="1752600" cy="685800"/>
+            </a:xfrm>
+            <a:prstGeom prst="rect">
+              <a:avLst/>
+            </a:prstGeom>
+          </p:spPr>
+          <p:style>
+            <a:lnRef idx="2">
+              <a:schemeClr val="accent1">
+                <a:shade val="50000"/>
+              </a:schemeClr>
+            </a:lnRef>
+            <a:fillRef idx="1">
+              <a:schemeClr val="accent1"/>
+            </a:fillRef>
+            <a:effectRef idx="0">
+              <a:schemeClr val="accent1"/>
+            </a:effectRef>
+            <a:fontRef idx="minor">
+              <a:schemeClr val="lt1"/>
+            </a:fontRef>
+          </p:style>
+          <p:txBody>
+            <a:bodyPr rtlCol="0" anchor="ctr"/>
+            <a:lstStyle/>
+            <a:p>
+              <a:pPr algn="ctr"/>
+              <a:endParaRPr lang="en-US" dirty="0"/>
+            </a:p>
+          </p:txBody>
+        </p:sp>
+        <p:sp>
+          <p:nvSpPr>
+            <p:cNvPr id="121" name="Rectangle 120"/>
+            <p:cNvSpPr/>
+            <p:nvPr/>
+          </p:nvSpPr>
+          <p:spPr>
+            <a:xfrm>
+              <a:off x="6362700" y="5082542"/>
+              <a:ext cx="1752600" cy="685800"/>
+            </a:xfrm>
+            <a:prstGeom prst="rect">
+              <a:avLst/>
+            </a:prstGeom>
+          </p:spPr>
+          <p:style>
+            <a:lnRef idx="2">
+              <a:schemeClr val="accent1">
+                <a:shade val="50000"/>
+              </a:schemeClr>
+            </a:lnRef>
+            <a:fillRef idx="1">
+              <a:schemeClr val="accent1"/>
+            </a:fillRef>
+            <a:effectRef idx="0">
+              <a:schemeClr val="accent1"/>
+            </a:effectRef>
+            <a:fontRef idx="minor">
+              <a:schemeClr val="lt1"/>
+            </a:fontRef>
+          </p:style>
+          <p:txBody>
+            <a:bodyPr rtlCol="0" anchor="ctr"/>
+            <a:lstStyle/>
+            <a:p>
+              <a:pPr algn="ctr"/>
+              <a:endParaRPr lang="en-US" dirty="0"/>
+            </a:p>
+          </p:txBody>
+        </p:sp>
+        <p:cxnSp>
+          <p:nvCxnSpPr>
+            <p:cNvPr id="122" name="Straight Arrow Connector 121"/>
+            <p:cNvCxnSpPr/>
+            <p:nvPr/>
+          </p:nvCxnSpPr>
+          <p:spPr>
+            <a:xfrm flipV="1">
+              <a:off x="1714500" y="3838304"/>
+              <a:ext cx="1448889" cy="1343296"/>
+            </a:xfrm>
+            <a:prstGeom prst="straightConnector1">
+              <a:avLst/>
+            </a:prstGeom>
+            <a:ln>
+              <a:tailEnd type="arrow"/>
+            </a:ln>
+          </p:spPr>
+          <p:style>
+            <a:lnRef idx="1">
+              <a:schemeClr val="accent1"/>
+            </a:lnRef>
+            <a:fillRef idx="0">
+              <a:schemeClr val="accent1"/>
+            </a:fillRef>
+            <a:effectRef idx="0">
+              <a:schemeClr val="accent1"/>
+            </a:effectRef>
+            <a:fontRef idx="minor">
+              <a:schemeClr val="tx1"/>
+            </a:fontRef>
+          </p:style>
+        </p:cxnSp>
+        <p:cxnSp>
+          <p:nvCxnSpPr>
+            <p:cNvPr id="123" name="Straight Arrow Connector 122"/>
+            <p:cNvCxnSpPr/>
+            <p:nvPr/>
+          </p:nvCxnSpPr>
+          <p:spPr>
+            <a:xfrm flipH="1">
+              <a:off x="1479369" y="3805016"/>
+              <a:ext cx="1562100" cy="1244238"/>
+            </a:xfrm>
+            <a:prstGeom prst="straightConnector1">
+              <a:avLst/>
+            </a:prstGeom>
+            <a:ln>
+              <a:tailEnd type="arrow"/>
+            </a:ln>
+          </p:spPr>
+          <p:style>
+            <a:lnRef idx="1">
+              <a:schemeClr val="accent1"/>
+            </a:lnRef>
+            <a:fillRef idx="0">
+              <a:schemeClr val="accent1"/>
+            </a:fillRef>
+            <a:effectRef idx="0">
+              <a:schemeClr val="accent1"/>
+            </a:effectRef>
+            <a:fontRef idx="minor">
+              <a:schemeClr val="tx1"/>
+            </a:fontRef>
+          </p:style>
+        </p:cxnSp>
+        <p:cxnSp>
+          <p:nvCxnSpPr>
+            <p:cNvPr id="124" name="Straight Arrow Connector 123"/>
+            <p:cNvCxnSpPr>
+              <a:endCxn id="120" idx="0"/>
+            </p:cNvCxnSpPr>
+            <p:nvPr/>
+          </p:nvCxnSpPr>
+          <p:spPr>
+            <a:xfrm>
+              <a:off x="5029200" y="3838303"/>
+              <a:ext cx="304800" cy="1244238"/>
+            </a:xfrm>
+            <a:prstGeom prst="straightConnector1">
+              <a:avLst/>
+            </a:prstGeom>
+            <a:ln>
+              <a:tailEnd type="arrow"/>
+            </a:ln>
+          </p:spPr>
+          <p:style>
+            <a:lnRef idx="1">
+              <a:schemeClr val="accent1"/>
+            </a:lnRef>
+            <a:fillRef idx="0">
+              <a:schemeClr val="accent1"/>
+            </a:fillRef>
+            <a:effectRef idx="0">
+              <a:schemeClr val="accent1"/>
+            </a:effectRef>
+            <a:fontRef idx="minor">
+              <a:schemeClr val="tx1"/>
+            </a:fontRef>
+          </p:style>
+        </p:cxnSp>
+        <p:cxnSp>
+          <p:nvCxnSpPr>
+            <p:cNvPr id="125" name="Straight Arrow Connector 124"/>
+            <p:cNvCxnSpPr>
+              <a:endCxn id="121" idx="0"/>
+            </p:cNvCxnSpPr>
+            <p:nvPr/>
+          </p:nvCxnSpPr>
+          <p:spPr>
+            <a:xfrm>
+              <a:off x="5334000" y="3838303"/>
+              <a:ext cx="1905000" cy="1244239"/>
+            </a:xfrm>
+            <a:prstGeom prst="straightConnector1">
+              <a:avLst/>
+            </a:prstGeom>
+            <a:ln>
+              <a:tailEnd type="arrow"/>
+            </a:ln>
+          </p:spPr>
+          <p:style>
+            <a:lnRef idx="1">
+              <a:schemeClr val="accent1"/>
+            </a:lnRef>
+            <a:fillRef idx="0">
+              <a:schemeClr val="accent1"/>
+            </a:fillRef>
+            <a:effectRef idx="0">
+              <a:schemeClr val="accent1"/>
+            </a:effectRef>
+            <a:fontRef idx="minor">
+              <a:schemeClr val="tx1"/>
+            </a:fontRef>
+          </p:style>
+        </p:cxnSp>
+        <p:cxnSp>
+          <p:nvCxnSpPr>
+            <p:cNvPr id="126" name="Straight Arrow Connector 125"/>
+            <p:cNvCxnSpPr/>
+            <p:nvPr/>
+          </p:nvCxnSpPr>
+          <p:spPr>
+            <a:xfrm flipH="1">
+              <a:off x="3810000" y="3810000"/>
+              <a:ext cx="152400" cy="1272541"/>
+            </a:xfrm>
+            <a:prstGeom prst="straightConnector1">
+              <a:avLst/>
+            </a:prstGeom>
+            <a:ln>
+              <a:tailEnd type="arrow"/>
+            </a:ln>
+          </p:spPr>
+          <p:style>
+            <a:lnRef idx="1">
+              <a:schemeClr val="accent1"/>
+            </a:lnRef>
+            <a:fillRef idx="0">
+              <a:schemeClr val="accent1"/>
+            </a:fillRef>
+            <a:effectRef idx="0">
+              <a:schemeClr val="accent1"/>
+            </a:effectRef>
+            <a:fontRef idx="minor">
+              <a:schemeClr val="tx1"/>
+            </a:fontRef>
+          </p:style>
+        </p:cxnSp>
+        <p:cxnSp>
+          <p:nvCxnSpPr>
+            <p:cNvPr id="127" name="Straight Arrow Connector 126"/>
+            <p:cNvCxnSpPr>
+              <a:endCxn id="117" idx="2"/>
+            </p:cNvCxnSpPr>
+            <p:nvPr/>
+          </p:nvCxnSpPr>
+          <p:spPr>
+            <a:xfrm flipV="1">
+              <a:off x="3962401" y="3810000"/>
+              <a:ext cx="152401" cy="1262531"/>
+            </a:xfrm>
+            <a:prstGeom prst="straightConnector1">
+              <a:avLst/>
+            </a:prstGeom>
+            <a:ln>
+              <a:tailEnd type="arrow"/>
+            </a:ln>
+          </p:spPr>
+          <p:style>
+            <a:lnRef idx="1">
+              <a:schemeClr val="accent1"/>
+            </a:lnRef>
+            <a:fillRef idx="0">
+              <a:schemeClr val="accent1"/>
+            </a:fillRef>
+            <a:effectRef idx="0">
+              <a:schemeClr val="accent1"/>
+            </a:effectRef>
+            <a:fontRef idx="minor">
+              <a:schemeClr val="tx1"/>
+            </a:fontRef>
+          </p:style>
+        </p:cxnSp>
+      </p:grpSp>
+      <p:cxnSp>
+        <p:nvCxnSpPr>
+          <p:cNvPr id="137" name="Straight Arrow Connector 136"/>
+          <p:cNvCxnSpPr>
+            <a:stCxn id="60" idx="2"/>
+            <a:endCxn id="117" idx="0"/>
+          </p:cNvCxnSpPr>
+          <p:nvPr/>
+        </p:nvCxnSpPr>
+        <p:spPr>
+          <a:xfrm>
+            <a:off x="3207903" y="4971069"/>
+            <a:ext cx="85459" cy="591531"/>
+          </a:xfrm>
+          <a:prstGeom prst="straightConnector1">
+            <a:avLst/>
+          </a:prstGeom>
+          <a:ln>
+            <a:headEnd type="arrow"/>
+            <a:tailEnd type="arrow"/>
+          </a:ln>
+        </p:spPr>
+        <p:style>
+          <a:lnRef idx="1">
+            <a:schemeClr val="accent1"/>
+          </a:lnRef>
+          <a:fillRef idx="0">
+            <a:schemeClr val="accent1"/>
+          </a:fillRef>
+          <a:effectRef idx="0">
+            <a:schemeClr val="accent1"/>
+          </a:effectRef>
+          <a:fontRef idx="minor">
+            <a:schemeClr val="tx1"/>
+          </a:fontRef>
+        </p:style>
+      </p:cxnSp>
+      <p:sp>
+        <p:nvSpPr>
+          <p:cNvPr id="139" name="TextBox 138"/>
+          <p:cNvSpPr txBox="1"/>
+          <p:nvPr/>
+        </p:nvSpPr>
+        <p:spPr>
+          <a:xfrm>
+            <a:off x="3406374" y="5029200"/>
+            <a:ext cx="990600" cy="369332"/>
+          </a:xfrm>
+          <a:prstGeom prst="rect">
+            <a:avLst/>
+          </a:prstGeom>
+          <a:noFill/>
+        </p:spPr>
+        <p:txBody>
+          <a:bodyPr wrap="square" rtlCol="0">
+            <a:spAutoFit/>
+          </a:bodyPr>
+          <a:lstStyle/>
+          <a:p>
+            <a:r>
+              <a:rPr lang="en-US" dirty="0" smtClean="0"/>
+              <a:t>Merge</a:t>
+            </a:r>
+            <a:endParaRPr lang="en-US" dirty="0"/>
+          </a:p>
+        </p:txBody>
+      </p:sp>
+      <p:sp>
+        <p:nvSpPr>
+          <p:cNvPr id="140" name="Rectangle 139"/>
+          <p:cNvSpPr/>
+          <p:nvPr/>
+        </p:nvSpPr>
+        <p:spPr>
+          <a:xfrm>
+            <a:off x="2263374" y="4026932"/>
+            <a:ext cx="3733800" cy="2526268"/>
+          </a:xfrm>
+          <a:prstGeom prst="rect">
+            <a:avLst/>
+          </a:prstGeom>
+          <a:noFill/>
+          <a:ln>
+            <a:prstDash val="sysDash"/>
+          </a:ln>
+        </p:spPr>
+        <p:style>
+          <a:lnRef idx="2">
+            <a:schemeClr val="accent1">
+              <a:shade val="50000"/>
+            </a:schemeClr>
+          </a:lnRef>
+          <a:fillRef idx="1">
+            <a:schemeClr val="accent1"/>
+          </a:fillRef>
+          <a:effectRef idx="0">
+            <a:schemeClr val="accent1"/>
+          </a:effectRef>
+          <a:fontRef idx="minor">
+            <a:schemeClr val="lt1"/>
+          </a:fontRef>
+        </p:style>
+        <p:txBody>
+          <a:bodyPr rtlCol="0" anchor="ctr"/>
+          <a:lstStyle/>
+          <a:p>
+            <a:pPr algn="ctr"/>
+            <a:endParaRPr lang="en-US"/>
+          </a:p>
+        </p:txBody>
+      </p:sp>
+      <p:sp>
+        <p:nvSpPr>
+          <p:cNvPr id="141" name="TextBox 140"/>
+          <p:cNvSpPr txBox="1"/>
+          <p:nvPr/>
+        </p:nvSpPr>
+        <p:spPr>
+          <a:xfrm>
+            <a:off x="6102765" y="4889335"/>
+            <a:ext cx="983835" cy="369332"/>
+          </a:xfrm>
+          <a:prstGeom prst="rect">
+            <a:avLst/>
+          </a:prstGeom>
+          <a:noFill/>
+        </p:spPr>
+        <p:txBody>
+          <a:bodyPr wrap="square" rtlCol="0">
+            <a:spAutoFit/>
+          </a:bodyPr>
+          <a:lstStyle/>
+          <a:p>
+            <a:r>
+              <a:rPr lang="en-US" dirty="0" smtClean="0"/>
+              <a:t>Loca</a:t>
+            </a:r>
+            <a:r>
+              <a:rPr lang="en-US" dirty="0"/>
+              <a:t>l</a:t>
+            </a:r>
+            <a:endParaRPr lang="en-US" dirty="0"/>
+          </a:p>
+        </p:txBody>
+      </p:sp>
+      <p:sp>
+        <p:nvSpPr>
+          <p:cNvPr id="143" name="TextBox 142"/>
+          <p:cNvSpPr txBox="1"/>
+          <p:nvPr/>
+        </p:nvSpPr>
+        <p:spPr>
+          <a:xfrm>
+            <a:off x="4006556" y="4211694"/>
+            <a:ext cx="1905000" cy="646331"/>
+          </a:xfrm>
+          <a:prstGeom prst="rect">
+            <a:avLst/>
+          </a:prstGeom>
+          <a:noFill/>
+        </p:spPr>
+        <p:txBody>
+          <a:bodyPr wrap="square" rtlCol="0">
+            <a:spAutoFit/>
+          </a:bodyPr>
+          <a:lstStyle/>
+          <a:p>
+            <a:pPr algn="ctr"/>
+            <a:r>
+              <a:rPr lang="en-US" dirty="0" smtClean="0"/>
+              <a:t>Internal copy of remote repo</a:t>
+            </a:r>
+            <a:endParaRPr lang="en-US" dirty="0"/>
+          </a:p>
+        </p:txBody>
+      </p:sp>
+      <p:sp>
+        <p:nvSpPr>
+          <p:cNvPr id="144" name="TextBox 143"/>
+          <p:cNvSpPr txBox="1"/>
+          <p:nvPr/>
+        </p:nvSpPr>
+        <p:spPr>
+          <a:xfrm>
+            <a:off x="4006555" y="5530777"/>
+            <a:ext cx="1905000" cy="646331"/>
+          </a:xfrm>
+          <a:prstGeom prst="rect">
+            <a:avLst/>
+          </a:prstGeom>
+          <a:noFill/>
+        </p:spPr>
+        <p:txBody>
+          <a:bodyPr wrap="square" rtlCol="0">
+            <a:spAutoFit/>
+          </a:bodyPr>
+          <a:lstStyle/>
+          <a:p>
+            <a:pPr algn="ctr"/>
+            <a:r>
+              <a:rPr lang="en-US" dirty="0" smtClean="0"/>
+              <a:t>Working copy of local repo</a:t>
+            </a:r>
+            <a:endParaRPr lang="en-US" dirty="0"/>
+          </a:p>
+        </p:txBody>
+      </p:sp>
+    </p:spTree>
+    <p:extLst>
+      <p:ext uri="{BB962C8B-B14F-4D97-AF65-F5344CB8AC3E}">
+        <p14:creationId xmlns:p14="http://schemas.microsoft.com/office/powerpoint/2010/main" val="73215264"/>
+      </p:ext>
+    </p:extLst>
+  </p:cSld>
+  <p:clrMapOvr>
+    <a:masterClrMapping/>
+  </p:clrMapOvr>
+  <p:timing>
+    <p:tnLst>
+      <p:par>
+        <p:cTn id="1" dur="indefinite" restart="never" nodeType="tmRoot"/>
+      </p:par>
+    </p:tnLst>
+  </p:timing>
 </p:sld>
 </file>
 

--- a/Lectures/Introduction to Distributed Version Control/Introduction to Distributed Version Control.pptx
+++ b/Lectures/Introduction to Distributed Version Control/Introduction to Distributed Version Control.pptx
@@ -5,7 +5,7 @@
     <p:sldMasterId id="2147483660" r:id="rId1"/>
   </p:sldMasterIdLst>
   <p:notesMasterIdLst>
-    <p:notesMasterId r:id="rId19"/>
+    <p:notesMasterId r:id="rId22"/>
   </p:notesMasterIdLst>
   <p:sldIdLst>
     <p:sldId id="256" r:id="rId2"/>
@@ -25,6 +25,9 @@
     <p:sldId id="270" r:id="rId16"/>
     <p:sldId id="271" r:id="rId17"/>
     <p:sldId id="272" r:id="rId18"/>
+    <p:sldId id="273" r:id="rId19"/>
+    <p:sldId id="274" r:id="rId20"/>
+    <p:sldId id="275" r:id="rId21"/>
   </p:sldIdLst>
   <p:sldSz cx="9144000" cy="6858000" type="screen4x3"/>
   <p:notesSz cx="6858000" cy="9144000"/>
@@ -208,7 +211,7 @@
           <a:p>
             <a:fld id="{DBE0ECA1-3FBF-48AE-AD2A-4439AE745E19}" type="datetimeFigureOut">
               <a:rPr lang="en-US" smtClean="0"/>
-              <a:t>10/16/2013</a:t>
+              <a:t>10/17/2013</a:t>
             </a:fld>
             <a:endParaRPr lang="en-US"/>
           </a:p>
@@ -669,7 +672,7 @@
           <a:p>
             <a:fld id="{9769DED8-28D4-45B9-A00F-7CFE9335FEA6}" type="datetime1">
               <a:rPr lang="en-US" smtClean="0"/>
-              <a:t>10/16/2013</a:t>
+              <a:t>10/17/2013</a:t>
             </a:fld>
             <a:endParaRPr lang="en-US"/>
           </a:p>
@@ -934,7 +937,7 @@
           <a:p>
             <a:fld id="{2DB3D439-1F88-44B4-B5F7-F9BCD4064257}" type="datetime1">
               <a:rPr lang="en-US" smtClean="0"/>
-              <a:t>10/16/2013</a:t>
+              <a:t>10/17/2013</a:t>
             </a:fld>
             <a:endParaRPr lang="en-US"/>
           </a:p>
@@ -1109,7 +1112,7 @@
           <a:p>
             <a:fld id="{99C5638F-6F55-4055-935C-67841BE78C36}" type="datetime1">
               <a:rPr lang="en-US" smtClean="0"/>
-              <a:t>10/16/2013</a:t>
+              <a:t>10/17/2013</a:t>
             </a:fld>
             <a:endParaRPr lang="en-US"/>
           </a:p>
@@ -1274,7 +1277,7 @@
           <a:p>
             <a:fld id="{E6987D90-0C92-4B22-A29D-FED15412CED2}" type="datetime1">
               <a:rPr lang="en-US" smtClean="0"/>
-              <a:t>10/16/2013</a:t>
+              <a:t>10/17/2013</a:t>
             </a:fld>
             <a:endParaRPr lang="en-US"/>
           </a:p>
@@ -1523,7 +1526,7 @@
           <a:p>
             <a:fld id="{DDB67BC4-9554-49E0-BCB3-D1EF965BA0B8}" type="datetime1">
               <a:rPr lang="en-US" smtClean="0"/>
-              <a:t>10/16/2013</a:t>
+              <a:t>10/17/2013</a:t>
             </a:fld>
             <a:endParaRPr lang="en-US"/>
           </a:p>
@@ -1806,7 +1809,7 @@
           <a:p>
             <a:fld id="{EC24D770-803D-4E01-921C-9C100DD8230C}" type="datetime1">
               <a:rPr lang="en-US" smtClean="0"/>
-              <a:t>10/16/2013</a:t>
+              <a:t>10/17/2013</a:t>
             </a:fld>
             <a:endParaRPr lang="en-US"/>
           </a:p>
@@ -2245,7 +2248,7 @@
           <a:p>
             <a:fld id="{356AD44B-78A4-4209-8070-7DCBE2DC4992}" type="datetime1">
               <a:rPr lang="en-US" smtClean="0"/>
-              <a:t>10/16/2013</a:t>
+              <a:t>10/17/2013</a:t>
             </a:fld>
             <a:endParaRPr lang="en-US"/>
           </a:p>
@@ -2358,7 +2361,7 @@
           <a:p>
             <a:fld id="{A993C59A-7CA2-467F-B7F1-9096881A01B8}" type="datetime1">
               <a:rPr lang="en-US" smtClean="0"/>
-              <a:t>10/16/2013</a:t>
+              <a:t>10/17/2013</a:t>
             </a:fld>
             <a:endParaRPr lang="en-US"/>
           </a:p>
@@ -2448,7 +2451,7 @@
           <a:p>
             <a:fld id="{2B6B58D0-2488-434A-8ED1-692E09B85CC5}" type="datetime1">
               <a:rPr lang="en-US" smtClean="0"/>
-              <a:t>10/16/2013</a:t>
+              <a:t>10/17/2013</a:t>
             </a:fld>
             <a:endParaRPr lang="en-US"/>
           </a:p>
@@ -2690,7 +2693,7 @@
           <a:p>
             <a:fld id="{FDB0AFC2-7D64-4F61-A7B7-9932D3305DDA}" type="datetime1">
               <a:rPr lang="en-US" smtClean="0"/>
-              <a:t>10/16/2013</a:t>
+              <a:t>10/17/2013</a:t>
             </a:fld>
             <a:endParaRPr lang="en-US"/>
           </a:p>
@@ -2984,7 +2987,7 @@
           <a:p>
             <a:fld id="{4983D17A-D7B2-4ECE-8A2C-93679B9D177B}" type="datetime1">
               <a:rPr lang="en-US" smtClean="0"/>
-              <a:t>10/16/2013</a:t>
+              <a:t>10/17/2013</a:t>
             </a:fld>
             <a:endParaRPr lang="en-US"/>
           </a:p>
@@ -3278,7 +3281,7 @@
           <a:p>
             <a:fld id="{2A5275F7-419E-4C23-8A3D-2EE5742B2EC9}" type="datetime1">
               <a:rPr lang="en-US" smtClean="0"/>
-              <a:t>10/16/2013</a:t>
+              <a:t>10/17/2013</a:t>
             </a:fld>
             <a:endParaRPr lang="en-US"/>
           </a:p>
@@ -6956,7 +6959,7 @@
             <a:lstStyle/>
             <a:p>
               <a:r>
-                <a:rPr lang="en-US" dirty="0" err="1" smtClean="0"/>
+                <a:rPr lang="en-US" dirty="0" smtClean="0"/>
                 <a:t>Github</a:t>
               </a:r>
               <a:endParaRPr lang="en-US" dirty="0"/>
@@ -8542,28 +8545,7 @@
                 <a:latin typeface="Courier New" panose="02070309020205020404" pitchFamily="49" charset="0"/>
                 <a:cs typeface="Courier New" panose="02070309020205020404" pitchFamily="49" charset="0"/>
               </a:rPr>
-              <a:t> </a:t>
-            </a:r>
-            <a:r>
-              <a:rPr lang="en-US" dirty="0" smtClean="0">
-                <a:latin typeface="Courier New" panose="02070309020205020404" pitchFamily="49" charset="0"/>
-                <a:cs typeface="Courier New" panose="02070309020205020404" pitchFamily="49" charset="0"/>
-              </a:rPr>
-              <a:t>commit</a:t>
-            </a:r>
-            <a:r>
-              <a:rPr lang="en-US" dirty="0" smtClean="0">
-                <a:latin typeface="Courier New" panose="02070309020205020404" pitchFamily="49" charset="0"/>
-                <a:cs typeface="Courier New" panose="02070309020205020404" pitchFamily="49" charset="0"/>
-              </a:rPr>
-              <a:t> </a:t>
-            </a:r>
-            <a:r>
-              <a:rPr lang="en-US" dirty="0" smtClean="0">
-                <a:latin typeface="Courier New" panose="02070309020205020404" pitchFamily="49" charset="0"/>
-                <a:cs typeface="Courier New" panose="02070309020205020404" pitchFamily="49" charset="0"/>
-              </a:rPr>
-              <a:t>path/to/file</a:t>
+              <a:t> commit path/to/file</a:t>
             </a:r>
             <a:endParaRPr lang="en-US" dirty="0">
               <a:latin typeface="Courier New" panose="02070309020205020404" pitchFamily="49" charset="0"/>
@@ -8619,21 +8601,7 @@
                 <a:latin typeface="Courier New" panose="02070309020205020404" pitchFamily="49" charset="0"/>
                 <a:cs typeface="Courier New" panose="02070309020205020404" pitchFamily="49" charset="0"/>
               </a:rPr>
-              <a:t> </a:t>
-            </a:r>
-            <a:r>
-              <a:rPr lang="en-US" dirty="0" smtClean="0">
-                <a:latin typeface="Courier New" panose="02070309020205020404" pitchFamily="49" charset="0"/>
-                <a:cs typeface="Courier New" panose="02070309020205020404" pitchFamily="49" charset="0"/>
-              </a:rPr>
-              <a:t>commit</a:t>
-            </a:r>
-            <a:r>
-              <a:rPr lang="en-US" dirty="0" smtClean="0">
-                <a:latin typeface="Courier New" panose="02070309020205020404" pitchFamily="49" charset="0"/>
-                <a:cs typeface="Courier New" panose="02070309020205020404" pitchFamily="49" charset="0"/>
-              </a:rPr>
-              <a:t> -a</a:t>
+              <a:t> commit -a</a:t>
             </a:r>
             <a:endParaRPr lang="en-US" dirty="0">
               <a:latin typeface="Courier New" panose="02070309020205020404" pitchFamily="49" charset="0"/>
@@ -8689,21 +8657,7 @@
                 <a:latin typeface="Courier New" panose="02070309020205020404" pitchFamily="49" charset="0"/>
                 <a:cs typeface="Courier New" panose="02070309020205020404" pitchFamily="49" charset="0"/>
               </a:rPr>
-              <a:t> </a:t>
-            </a:r>
-            <a:r>
-              <a:rPr lang="en-US" dirty="0" smtClean="0">
-                <a:latin typeface="Courier New" panose="02070309020205020404" pitchFamily="49" charset="0"/>
-                <a:cs typeface="Courier New" panose="02070309020205020404" pitchFamily="49" charset="0"/>
-              </a:rPr>
-              <a:t>commit</a:t>
-            </a:r>
-            <a:r>
-              <a:rPr lang="en-US" dirty="0" smtClean="0">
-                <a:latin typeface="Courier New" panose="02070309020205020404" pitchFamily="49" charset="0"/>
-                <a:cs typeface="Courier New" panose="02070309020205020404" pitchFamily="49" charset="0"/>
-              </a:rPr>
-              <a:t> –a –m “Correct possible deadlock.”</a:t>
+              <a:t> commit –a –m “Correct possible deadlock.”</a:t>
             </a:r>
             <a:endParaRPr lang="en-US" dirty="0">
               <a:latin typeface="Courier New" panose="02070309020205020404" pitchFamily="49" charset="0"/>
@@ -12079,7 +12033,7 @@
             <a:lstStyle/>
             <a:p>
               <a:r>
-                <a:rPr lang="en-US" dirty="0" err="1" smtClean="0"/>
+                <a:rPr lang="en-US" dirty="0" smtClean="0"/>
                 <a:t>Github</a:t>
               </a:r>
               <a:endParaRPr lang="en-US" dirty="0"/>
@@ -14219,7 +14173,7 @@
           <a:lstStyle/>
           <a:p>
             <a:r>
-              <a:rPr lang="en-US" dirty="0" err="1" smtClean="0"/>
+              <a:rPr lang="en-US" dirty="0" smtClean="0"/>
               <a:t>Github</a:t>
             </a:r>
             <a:endParaRPr lang="en-US" dirty="0"/>
@@ -14955,7 +14909,6 @@
               <a:rPr lang="en-US" dirty="0"/>
               <a:t>l</a:t>
             </a:r>
-            <a:endParaRPr lang="en-US" dirty="0"/>
           </a:p>
         </p:txBody>
       </p:sp>
@@ -15021,6 +14974,70 @@
           </a:p>
         </p:txBody>
       </p:sp>
+      <p:sp>
+        <p:nvSpPr>
+          <p:cNvPr id="5" name="TextBox 4"/>
+          <p:cNvSpPr txBox="1"/>
+          <p:nvPr/>
+        </p:nvSpPr>
+        <p:spPr>
+          <a:xfrm>
+            <a:off x="5715000" y="3392269"/>
+            <a:ext cx="1974435" cy="646331"/>
+          </a:xfrm>
+          <a:prstGeom prst="rect">
+            <a:avLst/>
+          </a:prstGeom>
+          <a:noFill/>
+        </p:spPr>
+        <p:txBody>
+          <a:bodyPr wrap="square" rtlCol="0">
+            <a:spAutoFit/>
+          </a:bodyPr>
+          <a:lstStyle/>
+          <a:p>
+            <a:pPr algn="ctr"/>
+            <a:r>
+              <a:rPr lang="en-US" dirty="0" smtClean="0"/>
+              <a:t>You never see this repo</a:t>
+            </a:r>
+            <a:endParaRPr lang="en-US" dirty="0"/>
+          </a:p>
+        </p:txBody>
+      </p:sp>
+      <p:cxnSp>
+        <p:nvCxnSpPr>
+          <p:cNvPr id="8" name="Straight Arrow Connector 7"/>
+          <p:cNvCxnSpPr/>
+          <p:nvPr/>
+        </p:nvCxnSpPr>
+        <p:spPr>
+          <a:xfrm flipH="1">
+            <a:off x="3827450" y="3748081"/>
+            <a:ext cx="2275315" cy="533757"/>
+          </a:xfrm>
+          <a:prstGeom prst="straightConnector1">
+            <a:avLst/>
+          </a:prstGeom>
+          <a:ln>
+            <a:tailEnd type="arrow"/>
+          </a:ln>
+        </p:spPr>
+        <p:style>
+          <a:lnRef idx="1">
+            <a:schemeClr val="accent1"/>
+          </a:lnRef>
+          <a:fillRef idx="0">
+            <a:schemeClr val="accent1"/>
+          </a:fillRef>
+          <a:effectRef idx="0">
+            <a:schemeClr val="accent1"/>
+          </a:effectRef>
+          <a:fontRef idx="minor">
+            <a:schemeClr val="tx1"/>
+          </a:fontRef>
+        </p:style>
+      </p:cxnSp>
     </p:spTree>
     <p:extLst>
       <p:ext uri="{BB962C8B-B14F-4D97-AF65-F5344CB8AC3E}">
@@ -15038,6 +15055,4082 @@
       </p:par>
     </p:tnLst>
   </p:timing>
+</p:sld>
+</file>
+
+<file path=ppt/slides/slide18.xml><?xml version="1.0" encoding="utf-8"?>
+<p:sld xmlns:a="http://schemas.openxmlformats.org/drawingml/2006/main" xmlns:r="http://schemas.openxmlformats.org/officeDocument/2006/relationships" xmlns:p="http://schemas.openxmlformats.org/presentationml/2006/main">
+  <p:cSld>
+    <p:spTree>
+      <p:nvGrpSpPr>
+        <p:cNvPr id="1" name=""/>
+        <p:cNvGrpSpPr/>
+        <p:nvPr/>
+      </p:nvGrpSpPr>
+      <p:grpSpPr>
+        <a:xfrm>
+          <a:off x="0" y="0"/>
+          <a:ext cx="0" cy="0"/>
+          <a:chOff x="0" y="0"/>
+          <a:chExt cx="0" cy="0"/>
+        </a:xfrm>
+      </p:grpSpPr>
+      <p:sp>
+        <p:nvSpPr>
+          <p:cNvPr id="2" name="Title 1"/>
+          <p:cNvSpPr>
+            <a:spLocks noGrp="1"/>
+          </p:cNvSpPr>
+          <p:nvPr>
+            <p:ph type="title"/>
+          </p:nvPr>
+        </p:nvSpPr>
+        <p:spPr/>
+        <p:txBody>
+          <a:bodyPr/>
+          <a:lstStyle/>
+          <a:p>
+            <a:r>
+              <a:rPr lang="en-US" dirty="0" smtClean="0"/>
+              <a:t>branches</a:t>
+            </a:r>
+            <a:endParaRPr lang="en-US" dirty="0"/>
+          </a:p>
+        </p:txBody>
+      </p:sp>
+      <p:sp>
+        <p:nvSpPr>
+          <p:cNvPr id="3" name="Content Placeholder 2"/>
+          <p:cNvSpPr>
+            <a:spLocks noGrp="1"/>
+          </p:cNvSpPr>
+          <p:nvPr>
+            <p:ph idx="1"/>
+          </p:nvPr>
+        </p:nvSpPr>
+        <p:spPr>
+          <a:xfrm>
+            <a:off x="490676" y="1432938"/>
+            <a:ext cx="7620000" cy="4373563"/>
+          </a:xfrm>
+        </p:spPr>
+        <p:txBody>
+          <a:bodyPr/>
+          <a:lstStyle/>
+          <a:p>
+            <a:r>
+              <a:rPr lang="en-US" dirty="0" smtClean="0"/>
+              <a:t>A branch is a full copy of a repository (local or remote)</a:t>
+            </a:r>
+          </a:p>
+          <a:p>
+            <a:pPr marL="800100" lvl="1" indent="-342900"/>
+            <a:r>
+              <a:rPr lang="en-US" dirty="0" smtClean="0"/>
+              <a:t>A branch named master always exists</a:t>
+            </a:r>
+          </a:p>
+          <a:p>
+            <a:pPr marL="800100" lvl="1" indent="-342900"/>
+            <a:r>
+              <a:rPr lang="en-US" dirty="0" smtClean="0"/>
+              <a:t>A branch can be merged to copy its contents to another</a:t>
+            </a:r>
+            <a:endParaRPr lang="en-US" dirty="0"/>
+          </a:p>
+        </p:txBody>
+      </p:sp>
+      <p:sp>
+        <p:nvSpPr>
+          <p:cNvPr id="4" name="Slide Number Placeholder 3"/>
+          <p:cNvSpPr>
+            <a:spLocks noGrp="1"/>
+          </p:cNvSpPr>
+          <p:nvPr>
+            <p:ph type="sldNum" sz="quarter" idx="12"/>
+          </p:nvPr>
+        </p:nvSpPr>
+        <p:spPr/>
+        <p:txBody>
+          <a:bodyPr/>
+          <a:lstStyle/>
+          <a:p>
+            <a:fld id="{6DA12B36-9664-4CB0-8B2E-F4A2F44AE97E}" type="slidenum">
+              <a:rPr lang="en-US" smtClean="0"/>
+              <a:t>18</a:t>
+            </a:fld>
+            <a:endParaRPr lang="en-US"/>
+          </a:p>
+        </p:txBody>
+      </p:sp>
+      <p:grpSp>
+        <p:nvGrpSpPr>
+          <p:cNvPr id="5" name="Group 4"/>
+          <p:cNvGrpSpPr/>
+          <p:nvPr/>
+        </p:nvGrpSpPr>
+        <p:grpSpPr>
+          <a:xfrm>
+            <a:off x="914400" y="5231028"/>
+            <a:ext cx="1411355" cy="797269"/>
+            <a:chOff x="609600" y="3124200"/>
+            <a:chExt cx="7505700" cy="2667000"/>
+          </a:xfrm>
+        </p:grpSpPr>
+        <p:sp>
+          <p:nvSpPr>
+            <p:cNvPr id="6" name="Rectangle 5"/>
+            <p:cNvSpPr/>
+            <p:nvPr/>
+          </p:nvSpPr>
+          <p:spPr>
+            <a:xfrm>
+              <a:off x="2743201" y="3124200"/>
+              <a:ext cx="2743201" cy="685800"/>
+            </a:xfrm>
+            <a:prstGeom prst="rect">
+              <a:avLst/>
+            </a:prstGeom>
+          </p:spPr>
+          <p:style>
+            <a:lnRef idx="2">
+              <a:schemeClr val="accent1">
+                <a:shade val="50000"/>
+              </a:schemeClr>
+            </a:lnRef>
+            <a:fillRef idx="1">
+              <a:schemeClr val="accent1"/>
+            </a:fillRef>
+            <a:effectRef idx="0">
+              <a:schemeClr val="accent1"/>
+            </a:effectRef>
+            <a:fontRef idx="minor">
+              <a:schemeClr val="lt1"/>
+            </a:fontRef>
+          </p:style>
+          <p:txBody>
+            <a:bodyPr rtlCol="0" anchor="ctr"/>
+            <a:lstStyle/>
+            <a:p>
+              <a:pPr algn="ctr"/>
+              <a:endParaRPr lang="en-US" dirty="0"/>
+            </a:p>
+          </p:txBody>
+        </p:sp>
+        <p:sp>
+          <p:nvSpPr>
+            <p:cNvPr id="7" name="Rectangle 6"/>
+            <p:cNvSpPr/>
+            <p:nvPr/>
+          </p:nvSpPr>
+          <p:spPr>
+            <a:xfrm>
+              <a:off x="609600" y="5105400"/>
+              <a:ext cx="1752600" cy="685800"/>
+            </a:xfrm>
+            <a:prstGeom prst="rect">
+              <a:avLst/>
+            </a:prstGeom>
+          </p:spPr>
+          <p:style>
+            <a:lnRef idx="2">
+              <a:schemeClr val="accent1">
+                <a:shade val="50000"/>
+              </a:schemeClr>
+            </a:lnRef>
+            <a:fillRef idx="1">
+              <a:schemeClr val="accent1"/>
+            </a:fillRef>
+            <a:effectRef idx="0">
+              <a:schemeClr val="accent1"/>
+            </a:effectRef>
+            <a:fontRef idx="minor">
+              <a:schemeClr val="lt1"/>
+            </a:fontRef>
+          </p:style>
+          <p:txBody>
+            <a:bodyPr rtlCol="0" anchor="ctr"/>
+            <a:lstStyle/>
+            <a:p>
+              <a:pPr algn="ctr"/>
+              <a:endParaRPr lang="en-US" dirty="0"/>
+            </a:p>
+          </p:txBody>
+        </p:sp>
+        <p:sp>
+          <p:nvSpPr>
+            <p:cNvPr id="8" name="Rectangle 7"/>
+            <p:cNvSpPr/>
+            <p:nvPr/>
+          </p:nvSpPr>
+          <p:spPr>
+            <a:xfrm>
+              <a:off x="2536372" y="5086895"/>
+              <a:ext cx="1752600" cy="685800"/>
+            </a:xfrm>
+            <a:prstGeom prst="rect">
+              <a:avLst/>
+            </a:prstGeom>
+          </p:spPr>
+          <p:style>
+            <a:lnRef idx="2">
+              <a:schemeClr val="accent1">
+                <a:shade val="50000"/>
+              </a:schemeClr>
+            </a:lnRef>
+            <a:fillRef idx="1">
+              <a:schemeClr val="accent1"/>
+            </a:fillRef>
+            <a:effectRef idx="0">
+              <a:schemeClr val="accent1"/>
+            </a:effectRef>
+            <a:fontRef idx="minor">
+              <a:schemeClr val="lt1"/>
+            </a:fontRef>
+          </p:style>
+          <p:txBody>
+            <a:bodyPr rtlCol="0" anchor="ctr"/>
+            <a:lstStyle/>
+            <a:p>
+              <a:pPr algn="ctr"/>
+              <a:endParaRPr lang="en-US" dirty="0"/>
+            </a:p>
+          </p:txBody>
+        </p:sp>
+        <p:sp>
+          <p:nvSpPr>
+            <p:cNvPr id="9" name="Rectangle 8"/>
+            <p:cNvSpPr/>
+            <p:nvPr/>
+          </p:nvSpPr>
+          <p:spPr>
+            <a:xfrm>
+              <a:off x="4457700" y="5082541"/>
+              <a:ext cx="1752600" cy="685800"/>
+            </a:xfrm>
+            <a:prstGeom prst="rect">
+              <a:avLst/>
+            </a:prstGeom>
+          </p:spPr>
+          <p:style>
+            <a:lnRef idx="2">
+              <a:schemeClr val="accent1">
+                <a:shade val="50000"/>
+              </a:schemeClr>
+            </a:lnRef>
+            <a:fillRef idx="1">
+              <a:schemeClr val="accent1"/>
+            </a:fillRef>
+            <a:effectRef idx="0">
+              <a:schemeClr val="accent1"/>
+            </a:effectRef>
+            <a:fontRef idx="minor">
+              <a:schemeClr val="lt1"/>
+            </a:fontRef>
+          </p:style>
+          <p:txBody>
+            <a:bodyPr rtlCol="0" anchor="ctr"/>
+            <a:lstStyle/>
+            <a:p>
+              <a:pPr algn="ctr"/>
+              <a:endParaRPr lang="en-US" dirty="0"/>
+            </a:p>
+          </p:txBody>
+        </p:sp>
+        <p:sp>
+          <p:nvSpPr>
+            <p:cNvPr id="10" name="Rectangle 9"/>
+            <p:cNvSpPr/>
+            <p:nvPr/>
+          </p:nvSpPr>
+          <p:spPr>
+            <a:xfrm>
+              <a:off x="6362700" y="5082542"/>
+              <a:ext cx="1752600" cy="685800"/>
+            </a:xfrm>
+            <a:prstGeom prst="rect">
+              <a:avLst/>
+            </a:prstGeom>
+          </p:spPr>
+          <p:style>
+            <a:lnRef idx="2">
+              <a:schemeClr val="accent1">
+                <a:shade val="50000"/>
+              </a:schemeClr>
+            </a:lnRef>
+            <a:fillRef idx="1">
+              <a:schemeClr val="accent1"/>
+            </a:fillRef>
+            <a:effectRef idx="0">
+              <a:schemeClr val="accent1"/>
+            </a:effectRef>
+            <a:fontRef idx="minor">
+              <a:schemeClr val="lt1"/>
+            </a:fontRef>
+          </p:style>
+          <p:txBody>
+            <a:bodyPr rtlCol="0" anchor="ctr"/>
+            <a:lstStyle/>
+            <a:p>
+              <a:pPr algn="ctr"/>
+              <a:endParaRPr lang="en-US" dirty="0"/>
+            </a:p>
+          </p:txBody>
+        </p:sp>
+        <p:cxnSp>
+          <p:nvCxnSpPr>
+            <p:cNvPr id="11" name="Straight Arrow Connector 10"/>
+            <p:cNvCxnSpPr/>
+            <p:nvPr/>
+          </p:nvCxnSpPr>
+          <p:spPr>
+            <a:xfrm flipV="1">
+              <a:off x="1714500" y="3838304"/>
+              <a:ext cx="1448889" cy="1343296"/>
+            </a:xfrm>
+            <a:prstGeom prst="straightConnector1">
+              <a:avLst/>
+            </a:prstGeom>
+            <a:ln>
+              <a:tailEnd type="arrow"/>
+            </a:ln>
+          </p:spPr>
+          <p:style>
+            <a:lnRef idx="1">
+              <a:schemeClr val="accent1"/>
+            </a:lnRef>
+            <a:fillRef idx="0">
+              <a:schemeClr val="accent1"/>
+            </a:fillRef>
+            <a:effectRef idx="0">
+              <a:schemeClr val="accent1"/>
+            </a:effectRef>
+            <a:fontRef idx="minor">
+              <a:schemeClr val="tx1"/>
+            </a:fontRef>
+          </p:style>
+        </p:cxnSp>
+        <p:cxnSp>
+          <p:nvCxnSpPr>
+            <p:cNvPr id="12" name="Straight Arrow Connector 11"/>
+            <p:cNvCxnSpPr/>
+            <p:nvPr/>
+          </p:nvCxnSpPr>
+          <p:spPr>
+            <a:xfrm flipH="1">
+              <a:off x="1479369" y="3805016"/>
+              <a:ext cx="1562100" cy="1244238"/>
+            </a:xfrm>
+            <a:prstGeom prst="straightConnector1">
+              <a:avLst/>
+            </a:prstGeom>
+            <a:ln>
+              <a:tailEnd type="arrow"/>
+            </a:ln>
+          </p:spPr>
+          <p:style>
+            <a:lnRef idx="1">
+              <a:schemeClr val="accent1"/>
+            </a:lnRef>
+            <a:fillRef idx="0">
+              <a:schemeClr val="accent1"/>
+            </a:fillRef>
+            <a:effectRef idx="0">
+              <a:schemeClr val="accent1"/>
+            </a:effectRef>
+            <a:fontRef idx="minor">
+              <a:schemeClr val="tx1"/>
+            </a:fontRef>
+          </p:style>
+        </p:cxnSp>
+        <p:cxnSp>
+          <p:nvCxnSpPr>
+            <p:cNvPr id="13" name="Straight Arrow Connector 12"/>
+            <p:cNvCxnSpPr>
+              <a:endCxn id="9" idx="0"/>
+            </p:cNvCxnSpPr>
+            <p:nvPr/>
+          </p:nvCxnSpPr>
+          <p:spPr>
+            <a:xfrm>
+              <a:off x="5029200" y="3838303"/>
+              <a:ext cx="304800" cy="1244238"/>
+            </a:xfrm>
+            <a:prstGeom prst="straightConnector1">
+              <a:avLst/>
+            </a:prstGeom>
+            <a:ln>
+              <a:tailEnd type="arrow"/>
+            </a:ln>
+          </p:spPr>
+          <p:style>
+            <a:lnRef idx="1">
+              <a:schemeClr val="accent1"/>
+            </a:lnRef>
+            <a:fillRef idx="0">
+              <a:schemeClr val="accent1"/>
+            </a:fillRef>
+            <a:effectRef idx="0">
+              <a:schemeClr val="accent1"/>
+            </a:effectRef>
+            <a:fontRef idx="minor">
+              <a:schemeClr val="tx1"/>
+            </a:fontRef>
+          </p:style>
+        </p:cxnSp>
+        <p:cxnSp>
+          <p:nvCxnSpPr>
+            <p:cNvPr id="14" name="Straight Arrow Connector 13"/>
+            <p:cNvCxnSpPr>
+              <a:endCxn id="10" idx="0"/>
+            </p:cNvCxnSpPr>
+            <p:nvPr/>
+          </p:nvCxnSpPr>
+          <p:spPr>
+            <a:xfrm>
+              <a:off x="5334000" y="3838303"/>
+              <a:ext cx="1905000" cy="1244239"/>
+            </a:xfrm>
+            <a:prstGeom prst="straightConnector1">
+              <a:avLst/>
+            </a:prstGeom>
+            <a:ln>
+              <a:tailEnd type="arrow"/>
+            </a:ln>
+          </p:spPr>
+          <p:style>
+            <a:lnRef idx="1">
+              <a:schemeClr val="accent1"/>
+            </a:lnRef>
+            <a:fillRef idx="0">
+              <a:schemeClr val="accent1"/>
+            </a:fillRef>
+            <a:effectRef idx="0">
+              <a:schemeClr val="accent1"/>
+            </a:effectRef>
+            <a:fontRef idx="minor">
+              <a:schemeClr val="tx1"/>
+            </a:fontRef>
+          </p:style>
+        </p:cxnSp>
+        <p:cxnSp>
+          <p:nvCxnSpPr>
+            <p:cNvPr id="15" name="Straight Arrow Connector 14"/>
+            <p:cNvCxnSpPr/>
+            <p:nvPr/>
+          </p:nvCxnSpPr>
+          <p:spPr>
+            <a:xfrm flipH="1">
+              <a:off x="3810000" y="3810000"/>
+              <a:ext cx="152400" cy="1272541"/>
+            </a:xfrm>
+            <a:prstGeom prst="straightConnector1">
+              <a:avLst/>
+            </a:prstGeom>
+            <a:ln>
+              <a:tailEnd type="arrow"/>
+            </a:ln>
+          </p:spPr>
+          <p:style>
+            <a:lnRef idx="1">
+              <a:schemeClr val="accent1"/>
+            </a:lnRef>
+            <a:fillRef idx="0">
+              <a:schemeClr val="accent1"/>
+            </a:fillRef>
+            <a:effectRef idx="0">
+              <a:schemeClr val="accent1"/>
+            </a:effectRef>
+            <a:fontRef idx="minor">
+              <a:schemeClr val="tx1"/>
+            </a:fontRef>
+          </p:style>
+        </p:cxnSp>
+        <p:cxnSp>
+          <p:nvCxnSpPr>
+            <p:cNvPr id="16" name="Straight Arrow Connector 15"/>
+            <p:cNvCxnSpPr>
+              <a:endCxn id="6" idx="2"/>
+            </p:cNvCxnSpPr>
+            <p:nvPr/>
+          </p:nvCxnSpPr>
+          <p:spPr>
+            <a:xfrm flipV="1">
+              <a:off x="3962401" y="3810000"/>
+              <a:ext cx="152401" cy="1262531"/>
+            </a:xfrm>
+            <a:prstGeom prst="straightConnector1">
+              <a:avLst/>
+            </a:prstGeom>
+            <a:ln>
+              <a:tailEnd type="arrow"/>
+            </a:ln>
+          </p:spPr>
+          <p:style>
+            <a:lnRef idx="1">
+              <a:schemeClr val="accent1"/>
+            </a:lnRef>
+            <a:fillRef idx="0">
+              <a:schemeClr val="accent1"/>
+            </a:fillRef>
+            <a:effectRef idx="0">
+              <a:schemeClr val="accent1"/>
+            </a:effectRef>
+            <a:fontRef idx="minor">
+              <a:schemeClr val="tx1"/>
+            </a:fontRef>
+          </p:style>
+        </p:cxnSp>
+      </p:grpSp>
+      <p:grpSp>
+        <p:nvGrpSpPr>
+          <p:cNvPr id="17" name="Group 16"/>
+          <p:cNvGrpSpPr/>
+          <p:nvPr/>
+        </p:nvGrpSpPr>
+        <p:grpSpPr>
+          <a:xfrm>
+            <a:off x="1066800" y="3393731"/>
+            <a:ext cx="1411355" cy="797269"/>
+            <a:chOff x="609600" y="3124200"/>
+            <a:chExt cx="7505700" cy="2667000"/>
+          </a:xfrm>
+        </p:grpSpPr>
+        <p:sp>
+          <p:nvSpPr>
+            <p:cNvPr id="18" name="Rectangle 17"/>
+            <p:cNvSpPr/>
+            <p:nvPr/>
+          </p:nvSpPr>
+          <p:spPr>
+            <a:xfrm>
+              <a:off x="2743201" y="3124200"/>
+              <a:ext cx="2743201" cy="685800"/>
+            </a:xfrm>
+            <a:prstGeom prst="rect">
+              <a:avLst/>
+            </a:prstGeom>
+          </p:spPr>
+          <p:style>
+            <a:lnRef idx="2">
+              <a:schemeClr val="accent1">
+                <a:shade val="50000"/>
+              </a:schemeClr>
+            </a:lnRef>
+            <a:fillRef idx="1">
+              <a:schemeClr val="accent1"/>
+            </a:fillRef>
+            <a:effectRef idx="0">
+              <a:schemeClr val="accent1"/>
+            </a:effectRef>
+            <a:fontRef idx="minor">
+              <a:schemeClr val="lt1"/>
+            </a:fontRef>
+          </p:style>
+          <p:txBody>
+            <a:bodyPr rtlCol="0" anchor="ctr"/>
+            <a:lstStyle/>
+            <a:p>
+              <a:pPr algn="ctr"/>
+              <a:endParaRPr lang="en-US" dirty="0"/>
+            </a:p>
+          </p:txBody>
+        </p:sp>
+        <p:sp>
+          <p:nvSpPr>
+            <p:cNvPr id="19" name="Rectangle 18"/>
+            <p:cNvSpPr/>
+            <p:nvPr/>
+          </p:nvSpPr>
+          <p:spPr>
+            <a:xfrm>
+              <a:off x="609600" y="5105400"/>
+              <a:ext cx="1752600" cy="685800"/>
+            </a:xfrm>
+            <a:prstGeom prst="rect">
+              <a:avLst/>
+            </a:prstGeom>
+          </p:spPr>
+          <p:style>
+            <a:lnRef idx="2">
+              <a:schemeClr val="accent1">
+                <a:shade val="50000"/>
+              </a:schemeClr>
+            </a:lnRef>
+            <a:fillRef idx="1">
+              <a:schemeClr val="accent1"/>
+            </a:fillRef>
+            <a:effectRef idx="0">
+              <a:schemeClr val="accent1"/>
+            </a:effectRef>
+            <a:fontRef idx="minor">
+              <a:schemeClr val="lt1"/>
+            </a:fontRef>
+          </p:style>
+          <p:txBody>
+            <a:bodyPr rtlCol="0" anchor="ctr"/>
+            <a:lstStyle/>
+            <a:p>
+              <a:pPr algn="ctr"/>
+              <a:endParaRPr lang="en-US" dirty="0"/>
+            </a:p>
+          </p:txBody>
+        </p:sp>
+        <p:sp>
+          <p:nvSpPr>
+            <p:cNvPr id="20" name="Rectangle 19"/>
+            <p:cNvSpPr/>
+            <p:nvPr/>
+          </p:nvSpPr>
+          <p:spPr>
+            <a:xfrm>
+              <a:off x="2536372" y="5086895"/>
+              <a:ext cx="1752600" cy="685800"/>
+            </a:xfrm>
+            <a:prstGeom prst="rect">
+              <a:avLst/>
+            </a:prstGeom>
+          </p:spPr>
+          <p:style>
+            <a:lnRef idx="2">
+              <a:schemeClr val="accent1">
+                <a:shade val="50000"/>
+              </a:schemeClr>
+            </a:lnRef>
+            <a:fillRef idx="1">
+              <a:schemeClr val="accent1"/>
+            </a:fillRef>
+            <a:effectRef idx="0">
+              <a:schemeClr val="accent1"/>
+            </a:effectRef>
+            <a:fontRef idx="minor">
+              <a:schemeClr val="lt1"/>
+            </a:fontRef>
+          </p:style>
+          <p:txBody>
+            <a:bodyPr rtlCol="0" anchor="ctr"/>
+            <a:lstStyle/>
+            <a:p>
+              <a:pPr algn="ctr"/>
+              <a:endParaRPr lang="en-US" dirty="0"/>
+            </a:p>
+          </p:txBody>
+        </p:sp>
+        <p:sp>
+          <p:nvSpPr>
+            <p:cNvPr id="21" name="Rectangle 20"/>
+            <p:cNvSpPr/>
+            <p:nvPr/>
+          </p:nvSpPr>
+          <p:spPr>
+            <a:xfrm>
+              <a:off x="4457700" y="5082541"/>
+              <a:ext cx="1752600" cy="685800"/>
+            </a:xfrm>
+            <a:prstGeom prst="rect">
+              <a:avLst/>
+            </a:prstGeom>
+          </p:spPr>
+          <p:style>
+            <a:lnRef idx="2">
+              <a:schemeClr val="accent1">
+                <a:shade val="50000"/>
+              </a:schemeClr>
+            </a:lnRef>
+            <a:fillRef idx="1">
+              <a:schemeClr val="accent1"/>
+            </a:fillRef>
+            <a:effectRef idx="0">
+              <a:schemeClr val="accent1"/>
+            </a:effectRef>
+            <a:fontRef idx="minor">
+              <a:schemeClr val="lt1"/>
+            </a:fontRef>
+          </p:style>
+          <p:txBody>
+            <a:bodyPr rtlCol="0" anchor="ctr"/>
+            <a:lstStyle/>
+            <a:p>
+              <a:pPr algn="ctr"/>
+              <a:endParaRPr lang="en-US" dirty="0"/>
+            </a:p>
+          </p:txBody>
+        </p:sp>
+        <p:sp>
+          <p:nvSpPr>
+            <p:cNvPr id="22" name="Rectangle 21"/>
+            <p:cNvSpPr/>
+            <p:nvPr/>
+          </p:nvSpPr>
+          <p:spPr>
+            <a:xfrm>
+              <a:off x="6362700" y="5082542"/>
+              <a:ext cx="1752600" cy="685800"/>
+            </a:xfrm>
+            <a:prstGeom prst="rect">
+              <a:avLst/>
+            </a:prstGeom>
+          </p:spPr>
+          <p:style>
+            <a:lnRef idx="2">
+              <a:schemeClr val="accent1">
+                <a:shade val="50000"/>
+              </a:schemeClr>
+            </a:lnRef>
+            <a:fillRef idx="1">
+              <a:schemeClr val="accent1"/>
+            </a:fillRef>
+            <a:effectRef idx="0">
+              <a:schemeClr val="accent1"/>
+            </a:effectRef>
+            <a:fontRef idx="minor">
+              <a:schemeClr val="lt1"/>
+            </a:fontRef>
+          </p:style>
+          <p:txBody>
+            <a:bodyPr rtlCol="0" anchor="ctr"/>
+            <a:lstStyle/>
+            <a:p>
+              <a:pPr algn="ctr"/>
+              <a:endParaRPr lang="en-US" dirty="0"/>
+            </a:p>
+          </p:txBody>
+        </p:sp>
+        <p:cxnSp>
+          <p:nvCxnSpPr>
+            <p:cNvPr id="23" name="Straight Arrow Connector 22"/>
+            <p:cNvCxnSpPr/>
+            <p:nvPr/>
+          </p:nvCxnSpPr>
+          <p:spPr>
+            <a:xfrm flipV="1">
+              <a:off x="1714500" y="3838304"/>
+              <a:ext cx="1448889" cy="1343296"/>
+            </a:xfrm>
+            <a:prstGeom prst="straightConnector1">
+              <a:avLst/>
+            </a:prstGeom>
+            <a:ln>
+              <a:tailEnd type="arrow"/>
+            </a:ln>
+          </p:spPr>
+          <p:style>
+            <a:lnRef idx="1">
+              <a:schemeClr val="accent1"/>
+            </a:lnRef>
+            <a:fillRef idx="0">
+              <a:schemeClr val="accent1"/>
+            </a:fillRef>
+            <a:effectRef idx="0">
+              <a:schemeClr val="accent1"/>
+            </a:effectRef>
+            <a:fontRef idx="minor">
+              <a:schemeClr val="tx1"/>
+            </a:fontRef>
+          </p:style>
+        </p:cxnSp>
+        <p:cxnSp>
+          <p:nvCxnSpPr>
+            <p:cNvPr id="24" name="Straight Arrow Connector 23"/>
+            <p:cNvCxnSpPr/>
+            <p:nvPr/>
+          </p:nvCxnSpPr>
+          <p:spPr>
+            <a:xfrm flipH="1">
+              <a:off x="1479369" y="3805016"/>
+              <a:ext cx="1562100" cy="1244238"/>
+            </a:xfrm>
+            <a:prstGeom prst="straightConnector1">
+              <a:avLst/>
+            </a:prstGeom>
+            <a:ln>
+              <a:tailEnd type="arrow"/>
+            </a:ln>
+          </p:spPr>
+          <p:style>
+            <a:lnRef idx="1">
+              <a:schemeClr val="accent1"/>
+            </a:lnRef>
+            <a:fillRef idx="0">
+              <a:schemeClr val="accent1"/>
+            </a:fillRef>
+            <a:effectRef idx="0">
+              <a:schemeClr val="accent1"/>
+            </a:effectRef>
+            <a:fontRef idx="minor">
+              <a:schemeClr val="tx1"/>
+            </a:fontRef>
+          </p:style>
+        </p:cxnSp>
+        <p:cxnSp>
+          <p:nvCxnSpPr>
+            <p:cNvPr id="25" name="Straight Arrow Connector 24"/>
+            <p:cNvCxnSpPr>
+              <a:endCxn id="21" idx="0"/>
+            </p:cNvCxnSpPr>
+            <p:nvPr/>
+          </p:nvCxnSpPr>
+          <p:spPr>
+            <a:xfrm>
+              <a:off x="5029200" y="3838303"/>
+              <a:ext cx="304800" cy="1244238"/>
+            </a:xfrm>
+            <a:prstGeom prst="straightConnector1">
+              <a:avLst/>
+            </a:prstGeom>
+            <a:ln>
+              <a:tailEnd type="arrow"/>
+            </a:ln>
+          </p:spPr>
+          <p:style>
+            <a:lnRef idx="1">
+              <a:schemeClr val="accent1"/>
+            </a:lnRef>
+            <a:fillRef idx="0">
+              <a:schemeClr val="accent1"/>
+            </a:fillRef>
+            <a:effectRef idx="0">
+              <a:schemeClr val="accent1"/>
+            </a:effectRef>
+            <a:fontRef idx="minor">
+              <a:schemeClr val="tx1"/>
+            </a:fontRef>
+          </p:style>
+        </p:cxnSp>
+        <p:cxnSp>
+          <p:nvCxnSpPr>
+            <p:cNvPr id="26" name="Straight Arrow Connector 25"/>
+            <p:cNvCxnSpPr>
+              <a:endCxn id="22" idx="0"/>
+            </p:cNvCxnSpPr>
+            <p:nvPr/>
+          </p:nvCxnSpPr>
+          <p:spPr>
+            <a:xfrm>
+              <a:off x="5334000" y="3838303"/>
+              <a:ext cx="1905000" cy="1244239"/>
+            </a:xfrm>
+            <a:prstGeom prst="straightConnector1">
+              <a:avLst/>
+            </a:prstGeom>
+            <a:ln>
+              <a:tailEnd type="arrow"/>
+            </a:ln>
+          </p:spPr>
+          <p:style>
+            <a:lnRef idx="1">
+              <a:schemeClr val="accent1"/>
+            </a:lnRef>
+            <a:fillRef idx="0">
+              <a:schemeClr val="accent1"/>
+            </a:fillRef>
+            <a:effectRef idx="0">
+              <a:schemeClr val="accent1"/>
+            </a:effectRef>
+            <a:fontRef idx="minor">
+              <a:schemeClr val="tx1"/>
+            </a:fontRef>
+          </p:style>
+        </p:cxnSp>
+        <p:cxnSp>
+          <p:nvCxnSpPr>
+            <p:cNvPr id="27" name="Straight Arrow Connector 26"/>
+            <p:cNvCxnSpPr/>
+            <p:nvPr/>
+          </p:nvCxnSpPr>
+          <p:spPr>
+            <a:xfrm flipH="1">
+              <a:off x="3810000" y="3810000"/>
+              <a:ext cx="152400" cy="1272541"/>
+            </a:xfrm>
+            <a:prstGeom prst="straightConnector1">
+              <a:avLst/>
+            </a:prstGeom>
+            <a:ln>
+              <a:tailEnd type="arrow"/>
+            </a:ln>
+          </p:spPr>
+          <p:style>
+            <a:lnRef idx="1">
+              <a:schemeClr val="accent1"/>
+            </a:lnRef>
+            <a:fillRef idx="0">
+              <a:schemeClr val="accent1"/>
+            </a:fillRef>
+            <a:effectRef idx="0">
+              <a:schemeClr val="accent1"/>
+            </a:effectRef>
+            <a:fontRef idx="minor">
+              <a:schemeClr val="tx1"/>
+            </a:fontRef>
+          </p:style>
+        </p:cxnSp>
+        <p:cxnSp>
+          <p:nvCxnSpPr>
+            <p:cNvPr id="28" name="Straight Arrow Connector 27"/>
+            <p:cNvCxnSpPr>
+              <a:endCxn id="18" idx="2"/>
+            </p:cNvCxnSpPr>
+            <p:nvPr/>
+          </p:nvCxnSpPr>
+          <p:spPr>
+            <a:xfrm flipV="1">
+              <a:off x="3962401" y="3810000"/>
+              <a:ext cx="152401" cy="1262531"/>
+            </a:xfrm>
+            <a:prstGeom prst="straightConnector1">
+              <a:avLst/>
+            </a:prstGeom>
+            <a:ln>
+              <a:tailEnd type="arrow"/>
+            </a:ln>
+          </p:spPr>
+          <p:style>
+            <a:lnRef idx="1">
+              <a:schemeClr val="accent1"/>
+            </a:lnRef>
+            <a:fillRef idx="0">
+              <a:schemeClr val="accent1"/>
+            </a:fillRef>
+            <a:effectRef idx="0">
+              <a:schemeClr val="accent1"/>
+            </a:effectRef>
+            <a:fontRef idx="minor">
+              <a:schemeClr val="tx1"/>
+            </a:fontRef>
+          </p:style>
+        </p:cxnSp>
+      </p:grpSp>
+      <p:sp>
+        <p:nvSpPr>
+          <p:cNvPr id="29" name="Rectangle 28"/>
+          <p:cNvSpPr/>
+          <p:nvPr/>
+        </p:nvSpPr>
+        <p:spPr>
+          <a:xfrm>
+            <a:off x="834140" y="2895600"/>
+            <a:ext cx="5127211" cy="1524000"/>
+          </a:xfrm>
+          <a:prstGeom prst="rect">
+            <a:avLst/>
+          </a:prstGeom>
+          <a:noFill/>
+          <a:ln>
+            <a:prstDash val="sysDash"/>
+          </a:ln>
+        </p:spPr>
+        <p:style>
+          <a:lnRef idx="2">
+            <a:schemeClr val="accent1">
+              <a:shade val="50000"/>
+            </a:schemeClr>
+          </a:lnRef>
+          <a:fillRef idx="1">
+            <a:schemeClr val="accent1"/>
+          </a:fillRef>
+          <a:effectRef idx="0">
+            <a:schemeClr val="accent1"/>
+          </a:effectRef>
+          <a:fontRef idx="minor">
+            <a:schemeClr val="lt1"/>
+          </a:fontRef>
+        </p:style>
+        <p:txBody>
+          <a:bodyPr rtlCol="0" anchor="ctr"/>
+          <a:lstStyle/>
+          <a:p>
+            <a:pPr algn="ctr"/>
+            <a:endParaRPr lang="en-US"/>
+          </a:p>
+        </p:txBody>
+      </p:sp>
+      <p:sp>
+        <p:nvSpPr>
+          <p:cNvPr id="30" name="TextBox 29"/>
+          <p:cNvSpPr txBox="1"/>
+          <p:nvPr/>
+        </p:nvSpPr>
+        <p:spPr>
+          <a:xfrm>
+            <a:off x="6096000" y="3364468"/>
+            <a:ext cx="983835" cy="369332"/>
+          </a:xfrm>
+          <a:prstGeom prst="rect">
+            <a:avLst/>
+          </a:prstGeom>
+          <a:noFill/>
+        </p:spPr>
+        <p:txBody>
+          <a:bodyPr wrap="square" rtlCol="0">
+            <a:spAutoFit/>
+          </a:bodyPr>
+          <a:lstStyle/>
+          <a:p>
+            <a:r>
+              <a:rPr lang="en-US" dirty="0" smtClean="0"/>
+              <a:t>Github</a:t>
+            </a:r>
+            <a:endParaRPr lang="en-US" dirty="0"/>
+          </a:p>
+        </p:txBody>
+      </p:sp>
+      <p:sp>
+        <p:nvSpPr>
+          <p:cNvPr id="31" name="TextBox 30"/>
+          <p:cNvSpPr txBox="1"/>
+          <p:nvPr/>
+        </p:nvSpPr>
+        <p:spPr>
+          <a:xfrm>
+            <a:off x="2895600" y="2526268"/>
+            <a:ext cx="944528" cy="369332"/>
+          </a:xfrm>
+          <a:prstGeom prst="rect">
+            <a:avLst/>
+          </a:prstGeom>
+          <a:noFill/>
+        </p:spPr>
+        <p:txBody>
+          <a:bodyPr wrap="square" rtlCol="0">
+            <a:spAutoFit/>
+          </a:bodyPr>
+          <a:lstStyle/>
+          <a:p>
+            <a:r>
+              <a:rPr lang="en-US" dirty="0" smtClean="0">
+                <a:solidFill>
+                  <a:schemeClr val="accent3"/>
+                </a:solidFill>
+              </a:rPr>
+              <a:t>origin</a:t>
+            </a:r>
+            <a:endParaRPr lang="en-US" dirty="0">
+              <a:solidFill>
+                <a:schemeClr val="accent3"/>
+              </a:solidFill>
+            </a:endParaRPr>
+          </a:p>
+        </p:txBody>
+      </p:sp>
+      <p:grpSp>
+        <p:nvGrpSpPr>
+          <p:cNvPr id="32" name="Group 31"/>
+          <p:cNvGrpSpPr/>
+          <p:nvPr/>
+        </p:nvGrpSpPr>
+        <p:grpSpPr>
+          <a:xfrm>
+            <a:off x="2514600" y="5222531"/>
+            <a:ext cx="1411355" cy="797269"/>
+            <a:chOff x="609600" y="3124200"/>
+            <a:chExt cx="7505700" cy="2667000"/>
+          </a:xfrm>
+        </p:grpSpPr>
+        <p:sp>
+          <p:nvSpPr>
+            <p:cNvPr id="33" name="Rectangle 32"/>
+            <p:cNvSpPr/>
+            <p:nvPr/>
+          </p:nvSpPr>
+          <p:spPr>
+            <a:xfrm>
+              <a:off x="2743201" y="3124200"/>
+              <a:ext cx="2743201" cy="685800"/>
+            </a:xfrm>
+            <a:prstGeom prst="rect">
+              <a:avLst/>
+            </a:prstGeom>
+          </p:spPr>
+          <p:style>
+            <a:lnRef idx="2">
+              <a:schemeClr val="accent1">
+                <a:shade val="50000"/>
+              </a:schemeClr>
+            </a:lnRef>
+            <a:fillRef idx="1">
+              <a:schemeClr val="accent1"/>
+            </a:fillRef>
+            <a:effectRef idx="0">
+              <a:schemeClr val="accent1"/>
+            </a:effectRef>
+            <a:fontRef idx="minor">
+              <a:schemeClr val="lt1"/>
+            </a:fontRef>
+          </p:style>
+          <p:txBody>
+            <a:bodyPr rtlCol="0" anchor="ctr"/>
+            <a:lstStyle/>
+            <a:p>
+              <a:pPr algn="ctr"/>
+              <a:endParaRPr lang="en-US" dirty="0"/>
+            </a:p>
+          </p:txBody>
+        </p:sp>
+        <p:sp>
+          <p:nvSpPr>
+            <p:cNvPr id="34" name="Rectangle 33"/>
+            <p:cNvSpPr/>
+            <p:nvPr/>
+          </p:nvSpPr>
+          <p:spPr>
+            <a:xfrm>
+              <a:off x="609600" y="5105400"/>
+              <a:ext cx="1752600" cy="685800"/>
+            </a:xfrm>
+            <a:prstGeom prst="rect">
+              <a:avLst/>
+            </a:prstGeom>
+          </p:spPr>
+          <p:style>
+            <a:lnRef idx="2">
+              <a:schemeClr val="accent1">
+                <a:shade val="50000"/>
+              </a:schemeClr>
+            </a:lnRef>
+            <a:fillRef idx="1">
+              <a:schemeClr val="accent1"/>
+            </a:fillRef>
+            <a:effectRef idx="0">
+              <a:schemeClr val="accent1"/>
+            </a:effectRef>
+            <a:fontRef idx="minor">
+              <a:schemeClr val="lt1"/>
+            </a:fontRef>
+          </p:style>
+          <p:txBody>
+            <a:bodyPr rtlCol="0" anchor="ctr"/>
+            <a:lstStyle/>
+            <a:p>
+              <a:pPr algn="ctr"/>
+              <a:endParaRPr lang="en-US" dirty="0"/>
+            </a:p>
+          </p:txBody>
+        </p:sp>
+        <p:sp>
+          <p:nvSpPr>
+            <p:cNvPr id="35" name="Rectangle 34"/>
+            <p:cNvSpPr/>
+            <p:nvPr/>
+          </p:nvSpPr>
+          <p:spPr>
+            <a:xfrm>
+              <a:off x="2536372" y="5086895"/>
+              <a:ext cx="1752600" cy="685800"/>
+            </a:xfrm>
+            <a:prstGeom prst="rect">
+              <a:avLst/>
+            </a:prstGeom>
+          </p:spPr>
+          <p:style>
+            <a:lnRef idx="2">
+              <a:schemeClr val="accent1">
+                <a:shade val="50000"/>
+              </a:schemeClr>
+            </a:lnRef>
+            <a:fillRef idx="1">
+              <a:schemeClr val="accent1"/>
+            </a:fillRef>
+            <a:effectRef idx="0">
+              <a:schemeClr val="accent1"/>
+            </a:effectRef>
+            <a:fontRef idx="minor">
+              <a:schemeClr val="lt1"/>
+            </a:fontRef>
+          </p:style>
+          <p:txBody>
+            <a:bodyPr rtlCol="0" anchor="ctr"/>
+            <a:lstStyle/>
+            <a:p>
+              <a:pPr algn="ctr"/>
+              <a:endParaRPr lang="en-US" dirty="0"/>
+            </a:p>
+          </p:txBody>
+        </p:sp>
+        <p:sp>
+          <p:nvSpPr>
+            <p:cNvPr id="36" name="Rectangle 35"/>
+            <p:cNvSpPr/>
+            <p:nvPr/>
+          </p:nvSpPr>
+          <p:spPr>
+            <a:xfrm>
+              <a:off x="4457700" y="5082541"/>
+              <a:ext cx="1752600" cy="685800"/>
+            </a:xfrm>
+            <a:prstGeom prst="rect">
+              <a:avLst/>
+            </a:prstGeom>
+          </p:spPr>
+          <p:style>
+            <a:lnRef idx="2">
+              <a:schemeClr val="accent1">
+                <a:shade val="50000"/>
+              </a:schemeClr>
+            </a:lnRef>
+            <a:fillRef idx="1">
+              <a:schemeClr val="accent1"/>
+            </a:fillRef>
+            <a:effectRef idx="0">
+              <a:schemeClr val="accent1"/>
+            </a:effectRef>
+            <a:fontRef idx="minor">
+              <a:schemeClr val="lt1"/>
+            </a:fontRef>
+          </p:style>
+          <p:txBody>
+            <a:bodyPr rtlCol="0" anchor="ctr"/>
+            <a:lstStyle/>
+            <a:p>
+              <a:pPr algn="ctr"/>
+              <a:endParaRPr lang="en-US" dirty="0"/>
+            </a:p>
+          </p:txBody>
+        </p:sp>
+        <p:sp>
+          <p:nvSpPr>
+            <p:cNvPr id="37" name="Rectangle 36"/>
+            <p:cNvSpPr/>
+            <p:nvPr/>
+          </p:nvSpPr>
+          <p:spPr>
+            <a:xfrm>
+              <a:off x="6362700" y="5082542"/>
+              <a:ext cx="1752600" cy="685800"/>
+            </a:xfrm>
+            <a:prstGeom prst="rect">
+              <a:avLst/>
+            </a:prstGeom>
+          </p:spPr>
+          <p:style>
+            <a:lnRef idx="2">
+              <a:schemeClr val="accent1">
+                <a:shade val="50000"/>
+              </a:schemeClr>
+            </a:lnRef>
+            <a:fillRef idx="1">
+              <a:schemeClr val="accent1"/>
+            </a:fillRef>
+            <a:effectRef idx="0">
+              <a:schemeClr val="accent1"/>
+            </a:effectRef>
+            <a:fontRef idx="minor">
+              <a:schemeClr val="lt1"/>
+            </a:fontRef>
+          </p:style>
+          <p:txBody>
+            <a:bodyPr rtlCol="0" anchor="ctr"/>
+            <a:lstStyle/>
+            <a:p>
+              <a:pPr algn="ctr"/>
+              <a:endParaRPr lang="en-US" dirty="0"/>
+            </a:p>
+          </p:txBody>
+        </p:sp>
+        <p:cxnSp>
+          <p:nvCxnSpPr>
+            <p:cNvPr id="38" name="Straight Arrow Connector 37"/>
+            <p:cNvCxnSpPr/>
+            <p:nvPr/>
+          </p:nvCxnSpPr>
+          <p:spPr>
+            <a:xfrm flipV="1">
+              <a:off x="1714500" y="3838304"/>
+              <a:ext cx="1448889" cy="1343296"/>
+            </a:xfrm>
+            <a:prstGeom prst="straightConnector1">
+              <a:avLst/>
+            </a:prstGeom>
+            <a:ln>
+              <a:tailEnd type="arrow"/>
+            </a:ln>
+          </p:spPr>
+          <p:style>
+            <a:lnRef idx="1">
+              <a:schemeClr val="accent1"/>
+            </a:lnRef>
+            <a:fillRef idx="0">
+              <a:schemeClr val="accent1"/>
+            </a:fillRef>
+            <a:effectRef idx="0">
+              <a:schemeClr val="accent1"/>
+            </a:effectRef>
+            <a:fontRef idx="minor">
+              <a:schemeClr val="tx1"/>
+            </a:fontRef>
+          </p:style>
+        </p:cxnSp>
+        <p:cxnSp>
+          <p:nvCxnSpPr>
+            <p:cNvPr id="39" name="Straight Arrow Connector 38"/>
+            <p:cNvCxnSpPr/>
+            <p:nvPr/>
+          </p:nvCxnSpPr>
+          <p:spPr>
+            <a:xfrm flipH="1">
+              <a:off x="1479369" y="3805016"/>
+              <a:ext cx="1562100" cy="1244238"/>
+            </a:xfrm>
+            <a:prstGeom prst="straightConnector1">
+              <a:avLst/>
+            </a:prstGeom>
+            <a:ln>
+              <a:tailEnd type="arrow"/>
+            </a:ln>
+          </p:spPr>
+          <p:style>
+            <a:lnRef idx="1">
+              <a:schemeClr val="accent1"/>
+            </a:lnRef>
+            <a:fillRef idx="0">
+              <a:schemeClr val="accent1"/>
+            </a:fillRef>
+            <a:effectRef idx="0">
+              <a:schemeClr val="accent1"/>
+            </a:effectRef>
+            <a:fontRef idx="minor">
+              <a:schemeClr val="tx1"/>
+            </a:fontRef>
+          </p:style>
+        </p:cxnSp>
+        <p:cxnSp>
+          <p:nvCxnSpPr>
+            <p:cNvPr id="40" name="Straight Arrow Connector 39"/>
+            <p:cNvCxnSpPr>
+              <a:endCxn id="36" idx="0"/>
+            </p:cNvCxnSpPr>
+            <p:nvPr/>
+          </p:nvCxnSpPr>
+          <p:spPr>
+            <a:xfrm>
+              <a:off x="5029200" y="3838303"/>
+              <a:ext cx="304800" cy="1244238"/>
+            </a:xfrm>
+            <a:prstGeom prst="straightConnector1">
+              <a:avLst/>
+            </a:prstGeom>
+            <a:ln>
+              <a:tailEnd type="arrow"/>
+            </a:ln>
+          </p:spPr>
+          <p:style>
+            <a:lnRef idx="1">
+              <a:schemeClr val="accent1"/>
+            </a:lnRef>
+            <a:fillRef idx="0">
+              <a:schemeClr val="accent1"/>
+            </a:fillRef>
+            <a:effectRef idx="0">
+              <a:schemeClr val="accent1"/>
+            </a:effectRef>
+            <a:fontRef idx="minor">
+              <a:schemeClr val="tx1"/>
+            </a:fontRef>
+          </p:style>
+        </p:cxnSp>
+        <p:cxnSp>
+          <p:nvCxnSpPr>
+            <p:cNvPr id="41" name="Straight Arrow Connector 40"/>
+            <p:cNvCxnSpPr>
+              <a:endCxn id="37" idx="0"/>
+            </p:cNvCxnSpPr>
+            <p:nvPr/>
+          </p:nvCxnSpPr>
+          <p:spPr>
+            <a:xfrm>
+              <a:off x="5334000" y="3838303"/>
+              <a:ext cx="1905000" cy="1244239"/>
+            </a:xfrm>
+            <a:prstGeom prst="straightConnector1">
+              <a:avLst/>
+            </a:prstGeom>
+            <a:ln>
+              <a:tailEnd type="arrow"/>
+            </a:ln>
+          </p:spPr>
+          <p:style>
+            <a:lnRef idx="1">
+              <a:schemeClr val="accent1"/>
+            </a:lnRef>
+            <a:fillRef idx="0">
+              <a:schemeClr val="accent1"/>
+            </a:fillRef>
+            <a:effectRef idx="0">
+              <a:schemeClr val="accent1"/>
+            </a:effectRef>
+            <a:fontRef idx="minor">
+              <a:schemeClr val="tx1"/>
+            </a:fontRef>
+          </p:style>
+        </p:cxnSp>
+        <p:cxnSp>
+          <p:nvCxnSpPr>
+            <p:cNvPr id="42" name="Straight Arrow Connector 41"/>
+            <p:cNvCxnSpPr/>
+            <p:nvPr/>
+          </p:nvCxnSpPr>
+          <p:spPr>
+            <a:xfrm flipH="1">
+              <a:off x="3810000" y="3810000"/>
+              <a:ext cx="152400" cy="1272541"/>
+            </a:xfrm>
+            <a:prstGeom prst="straightConnector1">
+              <a:avLst/>
+            </a:prstGeom>
+            <a:ln>
+              <a:tailEnd type="arrow"/>
+            </a:ln>
+          </p:spPr>
+          <p:style>
+            <a:lnRef idx="1">
+              <a:schemeClr val="accent1"/>
+            </a:lnRef>
+            <a:fillRef idx="0">
+              <a:schemeClr val="accent1"/>
+            </a:fillRef>
+            <a:effectRef idx="0">
+              <a:schemeClr val="accent1"/>
+            </a:effectRef>
+            <a:fontRef idx="minor">
+              <a:schemeClr val="tx1"/>
+            </a:fontRef>
+          </p:style>
+        </p:cxnSp>
+        <p:cxnSp>
+          <p:nvCxnSpPr>
+            <p:cNvPr id="43" name="Straight Arrow Connector 42"/>
+            <p:cNvCxnSpPr>
+              <a:endCxn id="33" idx="2"/>
+            </p:cNvCxnSpPr>
+            <p:nvPr/>
+          </p:nvCxnSpPr>
+          <p:spPr>
+            <a:xfrm flipV="1">
+              <a:off x="3962401" y="3810000"/>
+              <a:ext cx="152401" cy="1262531"/>
+            </a:xfrm>
+            <a:prstGeom prst="straightConnector1">
+              <a:avLst/>
+            </a:prstGeom>
+            <a:ln>
+              <a:tailEnd type="arrow"/>
+            </a:ln>
+          </p:spPr>
+          <p:style>
+            <a:lnRef idx="1">
+              <a:schemeClr val="accent1"/>
+            </a:lnRef>
+            <a:fillRef idx="0">
+              <a:schemeClr val="accent1"/>
+            </a:fillRef>
+            <a:effectRef idx="0">
+              <a:schemeClr val="accent1"/>
+            </a:effectRef>
+            <a:fontRef idx="minor">
+              <a:schemeClr val="tx1"/>
+            </a:fontRef>
+          </p:style>
+        </p:cxnSp>
+      </p:grpSp>
+      <p:grpSp>
+        <p:nvGrpSpPr>
+          <p:cNvPr id="44" name="Group 43"/>
+          <p:cNvGrpSpPr/>
+          <p:nvPr/>
+        </p:nvGrpSpPr>
+        <p:grpSpPr>
+          <a:xfrm>
+            <a:off x="4092913" y="5222531"/>
+            <a:ext cx="1411355" cy="797269"/>
+            <a:chOff x="609600" y="3124200"/>
+            <a:chExt cx="7505700" cy="2667000"/>
+          </a:xfrm>
+        </p:grpSpPr>
+        <p:sp>
+          <p:nvSpPr>
+            <p:cNvPr id="45" name="Rectangle 44"/>
+            <p:cNvSpPr/>
+            <p:nvPr/>
+          </p:nvSpPr>
+          <p:spPr>
+            <a:xfrm>
+              <a:off x="2743201" y="3124200"/>
+              <a:ext cx="2743201" cy="685800"/>
+            </a:xfrm>
+            <a:prstGeom prst="rect">
+              <a:avLst/>
+            </a:prstGeom>
+          </p:spPr>
+          <p:style>
+            <a:lnRef idx="2">
+              <a:schemeClr val="accent1">
+                <a:shade val="50000"/>
+              </a:schemeClr>
+            </a:lnRef>
+            <a:fillRef idx="1">
+              <a:schemeClr val="accent1"/>
+            </a:fillRef>
+            <a:effectRef idx="0">
+              <a:schemeClr val="accent1"/>
+            </a:effectRef>
+            <a:fontRef idx="minor">
+              <a:schemeClr val="lt1"/>
+            </a:fontRef>
+          </p:style>
+          <p:txBody>
+            <a:bodyPr rtlCol="0" anchor="ctr"/>
+            <a:lstStyle/>
+            <a:p>
+              <a:pPr algn="ctr"/>
+              <a:endParaRPr lang="en-US" dirty="0"/>
+            </a:p>
+          </p:txBody>
+        </p:sp>
+        <p:sp>
+          <p:nvSpPr>
+            <p:cNvPr id="46" name="Rectangle 45"/>
+            <p:cNvSpPr/>
+            <p:nvPr/>
+          </p:nvSpPr>
+          <p:spPr>
+            <a:xfrm>
+              <a:off x="609600" y="5105400"/>
+              <a:ext cx="1752600" cy="685800"/>
+            </a:xfrm>
+            <a:prstGeom prst="rect">
+              <a:avLst/>
+            </a:prstGeom>
+          </p:spPr>
+          <p:style>
+            <a:lnRef idx="2">
+              <a:schemeClr val="accent1">
+                <a:shade val="50000"/>
+              </a:schemeClr>
+            </a:lnRef>
+            <a:fillRef idx="1">
+              <a:schemeClr val="accent1"/>
+            </a:fillRef>
+            <a:effectRef idx="0">
+              <a:schemeClr val="accent1"/>
+            </a:effectRef>
+            <a:fontRef idx="minor">
+              <a:schemeClr val="lt1"/>
+            </a:fontRef>
+          </p:style>
+          <p:txBody>
+            <a:bodyPr rtlCol="0" anchor="ctr"/>
+            <a:lstStyle/>
+            <a:p>
+              <a:pPr algn="ctr"/>
+              <a:endParaRPr lang="en-US" dirty="0"/>
+            </a:p>
+          </p:txBody>
+        </p:sp>
+        <p:sp>
+          <p:nvSpPr>
+            <p:cNvPr id="47" name="Rectangle 46"/>
+            <p:cNvSpPr/>
+            <p:nvPr/>
+          </p:nvSpPr>
+          <p:spPr>
+            <a:xfrm>
+              <a:off x="2536372" y="5086895"/>
+              <a:ext cx="1752600" cy="685800"/>
+            </a:xfrm>
+            <a:prstGeom prst="rect">
+              <a:avLst/>
+            </a:prstGeom>
+          </p:spPr>
+          <p:style>
+            <a:lnRef idx="2">
+              <a:schemeClr val="accent1">
+                <a:shade val="50000"/>
+              </a:schemeClr>
+            </a:lnRef>
+            <a:fillRef idx="1">
+              <a:schemeClr val="accent1"/>
+            </a:fillRef>
+            <a:effectRef idx="0">
+              <a:schemeClr val="accent1"/>
+            </a:effectRef>
+            <a:fontRef idx="minor">
+              <a:schemeClr val="lt1"/>
+            </a:fontRef>
+          </p:style>
+          <p:txBody>
+            <a:bodyPr rtlCol="0" anchor="ctr"/>
+            <a:lstStyle/>
+            <a:p>
+              <a:pPr algn="ctr"/>
+              <a:endParaRPr lang="en-US" dirty="0"/>
+            </a:p>
+          </p:txBody>
+        </p:sp>
+        <p:sp>
+          <p:nvSpPr>
+            <p:cNvPr id="48" name="Rectangle 47"/>
+            <p:cNvSpPr/>
+            <p:nvPr/>
+          </p:nvSpPr>
+          <p:spPr>
+            <a:xfrm>
+              <a:off x="4457700" y="5082541"/>
+              <a:ext cx="1752600" cy="685800"/>
+            </a:xfrm>
+            <a:prstGeom prst="rect">
+              <a:avLst/>
+            </a:prstGeom>
+          </p:spPr>
+          <p:style>
+            <a:lnRef idx="2">
+              <a:schemeClr val="accent1">
+                <a:shade val="50000"/>
+              </a:schemeClr>
+            </a:lnRef>
+            <a:fillRef idx="1">
+              <a:schemeClr val="accent1"/>
+            </a:fillRef>
+            <a:effectRef idx="0">
+              <a:schemeClr val="accent1"/>
+            </a:effectRef>
+            <a:fontRef idx="minor">
+              <a:schemeClr val="lt1"/>
+            </a:fontRef>
+          </p:style>
+          <p:txBody>
+            <a:bodyPr rtlCol="0" anchor="ctr"/>
+            <a:lstStyle/>
+            <a:p>
+              <a:pPr algn="ctr"/>
+              <a:endParaRPr lang="en-US" dirty="0"/>
+            </a:p>
+          </p:txBody>
+        </p:sp>
+        <p:sp>
+          <p:nvSpPr>
+            <p:cNvPr id="49" name="Rectangle 48"/>
+            <p:cNvSpPr/>
+            <p:nvPr/>
+          </p:nvSpPr>
+          <p:spPr>
+            <a:xfrm>
+              <a:off x="6362700" y="5082542"/>
+              <a:ext cx="1752600" cy="685800"/>
+            </a:xfrm>
+            <a:prstGeom prst="rect">
+              <a:avLst/>
+            </a:prstGeom>
+          </p:spPr>
+          <p:style>
+            <a:lnRef idx="2">
+              <a:schemeClr val="accent1">
+                <a:shade val="50000"/>
+              </a:schemeClr>
+            </a:lnRef>
+            <a:fillRef idx="1">
+              <a:schemeClr val="accent1"/>
+            </a:fillRef>
+            <a:effectRef idx="0">
+              <a:schemeClr val="accent1"/>
+            </a:effectRef>
+            <a:fontRef idx="minor">
+              <a:schemeClr val="lt1"/>
+            </a:fontRef>
+          </p:style>
+          <p:txBody>
+            <a:bodyPr rtlCol="0" anchor="ctr"/>
+            <a:lstStyle/>
+            <a:p>
+              <a:pPr algn="ctr"/>
+              <a:endParaRPr lang="en-US" dirty="0"/>
+            </a:p>
+          </p:txBody>
+        </p:sp>
+        <p:cxnSp>
+          <p:nvCxnSpPr>
+            <p:cNvPr id="50" name="Straight Arrow Connector 49"/>
+            <p:cNvCxnSpPr/>
+            <p:nvPr/>
+          </p:nvCxnSpPr>
+          <p:spPr>
+            <a:xfrm flipV="1">
+              <a:off x="1714500" y="3838304"/>
+              <a:ext cx="1448889" cy="1343296"/>
+            </a:xfrm>
+            <a:prstGeom prst="straightConnector1">
+              <a:avLst/>
+            </a:prstGeom>
+            <a:ln>
+              <a:tailEnd type="arrow"/>
+            </a:ln>
+          </p:spPr>
+          <p:style>
+            <a:lnRef idx="1">
+              <a:schemeClr val="accent1"/>
+            </a:lnRef>
+            <a:fillRef idx="0">
+              <a:schemeClr val="accent1"/>
+            </a:fillRef>
+            <a:effectRef idx="0">
+              <a:schemeClr val="accent1"/>
+            </a:effectRef>
+            <a:fontRef idx="minor">
+              <a:schemeClr val="tx1"/>
+            </a:fontRef>
+          </p:style>
+        </p:cxnSp>
+        <p:cxnSp>
+          <p:nvCxnSpPr>
+            <p:cNvPr id="51" name="Straight Arrow Connector 50"/>
+            <p:cNvCxnSpPr/>
+            <p:nvPr/>
+          </p:nvCxnSpPr>
+          <p:spPr>
+            <a:xfrm flipH="1">
+              <a:off x="1479369" y="3805016"/>
+              <a:ext cx="1562100" cy="1244238"/>
+            </a:xfrm>
+            <a:prstGeom prst="straightConnector1">
+              <a:avLst/>
+            </a:prstGeom>
+            <a:ln>
+              <a:tailEnd type="arrow"/>
+            </a:ln>
+          </p:spPr>
+          <p:style>
+            <a:lnRef idx="1">
+              <a:schemeClr val="accent1"/>
+            </a:lnRef>
+            <a:fillRef idx="0">
+              <a:schemeClr val="accent1"/>
+            </a:fillRef>
+            <a:effectRef idx="0">
+              <a:schemeClr val="accent1"/>
+            </a:effectRef>
+            <a:fontRef idx="minor">
+              <a:schemeClr val="tx1"/>
+            </a:fontRef>
+          </p:style>
+        </p:cxnSp>
+        <p:cxnSp>
+          <p:nvCxnSpPr>
+            <p:cNvPr id="52" name="Straight Arrow Connector 51"/>
+            <p:cNvCxnSpPr>
+              <a:endCxn id="48" idx="0"/>
+            </p:cNvCxnSpPr>
+            <p:nvPr/>
+          </p:nvCxnSpPr>
+          <p:spPr>
+            <a:xfrm>
+              <a:off x="5029200" y="3838303"/>
+              <a:ext cx="304800" cy="1244238"/>
+            </a:xfrm>
+            <a:prstGeom prst="straightConnector1">
+              <a:avLst/>
+            </a:prstGeom>
+            <a:ln>
+              <a:tailEnd type="arrow"/>
+            </a:ln>
+          </p:spPr>
+          <p:style>
+            <a:lnRef idx="1">
+              <a:schemeClr val="accent1"/>
+            </a:lnRef>
+            <a:fillRef idx="0">
+              <a:schemeClr val="accent1"/>
+            </a:fillRef>
+            <a:effectRef idx="0">
+              <a:schemeClr val="accent1"/>
+            </a:effectRef>
+            <a:fontRef idx="minor">
+              <a:schemeClr val="tx1"/>
+            </a:fontRef>
+          </p:style>
+        </p:cxnSp>
+        <p:cxnSp>
+          <p:nvCxnSpPr>
+            <p:cNvPr id="53" name="Straight Arrow Connector 52"/>
+            <p:cNvCxnSpPr>
+              <a:endCxn id="49" idx="0"/>
+            </p:cNvCxnSpPr>
+            <p:nvPr/>
+          </p:nvCxnSpPr>
+          <p:spPr>
+            <a:xfrm>
+              <a:off x="5334000" y="3838303"/>
+              <a:ext cx="1905000" cy="1244239"/>
+            </a:xfrm>
+            <a:prstGeom prst="straightConnector1">
+              <a:avLst/>
+            </a:prstGeom>
+            <a:ln>
+              <a:tailEnd type="arrow"/>
+            </a:ln>
+          </p:spPr>
+          <p:style>
+            <a:lnRef idx="1">
+              <a:schemeClr val="accent1"/>
+            </a:lnRef>
+            <a:fillRef idx="0">
+              <a:schemeClr val="accent1"/>
+            </a:fillRef>
+            <a:effectRef idx="0">
+              <a:schemeClr val="accent1"/>
+            </a:effectRef>
+            <a:fontRef idx="minor">
+              <a:schemeClr val="tx1"/>
+            </a:fontRef>
+          </p:style>
+        </p:cxnSp>
+        <p:cxnSp>
+          <p:nvCxnSpPr>
+            <p:cNvPr id="54" name="Straight Arrow Connector 53"/>
+            <p:cNvCxnSpPr/>
+            <p:nvPr/>
+          </p:nvCxnSpPr>
+          <p:spPr>
+            <a:xfrm flipH="1">
+              <a:off x="3810000" y="3810000"/>
+              <a:ext cx="152400" cy="1272541"/>
+            </a:xfrm>
+            <a:prstGeom prst="straightConnector1">
+              <a:avLst/>
+            </a:prstGeom>
+            <a:ln>
+              <a:tailEnd type="arrow"/>
+            </a:ln>
+          </p:spPr>
+          <p:style>
+            <a:lnRef idx="1">
+              <a:schemeClr val="accent1"/>
+            </a:lnRef>
+            <a:fillRef idx="0">
+              <a:schemeClr val="accent1"/>
+            </a:fillRef>
+            <a:effectRef idx="0">
+              <a:schemeClr val="accent1"/>
+            </a:effectRef>
+            <a:fontRef idx="minor">
+              <a:schemeClr val="tx1"/>
+            </a:fontRef>
+          </p:style>
+        </p:cxnSp>
+        <p:cxnSp>
+          <p:nvCxnSpPr>
+            <p:cNvPr id="55" name="Straight Arrow Connector 54"/>
+            <p:cNvCxnSpPr>
+              <a:endCxn id="45" idx="2"/>
+            </p:cNvCxnSpPr>
+            <p:nvPr/>
+          </p:nvCxnSpPr>
+          <p:spPr>
+            <a:xfrm flipV="1">
+              <a:off x="3962401" y="3810000"/>
+              <a:ext cx="152401" cy="1262531"/>
+            </a:xfrm>
+            <a:prstGeom prst="straightConnector1">
+              <a:avLst/>
+            </a:prstGeom>
+            <a:ln>
+              <a:tailEnd type="arrow"/>
+            </a:ln>
+          </p:spPr>
+          <p:style>
+            <a:lnRef idx="1">
+              <a:schemeClr val="accent1"/>
+            </a:lnRef>
+            <a:fillRef idx="0">
+              <a:schemeClr val="accent1"/>
+            </a:fillRef>
+            <a:effectRef idx="0">
+              <a:schemeClr val="accent1"/>
+            </a:effectRef>
+            <a:fontRef idx="minor">
+              <a:schemeClr val="tx1"/>
+            </a:fontRef>
+          </p:style>
+        </p:cxnSp>
+      </p:grpSp>
+      <p:grpSp>
+        <p:nvGrpSpPr>
+          <p:cNvPr id="56" name="Group 55"/>
+          <p:cNvGrpSpPr/>
+          <p:nvPr/>
+        </p:nvGrpSpPr>
+        <p:grpSpPr>
+          <a:xfrm>
+            <a:off x="5599045" y="5222531"/>
+            <a:ext cx="1411355" cy="797269"/>
+            <a:chOff x="609600" y="3124200"/>
+            <a:chExt cx="7505700" cy="2667000"/>
+          </a:xfrm>
+        </p:grpSpPr>
+        <p:sp>
+          <p:nvSpPr>
+            <p:cNvPr id="57" name="Rectangle 56"/>
+            <p:cNvSpPr/>
+            <p:nvPr/>
+          </p:nvSpPr>
+          <p:spPr>
+            <a:xfrm>
+              <a:off x="2743201" y="3124200"/>
+              <a:ext cx="2743201" cy="685800"/>
+            </a:xfrm>
+            <a:prstGeom prst="rect">
+              <a:avLst/>
+            </a:prstGeom>
+          </p:spPr>
+          <p:style>
+            <a:lnRef idx="2">
+              <a:schemeClr val="accent1">
+                <a:shade val="50000"/>
+              </a:schemeClr>
+            </a:lnRef>
+            <a:fillRef idx="1">
+              <a:schemeClr val="accent1"/>
+            </a:fillRef>
+            <a:effectRef idx="0">
+              <a:schemeClr val="accent1"/>
+            </a:effectRef>
+            <a:fontRef idx="minor">
+              <a:schemeClr val="lt1"/>
+            </a:fontRef>
+          </p:style>
+          <p:txBody>
+            <a:bodyPr rtlCol="0" anchor="ctr"/>
+            <a:lstStyle/>
+            <a:p>
+              <a:pPr algn="ctr"/>
+              <a:endParaRPr lang="en-US" dirty="0"/>
+            </a:p>
+          </p:txBody>
+        </p:sp>
+        <p:sp>
+          <p:nvSpPr>
+            <p:cNvPr id="58" name="Rectangle 57"/>
+            <p:cNvSpPr/>
+            <p:nvPr/>
+          </p:nvSpPr>
+          <p:spPr>
+            <a:xfrm>
+              <a:off x="609600" y="5105400"/>
+              <a:ext cx="1752600" cy="685800"/>
+            </a:xfrm>
+            <a:prstGeom prst="rect">
+              <a:avLst/>
+            </a:prstGeom>
+          </p:spPr>
+          <p:style>
+            <a:lnRef idx="2">
+              <a:schemeClr val="accent1">
+                <a:shade val="50000"/>
+              </a:schemeClr>
+            </a:lnRef>
+            <a:fillRef idx="1">
+              <a:schemeClr val="accent1"/>
+            </a:fillRef>
+            <a:effectRef idx="0">
+              <a:schemeClr val="accent1"/>
+            </a:effectRef>
+            <a:fontRef idx="minor">
+              <a:schemeClr val="lt1"/>
+            </a:fontRef>
+          </p:style>
+          <p:txBody>
+            <a:bodyPr rtlCol="0" anchor="ctr"/>
+            <a:lstStyle/>
+            <a:p>
+              <a:pPr algn="ctr"/>
+              <a:endParaRPr lang="en-US" dirty="0"/>
+            </a:p>
+          </p:txBody>
+        </p:sp>
+        <p:sp>
+          <p:nvSpPr>
+            <p:cNvPr id="59" name="Rectangle 58"/>
+            <p:cNvSpPr/>
+            <p:nvPr/>
+          </p:nvSpPr>
+          <p:spPr>
+            <a:xfrm>
+              <a:off x="2536372" y="5086895"/>
+              <a:ext cx="1752600" cy="685800"/>
+            </a:xfrm>
+            <a:prstGeom prst="rect">
+              <a:avLst/>
+            </a:prstGeom>
+          </p:spPr>
+          <p:style>
+            <a:lnRef idx="2">
+              <a:schemeClr val="accent1">
+                <a:shade val="50000"/>
+              </a:schemeClr>
+            </a:lnRef>
+            <a:fillRef idx="1">
+              <a:schemeClr val="accent1"/>
+            </a:fillRef>
+            <a:effectRef idx="0">
+              <a:schemeClr val="accent1"/>
+            </a:effectRef>
+            <a:fontRef idx="minor">
+              <a:schemeClr val="lt1"/>
+            </a:fontRef>
+          </p:style>
+          <p:txBody>
+            <a:bodyPr rtlCol="0" anchor="ctr"/>
+            <a:lstStyle/>
+            <a:p>
+              <a:pPr algn="ctr"/>
+              <a:endParaRPr lang="en-US" dirty="0"/>
+            </a:p>
+          </p:txBody>
+        </p:sp>
+        <p:sp>
+          <p:nvSpPr>
+            <p:cNvPr id="60" name="Rectangle 59"/>
+            <p:cNvSpPr/>
+            <p:nvPr/>
+          </p:nvSpPr>
+          <p:spPr>
+            <a:xfrm>
+              <a:off x="4457700" y="5082541"/>
+              <a:ext cx="1752600" cy="685800"/>
+            </a:xfrm>
+            <a:prstGeom prst="rect">
+              <a:avLst/>
+            </a:prstGeom>
+          </p:spPr>
+          <p:style>
+            <a:lnRef idx="2">
+              <a:schemeClr val="accent1">
+                <a:shade val="50000"/>
+              </a:schemeClr>
+            </a:lnRef>
+            <a:fillRef idx="1">
+              <a:schemeClr val="accent1"/>
+            </a:fillRef>
+            <a:effectRef idx="0">
+              <a:schemeClr val="accent1"/>
+            </a:effectRef>
+            <a:fontRef idx="minor">
+              <a:schemeClr val="lt1"/>
+            </a:fontRef>
+          </p:style>
+          <p:txBody>
+            <a:bodyPr rtlCol="0" anchor="ctr"/>
+            <a:lstStyle/>
+            <a:p>
+              <a:pPr algn="ctr"/>
+              <a:endParaRPr lang="en-US" dirty="0"/>
+            </a:p>
+          </p:txBody>
+        </p:sp>
+        <p:sp>
+          <p:nvSpPr>
+            <p:cNvPr id="61" name="Rectangle 60"/>
+            <p:cNvSpPr/>
+            <p:nvPr/>
+          </p:nvSpPr>
+          <p:spPr>
+            <a:xfrm>
+              <a:off x="6362700" y="5082542"/>
+              <a:ext cx="1752600" cy="685800"/>
+            </a:xfrm>
+            <a:prstGeom prst="rect">
+              <a:avLst/>
+            </a:prstGeom>
+          </p:spPr>
+          <p:style>
+            <a:lnRef idx="2">
+              <a:schemeClr val="accent1">
+                <a:shade val="50000"/>
+              </a:schemeClr>
+            </a:lnRef>
+            <a:fillRef idx="1">
+              <a:schemeClr val="accent1"/>
+            </a:fillRef>
+            <a:effectRef idx="0">
+              <a:schemeClr val="accent1"/>
+            </a:effectRef>
+            <a:fontRef idx="minor">
+              <a:schemeClr val="lt1"/>
+            </a:fontRef>
+          </p:style>
+          <p:txBody>
+            <a:bodyPr rtlCol="0" anchor="ctr"/>
+            <a:lstStyle/>
+            <a:p>
+              <a:pPr algn="ctr"/>
+              <a:endParaRPr lang="en-US" dirty="0"/>
+            </a:p>
+          </p:txBody>
+        </p:sp>
+        <p:cxnSp>
+          <p:nvCxnSpPr>
+            <p:cNvPr id="62" name="Straight Arrow Connector 61"/>
+            <p:cNvCxnSpPr/>
+            <p:nvPr/>
+          </p:nvCxnSpPr>
+          <p:spPr>
+            <a:xfrm flipV="1">
+              <a:off x="1714500" y="3838304"/>
+              <a:ext cx="1448889" cy="1343296"/>
+            </a:xfrm>
+            <a:prstGeom prst="straightConnector1">
+              <a:avLst/>
+            </a:prstGeom>
+            <a:ln>
+              <a:tailEnd type="arrow"/>
+            </a:ln>
+          </p:spPr>
+          <p:style>
+            <a:lnRef idx="1">
+              <a:schemeClr val="accent1"/>
+            </a:lnRef>
+            <a:fillRef idx="0">
+              <a:schemeClr val="accent1"/>
+            </a:fillRef>
+            <a:effectRef idx="0">
+              <a:schemeClr val="accent1"/>
+            </a:effectRef>
+            <a:fontRef idx="minor">
+              <a:schemeClr val="tx1"/>
+            </a:fontRef>
+          </p:style>
+        </p:cxnSp>
+        <p:cxnSp>
+          <p:nvCxnSpPr>
+            <p:cNvPr id="63" name="Straight Arrow Connector 62"/>
+            <p:cNvCxnSpPr/>
+            <p:nvPr/>
+          </p:nvCxnSpPr>
+          <p:spPr>
+            <a:xfrm flipH="1">
+              <a:off x="1479369" y="3805016"/>
+              <a:ext cx="1562100" cy="1244238"/>
+            </a:xfrm>
+            <a:prstGeom prst="straightConnector1">
+              <a:avLst/>
+            </a:prstGeom>
+            <a:ln>
+              <a:tailEnd type="arrow"/>
+            </a:ln>
+          </p:spPr>
+          <p:style>
+            <a:lnRef idx="1">
+              <a:schemeClr val="accent1"/>
+            </a:lnRef>
+            <a:fillRef idx="0">
+              <a:schemeClr val="accent1"/>
+            </a:fillRef>
+            <a:effectRef idx="0">
+              <a:schemeClr val="accent1"/>
+            </a:effectRef>
+            <a:fontRef idx="minor">
+              <a:schemeClr val="tx1"/>
+            </a:fontRef>
+          </p:style>
+        </p:cxnSp>
+        <p:cxnSp>
+          <p:nvCxnSpPr>
+            <p:cNvPr id="64" name="Straight Arrow Connector 63"/>
+            <p:cNvCxnSpPr>
+              <a:endCxn id="60" idx="0"/>
+            </p:cNvCxnSpPr>
+            <p:nvPr/>
+          </p:nvCxnSpPr>
+          <p:spPr>
+            <a:xfrm>
+              <a:off x="5029200" y="3838303"/>
+              <a:ext cx="304800" cy="1244238"/>
+            </a:xfrm>
+            <a:prstGeom prst="straightConnector1">
+              <a:avLst/>
+            </a:prstGeom>
+            <a:ln>
+              <a:tailEnd type="arrow"/>
+            </a:ln>
+          </p:spPr>
+          <p:style>
+            <a:lnRef idx="1">
+              <a:schemeClr val="accent1"/>
+            </a:lnRef>
+            <a:fillRef idx="0">
+              <a:schemeClr val="accent1"/>
+            </a:fillRef>
+            <a:effectRef idx="0">
+              <a:schemeClr val="accent1"/>
+            </a:effectRef>
+            <a:fontRef idx="minor">
+              <a:schemeClr val="tx1"/>
+            </a:fontRef>
+          </p:style>
+        </p:cxnSp>
+        <p:cxnSp>
+          <p:nvCxnSpPr>
+            <p:cNvPr id="65" name="Straight Arrow Connector 64"/>
+            <p:cNvCxnSpPr>
+              <a:endCxn id="61" idx="0"/>
+            </p:cNvCxnSpPr>
+            <p:nvPr/>
+          </p:nvCxnSpPr>
+          <p:spPr>
+            <a:xfrm>
+              <a:off x="5334000" y="3838303"/>
+              <a:ext cx="1905000" cy="1244239"/>
+            </a:xfrm>
+            <a:prstGeom prst="straightConnector1">
+              <a:avLst/>
+            </a:prstGeom>
+            <a:ln>
+              <a:tailEnd type="arrow"/>
+            </a:ln>
+          </p:spPr>
+          <p:style>
+            <a:lnRef idx="1">
+              <a:schemeClr val="accent1"/>
+            </a:lnRef>
+            <a:fillRef idx="0">
+              <a:schemeClr val="accent1"/>
+            </a:fillRef>
+            <a:effectRef idx="0">
+              <a:schemeClr val="accent1"/>
+            </a:effectRef>
+            <a:fontRef idx="minor">
+              <a:schemeClr val="tx1"/>
+            </a:fontRef>
+          </p:style>
+        </p:cxnSp>
+        <p:cxnSp>
+          <p:nvCxnSpPr>
+            <p:cNvPr id="66" name="Straight Arrow Connector 65"/>
+            <p:cNvCxnSpPr/>
+            <p:nvPr/>
+          </p:nvCxnSpPr>
+          <p:spPr>
+            <a:xfrm flipH="1">
+              <a:off x="3810000" y="3810000"/>
+              <a:ext cx="152400" cy="1272541"/>
+            </a:xfrm>
+            <a:prstGeom prst="straightConnector1">
+              <a:avLst/>
+            </a:prstGeom>
+            <a:ln>
+              <a:tailEnd type="arrow"/>
+            </a:ln>
+          </p:spPr>
+          <p:style>
+            <a:lnRef idx="1">
+              <a:schemeClr val="accent1"/>
+            </a:lnRef>
+            <a:fillRef idx="0">
+              <a:schemeClr val="accent1"/>
+            </a:fillRef>
+            <a:effectRef idx="0">
+              <a:schemeClr val="accent1"/>
+            </a:effectRef>
+            <a:fontRef idx="minor">
+              <a:schemeClr val="tx1"/>
+            </a:fontRef>
+          </p:style>
+        </p:cxnSp>
+        <p:cxnSp>
+          <p:nvCxnSpPr>
+            <p:cNvPr id="67" name="Straight Arrow Connector 66"/>
+            <p:cNvCxnSpPr>
+              <a:endCxn id="57" idx="2"/>
+            </p:cNvCxnSpPr>
+            <p:nvPr/>
+          </p:nvCxnSpPr>
+          <p:spPr>
+            <a:xfrm flipV="1">
+              <a:off x="3962401" y="3810000"/>
+              <a:ext cx="152401" cy="1262531"/>
+            </a:xfrm>
+            <a:prstGeom prst="straightConnector1">
+              <a:avLst/>
+            </a:prstGeom>
+            <a:ln>
+              <a:tailEnd type="arrow"/>
+            </a:ln>
+          </p:spPr>
+          <p:style>
+            <a:lnRef idx="1">
+              <a:schemeClr val="accent1"/>
+            </a:lnRef>
+            <a:fillRef idx="0">
+              <a:schemeClr val="accent1"/>
+            </a:fillRef>
+            <a:effectRef idx="0">
+              <a:schemeClr val="accent1"/>
+            </a:effectRef>
+            <a:fontRef idx="minor">
+              <a:schemeClr val="tx1"/>
+            </a:fontRef>
+          </p:style>
+        </p:cxnSp>
+      </p:grpSp>
+      <p:sp>
+        <p:nvSpPr>
+          <p:cNvPr id="68" name="Rectangle 67"/>
+          <p:cNvSpPr/>
+          <p:nvPr/>
+        </p:nvSpPr>
+        <p:spPr>
+          <a:xfrm>
+            <a:off x="619636" y="4550290"/>
+            <a:ext cx="6619364" cy="1850510"/>
+          </a:xfrm>
+          <a:prstGeom prst="rect">
+            <a:avLst/>
+          </a:prstGeom>
+          <a:noFill/>
+          <a:ln>
+            <a:prstDash val="sysDash"/>
+          </a:ln>
+        </p:spPr>
+        <p:style>
+          <a:lnRef idx="2">
+            <a:schemeClr val="accent1">
+              <a:shade val="50000"/>
+            </a:schemeClr>
+          </a:lnRef>
+          <a:fillRef idx="1">
+            <a:schemeClr val="accent1"/>
+          </a:fillRef>
+          <a:effectRef idx="0">
+            <a:schemeClr val="accent1"/>
+          </a:effectRef>
+          <a:fontRef idx="minor">
+            <a:schemeClr val="lt1"/>
+          </a:fontRef>
+        </p:style>
+        <p:txBody>
+          <a:bodyPr rtlCol="0" anchor="ctr"/>
+          <a:lstStyle/>
+          <a:p>
+            <a:pPr algn="ctr"/>
+            <a:endParaRPr lang="en-US"/>
+          </a:p>
+        </p:txBody>
+      </p:sp>
+      <p:sp>
+        <p:nvSpPr>
+          <p:cNvPr id="69" name="TextBox 68"/>
+          <p:cNvSpPr txBox="1"/>
+          <p:nvPr/>
+        </p:nvSpPr>
+        <p:spPr>
+          <a:xfrm>
+            <a:off x="7245765" y="5117068"/>
+            <a:ext cx="983835" cy="369332"/>
+          </a:xfrm>
+          <a:prstGeom prst="rect">
+            <a:avLst/>
+          </a:prstGeom>
+          <a:noFill/>
+        </p:spPr>
+        <p:txBody>
+          <a:bodyPr wrap="square" rtlCol="0">
+            <a:spAutoFit/>
+          </a:bodyPr>
+          <a:lstStyle/>
+          <a:p>
+            <a:r>
+              <a:rPr lang="en-US" dirty="0" smtClean="0"/>
+              <a:t>Loca</a:t>
+            </a:r>
+            <a:r>
+              <a:rPr lang="en-US" dirty="0"/>
+              <a:t>l</a:t>
+            </a:r>
+          </a:p>
+        </p:txBody>
+      </p:sp>
+      <p:sp>
+        <p:nvSpPr>
+          <p:cNvPr id="70" name="TextBox 69"/>
+          <p:cNvSpPr txBox="1"/>
+          <p:nvPr/>
+        </p:nvSpPr>
+        <p:spPr>
+          <a:xfrm>
+            <a:off x="1143000" y="4821956"/>
+            <a:ext cx="990600" cy="369332"/>
+          </a:xfrm>
+          <a:prstGeom prst="rect">
+            <a:avLst/>
+          </a:prstGeom>
+          <a:noFill/>
+        </p:spPr>
+        <p:txBody>
+          <a:bodyPr wrap="square" rtlCol="0">
+            <a:spAutoFit/>
+          </a:bodyPr>
+          <a:lstStyle/>
+          <a:p>
+            <a:r>
+              <a:rPr lang="en-US" dirty="0" smtClean="0"/>
+              <a:t>master</a:t>
+            </a:r>
+            <a:endParaRPr lang="en-US" dirty="0"/>
+          </a:p>
+        </p:txBody>
+      </p:sp>
+      <p:sp>
+        <p:nvSpPr>
+          <p:cNvPr id="71" name="TextBox 70"/>
+          <p:cNvSpPr txBox="1"/>
+          <p:nvPr/>
+        </p:nvSpPr>
+        <p:spPr>
+          <a:xfrm>
+            <a:off x="1295400" y="3059668"/>
+            <a:ext cx="990600" cy="369332"/>
+          </a:xfrm>
+          <a:prstGeom prst="rect">
+            <a:avLst/>
+          </a:prstGeom>
+          <a:noFill/>
+        </p:spPr>
+        <p:txBody>
+          <a:bodyPr wrap="square" rtlCol="0">
+            <a:spAutoFit/>
+          </a:bodyPr>
+          <a:lstStyle/>
+          <a:p>
+            <a:r>
+              <a:rPr lang="en-US" dirty="0" smtClean="0"/>
+              <a:t>master</a:t>
+            </a:r>
+            <a:endParaRPr lang="en-US" dirty="0"/>
+          </a:p>
+        </p:txBody>
+      </p:sp>
+      <p:sp>
+        <p:nvSpPr>
+          <p:cNvPr id="73" name="TextBox 72"/>
+          <p:cNvSpPr txBox="1"/>
+          <p:nvPr/>
+        </p:nvSpPr>
+        <p:spPr>
+          <a:xfrm>
+            <a:off x="2667000" y="4825504"/>
+            <a:ext cx="1090492" cy="369332"/>
+          </a:xfrm>
+          <a:prstGeom prst="rect">
+            <a:avLst/>
+          </a:prstGeom>
+          <a:noFill/>
+        </p:spPr>
+        <p:txBody>
+          <a:bodyPr wrap="square" rtlCol="0">
+            <a:spAutoFit/>
+          </a:bodyPr>
+          <a:lstStyle/>
+          <a:p>
+            <a:r>
+              <a:rPr lang="en-US" dirty="0" err="1" smtClean="0"/>
+              <a:t>NewGUI</a:t>
+            </a:r>
+            <a:endParaRPr lang="en-US" dirty="0"/>
+          </a:p>
+        </p:txBody>
+      </p:sp>
+      <p:sp>
+        <p:nvSpPr>
+          <p:cNvPr id="74" name="TextBox 73"/>
+          <p:cNvSpPr txBox="1"/>
+          <p:nvPr/>
+        </p:nvSpPr>
+        <p:spPr>
+          <a:xfrm>
+            <a:off x="4192448" y="4800600"/>
+            <a:ext cx="1090492" cy="369332"/>
+          </a:xfrm>
+          <a:prstGeom prst="rect">
+            <a:avLst/>
+          </a:prstGeom>
+          <a:noFill/>
+        </p:spPr>
+        <p:txBody>
+          <a:bodyPr wrap="square" rtlCol="0">
+            <a:spAutoFit/>
+          </a:bodyPr>
+          <a:lstStyle/>
+          <a:p>
+            <a:r>
+              <a:rPr lang="en-US" dirty="0" err="1" smtClean="0"/>
+              <a:t>FixLock</a:t>
+            </a:r>
+            <a:endParaRPr lang="en-US" dirty="0"/>
+          </a:p>
+        </p:txBody>
+      </p:sp>
+      <p:sp>
+        <p:nvSpPr>
+          <p:cNvPr id="75" name="TextBox 74"/>
+          <p:cNvSpPr txBox="1"/>
+          <p:nvPr/>
+        </p:nvSpPr>
+        <p:spPr>
+          <a:xfrm>
+            <a:off x="5504268" y="4888468"/>
+            <a:ext cx="1582332" cy="369332"/>
+          </a:xfrm>
+          <a:prstGeom prst="rect">
+            <a:avLst/>
+          </a:prstGeom>
+          <a:noFill/>
+        </p:spPr>
+        <p:txBody>
+          <a:bodyPr wrap="square" rtlCol="0">
+            <a:spAutoFit/>
+          </a:bodyPr>
+          <a:lstStyle/>
+          <a:p>
+            <a:r>
+              <a:rPr lang="en-US" dirty="0" smtClean="0"/>
+              <a:t>Performance</a:t>
+            </a:r>
+            <a:endParaRPr lang="en-US" dirty="0"/>
+          </a:p>
+        </p:txBody>
+      </p:sp>
+      <p:grpSp>
+        <p:nvGrpSpPr>
+          <p:cNvPr id="76" name="Group 75"/>
+          <p:cNvGrpSpPr/>
+          <p:nvPr/>
+        </p:nvGrpSpPr>
+        <p:grpSpPr>
+          <a:xfrm>
+            <a:off x="2667000" y="3393731"/>
+            <a:ext cx="1411355" cy="797269"/>
+            <a:chOff x="609600" y="3124200"/>
+            <a:chExt cx="7505700" cy="2667000"/>
+          </a:xfrm>
+        </p:grpSpPr>
+        <p:sp>
+          <p:nvSpPr>
+            <p:cNvPr id="77" name="Rectangle 76"/>
+            <p:cNvSpPr/>
+            <p:nvPr/>
+          </p:nvSpPr>
+          <p:spPr>
+            <a:xfrm>
+              <a:off x="2743201" y="3124200"/>
+              <a:ext cx="2743201" cy="685800"/>
+            </a:xfrm>
+            <a:prstGeom prst="rect">
+              <a:avLst/>
+            </a:prstGeom>
+          </p:spPr>
+          <p:style>
+            <a:lnRef idx="2">
+              <a:schemeClr val="accent1">
+                <a:shade val="50000"/>
+              </a:schemeClr>
+            </a:lnRef>
+            <a:fillRef idx="1">
+              <a:schemeClr val="accent1"/>
+            </a:fillRef>
+            <a:effectRef idx="0">
+              <a:schemeClr val="accent1"/>
+            </a:effectRef>
+            <a:fontRef idx="minor">
+              <a:schemeClr val="lt1"/>
+            </a:fontRef>
+          </p:style>
+          <p:txBody>
+            <a:bodyPr rtlCol="0" anchor="ctr"/>
+            <a:lstStyle/>
+            <a:p>
+              <a:pPr algn="ctr"/>
+              <a:endParaRPr lang="en-US" dirty="0"/>
+            </a:p>
+          </p:txBody>
+        </p:sp>
+        <p:sp>
+          <p:nvSpPr>
+            <p:cNvPr id="78" name="Rectangle 77"/>
+            <p:cNvSpPr/>
+            <p:nvPr/>
+          </p:nvSpPr>
+          <p:spPr>
+            <a:xfrm>
+              <a:off x="609600" y="5105400"/>
+              <a:ext cx="1752600" cy="685800"/>
+            </a:xfrm>
+            <a:prstGeom prst="rect">
+              <a:avLst/>
+            </a:prstGeom>
+          </p:spPr>
+          <p:style>
+            <a:lnRef idx="2">
+              <a:schemeClr val="accent1">
+                <a:shade val="50000"/>
+              </a:schemeClr>
+            </a:lnRef>
+            <a:fillRef idx="1">
+              <a:schemeClr val="accent1"/>
+            </a:fillRef>
+            <a:effectRef idx="0">
+              <a:schemeClr val="accent1"/>
+            </a:effectRef>
+            <a:fontRef idx="minor">
+              <a:schemeClr val="lt1"/>
+            </a:fontRef>
+          </p:style>
+          <p:txBody>
+            <a:bodyPr rtlCol="0" anchor="ctr"/>
+            <a:lstStyle/>
+            <a:p>
+              <a:pPr algn="ctr"/>
+              <a:endParaRPr lang="en-US" dirty="0"/>
+            </a:p>
+          </p:txBody>
+        </p:sp>
+        <p:sp>
+          <p:nvSpPr>
+            <p:cNvPr id="79" name="Rectangle 78"/>
+            <p:cNvSpPr/>
+            <p:nvPr/>
+          </p:nvSpPr>
+          <p:spPr>
+            <a:xfrm>
+              <a:off x="2536372" y="5086895"/>
+              <a:ext cx="1752600" cy="685800"/>
+            </a:xfrm>
+            <a:prstGeom prst="rect">
+              <a:avLst/>
+            </a:prstGeom>
+          </p:spPr>
+          <p:style>
+            <a:lnRef idx="2">
+              <a:schemeClr val="accent1">
+                <a:shade val="50000"/>
+              </a:schemeClr>
+            </a:lnRef>
+            <a:fillRef idx="1">
+              <a:schemeClr val="accent1"/>
+            </a:fillRef>
+            <a:effectRef idx="0">
+              <a:schemeClr val="accent1"/>
+            </a:effectRef>
+            <a:fontRef idx="minor">
+              <a:schemeClr val="lt1"/>
+            </a:fontRef>
+          </p:style>
+          <p:txBody>
+            <a:bodyPr rtlCol="0" anchor="ctr"/>
+            <a:lstStyle/>
+            <a:p>
+              <a:pPr algn="ctr"/>
+              <a:endParaRPr lang="en-US" dirty="0"/>
+            </a:p>
+          </p:txBody>
+        </p:sp>
+        <p:sp>
+          <p:nvSpPr>
+            <p:cNvPr id="80" name="Rectangle 79"/>
+            <p:cNvSpPr/>
+            <p:nvPr/>
+          </p:nvSpPr>
+          <p:spPr>
+            <a:xfrm>
+              <a:off x="4457700" y="5082541"/>
+              <a:ext cx="1752600" cy="685800"/>
+            </a:xfrm>
+            <a:prstGeom prst="rect">
+              <a:avLst/>
+            </a:prstGeom>
+          </p:spPr>
+          <p:style>
+            <a:lnRef idx="2">
+              <a:schemeClr val="accent1">
+                <a:shade val="50000"/>
+              </a:schemeClr>
+            </a:lnRef>
+            <a:fillRef idx="1">
+              <a:schemeClr val="accent1"/>
+            </a:fillRef>
+            <a:effectRef idx="0">
+              <a:schemeClr val="accent1"/>
+            </a:effectRef>
+            <a:fontRef idx="minor">
+              <a:schemeClr val="lt1"/>
+            </a:fontRef>
+          </p:style>
+          <p:txBody>
+            <a:bodyPr rtlCol="0" anchor="ctr"/>
+            <a:lstStyle/>
+            <a:p>
+              <a:pPr algn="ctr"/>
+              <a:endParaRPr lang="en-US" dirty="0"/>
+            </a:p>
+          </p:txBody>
+        </p:sp>
+        <p:sp>
+          <p:nvSpPr>
+            <p:cNvPr id="81" name="Rectangle 80"/>
+            <p:cNvSpPr/>
+            <p:nvPr/>
+          </p:nvSpPr>
+          <p:spPr>
+            <a:xfrm>
+              <a:off x="6362700" y="5082542"/>
+              <a:ext cx="1752600" cy="685800"/>
+            </a:xfrm>
+            <a:prstGeom prst="rect">
+              <a:avLst/>
+            </a:prstGeom>
+          </p:spPr>
+          <p:style>
+            <a:lnRef idx="2">
+              <a:schemeClr val="accent1">
+                <a:shade val="50000"/>
+              </a:schemeClr>
+            </a:lnRef>
+            <a:fillRef idx="1">
+              <a:schemeClr val="accent1"/>
+            </a:fillRef>
+            <a:effectRef idx="0">
+              <a:schemeClr val="accent1"/>
+            </a:effectRef>
+            <a:fontRef idx="minor">
+              <a:schemeClr val="lt1"/>
+            </a:fontRef>
+          </p:style>
+          <p:txBody>
+            <a:bodyPr rtlCol="0" anchor="ctr"/>
+            <a:lstStyle/>
+            <a:p>
+              <a:pPr algn="ctr"/>
+              <a:endParaRPr lang="en-US" dirty="0"/>
+            </a:p>
+          </p:txBody>
+        </p:sp>
+        <p:cxnSp>
+          <p:nvCxnSpPr>
+            <p:cNvPr id="82" name="Straight Arrow Connector 81"/>
+            <p:cNvCxnSpPr/>
+            <p:nvPr/>
+          </p:nvCxnSpPr>
+          <p:spPr>
+            <a:xfrm flipV="1">
+              <a:off x="1714500" y="3838304"/>
+              <a:ext cx="1448889" cy="1343296"/>
+            </a:xfrm>
+            <a:prstGeom prst="straightConnector1">
+              <a:avLst/>
+            </a:prstGeom>
+            <a:ln>
+              <a:tailEnd type="arrow"/>
+            </a:ln>
+          </p:spPr>
+          <p:style>
+            <a:lnRef idx="1">
+              <a:schemeClr val="accent1"/>
+            </a:lnRef>
+            <a:fillRef idx="0">
+              <a:schemeClr val="accent1"/>
+            </a:fillRef>
+            <a:effectRef idx="0">
+              <a:schemeClr val="accent1"/>
+            </a:effectRef>
+            <a:fontRef idx="minor">
+              <a:schemeClr val="tx1"/>
+            </a:fontRef>
+          </p:style>
+        </p:cxnSp>
+        <p:cxnSp>
+          <p:nvCxnSpPr>
+            <p:cNvPr id="83" name="Straight Arrow Connector 82"/>
+            <p:cNvCxnSpPr/>
+            <p:nvPr/>
+          </p:nvCxnSpPr>
+          <p:spPr>
+            <a:xfrm flipH="1">
+              <a:off x="1479369" y="3805016"/>
+              <a:ext cx="1562100" cy="1244238"/>
+            </a:xfrm>
+            <a:prstGeom prst="straightConnector1">
+              <a:avLst/>
+            </a:prstGeom>
+            <a:ln>
+              <a:tailEnd type="arrow"/>
+            </a:ln>
+          </p:spPr>
+          <p:style>
+            <a:lnRef idx="1">
+              <a:schemeClr val="accent1"/>
+            </a:lnRef>
+            <a:fillRef idx="0">
+              <a:schemeClr val="accent1"/>
+            </a:fillRef>
+            <a:effectRef idx="0">
+              <a:schemeClr val="accent1"/>
+            </a:effectRef>
+            <a:fontRef idx="minor">
+              <a:schemeClr val="tx1"/>
+            </a:fontRef>
+          </p:style>
+        </p:cxnSp>
+        <p:cxnSp>
+          <p:nvCxnSpPr>
+            <p:cNvPr id="84" name="Straight Arrow Connector 83"/>
+            <p:cNvCxnSpPr>
+              <a:endCxn id="80" idx="0"/>
+            </p:cNvCxnSpPr>
+            <p:nvPr/>
+          </p:nvCxnSpPr>
+          <p:spPr>
+            <a:xfrm>
+              <a:off x="5029200" y="3838303"/>
+              <a:ext cx="304800" cy="1244238"/>
+            </a:xfrm>
+            <a:prstGeom prst="straightConnector1">
+              <a:avLst/>
+            </a:prstGeom>
+            <a:ln>
+              <a:tailEnd type="arrow"/>
+            </a:ln>
+          </p:spPr>
+          <p:style>
+            <a:lnRef idx="1">
+              <a:schemeClr val="accent1"/>
+            </a:lnRef>
+            <a:fillRef idx="0">
+              <a:schemeClr val="accent1"/>
+            </a:fillRef>
+            <a:effectRef idx="0">
+              <a:schemeClr val="accent1"/>
+            </a:effectRef>
+            <a:fontRef idx="minor">
+              <a:schemeClr val="tx1"/>
+            </a:fontRef>
+          </p:style>
+        </p:cxnSp>
+        <p:cxnSp>
+          <p:nvCxnSpPr>
+            <p:cNvPr id="85" name="Straight Arrow Connector 84"/>
+            <p:cNvCxnSpPr>
+              <a:endCxn id="81" idx="0"/>
+            </p:cNvCxnSpPr>
+            <p:nvPr/>
+          </p:nvCxnSpPr>
+          <p:spPr>
+            <a:xfrm>
+              <a:off x="5334000" y="3838303"/>
+              <a:ext cx="1905000" cy="1244239"/>
+            </a:xfrm>
+            <a:prstGeom prst="straightConnector1">
+              <a:avLst/>
+            </a:prstGeom>
+            <a:ln>
+              <a:tailEnd type="arrow"/>
+            </a:ln>
+          </p:spPr>
+          <p:style>
+            <a:lnRef idx="1">
+              <a:schemeClr val="accent1"/>
+            </a:lnRef>
+            <a:fillRef idx="0">
+              <a:schemeClr val="accent1"/>
+            </a:fillRef>
+            <a:effectRef idx="0">
+              <a:schemeClr val="accent1"/>
+            </a:effectRef>
+            <a:fontRef idx="minor">
+              <a:schemeClr val="tx1"/>
+            </a:fontRef>
+          </p:style>
+        </p:cxnSp>
+        <p:cxnSp>
+          <p:nvCxnSpPr>
+            <p:cNvPr id="86" name="Straight Arrow Connector 85"/>
+            <p:cNvCxnSpPr/>
+            <p:nvPr/>
+          </p:nvCxnSpPr>
+          <p:spPr>
+            <a:xfrm flipH="1">
+              <a:off x="3810000" y="3810000"/>
+              <a:ext cx="152400" cy="1272541"/>
+            </a:xfrm>
+            <a:prstGeom prst="straightConnector1">
+              <a:avLst/>
+            </a:prstGeom>
+            <a:ln>
+              <a:tailEnd type="arrow"/>
+            </a:ln>
+          </p:spPr>
+          <p:style>
+            <a:lnRef idx="1">
+              <a:schemeClr val="accent1"/>
+            </a:lnRef>
+            <a:fillRef idx="0">
+              <a:schemeClr val="accent1"/>
+            </a:fillRef>
+            <a:effectRef idx="0">
+              <a:schemeClr val="accent1"/>
+            </a:effectRef>
+            <a:fontRef idx="minor">
+              <a:schemeClr val="tx1"/>
+            </a:fontRef>
+          </p:style>
+        </p:cxnSp>
+        <p:cxnSp>
+          <p:nvCxnSpPr>
+            <p:cNvPr id="87" name="Straight Arrow Connector 86"/>
+            <p:cNvCxnSpPr>
+              <a:endCxn id="77" idx="2"/>
+            </p:cNvCxnSpPr>
+            <p:nvPr/>
+          </p:nvCxnSpPr>
+          <p:spPr>
+            <a:xfrm flipV="1">
+              <a:off x="3962401" y="3810000"/>
+              <a:ext cx="152401" cy="1262531"/>
+            </a:xfrm>
+            <a:prstGeom prst="straightConnector1">
+              <a:avLst/>
+            </a:prstGeom>
+            <a:ln>
+              <a:tailEnd type="arrow"/>
+            </a:ln>
+          </p:spPr>
+          <p:style>
+            <a:lnRef idx="1">
+              <a:schemeClr val="accent1"/>
+            </a:lnRef>
+            <a:fillRef idx="0">
+              <a:schemeClr val="accent1"/>
+            </a:fillRef>
+            <a:effectRef idx="0">
+              <a:schemeClr val="accent1"/>
+            </a:effectRef>
+            <a:fontRef idx="minor">
+              <a:schemeClr val="tx1"/>
+            </a:fontRef>
+          </p:style>
+        </p:cxnSp>
+      </p:grpSp>
+      <p:grpSp>
+        <p:nvGrpSpPr>
+          <p:cNvPr id="88" name="Group 87"/>
+          <p:cNvGrpSpPr/>
+          <p:nvPr/>
+        </p:nvGrpSpPr>
+        <p:grpSpPr>
+          <a:xfrm>
+            <a:off x="4245313" y="3393731"/>
+            <a:ext cx="1411355" cy="797269"/>
+            <a:chOff x="609600" y="3124200"/>
+            <a:chExt cx="7505700" cy="2667000"/>
+          </a:xfrm>
+        </p:grpSpPr>
+        <p:sp>
+          <p:nvSpPr>
+            <p:cNvPr id="89" name="Rectangle 88"/>
+            <p:cNvSpPr/>
+            <p:nvPr/>
+          </p:nvSpPr>
+          <p:spPr>
+            <a:xfrm>
+              <a:off x="2743201" y="3124200"/>
+              <a:ext cx="2743201" cy="685800"/>
+            </a:xfrm>
+            <a:prstGeom prst="rect">
+              <a:avLst/>
+            </a:prstGeom>
+          </p:spPr>
+          <p:style>
+            <a:lnRef idx="2">
+              <a:schemeClr val="accent1">
+                <a:shade val="50000"/>
+              </a:schemeClr>
+            </a:lnRef>
+            <a:fillRef idx="1">
+              <a:schemeClr val="accent1"/>
+            </a:fillRef>
+            <a:effectRef idx="0">
+              <a:schemeClr val="accent1"/>
+            </a:effectRef>
+            <a:fontRef idx="minor">
+              <a:schemeClr val="lt1"/>
+            </a:fontRef>
+          </p:style>
+          <p:txBody>
+            <a:bodyPr rtlCol="0" anchor="ctr"/>
+            <a:lstStyle/>
+            <a:p>
+              <a:pPr algn="ctr"/>
+              <a:endParaRPr lang="en-US" dirty="0"/>
+            </a:p>
+          </p:txBody>
+        </p:sp>
+        <p:sp>
+          <p:nvSpPr>
+            <p:cNvPr id="90" name="Rectangle 89"/>
+            <p:cNvSpPr/>
+            <p:nvPr/>
+          </p:nvSpPr>
+          <p:spPr>
+            <a:xfrm>
+              <a:off x="609600" y="5105400"/>
+              <a:ext cx="1752600" cy="685800"/>
+            </a:xfrm>
+            <a:prstGeom prst="rect">
+              <a:avLst/>
+            </a:prstGeom>
+          </p:spPr>
+          <p:style>
+            <a:lnRef idx="2">
+              <a:schemeClr val="accent1">
+                <a:shade val="50000"/>
+              </a:schemeClr>
+            </a:lnRef>
+            <a:fillRef idx="1">
+              <a:schemeClr val="accent1"/>
+            </a:fillRef>
+            <a:effectRef idx="0">
+              <a:schemeClr val="accent1"/>
+            </a:effectRef>
+            <a:fontRef idx="minor">
+              <a:schemeClr val="lt1"/>
+            </a:fontRef>
+          </p:style>
+          <p:txBody>
+            <a:bodyPr rtlCol="0" anchor="ctr"/>
+            <a:lstStyle/>
+            <a:p>
+              <a:pPr algn="ctr"/>
+              <a:endParaRPr lang="en-US" dirty="0"/>
+            </a:p>
+          </p:txBody>
+        </p:sp>
+        <p:sp>
+          <p:nvSpPr>
+            <p:cNvPr id="91" name="Rectangle 90"/>
+            <p:cNvSpPr/>
+            <p:nvPr/>
+          </p:nvSpPr>
+          <p:spPr>
+            <a:xfrm>
+              <a:off x="2536372" y="5086895"/>
+              <a:ext cx="1752600" cy="685800"/>
+            </a:xfrm>
+            <a:prstGeom prst="rect">
+              <a:avLst/>
+            </a:prstGeom>
+          </p:spPr>
+          <p:style>
+            <a:lnRef idx="2">
+              <a:schemeClr val="accent1">
+                <a:shade val="50000"/>
+              </a:schemeClr>
+            </a:lnRef>
+            <a:fillRef idx="1">
+              <a:schemeClr val="accent1"/>
+            </a:fillRef>
+            <a:effectRef idx="0">
+              <a:schemeClr val="accent1"/>
+            </a:effectRef>
+            <a:fontRef idx="minor">
+              <a:schemeClr val="lt1"/>
+            </a:fontRef>
+          </p:style>
+          <p:txBody>
+            <a:bodyPr rtlCol="0" anchor="ctr"/>
+            <a:lstStyle/>
+            <a:p>
+              <a:pPr algn="ctr"/>
+              <a:endParaRPr lang="en-US" dirty="0"/>
+            </a:p>
+          </p:txBody>
+        </p:sp>
+        <p:sp>
+          <p:nvSpPr>
+            <p:cNvPr id="92" name="Rectangle 91"/>
+            <p:cNvSpPr/>
+            <p:nvPr/>
+          </p:nvSpPr>
+          <p:spPr>
+            <a:xfrm>
+              <a:off x="4457700" y="5082541"/>
+              <a:ext cx="1752600" cy="685800"/>
+            </a:xfrm>
+            <a:prstGeom prst="rect">
+              <a:avLst/>
+            </a:prstGeom>
+          </p:spPr>
+          <p:style>
+            <a:lnRef idx="2">
+              <a:schemeClr val="accent1">
+                <a:shade val="50000"/>
+              </a:schemeClr>
+            </a:lnRef>
+            <a:fillRef idx="1">
+              <a:schemeClr val="accent1"/>
+            </a:fillRef>
+            <a:effectRef idx="0">
+              <a:schemeClr val="accent1"/>
+            </a:effectRef>
+            <a:fontRef idx="minor">
+              <a:schemeClr val="lt1"/>
+            </a:fontRef>
+          </p:style>
+          <p:txBody>
+            <a:bodyPr rtlCol="0" anchor="ctr"/>
+            <a:lstStyle/>
+            <a:p>
+              <a:pPr algn="ctr"/>
+              <a:endParaRPr lang="en-US" dirty="0"/>
+            </a:p>
+          </p:txBody>
+        </p:sp>
+        <p:sp>
+          <p:nvSpPr>
+            <p:cNvPr id="93" name="Rectangle 92"/>
+            <p:cNvSpPr/>
+            <p:nvPr/>
+          </p:nvSpPr>
+          <p:spPr>
+            <a:xfrm>
+              <a:off x="6362700" y="5082542"/>
+              <a:ext cx="1752600" cy="685800"/>
+            </a:xfrm>
+            <a:prstGeom prst="rect">
+              <a:avLst/>
+            </a:prstGeom>
+          </p:spPr>
+          <p:style>
+            <a:lnRef idx="2">
+              <a:schemeClr val="accent1">
+                <a:shade val="50000"/>
+              </a:schemeClr>
+            </a:lnRef>
+            <a:fillRef idx="1">
+              <a:schemeClr val="accent1"/>
+            </a:fillRef>
+            <a:effectRef idx="0">
+              <a:schemeClr val="accent1"/>
+            </a:effectRef>
+            <a:fontRef idx="minor">
+              <a:schemeClr val="lt1"/>
+            </a:fontRef>
+          </p:style>
+          <p:txBody>
+            <a:bodyPr rtlCol="0" anchor="ctr"/>
+            <a:lstStyle/>
+            <a:p>
+              <a:pPr algn="ctr"/>
+              <a:endParaRPr lang="en-US" dirty="0"/>
+            </a:p>
+          </p:txBody>
+        </p:sp>
+        <p:cxnSp>
+          <p:nvCxnSpPr>
+            <p:cNvPr id="94" name="Straight Arrow Connector 93"/>
+            <p:cNvCxnSpPr/>
+            <p:nvPr/>
+          </p:nvCxnSpPr>
+          <p:spPr>
+            <a:xfrm flipV="1">
+              <a:off x="1714500" y="3838304"/>
+              <a:ext cx="1448889" cy="1343296"/>
+            </a:xfrm>
+            <a:prstGeom prst="straightConnector1">
+              <a:avLst/>
+            </a:prstGeom>
+            <a:ln>
+              <a:tailEnd type="arrow"/>
+            </a:ln>
+          </p:spPr>
+          <p:style>
+            <a:lnRef idx="1">
+              <a:schemeClr val="accent1"/>
+            </a:lnRef>
+            <a:fillRef idx="0">
+              <a:schemeClr val="accent1"/>
+            </a:fillRef>
+            <a:effectRef idx="0">
+              <a:schemeClr val="accent1"/>
+            </a:effectRef>
+            <a:fontRef idx="minor">
+              <a:schemeClr val="tx1"/>
+            </a:fontRef>
+          </p:style>
+        </p:cxnSp>
+        <p:cxnSp>
+          <p:nvCxnSpPr>
+            <p:cNvPr id="95" name="Straight Arrow Connector 94"/>
+            <p:cNvCxnSpPr/>
+            <p:nvPr/>
+          </p:nvCxnSpPr>
+          <p:spPr>
+            <a:xfrm flipH="1">
+              <a:off x="1479369" y="3805016"/>
+              <a:ext cx="1562100" cy="1244238"/>
+            </a:xfrm>
+            <a:prstGeom prst="straightConnector1">
+              <a:avLst/>
+            </a:prstGeom>
+            <a:ln>
+              <a:tailEnd type="arrow"/>
+            </a:ln>
+          </p:spPr>
+          <p:style>
+            <a:lnRef idx="1">
+              <a:schemeClr val="accent1"/>
+            </a:lnRef>
+            <a:fillRef idx="0">
+              <a:schemeClr val="accent1"/>
+            </a:fillRef>
+            <a:effectRef idx="0">
+              <a:schemeClr val="accent1"/>
+            </a:effectRef>
+            <a:fontRef idx="minor">
+              <a:schemeClr val="tx1"/>
+            </a:fontRef>
+          </p:style>
+        </p:cxnSp>
+        <p:cxnSp>
+          <p:nvCxnSpPr>
+            <p:cNvPr id="96" name="Straight Arrow Connector 95"/>
+            <p:cNvCxnSpPr>
+              <a:endCxn id="92" idx="0"/>
+            </p:cNvCxnSpPr>
+            <p:nvPr/>
+          </p:nvCxnSpPr>
+          <p:spPr>
+            <a:xfrm>
+              <a:off x="5029200" y="3838303"/>
+              <a:ext cx="304800" cy="1244238"/>
+            </a:xfrm>
+            <a:prstGeom prst="straightConnector1">
+              <a:avLst/>
+            </a:prstGeom>
+            <a:ln>
+              <a:tailEnd type="arrow"/>
+            </a:ln>
+          </p:spPr>
+          <p:style>
+            <a:lnRef idx="1">
+              <a:schemeClr val="accent1"/>
+            </a:lnRef>
+            <a:fillRef idx="0">
+              <a:schemeClr val="accent1"/>
+            </a:fillRef>
+            <a:effectRef idx="0">
+              <a:schemeClr val="accent1"/>
+            </a:effectRef>
+            <a:fontRef idx="minor">
+              <a:schemeClr val="tx1"/>
+            </a:fontRef>
+          </p:style>
+        </p:cxnSp>
+        <p:cxnSp>
+          <p:nvCxnSpPr>
+            <p:cNvPr id="97" name="Straight Arrow Connector 96"/>
+            <p:cNvCxnSpPr>
+              <a:endCxn id="93" idx="0"/>
+            </p:cNvCxnSpPr>
+            <p:nvPr/>
+          </p:nvCxnSpPr>
+          <p:spPr>
+            <a:xfrm>
+              <a:off x="5334000" y="3838303"/>
+              <a:ext cx="1905000" cy="1244239"/>
+            </a:xfrm>
+            <a:prstGeom prst="straightConnector1">
+              <a:avLst/>
+            </a:prstGeom>
+            <a:ln>
+              <a:tailEnd type="arrow"/>
+            </a:ln>
+          </p:spPr>
+          <p:style>
+            <a:lnRef idx="1">
+              <a:schemeClr val="accent1"/>
+            </a:lnRef>
+            <a:fillRef idx="0">
+              <a:schemeClr val="accent1"/>
+            </a:fillRef>
+            <a:effectRef idx="0">
+              <a:schemeClr val="accent1"/>
+            </a:effectRef>
+            <a:fontRef idx="minor">
+              <a:schemeClr val="tx1"/>
+            </a:fontRef>
+          </p:style>
+        </p:cxnSp>
+        <p:cxnSp>
+          <p:nvCxnSpPr>
+            <p:cNvPr id="98" name="Straight Arrow Connector 97"/>
+            <p:cNvCxnSpPr/>
+            <p:nvPr/>
+          </p:nvCxnSpPr>
+          <p:spPr>
+            <a:xfrm flipH="1">
+              <a:off x="3810000" y="3810000"/>
+              <a:ext cx="152400" cy="1272541"/>
+            </a:xfrm>
+            <a:prstGeom prst="straightConnector1">
+              <a:avLst/>
+            </a:prstGeom>
+            <a:ln>
+              <a:tailEnd type="arrow"/>
+            </a:ln>
+          </p:spPr>
+          <p:style>
+            <a:lnRef idx="1">
+              <a:schemeClr val="accent1"/>
+            </a:lnRef>
+            <a:fillRef idx="0">
+              <a:schemeClr val="accent1"/>
+            </a:fillRef>
+            <a:effectRef idx="0">
+              <a:schemeClr val="accent1"/>
+            </a:effectRef>
+            <a:fontRef idx="minor">
+              <a:schemeClr val="tx1"/>
+            </a:fontRef>
+          </p:style>
+        </p:cxnSp>
+        <p:cxnSp>
+          <p:nvCxnSpPr>
+            <p:cNvPr id="99" name="Straight Arrow Connector 98"/>
+            <p:cNvCxnSpPr>
+              <a:endCxn id="89" idx="2"/>
+            </p:cNvCxnSpPr>
+            <p:nvPr/>
+          </p:nvCxnSpPr>
+          <p:spPr>
+            <a:xfrm flipV="1">
+              <a:off x="3962401" y="3810000"/>
+              <a:ext cx="152401" cy="1262531"/>
+            </a:xfrm>
+            <a:prstGeom prst="straightConnector1">
+              <a:avLst/>
+            </a:prstGeom>
+            <a:ln>
+              <a:tailEnd type="arrow"/>
+            </a:ln>
+          </p:spPr>
+          <p:style>
+            <a:lnRef idx="1">
+              <a:schemeClr val="accent1"/>
+            </a:lnRef>
+            <a:fillRef idx="0">
+              <a:schemeClr val="accent1"/>
+            </a:fillRef>
+            <a:effectRef idx="0">
+              <a:schemeClr val="accent1"/>
+            </a:effectRef>
+            <a:fontRef idx="minor">
+              <a:schemeClr val="tx1"/>
+            </a:fontRef>
+          </p:style>
+        </p:cxnSp>
+      </p:grpSp>
+      <p:sp>
+        <p:nvSpPr>
+          <p:cNvPr id="100" name="TextBox 99"/>
+          <p:cNvSpPr txBox="1"/>
+          <p:nvPr/>
+        </p:nvSpPr>
+        <p:spPr>
+          <a:xfrm>
+            <a:off x="2819400" y="2996704"/>
+            <a:ext cx="1090492" cy="369332"/>
+          </a:xfrm>
+          <a:prstGeom prst="rect">
+            <a:avLst/>
+          </a:prstGeom>
+          <a:noFill/>
+        </p:spPr>
+        <p:txBody>
+          <a:bodyPr wrap="square" rtlCol="0">
+            <a:spAutoFit/>
+          </a:bodyPr>
+          <a:lstStyle/>
+          <a:p>
+            <a:r>
+              <a:rPr lang="en-US" dirty="0" err="1" smtClean="0"/>
+              <a:t>NewGUI</a:t>
+            </a:r>
+            <a:endParaRPr lang="en-US" dirty="0"/>
+          </a:p>
+        </p:txBody>
+      </p:sp>
+      <p:sp>
+        <p:nvSpPr>
+          <p:cNvPr id="101" name="TextBox 100"/>
+          <p:cNvSpPr txBox="1"/>
+          <p:nvPr/>
+        </p:nvSpPr>
+        <p:spPr>
+          <a:xfrm>
+            <a:off x="4344848" y="2971800"/>
+            <a:ext cx="1090492" cy="369332"/>
+          </a:xfrm>
+          <a:prstGeom prst="rect">
+            <a:avLst/>
+          </a:prstGeom>
+          <a:noFill/>
+        </p:spPr>
+        <p:txBody>
+          <a:bodyPr wrap="square" rtlCol="0">
+            <a:spAutoFit/>
+          </a:bodyPr>
+          <a:lstStyle/>
+          <a:p>
+            <a:r>
+              <a:rPr lang="en-US" dirty="0" err="1" smtClean="0"/>
+              <a:t>FixLock</a:t>
+            </a:r>
+            <a:endParaRPr lang="en-US" dirty="0"/>
+          </a:p>
+        </p:txBody>
+      </p:sp>
+      <p:cxnSp>
+        <p:nvCxnSpPr>
+          <p:cNvPr id="103" name="Straight Arrow Connector 102"/>
+          <p:cNvCxnSpPr/>
+          <p:nvPr/>
+        </p:nvCxnSpPr>
+        <p:spPr>
+          <a:xfrm flipH="1">
+            <a:off x="5174713" y="5426053"/>
+            <a:ext cx="734748" cy="0"/>
+          </a:xfrm>
+          <a:prstGeom prst="straightConnector1">
+            <a:avLst/>
+          </a:prstGeom>
+          <a:ln>
+            <a:tailEnd type="arrow"/>
+          </a:ln>
+        </p:spPr>
+        <p:style>
+          <a:lnRef idx="1">
+            <a:schemeClr val="accent1"/>
+          </a:lnRef>
+          <a:fillRef idx="0">
+            <a:schemeClr val="accent1"/>
+          </a:fillRef>
+          <a:effectRef idx="0">
+            <a:schemeClr val="accent1"/>
+          </a:effectRef>
+          <a:fontRef idx="minor">
+            <a:schemeClr val="tx1"/>
+          </a:fontRef>
+        </p:style>
+      </p:cxnSp>
+      <p:cxnSp>
+        <p:nvCxnSpPr>
+          <p:cNvPr id="105" name="Straight Arrow Connector 104"/>
+          <p:cNvCxnSpPr/>
+          <p:nvPr/>
+        </p:nvCxnSpPr>
+        <p:spPr>
+          <a:xfrm>
+            <a:off x="3596400" y="5426053"/>
+            <a:ext cx="748448" cy="0"/>
+          </a:xfrm>
+          <a:prstGeom prst="straightConnector1">
+            <a:avLst/>
+          </a:prstGeom>
+          <a:ln>
+            <a:tailEnd type="arrow"/>
+          </a:ln>
+        </p:spPr>
+        <p:style>
+          <a:lnRef idx="1">
+            <a:schemeClr val="accent1"/>
+          </a:lnRef>
+          <a:fillRef idx="0">
+            <a:schemeClr val="accent1"/>
+          </a:fillRef>
+          <a:effectRef idx="0">
+            <a:schemeClr val="accent1"/>
+          </a:effectRef>
+          <a:fontRef idx="minor">
+            <a:schemeClr val="tx1"/>
+          </a:fontRef>
+        </p:style>
+      </p:cxnSp>
+      <p:sp>
+        <p:nvSpPr>
+          <p:cNvPr id="106" name="TextBox 105"/>
+          <p:cNvSpPr txBox="1"/>
+          <p:nvPr/>
+        </p:nvSpPr>
+        <p:spPr>
+          <a:xfrm>
+            <a:off x="5105400" y="5105400"/>
+            <a:ext cx="914400" cy="369332"/>
+          </a:xfrm>
+          <a:prstGeom prst="rect">
+            <a:avLst/>
+          </a:prstGeom>
+          <a:noFill/>
+        </p:spPr>
+        <p:txBody>
+          <a:bodyPr wrap="square" rtlCol="0">
+            <a:spAutoFit/>
+          </a:bodyPr>
+          <a:lstStyle/>
+          <a:p>
+            <a:r>
+              <a:rPr lang="en-US" dirty="0" smtClean="0"/>
+              <a:t>merge</a:t>
+            </a:r>
+            <a:endParaRPr lang="en-US" dirty="0"/>
+          </a:p>
+        </p:txBody>
+      </p:sp>
+      <p:sp>
+        <p:nvSpPr>
+          <p:cNvPr id="107" name="TextBox 106"/>
+          <p:cNvSpPr txBox="1"/>
+          <p:nvPr/>
+        </p:nvSpPr>
+        <p:spPr>
+          <a:xfrm>
+            <a:off x="3505200" y="5117068"/>
+            <a:ext cx="914400" cy="369332"/>
+          </a:xfrm>
+          <a:prstGeom prst="rect">
+            <a:avLst/>
+          </a:prstGeom>
+          <a:noFill/>
+        </p:spPr>
+        <p:txBody>
+          <a:bodyPr wrap="square" rtlCol="0">
+            <a:spAutoFit/>
+          </a:bodyPr>
+          <a:lstStyle/>
+          <a:p>
+            <a:r>
+              <a:rPr lang="en-US" dirty="0" smtClean="0"/>
+              <a:t>merge</a:t>
+            </a:r>
+            <a:endParaRPr lang="en-US" dirty="0"/>
+          </a:p>
+        </p:txBody>
+      </p:sp>
+    </p:spTree>
+    <p:extLst>
+      <p:ext uri="{BB962C8B-B14F-4D97-AF65-F5344CB8AC3E}">
+        <p14:creationId xmlns:p14="http://schemas.microsoft.com/office/powerpoint/2010/main" val="4081095480"/>
+      </p:ext>
+    </p:extLst>
+  </p:cSld>
+  <p:clrMapOvr>
+    <a:masterClrMapping/>
+  </p:clrMapOvr>
+</p:sld>
+</file>
+
+<file path=ppt/slides/slide19.xml><?xml version="1.0" encoding="utf-8"?>
+<p:sld xmlns:a="http://schemas.openxmlformats.org/drawingml/2006/main" xmlns:r="http://schemas.openxmlformats.org/officeDocument/2006/relationships" xmlns:p="http://schemas.openxmlformats.org/presentationml/2006/main">
+  <p:cSld>
+    <p:spTree>
+      <p:nvGrpSpPr>
+        <p:cNvPr id="1" name=""/>
+        <p:cNvGrpSpPr/>
+        <p:nvPr/>
+      </p:nvGrpSpPr>
+      <p:grpSpPr>
+        <a:xfrm>
+          <a:off x="0" y="0"/>
+          <a:ext cx="0" cy="0"/>
+          <a:chOff x="0" y="0"/>
+          <a:chExt cx="0" cy="0"/>
+        </a:xfrm>
+      </p:grpSpPr>
+      <p:sp>
+        <p:nvSpPr>
+          <p:cNvPr id="2" name="Title 1"/>
+          <p:cNvSpPr>
+            <a:spLocks noGrp="1"/>
+          </p:cNvSpPr>
+          <p:nvPr>
+            <p:ph type="title"/>
+          </p:nvPr>
+        </p:nvSpPr>
+        <p:spPr/>
+        <p:txBody>
+          <a:bodyPr/>
+          <a:lstStyle/>
+          <a:p>
+            <a:r>
+              <a:rPr lang="en-US" dirty="0" smtClean="0"/>
+              <a:t>Branching commands</a:t>
+            </a:r>
+            <a:endParaRPr lang="en-US" dirty="0"/>
+          </a:p>
+        </p:txBody>
+      </p:sp>
+      <p:sp>
+        <p:nvSpPr>
+          <p:cNvPr id="3" name="Content Placeholder 2"/>
+          <p:cNvSpPr>
+            <a:spLocks noGrp="1"/>
+          </p:cNvSpPr>
+          <p:nvPr>
+            <p:ph idx="1"/>
+          </p:nvPr>
+        </p:nvSpPr>
+        <p:spPr/>
+        <p:txBody>
+          <a:bodyPr/>
+          <a:lstStyle/>
+          <a:p>
+            <a:r>
+              <a:rPr lang="en-US" dirty="0" smtClean="0"/>
+              <a:t>The following commands are useful for branching</a:t>
+            </a:r>
+          </a:p>
+          <a:p>
+            <a:pPr marL="800100" lvl="1" indent="-342900"/>
+            <a:r>
+              <a:rPr lang="en-US" dirty="0" smtClean="0"/>
+              <a:t>Create a branch</a:t>
+            </a:r>
+          </a:p>
+          <a:p>
+            <a:pPr marL="800100" lvl="1" indent="-342900"/>
+            <a:endParaRPr lang="en-US" dirty="0"/>
+          </a:p>
+          <a:p>
+            <a:pPr marL="800100" lvl="1" indent="-342900"/>
+            <a:r>
+              <a:rPr lang="en-US" dirty="0" smtClean="0"/>
+              <a:t>Delete a local branch</a:t>
+            </a:r>
+          </a:p>
+          <a:p>
+            <a:pPr marL="800100" lvl="1" indent="-342900"/>
+            <a:endParaRPr lang="en-US" dirty="0"/>
+          </a:p>
+          <a:p>
+            <a:pPr marL="800100" lvl="1" indent="-342900"/>
+            <a:r>
+              <a:rPr lang="en-US" dirty="0" smtClean="0"/>
+              <a:t>List all branches</a:t>
+            </a:r>
+          </a:p>
+          <a:p>
+            <a:pPr marL="800100" lvl="1" indent="-342900"/>
+            <a:endParaRPr lang="en-US" dirty="0"/>
+          </a:p>
+          <a:p>
+            <a:pPr marL="800100" lvl="1" indent="-342900"/>
+            <a:r>
+              <a:rPr lang="en-US" dirty="0" smtClean="0"/>
+              <a:t>Switch to a branch</a:t>
+            </a:r>
+          </a:p>
+          <a:p>
+            <a:pPr marL="800100" lvl="1" indent="-342900"/>
+            <a:endParaRPr lang="en-US" dirty="0"/>
+          </a:p>
+          <a:p>
+            <a:pPr marL="800100" lvl="1" indent="-342900"/>
+            <a:r>
+              <a:rPr lang="en-US" dirty="0" smtClean="0"/>
+              <a:t>Merge changes from a different branch into the current one </a:t>
+            </a:r>
+            <a:endParaRPr lang="en-US" dirty="0"/>
+          </a:p>
+        </p:txBody>
+      </p:sp>
+      <p:sp>
+        <p:nvSpPr>
+          <p:cNvPr id="4" name="Slide Number Placeholder 3"/>
+          <p:cNvSpPr>
+            <a:spLocks noGrp="1"/>
+          </p:cNvSpPr>
+          <p:nvPr>
+            <p:ph type="sldNum" sz="quarter" idx="12"/>
+          </p:nvPr>
+        </p:nvSpPr>
+        <p:spPr/>
+        <p:txBody>
+          <a:bodyPr/>
+          <a:lstStyle/>
+          <a:p>
+            <a:fld id="{6DA12B36-9664-4CB0-8B2E-F4A2F44AE97E}" type="slidenum">
+              <a:rPr lang="en-US" smtClean="0"/>
+              <a:t>19</a:t>
+            </a:fld>
+            <a:endParaRPr lang="en-US"/>
+          </a:p>
+        </p:txBody>
+      </p:sp>
+      <p:sp>
+        <p:nvSpPr>
+          <p:cNvPr id="5" name="Rectangle 4"/>
+          <p:cNvSpPr/>
+          <p:nvPr/>
+        </p:nvSpPr>
+        <p:spPr>
+          <a:xfrm>
+            <a:off x="1447800" y="2590800"/>
+            <a:ext cx="6477000" cy="381000"/>
+          </a:xfrm>
+          <a:prstGeom prst="rect">
+            <a:avLst/>
+          </a:prstGeom>
+        </p:spPr>
+        <p:style>
+          <a:lnRef idx="2">
+            <a:schemeClr val="accent1">
+              <a:shade val="50000"/>
+            </a:schemeClr>
+          </a:lnRef>
+          <a:fillRef idx="1">
+            <a:schemeClr val="accent1"/>
+          </a:fillRef>
+          <a:effectRef idx="0">
+            <a:schemeClr val="accent1"/>
+          </a:effectRef>
+          <a:fontRef idx="minor">
+            <a:schemeClr val="lt1"/>
+          </a:fontRef>
+        </p:style>
+        <p:txBody>
+          <a:bodyPr rtlCol="0" anchor="ctr"/>
+          <a:lstStyle/>
+          <a:p>
+            <a:r>
+              <a:rPr lang="en-US" dirty="0" err="1">
+                <a:latin typeface="Courier New" panose="02070309020205020404" pitchFamily="49" charset="0"/>
+                <a:cs typeface="Courier New" panose="02070309020205020404" pitchFamily="49" charset="0"/>
+              </a:rPr>
+              <a:t>git</a:t>
+            </a:r>
+            <a:r>
+              <a:rPr lang="en-US" dirty="0">
+                <a:latin typeface="Courier New" panose="02070309020205020404" pitchFamily="49" charset="0"/>
+                <a:cs typeface="Courier New" panose="02070309020205020404" pitchFamily="49" charset="0"/>
+              </a:rPr>
+              <a:t> </a:t>
+            </a:r>
+            <a:r>
+              <a:rPr lang="en-US" dirty="0" smtClean="0">
+                <a:latin typeface="Courier New" panose="02070309020205020404" pitchFamily="49" charset="0"/>
+                <a:cs typeface="Courier New" panose="02070309020205020404" pitchFamily="49" charset="0"/>
+              </a:rPr>
+              <a:t>checkout –b </a:t>
+            </a:r>
+            <a:r>
+              <a:rPr lang="en-US" dirty="0" err="1" smtClean="0">
+                <a:latin typeface="Courier New" panose="02070309020205020404" pitchFamily="49" charset="0"/>
+                <a:cs typeface="Courier New" panose="02070309020205020404" pitchFamily="49" charset="0"/>
+              </a:rPr>
+              <a:t>BranchName</a:t>
+            </a:r>
+            <a:endParaRPr lang="en-US" dirty="0">
+              <a:latin typeface="Courier New" panose="02070309020205020404" pitchFamily="49" charset="0"/>
+              <a:cs typeface="Courier New" panose="02070309020205020404" pitchFamily="49" charset="0"/>
+            </a:endParaRPr>
+          </a:p>
+        </p:txBody>
+      </p:sp>
+      <p:sp>
+        <p:nvSpPr>
+          <p:cNvPr id="6" name="Rectangle 5"/>
+          <p:cNvSpPr/>
+          <p:nvPr/>
+        </p:nvSpPr>
+        <p:spPr>
+          <a:xfrm>
+            <a:off x="1447800" y="3276600"/>
+            <a:ext cx="6477000" cy="381000"/>
+          </a:xfrm>
+          <a:prstGeom prst="rect">
+            <a:avLst/>
+          </a:prstGeom>
+        </p:spPr>
+        <p:style>
+          <a:lnRef idx="2">
+            <a:schemeClr val="accent1">
+              <a:shade val="50000"/>
+            </a:schemeClr>
+          </a:lnRef>
+          <a:fillRef idx="1">
+            <a:schemeClr val="accent1"/>
+          </a:fillRef>
+          <a:effectRef idx="0">
+            <a:schemeClr val="accent1"/>
+          </a:effectRef>
+          <a:fontRef idx="minor">
+            <a:schemeClr val="lt1"/>
+          </a:fontRef>
+        </p:style>
+        <p:txBody>
+          <a:bodyPr rtlCol="0" anchor="ctr"/>
+          <a:lstStyle/>
+          <a:p>
+            <a:r>
+              <a:rPr lang="en-US" dirty="0" err="1">
+                <a:latin typeface="Courier New" panose="02070309020205020404" pitchFamily="49" charset="0"/>
+                <a:cs typeface="Courier New" panose="02070309020205020404" pitchFamily="49" charset="0"/>
+              </a:rPr>
+              <a:t>git</a:t>
+            </a:r>
+            <a:r>
+              <a:rPr lang="en-US" dirty="0">
+                <a:latin typeface="Courier New" panose="02070309020205020404" pitchFamily="49" charset="0"/>
+                <a:cs typeface="Courier New" panose="02070309020205020404" pitchFamily="49" charset="0"/>
+              </a:rPr>
+              <a:t> </a:t>
+            </a:r>
+            <a:r>
+              <a:rPr lang="en-US" dirty="0" smtClean="0">
+                <a:latin typeface="Courier New" panose="02070309020205020404" pitchFamily="49" charset="0"/>
+                <a:cs typeface="Courier New" panose="02070309020205020404" pitchFamily="49" charset="0"/>
+              </a:rPr>
+              <a:t>branch –d </a:t>
+            </a:r>
+            <a:r>
+              <a:rPr lang="en-US" dirty="0" err="1" smtClean="0">
+                <a:latin typeface="Courier New" panose="02070309020205020404" pitchFamily="49" charset="0"/>
+                <a:cs typeface="Courier New" panose="02070309020205020404" pitchFamily="49" charset="0"/>
+              </a:rPr>
+              <a:t>BranchName</a:t>
+            </a:r>
+            <a:endParaRPr lang="en-US" dirty="0">
+              <a:latin typeface="Courier New" panose="02070309020205020404" pitchFamily="49" charset="0"/>
+              <a:cs typeface="Courier New" panose="02070309020205020404" pitchFamily="49" charset="0"/>
+            </a:endParaRPr>
+          </a:p>
+        </p:txBody>
+      </p:sp>
+      <p:sp>
+        <p:nvSpPr>
+          <p:cNvPr id="7" name="Rectangle 6"/>
+          <p:cNvSpPr/>
+          <p:nvPr/>
+        </p:nvSpPr>
+        <p:spPr>
+          <a:xfrm>
+            <a:off x="1436914" y="4038600"/>
+            <a:ext cx="6477000" cy="381000"/>
+          </a:xfrm>
+          <a:prstGeom prst="rect">
+            <a:avLst/>
+          </a:prstGeom>
+        </p:spPr>
+        <p:style>
+          <a:lnRef idx="2">
+            <a:schemeClr val="accent1">
+              <a:shade val="50000"/>
+            </a:schemeClr>
+          </a:lnRef>
+          <a:fillRef idx="1">
+            <a:schemeClr val="accent1"/>
+          </a:fillRef>
+          <a:effectRef idx="0">
+            <a:schemeClr val="accent1"/>
+          </a:effectRef>
+          <a:fontRef idx="minor">
+            <a:schemeClr val="lt1"/>
+          </a:fontRef>
+        </p:style>
+        <p:txBody>
+          <a:bodyPr rtlCol="0" anchor="ctr"/>
+          <a:lstStyle/>
+          <a:p>
+            <a:r>
+              <a:rPr lang="en-US" dirty="0" err="1">
+                <a:latin typeface="Courier New" panose="02070309020205020404" pitchFamily="49" charset="0"/>
+                <a:cs typeface="Courier New" panose="02070309020205020404" pitchFamily="49" charset="0"/>
+              </a:rPr>
+              <a:t>git</a:t>
+            </a:r>
+            <a:r>
+              <a:rPr lang="en-US" dirty="0">
+                <a:latin typeface="Courier New" panose="02070309020205020404" pitchFamily="49" charset="0"/>
+                <a:cs typeface="Courier New" panose="02070309020205020404" pitchFamily="49" charset="0"/>
+              </a:rPr>
+              <a:t> </a:t>
+            </a:r>
+            <a:r>
+              <a:rPr lang="en-US" dirty="0" smtClean="0">
+                <a:latin typeface="Courier New" panose="02070309020205020404" pitchFamily="49" charset="0"/>
+                <a:cs typeface="Courier New" panose="02070309020205020404" pitchFamily="49" charset="0"/>
+              </a:rPr>
+              <a:t>branch</a:t>
+            </a:r>
+            <a:endParaRPr lang="en-US" dirty="0">
+              <a:latin typeface="Courier New" panose="02070309020205020404" pitchFamily="49" charset="0"/>
+              <a:cs typeface="Courier New" panose="02070309020205020404" pitchFamily="49" charset="0"/>
+            </a:endParaRPr>
+          </a:p>
+        </p:txBody>
+      </p:sp>
+      <p:sp>
+        <p:nvSpPr>
+          <p:cNvPr id="8" name="Rectangle 7"/>
+          <p:cNvSpPr/>
+          <p:nvPr/>
+        </p:nvSpPr>
+        <p:spPr>
+          <a:xfrm>
+            <a:off x="1447800" y="4724400"/>
+            <a:ext cx="6477000" cy="381000"/>
+          </a:xfrm>
+          <a:prstGeom prst="rect">
+            <a:avLst/>
+          </a:prstGeom>
+        </p:spPr>
+        <p:style>
+          <a:lnRef idx="2">
+            <a:schemeClr val="accent1">
+              <a:shade val="50000"/>
+            </a:schemeClr>
+          </a:lnRef>
+          <a:fillRef idx="1">
+            <a:schemeClr val="accent1"/>
+          </a:fillRef>
+          <a:effectRef idx="0">
+            <a:schemeClr val="accent1"/>
+          </a:effectRef>
+          <a:fontRef idx="minor">
+            <a:schemeClr val="lt1"/>
+          </a:fontRef>
+        </p:style>
+        <p:txBody>
+          <a:bodyPr rtlCol="0" anchor="ctr"/>
+          <a:lstStyle/>
+          <a:p>
+            <a:r>
+              <a:rPr lang="en-US" dirty="0" err="1">
+                <a:latin typeface="Courier New" panose="02070309020205020404" pitchFamily="49" charset="0"/>
+                <a:cs typeface="Courier New" panose="02070309020205020404" pitchFamily="49" charset="0"/>
+              </a:rPr>
+              <a:t>git</a:t>
+            </a:r>
+            <a:r>
+              <a:rPr lang="en-US" dirty="0">
+                <a:latin typeface="Courier New" panose="02070309020205020404" pitchFamily="49" charset="0"/>
+                <a:cs typeface="Courier New" panose="02070309020205020404" pitchFamily="49" charset="0"/>
+              </a:rPr>
+              <a:t> </a:t>
+            </a:r>
+            <a:r>
+              <a:rPr lang="en-US" dirty="0" smtClean="0">
+                <a:latin typeface="Courier New" panose="02070309020205020404" pitchFamily="49" charset="0"/>
+                <a:cs typeface="Courier New" panose="02070309020205020404" pitchFamily="49" charset="0"/>
+              </a:rPr>
+              <a:t>checkout </a:t>
+            </a:r>
+            <a:r>
+              <a:rPr lang="en-US" dirty="0" err="1" smtClean="0">
+                <a:latin typeface="Courier New" panose="02070309020205020404" pitchFamily="49" charset="0"/>
+                <a:cs typeface="Courier New" panose="02070309020205020404" pitchFamily="49" charset="0"/>
+              </a:rPr>
+              <a:t>BranchName</a:t>
+            </a:r>
+            <a:endParaRPr lang="en-US" dirty="0">
+              <a:latin typeface="Courier New" panose="02070309020205020404" pitchFamily="49" charset="0"/>
+              <a:cs typeface="Courier New" panose="02070309020205020404" pitchFamily="49" charset="0"/>
+            </a:endParaRPr>
+          </a:p>
+        </p:txBody>
+      </p:sp>
+      <p:sp>
+        <p:nvSpPr>
+          <p:cNvPr id="9" name="Rectangle 8"/>
+          <p:cNvSpPr/>
+          <p:nvPr/>
+        </p:nvSpPr>
+        <p:spPr>
+          <a:xfrm>
+            <a:off x="1447800" y="5562600"/>
+            <a:ext cx="6477000" cy="381000"/>
+          </a:xfrm>
+          <a:prstGeom prst="rect">
+            <a:avLst/>
+          </a:prstGeom>
+        </p:spPr>
+        <p:style>
+          <a:lnRef idx="2">
+            <a:schemeClr val="accent1">
+              <a:shade val="50000"/>
+            </a:schemeClr>
+          </a:lnRef>
+          <a:fillRef idx="1">
+            <a:schemeClr val="accent1"/>
+          </a:fillRef>
+          <a:effectRef idx="0">
+            <a:schemeClr val="accent1"/>
+          </a:effectRef>
+          <a:fontRef idx="minor">
+            <a:schemeClr val="lt1"/>
+          </a:fontRef>
+        </p:style>
+        <p:txBody>
+          <a:bodyPr rtlCol="0" anchor="ctr"/>
+          <a:lstStyle/>
+          <a:p>
+            <a:r>
+              <a:rPr lang="en-US" dirty="0" err="1">
+                <a:latin typeface="Courier New" panose="02070309020205020404" pitchFamily="49" charset="0"/>
+                <a:cs typeface="Courier New" panose="02070309020205020404" pitchFamily="49" charset="0"/>
+              </a:rPr>
+              <a:t>git</a:t>
+            </a:r>
+            <a:r>
+              <a:rPr lang="en-US" dirty="0">
+                <a:latin typeface="Courier New" panose="02070309020205020404" pitchFamily="49" charset="0"/>
+                <a:cs typeface="Courier New" panose="02070309020205020404" pitchFamily="49" charset="0"/>
+              </a:rPr>
+              <a:t> </a:t>
+            </a:r>
+            <a:r>
+              <a:rPr lang="en-US" dirty="0" smtClean="0">
+                <a:latin typeface="Courier New" panose="02070309020205020404" pitchFamily="49" charset="0"/>
+                <a:cs typeface="Courier New" panose="02070309020205020404" pitchFamily="49" charset="0"/>
+              </a:rPr>
+              <a:t>merge</a:t>
+            </a:r>
+            <a:r>
+              <a:rPr lang="en-US" dirty="0" smtClean="0">
+                <a:latin typeface="Courier New" panose="02070309020205020404" pitchFamily="49" charset="0"/>
+                <a:cs typeface="Courier New" panose="02070309020205020404" pitchFamily="49" charset="0"/>
+              </a:rPr>
+              <a:t> </a:t>
+            </a:r>
+            <a:r>
+              <a:rPr lang="en-US" dirty="0" err="1" smtClean="0">
+                <a:latin typeface="Courier New" panose="02070309020205020404" pitchFamily="49" charset="0"/>
+                <a:cs typeface="Courier New" panose="02070309020205020404" pitchFamily="49" charset="0"/>
+              </a:rPr>
+              <a:t>BranchName</a:t>
+            </a:r>
+            <a:endParaRPr lang="en-US" dirty="0">
+              <a:latin typeface="Courier New" panose="02070309020205020404" pitchFamily="49" charset="0"/>
+              <a:cs typeface="Courier New" panose="02070309020205020404" pitchFamily="49" charset="0"/>
+            </a:endParaRPr>
+          </a:p>
+        </p:txBody>
+      </p:sp>
+    </p:spTree>
+    <p:extLst>
+      <p:ext uri="{BB962C8B-B14F-4D97-AF65-F5344CB8AC3E}">
+        <p14:creationId xmlns:p14="http://schemas.microsoft.com/office/powerpoint/2010/main" val="3668141011"/>
+      </p:ext>
+    </p:extLst>
+  </p:cSld>
+  <p:clrMapOvr>
+    <a:masterClrMapping/>
+  </p:clrMapOvr>
 </p:sld>
 </file>
 
@@ -15235,6 +19328,156 @@
       </p:par>
     </p:tnLst>
   </p:timing>
+</p:sld>
+</file>
+
+<file path=ppt/slides/slide20.xml><?xml version="1.0" encoding="utf-8"?>
+<p:sld xmlns:a="http://schemas.openxmlformats.org/drawingml/2006/main" xmlns:r="http://schemas.openxmlformats.org/officeDocument/2006/relationships" xmlns:p="http://schemas.openxmlformats.org/presentationml/2006/main">
+  <p:cSld>
+    <p:spTree>
+      <p:nvGrpSpPr>
+        <p:cNvPr id="1" name=""/>
+        <p:cNvGrpSpPr/>
+        <p:nvPr/>
+      </p:nvGrpSpPr>
+      <p:grpSpPr>
+        <a:xfrm>
+          <a:off x="0" y="0"/>
+          <a:ext cx="0" cy="0"/>
+          <a:chOff x="0" y="0"/>
+          <a:chExt cx="0" cy="0"/>
+        </a:xfrm>
+      </p:grpSpPr>
+      <p:sp>
+        <p:nvSpPr>
+          <p:cNvPr id="2" name="Title 1"/>
+          <p:cNvSpPr>
+            <a:spLocks noGrp="1"/>
+          </p:cNvSpPr>
+          <p:nvPr>
+            <p:ph type="title"/>
+          </p:nvPr>
+        </p:nvSpPr>
+        <p:spPr/>
+        <p:txBody>
+          <a:bodyPr/>
+          <a:lstStyle/>
+          <a:p>
+            <a:r>
+              <a:rPr lang="en-US" dirty="0" smtClean="0"/>
+              <a:t>This is just the beginning</a:t>
+            </a:r>
+            <a:endParaRPr lang="en-US" dirty="0"/>
+          </a:p>
+        </p:txBody>
+      </p:sp>
+      <p:sp>
+        <p:nvSpPr>
+          <p:cNvPr id="3" name="Content Placeholder 2"/>
+          <p:cNvSpPr>
+            <a:spLocks noGrp="1"/>
+          </p:cNvSpPr>
+          <p:nvPr>
+            <p:ph idx="1"/>
+          </p:nvPr>
+        </p:nvSpPr>
+        <p:spPr/>
+        <p:txBody>
+          <a:bodyPr/>
+          <a:lstStyle/>
+          <a:p>
+            <a:r>
+              <a:rPr lang="en-US" dirty="0" smtClean="0"/>
+              <a:t>Git is very powerful because it provides a thin abstraction</a:t>
+            </a:r>
+          </a:p>
+          <a:p>
+            <a:pPr marL="800100" lvl="1" indent="-342900"/>
+            <a:r>
+              <a:rPr lang="en-US" dirty="0" smtClean="0"/>
+              <a:t>These commands should be sufficient to do everything we need for this course</a:t>
+            </a:r>
+          </a:p>
+          <a:p>
+            <a:pPr marL="800100" lvl="1" indent="-342900"/>
+            <a:r>
+              <a:rPr lang="en-US" dirty="0" smtClean="0"/>
+              <a:t>Plenty of documentation available</a:t>
+            </a:r>
+          </a:p>
+          <a:p>
+            <a:pPr marL="1485900" lvl="2" indent="-342900"/>
+            <a:r>
+              <a:rPr lang="en-US" dirty="0" smtClean="0">
+                <a:hlinkClick r:id="rId2"/>
+              </a:rPr>
+              <a:t>Git book</a:t>
+            </a:r>
+            <a:endParaRPr lang="en-US" dirty="0" smtClean="0"/>
+          </a:p>
+          <a:p>
+            <a:pPr marL="1485900" lvl="2" indent="-342900"/>
+            <a:r>
+              <a:rPr lang="en-US" dirty="0" smtClean="0">
+                <a:hlinkClick r:id="rId3"/>
+              </a:rPr>
+              <a:t>Stack Overflow</a:t>
+            </a:r>
+            <a:endParaRPr lang="en-US" dirty="0" smtClean="0"/>
+          </a:p>
+          <a:p>
+            <a:pPr marL="1485900" lvl="2" indent="-342900"/>
+            <a:r>
+              <a:rPr lang="en-US" dirty="0" smtClean="0">
+                <a:hlinkClick r:id="rId4"/>
+              </a:rPr>
+              <a:t>Github Documentation</a:t>
+            </a:r>
+            <a:endParaRPr lang="en-US" dirty="0" smtClean="0"/>
+          </a:p>
+          <a:p>
+            <a:pPr marL="800100" lvl="1" indent="-342900"/>
+            <a:r>
+              <a:rPr lang="en-US" dirty="0" smtClean="0"/>
+              <a:t>Exercise caution with Git, you can get yourself in trouble</a:t>
+            </a:r>
+            <a:endParaRPr lang="en-US" dirty="0"/>
+          </a:p>
+        </p:txBody>
+      </p:sp>
+      <p:sp>
+        <p:nvSpPr>
+          <p:cNvPr id="4" name="Slide Number Placeholder 3"/>
+          <p:cNvSpPr>
+            <a:spLocks noGrp="1"/>
+          </p:cNvSpPr>
+          <p:nvPr>
+            <p:ph type="sldNum" sz="quarter" idx="12"/>
+          </p:nvPr>
+        </p:nvSpPr>
+        <p:spPr/>
+        <p:txBody>
+          <a:bodyPr/>
+          <a:lstStyle/>
+          <a:p>
+            <a:fld id="{6DA12B36-9664-4CB0-8B2E-F4A2F44AE97E}" type="slidenum">
+              <a:rPr lang="en-US" smtClean="0"/>
+              <a:t>20</a:t>
+            </a:fld>
+            <a:endParaRPr lang="en-US"/>
+          </a:p>
+        </p:txBody>
+      </p:sp>
+    </p:spTree>
+    <p:extLst>
+      <p:ext uri="{BB962C8B-B14F-4D97-AF65-F5344CB8AC3E}">
+        <p14:creationId xmlns:p14="http://schemas.microsoft.com/office/powerpoint/2010/main" val="820096840"/>
+      </p:ext>
+    </p:extLst>
+  </p:cSld>
+  <p:clrMapOvr>
+    <a:masterClrMapping/>
+  </p:clrMapOvr>
 </p:sld>
 </file>
 
@@ -19919,10 +24162,9 @@
           <a:p>
             <a:pPr marL="800100" lvl="1" indent="-342900"/>
             <a:r>
-              <a:rPr lang="en-US" dirty="0" err="1" smtClean="0"/>
+              <a:rPr lang="en-US" dirty="0" smtClean="0"/>
               <a:t>Git</a:t>
             </a:r>
-            <a:endParaRPr lang="en-US" dirty="0" smtClean="0"/>
           </a:p>
           <a:p>
             <a:pPr marL="800100" lvl="1" indent="-342900"/>
@@ -20056,15 +24298,7 @@
           <a:p>
             <a:r>
               <a:rPr lang="en-US" dirty="0" smtClean="0"/>
-              <a:t>We will treat </a:t>
-            </a:r>
-            <a:r>
-              <a:rPr lang="en-US" dirty="0" err="1" smtClean="0"/>
-              <a:t>Github</a:t>
-            </a:r>
-            <a:r>
-              <a:rPr lang="en-US" dirty="0" smtClean="0"/>
-              <a:t> as a super-node, called origin.</a:t>
+              <a:t>We will treat Github as a super-node, called origin.</a:t>
             </a:r>
             <a:endParaRPr lang="en-US" dirty="0"/>
           </a:p>
@@ -23107,7 +27341,7 @@
             <a:lstStyle/>
             <a:p>
               <a:r>
-                <a:rPr lang="en-US" dirty="0" err="1" smtClean="0"/>
+                <a:rPr lang="en-US" dirty="0" smtClean="0"/>
                 <a:t>Github</a:t>
               </a:r>
               <a:endParaRPr lang="en-US" dirty="0"/>
@@ -23858,15 +28092,7 @@
           <a:p>
             <a:r>
               <a:rPr lang="en-US" dirty="0" smtClean="0"/>
-              <a:t>Each student repository on </a:t>
-            </a:r>
-            <a:r>
-              <a:rPr lang="en-US" dirty="0" err="1" smtClean="0"/>
-              <a:t>Github</a:t>
-            </a:r>
-            <a:r>
-              <a:rPr lang="en-US" dirty="0" smtClean="0"/>
-              <a:t> is called a fork.</a:t>
+              <a:t>Each student repository on Github is called a fork.</a:t>
             </a:r>
             <a:endParaRPr lang="en-US" dirty="0"/>
           </a:p>
@@ -26909,7 +31135,7 @@
             <a:lstStyle/>
             <a:p>
               <a:r>
-                <a:rPr lang="en-US" dirty="0" err="1" smtClean="0"/>
+                <a:rPr lang="en-US" dirty="0" smtClean="0"/>
                 <a:t>Github</a:t>
               </a:r>
               <a:endParaRPr lang="en-US" dirty="0"/>
@@ -30936,7 +35162,7 @@
             <a:lstStyle/>
             <a:p>
               <a:r>
-                <a:rPr lang="en-US" dirty="0" err="1" smtClean="0"/>
+                <a:rPr lang="en-US" dirty="0" smtClean="0"/>
                 <a:t>Github</a:t>
               </a:r>
               <a:endParaRPr lang="en-US" dirty="0"/>

--- a/Lectures/Introduction to Distributed Version Control/Introduction to Distributed Version Control.pptx
+++ b/Lectures/Introduction to Distributed Version Control/Introduction to Distributed Version Control.pptx
@@ -211,7 +211,7 @@
           <a:p>
             <a:fld id="{DBE0ECA1-3FBF-48AE-AD2A-4439AE745E19}" type="datetimeFigureOut">
               <a:rPr lang="en-US" smtClean="0"/>
-              <a:t>10/17/2013</a:t>
+              <a:t>1/17/2014</a:t>
             </a:fld>
             <a:endParaRPr lang="en-US"/>
           </a:p>
@@ -672,7 +672,7 @@
           <a:p>
             <a:fld id="{9769DED8-28D4-45B9-A00F-7CFE9335FEA6}" type="datetime1">
               <a:rPr lang="en-US" smtClean="0"/>
-              <a:t>10/17/2013</a:t>
+              <a:t>1/17/2014</a:t>
             </a:fld>
             <a:endParaRPr lang="en-US"/>
           </a:p>
@@ -937,7 +937,7 @@
           <a:p>
             <a:fld id="{2DB3D439-1F88-44B4-B5F7-F9BCD4064257}" type="datetime1">
               <a:rPr lang="en-US" smtClean="0"/>
-              <a:t>10/17/2013</a:t>
+              <a:t>1/17/2014</a:t>
             </a:fld>
             <a:endParaRPr lang="en-US"/>
           </a:p>
@@ -1112,7 +1112,7 @@
           <a:p>
             <a:fld id="{99C5638F-6F55-4055-935C-67841BE78C36}" type="datetime1">
               <a:rPr lang="en-US" smtClean="0"/>
-              <a:t>10/17/2013</a:t>
+              <a:t>1/17/2014</a:t>
             </a:fld>
             <a:endParaRPr lang="en-US"/>
           </a:p>
@@ -1277,7 +1277,7 @@
           <a:p>
             <a:fld id="{E6987D90-0C92-4B22-A29D-FED15412CED2}" type="datetime1">
               <a:rPr lang="en-US" smtClean="0"/>
-              <a:t>10/17/2013</a:t>
+              <a:t>1/17/2014</a:t>
             </a:fld>
             <a:endParaRPr lang="en-US"/>
           </a:p>
@@ -1526,7 +1526,7 @@
           <a:p>
             <a:fld id="{DDB67BC4-9554-49E0-BCB3-D1EF965BA0B8}" type="datetime1">
               <a:rPr lang="en-US" smtClean="0"/>
-              <a:t>10/17/2013</a:t>
+              <a:t>1/17/2014</a:t>
             </a:fld>
             <a:endParaRPr lang="en-US"/>
           </a:p>
@@ -1809,7 +1809,7 @@
           <a:p>
             <a:fld id="{EC24D770-803D-4E01-921C-9C100DD8230C}" type="datetime1">
               <a:rPr lang="en-US" smtClean="0"/>
-              <a:t>10/17/2013</a:t>
+              <a:t>1/17/2014</a:t>
             </a:fld>
             <a:endParaRPr lang="en-US"/>
           </a:p>
@@ -2248,7 +2248,7 @@
           <a:p>
             <a:fld id="{356AD44B-78A4-4209-8070-7DCBE2DC4992}" type="datetime1">
               <a:rPr lang="en-US" smtClean="0"/>
-              <a:t>10/17/2013</a:t>
+              <a:t>1/17/2014</a:t>
             </a:fld>
             <a:endParaRPr lang="en-US"/>
           </a:p>
@@ -2361,7 +2361,7 @@
           <a:p>
             <a:fld id="{A993C59A-7CA2-467F-B7F1-9096881A01B8}" type="datetime1">
               <a:rPr lang="en-US" smtClean="0"/>
-              <a:t>10/17/2013</a:t>
+              <a:t>1/17/2014</a:t>
             </a:fld>
             <a:endParaRPr lang="en-US"/>
           </a:p>
@@ -2451,7 +2451,7 @@
           <a:p>
             <a:fld id="{2B6B58D0-2488-434A-8ED1-692E09B85CC5}" type="datetime1">
               <a:rPr lang="en-US" smtClean="0"/>
-              <a:t>10/17/2013</a:t>
+              <a:t>1/17/2014</a:t>
             </a:fld>
             <a:endParaRPr lang="en-US"/>
           </a:p>
@@ -2693,7 +2693,7 @@
           <a:p>
             <a:fld id="{FDB0AFC2-7D64-4F61-A7B7-9932D3305DDA}" type="datetime1">
               <a:rPr lang="en-US" smtClean="0"/>
-              <a:t>10/17/2013</a:t>
+              <a:t>1/17/2014</a:t>
             </a:fld>
             <a:endParaRPr lang="en-US"/>
           </a:p>
@@ -2987,7 +2987,7 @@
           <a:p>
             <a:fld id="{4983D17A-D7B2-4ECE-8A2C-93679B9D177B}" type="datetime1">
               <a:rPr lang="en-US" smtClean="0"/>
-              <a:t>10/17/2013</a:t>
+              <a:t>1/17/2014</a:t>
             </a:fld>
             <a:endParaRPr lang="en-US"/>
           </a:p>
@@ -3281,7 +3281,7 @@
           <a:p>
             <a:fld id="{2A5275F7-419E-4C23-8A3D-2EE5742B2EC9}" type="datetime1">
               <a:rPr lang="en-US" smtClean="0"/>
-              <a:t>10/17/2013</a:t>
+              <a:t>1/17/2014</a:t>
             </a:fld>
             <a:endParaRPr lang="en-US"/>
           </a:p>
@@ -8222,7 +8222,26 @@
             <a:pPr marL="800100" lvl="1" indent="-342900"/>
             <a:r>
               <a:rPr lang="en-US" dirty="0" smtClean="0"/>
-              <a:t>Review changes that have been committed to the repo</a:t>
+              <a:t>See the differences between local files and the changed ones in the repository</a:t>
+            </a:r>
+          </a:p>
+          <a:p>
+            <a:pPr marL="800100" lvl="1" indent="-342900"/>
+            <a:endParaRPr lang="en-US" dirty="0"/>
+          </a:p>
+          <a:p>
+            <a:pPr marL="800100" lvl="1" indent="-342900"/>
+            <a:endParaRPr lang="en-US" dirty="0" smtClean="0"/>
+          </a:p>
+          <a:p>
+            <a:pPr marL="800100" lvl="1" indent="-342900"/>
+            <a:r>
+              <a:rPr lang="en-US" dirty="0" smtClean="0"/>
+              <a:t>Review </a:t>
+            </a:r>
+            <a:r>
+              <a:rPr lang="en-US" dirty="0" smtClean="0"/>
+              <a:t>changes that have been committed to the repo</a:t>
             </a:r>
             <a:endParaRPr lang="en-US" dirty="0"/>
           </a:p>
@@ -8315,7 +8334,7 @@
         </p:nvSpPr>
         <p:spPr>
           <a:xfrm>
-            <a:off x="1447800" y="4038600"/>
+            <a:off x="1447800" y="5486400"/>
             <a:ext cx="6477000" cy="381000"/>
           </a:xfrm>
           <a:prstGeom prst="rect">
@@ -8355,6 +8374,69 @@
                 <a:cs typeface="Courier New" panose="02070309020205020404" pitchFamily="49" charset="0"/>
               </a:rPr>
               <a:t> log</a:t>
+            </a:r>
+            <a:endParaRPr lang="en-US" dirty="0">
+              <a:latin typeface="Courier New" panose="02070309020205020404" pitchFamily="49" charset="0"/>
+              <a:cs typeface="Courier New" panose="02070309020205020404" pitchFamily="49" charset="0"/>
+            </a:endParaRPr>
+          </a:p>
+        </p:txBody>
+      </p:sp>
+      <p:sp>
+        <p:nvSpPr>
+          <p:cNvPr id="7" name="Rectangle 6"/>
+          <p:cNvSpPr/>
+          <p:nvPr/>
+        </p:nvSpPr>
+        <p:spPr>
+          <a:xfrm>
+            <a:off x="1447800" y="4419600"/>
+            <a:ext cx="6477000" cy="381000"/>
+          </a:xfrm>
+          <a:prstGeom prst="rect">
+            <a:avLst/>
+          </a:prstGeom>
+        </p:spPr>
+        <p:style>
+          <a:lnRef idx="2">
+            <a:schemeClr val="accent1">
+              <a:shade val="50000"/>
+            </a:schemeClr>
+          </a:lnRef>
+          <a:fillRef idx="1">
+            <a:schemeClr val="accent1"/>
+          </a:fillRef>
+          <a:effectRef idx="0">
+            <a:schemeClr val="accent1"/>
+          </a:effectRef>
+          <a:fontRef idx="minor">
+            <a:schemeClr val="lt1"/>
+          </a:fontRef>
+        </p:style>
+        <p:txBody>
+          <a:bodyPr rtlCol="0" anchor="ctr"/>
+          <a:lstStyle/>
+          <a:p>
+            <a:r>
+              <a:rPr lang="en-US" dirty="0" err="1" smtClean="0">
+                <a:latin typeface="Courier New" panose="02070309020205020404" pitchFamily="49" charset="0"/>
+                <a:cs typeface="Courier New" panose="02070309020205020404" pitchFamily="49" charset="0"/>
+              </a:rPr>
+              <a:t>git</a:t>
+            </a:r>
+            <a:r>
+              <a:rPr lang="en-US" dirty="0" smtClean="0">
+                <a:latin typeface="Courier New" panose="02070309020205020404" pitchFamily="49" charset="0"/>
+                <a:cs typeface="Courier New" panose="02070309020205020404" pitchFamily="49" charset="0"/>
+              </a:rPr>
+              <a:t> </a:t>
+            </a:r>
+            <a:r>
+              <a:rPr lang="en-US" dirty="0" smtClean="0">
+                <a:latin typeface="Courier New" panose="02070309020205020404" pitchFamily="49" charset="0"/>
+                <a:cs typeface="Courier New" panose="02070309020205020404" pitchFamily="49" charset="0"/>
+              </a:rPr>
+              <a:t>diff</a:t>
             </a:r>
             <a:endParaRPr lang="en-US" dirty="0">
               <a:latin typeface="Courier New" panose="02070309020205020404" pitchFamily="49" charset="0"/>
@@ -19098,14 +19180,7 @@
                 <a:latin typeface="Courier New" panose="02070309020205020404" pitchFamily="49" charset="0"/>
                 <a:cs typeface="Courier New" panose="02070309020205020404" pitchFamily="49" charset="0"/>
               </a:rPr>
-              <a:t>merge</a:t>
-            </a:r>
-            <a:r>
-              <a:rPr lang="en-US" dirty="0" smtClean="0">
-                <a:latin typeface="Courier New" panose="02070309020205020404" pitchFamily="49" charset="0"/>
-                <a:cs typeface="Courier New" panose="02070309020205020404" pitchFamily="49" charset="0"/>
-              </a:rPr>
-              <a:t> </a:t>
+              <a:t>merge </a:t>
             </a:r>
             <a:r>
               <a:rPr lang="en-US" dirty="0" err="1" smtClean="0">
@@ -24193,6 +24268,14 @@
               <a:rPr lang="en-US" dirty="0" err="1" smtClean="0"/>
               <a:t>Bitkeeper</a:t>
             </a:r>
+            <a:endParaRPr lang="en-US" dirty="0" smtClean="0"/>
+          </a:p>
+          <a:p>
+            <a:pPr marL="342900" indent="-342900"/>
+            <a:r>
+              <a:rPr lang="en-US" dirty="0" smtClean="0"/>
+              <a:t>Many others exist as well</a:t>
+            </a:r>
             <a:endParaRPr lang="en-US" dirty="0"/>
           </a:p>
         </p:txBody>

--- a/Lectures/Introduction to Distributed Version Control/Introduction to Distributed Version Control.pptx
+++ b/Lectures/Introduction to Distributed Version Control/Introduction to Distributed Version Control.pptx
@@ -5,7 +5,7 @@
     <p:sldMasterId id="2147483660" r:id="rId1"/>
   </p:sldMasterIdLst>
   <p:notesMasterIdLst>
-    <p:notesMasterId r:id="rId22"/>
+    <p:notesMasterId r:id="rId23"/>
   </p:notesMasterIdLst>
   <p:sldIdLst>
     <p:sldId id="256" r:id="rId2"/>
@@ -17,17 +17,18 @@
     <p:sldId id="262" r:id="rId8"/>
     <p:sldId id="263" r:id="rId9"/>
     <p:sldId id="264" r:id="rId10"/>
-    <p:sldId id="266" r:id="rId11"/>
-    <p:sldId id="265" r:id="rId12"/>
-    <p:sldId id="268" r:id="rId13"/>
-    <p:sldId id="267" r:id="rId14"/>
-    <p:sldId id="269" r:id="rId15"/>
-    <p:sldId id="270" r:id="rId16"/>
-    <p:sldId id="271" r:id="rId17"/>
-    <p:sldId id="272" r:id="rId18"/>
-    <p:sldId id="273" r:id="rId19"/>
-    <p:sldId id="274" r:id="rId20"/>
-    <p:sldId id="275" r:id="rId21"/>
+    <p:sldId id="277" r:id="rId11"/>
+    <p:sldId id="266" r:id="rId12"/>
+    <p:sldId id="265" r:id="rId13"/>
+    <p:sldId id="268" r:id="rId14"/>
+    <p:sldId id="267" r:id="rId15"/>
+    <p:sldId id="269" r:id="rId16"/>
+    <p:sldId id="270" r:id="rId17"/>
+    <p:sldId id="271" r:id="rId18"/>
+    <p:sldId id="272" r:id="rId19"/>
+    <p:sldId id="273" r:id="rId20"/>
+    <p:sldId id="274" r:id="rId21"/>
+    <p:sldId id="275" r:id="rId22"/>
   </p:sldIdLst>
   <p:sldSz cx="9144000" cy="6858000" type="screen4x3"/>
   <p:notesSz cx="6858000" cy="9144000"/>
@@ -211,7 +212,7 @@
           <a:p>
             <a:fld id="{DBE0ECA1-3FBF-48AE-AD2A-4439AE745E19}" type="datetimeFigureOut">
               <a:rPr lang="en-US" smtClean="0"/>
-              <a:t>1/17/2014</a:t>
+              <a:t>1/18/2014</a:t>
             </a:fld>
             <a:endParaRPr lang="en-US"/>
           </a:p>
@@ -672,7 +673,7 @@
           <a:p>
             <a:fld id="{9769DED8-28D4-45B9-A00F-7CFE9335FEA6}" type="datetime1">
               <a:rPr lang="en-US" smtClean="0"/>
-              <a:t>1/17/2014</a:t>
+              <a:t>1/18/2014</a:t>
             </a:fld>
             <a:endParaRPr lang="en-US"/>
           </a:p>
@@ -937,7 +938,7 @@
           <a:p>
             <a:fld id="{2DB3D439-1F88-44B4-B5F7-F9BCD4064257}" type="datetime1">
               <a:rPr lang="en-US" smtClean="0"/>
-              <a:t>1/17/2014</a:t>
+              <a:t>1/18/2014</a:t>
             </a:fld>
             <a:endParaRPr lang="en-US"/>
           </a:p>
@@ -1112,7 +1113,7 @@
           <a:p>
             <a:fld id="{99C5638F-6F55-4055-935C-67841BE78C36}" type="datetime1">
               <a:rPr lang="en-US" smtClean="0"/>
-              <a:t>1/17/2014</a:t>
+              <a:t>1/18/2014</a:t>
             </a:fld>
             <a:endParaRPr lang="en-US"/>
           </a:p>
@@ -1277,7 +1278,7 @@
           <a:p>
             <a:fld id="{E6987D90-0C92-4B22-A29D-FED15412CED2}" type="datetime1">
               <a:rPr lang="en-US" smtClean="0"/>
-              <a:t>1/17/2014</a:t>
+              <a:t>1/18/2014</a:t>
             </a:fld>
             <a:endParaRPr lang="en-US"/>
           </a:p>
@@ -1526,7 +1527,7 @@
           <a:p>
             <a:fld id="{DDB67BC4-9554-49E0-BCB3-D1EF965BA0B8}" type="datetime1">
               <a:rPr lang="en-US" smtClean="0"/>
-              <a:t>1/17/2014</a:t>
+              <a:t>1/18/2014</a:t>
             </a:fld>
             <a:endParaRPr lang="en-US"/>
           </a:p>
@@ -1809,7 +1810,7 @@
           <a:p>
             <a:fld id="{EC24D770-803D-4E01-921C-9C100DD8230C}" type="datetime1">
               <a:rPr lang="en-US" smtClean="0"/>
-              <a:t>1/17/2014</a:t>
+              <a:t>1/18/2014</a:t>
             </a:fld>
             <a:endParaRPr lang="en-US"/>
           </a:p>
@@ -2248,7 +2249,7 @@
           <a:p>
             <a:fld id="{356AD44B-78A4-4209-8070-7DCBE2DC4992}" type="datetime1">
               <a:rPr lang="en-US" smtClean="0"/>
-              <a:t>1/17/2014</a:t>
+              <a:t>1/18/2014</a:t>
             </a:fld>
             <a:endParaRPr lang="en-US"/>
           </a:p>
@@ -2361,7 +2362,7 @@
           <a:p>
             <a:fld id="{A993C59A-7CA2-467F-B7F1-9096881A01B8}" type="datetime1">
               <a:rPr lang="en-US" smtClean="0"/>
-              <a:t>1/17/2014</a:t>
+              <a:t>1/18/2014</a:t>
             </a:fld>
             <a:endParaRPr lang="en-US"/>
           </a:p>
@@ -2451,7 +2452,7 @@
           <a:p>
             <a:fld id="{2B6B58D0-2488-434A-8ED1-692E09B85CC5}" type="datetime1">
               <a:rPr lang="en-US" smtClean="0"/>
-              <a:t>1/17/2014</a:t>
+              <a:t>1/18/2014</a:t>
             </a:fld>
             <a:endParaRPr lang="en-US"/>
           </a:p>
@@ -2693,7 +2694,7 @@
           <a:p>
             <a:fld id="{FDB0AFC2-7D64-4F61-A7B7-9932D3305DDA}" type="datetime1">
               <a:rPr lang="en-US" smtClean="0"/>
-              <a:t>1/17/2014</a:t>
+              <a:t>1/18/2014</a:t>
             </a:fld>
             <a:endParaRPr lang="en-US"/>
           </a:p>
@@ -2987,7 +2988,7 @@
           <a:p>
             <a:fld id="{4983D17A-D7B2-4ECE-8A2C-93679B9D177B}" type="datetime1">
               <a:rPr lang="en-US" smtClean="0"/>
-              <a:t>1/17/2014</a:t>
+              <a:t>1/18/2014</a:t>
             </a:fld>
             <a:endParaRPr lang="en-US"/>
           </a:p>
@@ -3281,7 +3282,7 @@
           <a:p>
             <a:fld id="{2A5275F7-419E-4C23-8A3D-2EE5742B2EC9}" type="datetime1">
               <a:rPr lang="en-US" smtClean="0"/>
-              <a:t>1/17/2014</a:t>
+              <a:t>1/18/2014</a:t>
             </a:fld>
             <a:endParaRPr lang="en-US"/>
           </a:p>
@@ -3893,6 +3894,4233 @@
           <a:p>
             <a:r>
               <a:rPr lang="en-US" dirty="0" smtClean="0"/>
+              <a:t>Get changes from forked repo</a:t>
+            </a:r>
+            <a:endParaRPr lang="en-US" dirty="0"/>
+          </a:p>
+        </p:txBody>
+      </p:sp>
+      <p:sp>
+        <p:nvSpPr>
+          <p:cNvPr id="3" name="Content Placeholder 2"/>
+          <p:cNvSpPr>
+            <a:spLocks noGrp="1"/>
+          </p:cNvSpPr>
+          <p:nvPr>
+            <p:ph idx="1"/>
+          </p:nvPr>
+        </p:nvSpPr>
+        <p:spPr/>
+        <p:txBody>
+          <a:bodyPr/>
+          <a:lstStyle/>
+          <a:p>
+            <a:r>
+              <a:rPr lang="en-US" dirty="0" smtClean="0"/>
+              <a:t>Pull changes from the forked repo to your </a:t>
+            </a:r>
+            <a:r>
+              <a:rPr lang="en-US" i="1" dirty="0" smtClean="0"/>
+              <a:t>local</a:t>
+            </a:r>
+            <a:r>
+              <a:rPr lang="en-US" dirty="0" smtClean="0"/>
+              <a:t> repo</a:t>
+            </a:r>
+            <a:endParaRPr lang="en-US" dirty="0"/>
+          </a:p>
+        </p:txBody>
+      </p:sp>
+      <p:sp>
+        <p:nvSpPr>
+          <p:cNvPr id="4" name="Slide Number Placeholder 3"/>
+          <p:cNvSpPr>
+            <a:spLocks noGrp="1"/>
+          </p:cNvSpPr>
+          <p:nvPr>
+            <p:ph type="sldNum" sz="quarter" idx="12"/>
+          </p:nvPr>
+        </p:nvSpPr>
+        <p:spPr/>
+        <p:txBody>
+          <a:bodyPr/>
+          <a:lstStyle/>
+          <a:p>
+            <a:fld id="{6DA12B36-9664-4CB0-8B2E-F4A2F44AE97E}" type="slidenum">
+              <a:rPr lang="en-US" smtClean="0"/>
+              <a:t>10</a:t>
+            </a:fld>
+            <a:endParaRPr lang="en-US"/>
+          </a:p>
+        </p:txBody>
+      </p:sp>
+      <p:grpSp>
+        <p:nvGrpSpPr>
+          <p:cNvPr id="5" name="Group 4"/>
+          <p:cNvGrpSpPr/>
+          <p:nvPr/>
+        </p:nvGrpSpPr>
+        <p:grpSpPr>
+          <a:xfrm>
+            <a:off x="914400" y="2221468"/>
+            <a:ext cx="7772400" cy="4179332"/>
+            <a:chOff x="914400" y="2221468"/>
+            <a:chExt cx="7772400" cy="4179332"/>
+          </a:xfrm>
+        </p:grpSpPr>
+        <p:grpSp>
+          <p:nvGrpSpPr>
+            <p:cNvPr id="6" name="Group 5"/>
+            <p:cNvGrpSpPr/>
+            <p:nvPr/>
+          </p:nvGrpSpPr>
+          <p:grpSpPr>
+            <a:xfrm>
+              <a:off x="3048000" y="2686878"/>
+              <a:ext cx="1411355" cy="797269"/>
+              <a:chOff x="609600" y="3124200"/>
+              <a:chExt cx="7505700" cy="2667000"/>
+            </a:xfrm>
+          </p:grpSpPr>
+          <p:sp>
+            <p:nvSpPr>
+              <p:cNvPr id="102" name="Rectangle 101"/>
+              <p:cNvSpPr/>
+              <p:nvPr/>
+            </p:nvSpPr>
+            <p:spPr>
+              <a:xfrm>
+                <a:off x="2743201" y="3124200"/>
+                <a:ext cx="2743201" cy="685800"/>
+              </a:xfrm>
+              <a:prstGeom prst="rect">
+                <a:avLst/>
+              </a:prstGeom>
+            </p:spPr>
+            <p:style>
+              <a:lnRef idx="2">
+                <a:schemeClr val="accent1">
+                  <a:shade val="50000"/>
+                </a:schemeClr>
+              </a:lnRef>
+              <a:fillRef idx="1">
+                <a:schemeClr val="accent1"/>
+              </a:fillRef>
+              <a:effectRef idx="0">
+                <a:schemeClr val="accent1"/>
+              </a:effectRef>
+              <a:fontRef idx="minor">
+                <a:schemeClr val="lt1"/>
+              </a:fontRef>
+            </p:style>
+            <p:txBody>
+              <a:bodyPr rtlCol="0" anchor="ctr"/>
+              <a:lstStyle/>
+              <a:p>
+                <a:pPr algn="ctr"/>
+                <a:endParaRPr lang="en-US" dirty="0"/>
+              </a:p>
+            </p:txBody>
+          </p:sp>
+          <p:sp>
+            <p:nvSpPr>
+              <p:cNvPr id="103" name="Rectangle 102"/>
+              <p:cNvSpPr/>
+              <p:nvPr/>
+            </p:nvSpPr>
+            <p:spPr>
+              <a:xfrm>
+                <a:off x="609600" y="5105400"/>
+                <a:ext cx="1752600" cy="685800"/>
+              </a:xfrm>
+              <a:prstGeom prst="rect">
+                <a:avLst/>
+              </a:prstGeom>
+            </p:spPr>
+            <p:style>
+              <a:lnRef idx="2">
+                <a:schemeClr val="accent1">
+                  <a:shade val="50000"/>
+                </a:schemeClr>
+              </a:lnRef>
+              <a:fillRef idx="1">
+                <a:schemeClr val="accent1"/>
+              </a:fillRef>
+              <a:effectRef idx="0">
+                <a:schemeClr val="accent1"/>
+              </a:effectRef>
+              <a:fontRef idx="minor">
+                <a:schemeClr val="lt1"/>
+              </a:fontRef>
+            </p:style>
+            <p:txBody>
+              <a:bodyPr rtlCol="0" anchor="ctr"/>
+              <a:lstStyle/>
+              <a:p>
+                <a:pPr algn="ctr"/>
+                <a:endParaRPr lang="en-US" dirty="0"/>
+              </a:p>
+            </p:txBody>
+          </p:sp>
+          <p:sp>
+            <p:nvSpPr>
+              <p:cNvPr id="104" name="Rectangle 103"/>
+              <p:cNvSpPr/>
+              <p:nvPr/>
+            </p:nvSpPr>
+            <p:spPr>
+              <a:xfrm>
+                <a:off x="2536372" y="5086895"/>
+                <a:ext cx="1752600" cy="685800"/>
+              </a:xfrm>
+              <a:prstGeom prst="rect">
+                <a:avLst/>
+              </a:prstGeom>
+            </p:spPr>
+            <p:style>
+              <a:lnRef idx="2">
+                <a:schemeClr val="accent1">
+                  <a:shade val="50000"/>
+                </a:schemeClr>
+              </a:lnRef>
+              <a:fillRef idx="1">
+                <a:schemeClr val="accent1"/>
+              </a:fillRef>
+              <a:effectRef idx="0">
+                <a:schemeClr val="accent1"/>
+              </a:effectRef>
+              <a:fontRef idx="minor">
+                <a:schemeClr val="lt1"/>
+              </a:fontRef>
+            </p:style>
+            <p:txBody>
+              <a:bodyPr rtlCol="0" anchor="ctr"/>
+              <a:lstStyle/>
+              <a:p>
+                <a:pPr algn="ctr"/>
+                <a:endParaRPr lang="en-US" dirty="0"/>
+              </a:p>
+            </p:txBody>
+          </p:sp>
+          <p:sp>
+            <p:nvSpPr>
+              <p:cNvPr id="105" name="Rectangle 104"/>
+              <p:cNvSpPr/>
+              <p:nvPr/>
+            </p:nvSpPr>
+            <p:spPr>
+              <a:xfrm>
+                <a:off x="4457700" y="5082541"/>
+                <a:ext cx="1752600" cy="685800"/>
+              </a:xfrm>
+              <a:prstGeom prst="rect">
+                <a:avLst/>
+              </a:prstGeom>
+            </p:spPr>
+            <p:style>
+              <a:lnRef idx="2">
+                <a:schemeClr val="accent1">
+                  <a:shade val="50000"/>
+                </a:schemeClr>
+              </a:lnRef>
+              <a:fillRef idx="1">
+                <a:schemeClr val="accent1"/>
+              </a:fillRef>
+              <a:effectRef idx="0">
+                <a:schemeClr val="accent1"/>
+              </a:effectRef>
+              <a:fontRef idx="minor">
+                <a:schemeClr val="lt1"/>
+              </a:fontRef>
+            </p:style>
+            <p:txBody>
+              <a:bodyPr rtlCol="0" anchor="ctr"/>
+              <a:lstStyle/>
+              <a:p>
+                <a:pPr algn="ctr"/>
+                <a:endParaRPr lang="en-US" dirty="0"/>
+              </a:p>
+            </p:txBody>
+          </p:sp>
+          <p:sp>
+            <p:nvSpPr>
+              <p:cNvPr id="106" name="Rectangle 105"/>
+              <p:cNvSpPr/>
+              <p:nvPr/>
+            </p:nvSpPr>
+            <p:spPr>
+              <a:xfrm>
+                <a:off x="6362700" y="5082542"/>
+                <a:ext cx="1752600" cy="685800"/>
+              </a:xfrm>
+              <a:prstGeom prst="rect">
+                <a:avLst/>
+              </a:prstGeom>
+            </p:spPr>
+            <p:style>
+              <a:lnRef idx="2">
+                <a:schemeClr val="accent1">
+                  <a:shade val="50000"/>
+                </a:schemeClr>
+              </a:lnRef>
+              <a:fillRef idx="1">
+                <a:schemeClr val="accent1"/>
+              </a:fillRef>
+              <a:effectRef idx="0">
+                <a:schemeClr val="accent1"/>
+              </a:effectRef>
+              <a:fontRef idx="minor">
+                <a:schemeClr val="lt1"/>
+              </a:fontRef>
+            </p:style>
+            <p:txBody>
+              <a:bodyPr rtlCol="0" anchor="ctr"/>
+              <a:lstStyle/>
+              <a:p>
+                <a:pPr algn="ctr"/>
+                <a:endParaRPr lang="en-US" dirty="0"/>
+              </a:p>
+            </p:txBody>
+          </p:sp>
+          <p:cxnSp>
+            <p:nvCxnSpPr>
+              <p:cNvPr id="107" name="Straight Arrow Connector 106"/>
+              <p:cNvCxnSpPr/>
+              <p:nvPr/>
+            </p:nvCxnSpPr>
+            <p:spPr>
+              <a:xfrm flipV="1">
+                <a:off x="1714500" y="3838304"/>
+                <a:ext cx="1448889" cy="1343296"/>
+              </a:xfrm>
+              <a:prstGeom prst="straightConnector1">
+                <a:avLst/>
+              </a:prstGeom>
+              <a:ln>
+                <a:tailEnd type="arrow"/>
+              </a:ln>
+            </p:spPr>
+            <p:style>
+              <a:lnRef idx="1">
+                <a:schemeClr val="accent1"/>
+              </a:lnRef>
+              <a:fillRef idx="0">
+                <a:schemeClr val="accent1"/>
+              </a:fillRef>
+              <a:effectRef idx="0">
+                <a:schemeClr val="accent1"/>
+              </a:effectRef>
+              <a:fontRef idx="minor">
+                <a:schemeClr val="tx1"/>
+              </a:fontRef>
+            </p:style>
+          </p:cxnSp>
+          <p:cxnSp>
+            <p:nvCxnSpPr>
+              <p:cNvPr id="108" name="Straight Arrow Connector 107"/>
+              <p:cNvCxnSpPr/>
+              <p:nvPr/>
+            </p:nvCxnSpPr>
+            <p:spPr>
+              <a:xfrm flipH="1">
+                <a:off x="1479369" y="3805016"/>
+                <a:ext cx="1562100" cy="1244238"/>
+              </a:xfrm>
+              <a:prstGeom prst="straightConnector1">
+                <a:avLst/>
+              </a:prstGeom>
+              <a:ln>
+                <a:tailEnd type="arrow"/>
+              </a:ln>
+            </p:spPr>
+            <p:style>
+              <a:lnRef idx="1">
+                <a:schemeClr val="accent1"/>
+              </a:lnRef>
+              <a:fillRef idx="0">
+                <a:schemeClr val="accent1"/>
+              </a:fillRef>
+              <a:effectRef idx="0">
+                <a:schemeClr val="accent1"/>
+              </a:effectRef>
+              <a:fontRef idx="minor">
+                <a:schemeClr val="tx1"/>
+              </a:fontRef>
+            </p:style>
+          </p:cxnSp>
+          <p:cxnSp>
+            <p:nvCxnSpPr>
+              <p:cNvPr id="109" name="Straight Arrow Connector 108"/>
+              <p:cNvCxnSpPr>
+                <a:endCxn id="105" idx="0"/>
+              </p:cNvCxnSpPr>
+              <p:nvPr/>
+            </p:nvCxnSpPr>
+            <p:spPr>
+              <a:xfrm>
+                <a:off x="5029200" y="3838303"/>
+                <a:ext cx="304800" cy="1244238"/>
+              </a:xfrm>
+              <a:prstGeom prst="straightConnector1">
+                <a:avLst/>
+              </a:prstGeom>
+              <a:ln>
+                <a:tailEnd type="arrow"/>
+              </a:ln>
+            </p:spPr>
+            <p:style>
+              <a:lnRef idx="1">
+                <a:schemeClr val="accent1"/>
+              </a:lnRef>
+              <a:fillRef idx="0">
+                <a:schemeClr val="accent1"/>
+              </a:fillRef>
+              <a:effectRef idx="0">
+                <a:schemeClr val="accent1"/>
+              </a:effectRef>
+              <a:fontRef idx="minor">
+                <a:schemeClr val="tx1"/>
+              </a:fontRef>
+            </p:style>
+          </p:cxnSp>
+          <p:cxnSp>
+            <p:nvCxnSpPr>
+              <p:cNvPr id="110" name="Straight Arrow Connector 109"/>
+              <p:cNvCxnSpPr>
+                <a:endCxn id="106" idx="0"/>
+              </p:cNvCxnSpPr>
+              <p:nvPr/>
+            </p:nvCxnSpPr>
+            <p:spPr>
+              <a:xfrm>
+                <a:off x="5334000" y="3838303"/>
+                <a:ext cx="1905000" cy="1244239"/>
+              </a:xfrm>
+              <a:prstGeom prst="straightConnector1">
+                <a:avLst/>
+              </a:prstGeom>
+              <a:ln>
+                <a:tailEnd type="arrow"/>
+              </a:ln>
+            </p:spPr>
+            <p:style>
+              <a:lnRef idx="1">
+                <a:schemeClr val="accent1"/>
+              </a:lnRef>
+              <a:fillRef idx="0">
+                <a:schemeClr val="accent1"/>
+              </a:fillRef>
+              <a:effectRef idx="0">
+                <a:schemeClr val="accent1"/>
+              </a:effectRef>
+              <a:fontRef idx="minor">
+                <a:schemeClr val="tx1"/>
+              </a:fontRef>
+            </p:style>
+          </p:cxnSp>
+          <p:cxnSp>
+            <p:nvCxnSpPr>
+              <p:cNvPr id="111" name="Straight Arrow Connector 110"/>
+              <p:cNvCxnSpPr/>
+              <p:nvPr/>
+            </p:nvCxnSpPr>
+            <p:spPr>
+              <a:xfrm flipH="1">
+                <a:off x="3810000" y="3810000"/>
+                <a:ext cx="152400" cy="1272541"/>
+              </a:xfrm>
+              <a:prstGeom prst="straightConnector1">
+                <a:avLst/>
+              </a:prstGeom>
+              <a:ln>
+                <a:tailEnd type="arrow"/>
+              </a:ln>
+            </p:spPr>
+            <p:style>
+              <a:lnRef idx="1">
+                <a:schemeClr val="accent1"/>
+              </a:lnRef>
+              <a:fillRef idx="0">
+                <a:schemeClr val="accent1"/>
+              </a:fillRef>
+              <a:effectRef idx="0">
+                <a:schemeClr val="accent1"/>
+              </a:effectRef>
+              <a:fontRef idx="minor">
+                <a:schemeClr val="tx1"/>
+              </a:fontRef>
+            </p:style>
+          </p:cxnSp>
+          <p:cxnSp>
+            <p:nvCxnSpPr>
+              <p:cNvPr id="112" name="Straight Arrow Connector 111"/>
+              <p:cNvCxnSpPr>
+                <a:endCxn id="102" idx="2"/>
+              </p:cNvCxnSpPr>
+              <p:nvPr/>
+            </p:nvCxnSpPr>
+            <p:spPr>
+              <a:xfrm flipV="1">
+                <a:off x="3962401" y="3810000"/>
+                <a:ext cx="152401" cy="1262531"/>
+              </a:xfrm>
+              <a:prstGeom prst="straightConnector1">
+                <a:avLst/>
+              </a:prstGeom>
+              <a:ln>
+                <a:tailEnd type="arrow"/>
+              </a:ln>
+            </p:spPr>
+            <p:style>
+              <a:lnRef idx="1">
+                <a:schemeClr val="accent1"/>
+              </a:lnRef>
+              <a:fillRef idx="0">
+                <a:schemeClr val="accent1"/>
+              </a:fillRef>
+              <a:effectRef idx="0">
+                <a:schemeClr val="accent1"/>
+              </a:effectRef>
+              <a:fontRef idx="minor">
+                <a:schemeClr val="tx1"/>
+              </a:fontRef>
+            </p:style>
+          </p:cxnSp>
+        </p:grpSp>
+        <p:grpSp>
+          <p:nvGrpSpPr>
+            <p:cNvPr id="7" name="Group 6"/>
+            <p:cNvGrpSpPr/>
+            <p:nvPr/>
+          </p:nvGrpSpPr>
+          <p:grpSpPr>
+            <a:xfrm>
+              <a:off x="1345405" y="3800363"/>
+              <a:ext cx="1411355" cy="797269"/>
+              <a:chOff x="609600" y="3124200"/>
+              <a:chExt cx="7505700" cy="2667000"/>
+            </a:xfrm>
+          </p:grpSpPr>
+          <p:sp>
+            <p:nvSpPr>
+              <p:cNvPr id="91" name="Rectangle 90"/>
+              <p:cNvSpPr/>
+              <p:nvPr/>
+            </p:nvSpPr>
+            <p:spPr>
+              <a:xfrm>
+                <a:off x="2743201" y="3124200"/>
+                <a:ext cx="2743201" cy="685800"/>
+              </a:xfrm>
+              <a:prstGeom prst="rect">
+                <a:avLst/>
+              </a:prstGeom>
+            </p:spPr>
+            <p:style>
+              <a:lnRef idx="2">
+                <a:schemeClr val="accent1">
+                  <a:shade val="50000"/>
+                </a:schemeClr>
+              </a:lnRef>
+              <a:fillRef idx="1">
+                <a:schemeClr val="accent1"/>
+              </a:fillRef>
+              <a:effectRef idx="0">
+                <a:schemeClr val="accent1"/>
+              </a:effectRef>
+              <a:fontRef idx="minor">
+                <a:schemeClr val="lt1"/>
+              </a:fontRef>
+            </p:style>
+            <p:txBody>
+              <a:bodyPr rtlCol="0" anchor="ctr"/>
+              <a:lstStyle/>
+              <a:p>
+                <a:pPr algn="ctr"/>
+                <a:endParaRPr lang="en-US" dirty="0"/>
+              </a:p>
+            </p:txBody>
+          </p:sp>
+          <p:sp>
+            <p:nvSpPr>
+              <p:cNvPr id="92" name="Rectangle 91"/>
+              <p:cNvSpPr/>
+              <p:nvPr/>
+            </p:nvSpPr>
+            <p:spPr>
+              <a:xfrm>
+                <a:off x="609600" y="5105400"/>
+                <a:ext cx="1752600" cy="685800"/>
+              </a:xfrm>
+              <a:prstGeom prst="rect">
+                <a:avLst/>
+              </a:prstGeom>
+            </p:spPr>
+            <p:style>
+              <a:lnRef idx="2">
+                <a:schemeClr val="accent1">
+                  <a:shade val="50000"/>
+                </a:schemeClr>
+              </a:lnRef>
+              <a:fillRef idx="1">
+                <a:schemeClr val="accent1"/>
+              </a:fillRef>
+              <a:effectRef idx="0">
+                <a:schemeClr val="accent1"/>
+              </a:effectRef>
+              <a:fontRef idx="minor">
+                <a:schemeClr val="lt1"/>
+              </a:fontRef>
+            </p:style>
+            <p:txBody>
+              <a:bodyPr rtlCol="0" anchor="ctr"/>
+              <a:lstStyle/>
+              <a:p>
+                <a:pPr algn="ctr"/>
+                <a:endParaRPr lang="en-US" dirty="0"/>
+              </a:p>
+            </p:txBody>
+          </p:sp>
+          <p:sp>
+            <p:nvSpPr>
+              <p:cNvPr id="93" name="Rectangle 92"/>
+              <p:cNvSpPr/>
+              <p:nvPr/>
+            </p:nvSpPr>
+            <p:spPr>
+              <a:xfrm>
+                <a:off x="2536372" y="5086895"/>
+                <a:ext cx="1752600" cy="685800"/>
+              </a:xfrm>
+              <a:prstGeom prst="rect">
+                <a:avLst/>
+              </a:prstGeom>
+            </p:spPr>
+            <p:style>
+              <a:lnRef idx="2">
+                <a:schemeClr val="accent1">
+                  <a:shade val="50000"/>
+                </a:schemeClr>
+              </a:lnRef>
+              <a:fillRef idx="1">
+                <a:schemeClr val="accent1"/>
+              </a:fillRef>
+              <a:effectRef idx="0">
+                <a:schemeClr val="accent1"/>
+              </a:effectRef>
+              <a:fontRef idx="minor">
+                <a:schemeClr val="lt1"/>
+              </a:fontRef>
+            </p:style>
+            <p:txBody>
+              <a:bodyPr rtlCol="0" anchor="ctr"/>
+              <a:lstStyle/>
+              <a:p>
+                <a:pPr algn="ctr"/>
+                <a:endParaRPr lang="en-US" dirty="0"/>
+              </a:p>
+            </p:txBody>
+          </p:sp>
+          <p:sp>
+            <p:nvSpPr>
+              <p:cNvPr id="94" name="Rectangle 93"/>
+              <p:cNvSpPr/>
+              <p:nvPr/>
+            </p:nvSpPr>
+            <p:spPr>
+              <a:xfrm>
+                <a:off x="4457700" y="5082541"/>
+                <a:ext cx="1752600" cy="685800"/>
+              </a:xfrm>
+              <a:prstGeom prst="rect">
+                <a:avLst/>
+              </a:prstGeom>
+            </p:spPr>
+            <p:style>
+              <a:lnRef idx="2">
+                <a:schemeClr val="accent1">
+                  <a:shade val="50000"/>
+                </a:schemeClr>
+              </a:lnRef>
+              <a:fillRef idx="1">
+                <a:schemeClr val="accent1"/>
+              </a:fillRef>
+              <a:effectRef idx="0">
+                <a:schemeClr val="accent1"/>
+              </a:effectRef>
+              <a:fontRef idx="minor">
+                <a:schemeClr val="lt1"/>
+              </a:fontRef>
+            </p:style>
+            <p:txBody>
+              <a:bodyPr rtlCol="0" anchor="ctr"/>
+              <a:lstStyle/>
+              <a:p>
+                <a:pPr algn="ctr"/>
+                <a:endParaRPr lang="en-US" dirty="0"/>
+              </a:p>
+            </p:txBody>
+          </p:sp>
+          <p:sp>
+            <p:nvSpPr>
+              <p:cNvPr id="95" name="Rectangle 94"/>
+              <p:cNvSpPr/>
+              <p:nvPr/>
+            </p:nvSpPr>
+            <p:spPr>
+              <a:xfrm>
+                <a:off x="6362700" y="5082542"/>
+                <a:ext cx="1752600" cy="685800"/>
+              </a:xfrm>
+              <a:prstGeom prst="rect">
+                <a:avLst/>
+              </a:prstGeom>
+            </p:spPr>
+            <p:style>
+              <a:lnRef idx="2">
+                <a:schemeClr val="accent1">
+                  <a:shade val="50000"/>
+                </a:schemeClr>
+              </a:lnRef>
+              <a:fillRef idx="1">
+                <a:schemeClr val="accent1"/>
+              </a:fillRef>
+              <a:effectRef idx="0">
+                <a:schemeClr val="accent1"/>
+              </a:effectRef>
+              <a:fontRef idx="minor">
+                <a:schemeClr val="lt1"/>
+              </a:fontRef>
+            </p:style>
+            <p:txBody>
+              <a:bodyPr rtlCol="0" anchor="ctr"/>
+              <a:lstStyle/>
+              <a:p>
+                <a:pPr algn="ctr"/>
+                <a:endParaRPr lang="en-US" dirty="0"/>
+              </a:p>
+            </p:txBody>
+          </p:sp>
+          <p:cxnSp>
+            <p:nvCxnSpPr>
+              <p:cNvPr id="96" name="Straight Arrow Connector 95"/>
+              <p:cNvCxnSpPr/>
+              <p:nvPr/>
+            </p:nvCxnSpPr>
+            <p:spPr>
+              <a:xfrm flipV="1">
+                <a:off x="1714500" y="3838304"/>
+                <a:ext cx="1448889" cy="1343296"/>
+              </a:xfrm>
+              <a:prstGeom prst="straightConnector1">
+                <a:avLst/>
+              </a:prstGeom>
+              <a:ln>
+                <a:tailEnd type="arrow"/>
+              </a:ln>
+            </p:spPr>
+            <p:style>
+              <a:lnRef idx="1">
+                <a:schemeClr val="accent1"/>
+              </a:lnRef>
+              <a:fillRef idx="0">
+                <a:schemeClr val="accent1"/>
+              </a:fillRef>
+              <a:effectRef idx="0">
+                <a:schemeClr val="accent1"/>
+              </a:effectRef>
+              <a:fontRef idx="minor">
+                <a:schemeClr val="tx1"/>
+              </a:fontRef>
+            </p:style>
+          </p:cxnSp>
+          <p:cxnSp>
+            <p:nvCxnSpPr>
+              <p:cNvPr id="97" name="Straight Arrow Connector 96"/>
+              <p:cNvCxnSpPr/>
+              <p:nvPr/>
+            </p:nvCxnSpPr>
+            <p:spPr>
+              <a:xfrm flipH="1">
+                <a:off x="1479369" y="3805016"/>
+                <a:ext cx="1562100" cy="1244238"/>
+              </a:xfrm>
+              <a:prstGeom prst="straightConnector1">
+                <a:avLst/>
+              </a:prstGeom>
+              <a:ln>
+                <a:tailEnd type="arrow"/>
+              </a:ln>
+            </p:spPr>
+            <p:style>
+              <a:lnRef idx="1">
+                <a:schemeClr val="accent1"/>
+              </a:lnRef>
+              <a:fillRef idx="0">
+                <a:schemeClr val="accent1"/>
+              </a:fillRef>
+              <a:effectRef idx="0">
+                <a:schemeClr val="accent1"/>
+              </a:effectRef>
+              <a:fontRef idx="minor">
+                <a:schemeClr val="tx1"/>
+              </a:fontRef>
+            </p:style>
+          </p:cxnSp>
+          <p:cxnSp>
+            <p:nvCxnSpPr>
+              <p:cNvPr id="98" name="Straight Arrow Connector 97"/>
+              <p:cNvCxnSpPr>
+                <a:endCxn id="94" idx="0"/>
+              </p:cNvCxnSpPr>
+              <p:nvPr/>
+            </p:nvCxnSpPr>
+            <p:spPr>
+              <a:xfrm>
+                <a:off x="5029200" y="3838303"/>
+                <a:ext cx="304800" cy="1244238"/>
+              </a:xfrm>
+              <a:prstGeom prst="straightConnector1">
+                <a:avLst/>
+              </a:prstGeom>
+              <a:ln>
+                <a:tailEnd type="arrow"/>
+              </a:ln>
+            </p:spPr>
+            <p:style>
+              <a:lnRef idx="1">
+                <a:schemeClr val="accent1"/>
+              </a:lnRef>
+              <a:fillRef idx="0">
+                <a:schemeClr val="accent1"/>
+              </a:fillRef>
+              <a:effectRef idx="0">
+                <a:schemeClr val="accent1"/>
+              </a:effectRef>
+              <a:fontRef idx="minor">
+                <a:schemeClr val="tx1"/>
+              </a:fontRef>
+            </p:style>
+          </p:cxnSp>
+          <p:cxnSp>
+            <p:nvCxnSpPr>
+              <p:cNvPr id="99" name="Straight Arrow Connector 98"/>
+              <p:cNvCxnSpPr>
+                <a:endCxn id="95" idx="0"/>
+              </p:cNvCxnSpPr>
+              <p:nvPr/>
+            </p:nvCxnSpPr>
+            <p:spPr>
+              <a:xfrm>
+                <a:off x="5334000" y="3838303"/>
+                <a:ext cx="1905000" cy="1244239"/>
+              </a:xfrm>
+              <a:prstGeom prst="straightConnector1">
+                <a:avLst/>
+              </a:prstGeom>
+              <a:ln>
+                <a:tailEnd type="arrow"/>
+              </a:ln>
+            </p:spPr>
+            <p:style>
+              <a:lnRef idx="1">
+                <a:schemeClr val="accent1"/>
+              </a:lnRef>
+              <a:fillRef idx="0">
+                <a:schemeClr val="accent1"/>
+              </a:fillRef>
+              <a:effectRef idx="0">
+                <a:schemeClr val="accent1"/>
+              </a:effectRef>
+              <a:fontRef idx="minor">
+                <a:schemeClr val="tx1"/>
+              </a:fontRef>
+            </p:style>
+          </p:cxnSp>
+          <p:cxnSp>
+            <p:nvCxnSpPr>
+              <p:cNvPr id="100" name="Straight Arrow Connector 99"/>
+              <p:cNvCxnSpPr/>
+              <p:nvPr/>
+            </p:nvCxnSpPr>
+            <p:spPr>
+              <a:xfrm flipH="1">
+                <a:off x="3810000" y="3810000"/>
+                <a:ext cx="152400" cy="1272541"/>
+              </a:xfrm>
+              <a:prstGeom prst="straightConnector1">
+                <a:avLst/>
+              </a:prstGeom>
+              <a:ln>
+                <a:tailEnd type="arrow"/>
+              </a:ln>
+            </p:spPr>
+            <p:style>
+              <a:lnRef idx="1">
+                <a:schemeClr val="accent1"/>
+              </a:lnRef>
+              <a:fillRef idx="0">
+                <a:schemeClr val="accent1"/>
+              </a:fillRef>
+              <a:effectRef idx="0">
+                <a:schemeClr val="accent1"/>
+              </a:effectRef>
+              <a:fontRef idx="minor">
+                <a:schemeClr val="tx1"/>
+              </a:fontRef>
+            </p:style>
+          </p:cxnSp>
+          <p:cxnSp>
+            <p:nvCxnSpPr>
+              <p:cNvPr id="101" name="Straight Arrow Connector 100"/>
+              <p:cNvCxnSpPr>
+                <a:endCxn id="91" idx="2"/>
+              </p:cNvCxnSpPr>
+              <p:nvPr/>
+            </p:nvCxnSpPr>
+            <p:spPr>
+              <a:xfrm flipV="1">
+                <a:off x="3962401" y="3810000"/>
+                <a:ext cx="152401" cy="1262531"/>
+              </a:xfrm>
+              <a:prstGeom prst="straightConnector1">
+                <a:avLst/>
+              </a:prstGeom>
+              <a:ln>
+                <a:tailEnd type="arrow"/>
+              </a:ln>
+            </p:spPr>
+            <p:style>
+              <a:lnRef idx="1">
+                <a:schemeClr val="accent1"/>
+              </a:lnRef>
+              <a:fillRef idx="0">
+                <a:schemeClr val="accent1"/>
+              </a:fillRef>
+              <a:effectRef idx="0">
+                <a:schemeClr val="accent1"/>
+              </a:effectRef>
+              <a:fontRef idx="minor">
+                <a:schemeClr val="tx1"/>
+              </a:fontRef>
+            </p:style>
+          </p:cxnSp>
+        </p:grpSp>
+        <p:grpSp>
+          <p:nvGrpSpPr>
+            <p:cNvPr id="8" name="Group 7"/>
+            <p:cNvGrpSpPr/>
+            <p:nvPr/>
+          </p:nvGrpSpPr>
+          <p:grpSpPr>
+            <a:xfrm>
+              <a:off x="3065910" y="3801176"/>
+              <a:ext cx="1411355" cy="797269"/>
+              <a:chOff x="609600" y="3124200"/>
+              <a:chExt cx="7505700" cy="2667000"/>
+            </a:xfrm>
+          </p:grpSpPr>
+          <p:sp>
+            <p:nvSpPr>
+              <p:cNvPr id="80" name="Rectangle 79"/>
+              <p:cNvSpPr/>
+              <p:nvPr/>
+            </p:nvSpPr>
+            <p:spPr>
+              <a:xfrm>
+                <a:off x="2743201" y="3124200"/>
+                <a:ext cx="2743201" cy="685800"/>
+              </a:xfrm>
+              <a:prstGeom prst="rect">
+                <a:avLst/>
+              </a:prstGeom>
+            </p:spPr>
+            <p:style>
+              <a:lnRef idx="2">
+                <a:schemeClr val="accent1">
+                  <a:shade val="50000"/>
+                </a:schemeClr>
+              </a:lnRef>
+              <a:fillRef idx="1">
+                <a:schemeClr val="accent1"/>
+              </a:fillRef>
+              <a:effectRef idx="0">
+                <a:schemeClr val="accent1"/>
+              </a:effectRef>
+              <a:fontRef idx="minor">
+                <a:schemeClr val="lt1"/>
+              </a:fontRef>
+            </p:style>
+            <p:txBody>
+              <a:bodyPr rtlCol="0" anchor="ctr"/>
+              <a:lstStyle/>
+              <a:p>
+                <a:pPr algn="ctr"/>
+                <a:endParaRPr lang="en-US" dirty="0"/>
+              </a:p>
+            </p:txBody>
+          </p:sp>
+          <p:sp>
+            <p:nvSpPr>
+              <p:cNvPr id="81" name="Rectangle 80"/>
+              <p:cNvSpPr/>
+              <p:nvPr/>
+            </p:nvSpPr>
+            <p:spPr>
+              <a:xfrm>
+                <a:off x="609600" y="5105400"/>
+                <a:ext cx="1752600" cy="685800"/>
+              </a:xfrm>
+              <a:prstGeom prst="rect">
+                <a:avLst/>
+              </a:prstGeom>
+            </p:spPr>
+            <p:style>
+              <a:lnRef idx="2">
+                <a:schemeClr val="accent1">
+                  <a:shade val="50000"/>
+                </a:schemeClr>
+              </a:lnRef>
+              <a:fillRef idx="1">
+                <a:schemeClr val="accent1"/>
+              </a:fillRef>
+              <a:effectRef idx="0">
+                <a:schemeClr val="accent1"/>
+              </a:effectRef>
+              <a:fontRef idx="minor">
+                <a:schemeClr val="lt1"/>
+              </a:fontRef>
+            </p:style>
+            <p:txBody>
+              <a:bodyPr rtlCol="0" anchor="ctr"/>
+              <a:lstStyle/>
+              <a:p>
+                <a:pPr algn="ctr"/>
+                <a:endParaRPr lang="en-US" dirty="0"/>
+              </a:p>
+            </p:txBody>
+          </p:sp>
+          <p:sp>
+            <p:nvSpPr>
+              <p:cNvPr id="82" name="Rectangle 81"/>
+              <p:cNvSpPr/>
+              <p:nvPr/>
+            </p:nvSpPr>
+            <p:spPr>
+              <a:xfrm>
+                <a:off x="2536372" y="5086895"/>
+                <a:ext cx="1752600" cy="685800"/>
+              </a:xfrm>
+              <a:prstGeom prst="rect">
+                <a:avLst/>
+              </a:prstGeom>
+            </p:spPr>
+            <p:style>
+              <a:lnRef idx="2">
+                <a:schemeClr val="accent1">
+                  <a:shade val="50000"/>
+                </a:schemeClr>
+              </a:lnRef>
+              <a:fillRef idx="1">
+                <a:schemeClr val="accent1"/>
+              </a:fillRef>
+              <a:effectRef idx="0">
+                <a:schemeClr val="accent1"/>
+              </a:effectRef>
+              <a:fontRef idx="minor">
+                <a:schemeClr val="lt1"/>
+              </a:fontRef>
+            </p:style>
+            <p:txBody>
+              <a:bodyPr rtlCol="0" anchor="ctr"/>
+              <a:lstStyle/>
+              <a:p>
+                <a:pPr algn="ctr"/>
+                <a:endParaRPr lang="en-US" dirty="0"/>
+              </a:p>
+            </p:txBody>
+          </p:sp>
+          <p:sp>
+            <p:nvSpPr>
+              <p:cNvPr id="83" name="Rectangle 82"/>
+              <p:cNvSpPr/>
+              <p:nvPr/>
+            </p:nvSpPr>
+            <p:spPr>
+              <a:xfrm>
+                <a:off x="4457700" y="5082541"/>
+                <a:ext cx="1752600" cy="685800"/>
+              </a:xfrm>
+              <a:prstGeom prst="rect">
+                <a:avLst/>
+              </a:prstGeom>
+            </p:spPr>
+            <p:style>
+              <a:lnRef idx="2">
+                <a:schemeClr val="accent1">
+                  <a:shade val="50000"/>
+                </a:schemeClr>
+              </a:lnRef>
+              <a:fillRef idx="1">
+                <a:schemeClr val="accent1"/>
+              </a:fillRef>
+              <a:effectRef idx="0">
+                <a:schemeClr val="accent1"/>
+              </a:effectRef>
+              <a:fontRef idx="minor">
+                <a:schemeClr val="lt1"/>
+              </a:fontRef>
+            </p:style>
+            <p:txBody>
+              <a:bodyPr rtlCol="0" anchor="ctr"/>
+              <a:lstStyle/>
+              <a:p>
+                <a:pPr algn="ctr"/>
+                <a:endParaRPr lang="en-US" dirty="0"/>
+              </a:p>
+            </p:txBody>
+          </p:sp>
+          <p:sp>
+            <p:nvSpPr>
+              <p:cNvPr id="84" name="Rectangle 83"/>
+              <p:cNvSpPr/>
+              <p:nvPr/>
+            </p:nvSpPr>
+            <p:spPr>
+              <a:xfrm>
+                <a:off x="6362700" y="5082542"/>
+                <a:ext cx="1752600" cy="685800"/>
+              </a:xfrm>
+              <a:prstGeom prst="rect">
+                <a:avLst/>
+              </a:prstGeom>
+            </p:spPr>
+            <p:style>
+              <a:lnRef idx="2">
+                <a:schemeClr val="accent1">
+                  <a:shade val="50000"/>
+                </a:schemeClr>
+              </a:lnRef>
+              <a:fillRef idx="1">
+                <a:schemeClr val="accent1"/>
+              </a:fillRef>
+              <a:effectRef idx="0">
+                <a:schemeClr val="accent1"/>
+              </a:effectRef>
+              <a:fontRef idx="minor">
+                <a:schemeClr val="lt1"/>
+              </a:fontRef>
+            </p:style>
+            <p:txBody>
+              <a:bodyPr rtlCol="0" anchor="ctr"/>
+              <a:lstStyle/>
+              <a:p>
+                <a:pPr algn="ctr"/>
+                <a:endParaRPr lang="en-US" dirty="0"/>
+              </a:p>
+            </p:txBody>
+          </p:sp>
+          <p:cxnSp>
+            <p:nvCxnSpPr>
+              <p:cNvPr id="85" name="Straight Arrow Connector 84"/>
+              <p:cNvCxnSpPr/>
+              <p:nvPr/>
+            </p:nvCxnSpPr>
+            <p:spPr>
+              <a:xfrm flipV="1">
+                <a:off x="1714500" y="3838304"/>
+                <a:ext cx="1448889" cy="1343296"/>
+              </a:xfrm>
+              <a:prstGeom prst="straightConnector1">
+                <a:avLst/>
+              </a:prstGeom>
+              <a:ln>
+                <a:tailEnd type="arrow"/>
+              </a:ln>
+            </p:spPr>
+            <p:style>
+              <a:lnRef idx="1">
+                <a:schemeClr val="accent1"/>
+              </a:lnRef>
+              <a:fillRef idx="0">
+                <a:schemeClr val="accent1"/>
+              </a:fillRef>
+              <a:effectRef idx="0">
+                <a:schemeClr val="accent1"/>
+              </a:effectRef>
+              <a:fontRef idx="minor">
+                <a:schemeClr val="tx1"/>
+              </a:fontRef>
+            </p:style>
+          </p:cxnSp>
+          <p:cxnSp>
+            <p:nvCxnSpPr>
+              <p:cNvPr id="86" name="Straight Arrow Connector 85"/>
+              <p:cNvCxnSpPr/>
+              <p:nvPr/>
+            </p:nvCxnSpPr>
+            <p:spPr>
+              <a:xfrm flipH="1">
+                <a:off x="1479369" y="3805016"/>
+                <a:ext cx="1562100" cy="1244238"/>
+              </a:xfrm>
+              <a:prstGeom prst="straightConnector1">
+                <a:avLst/>
+              </a:prstGeom>
+              <a:ln>
+                <a:tailEnd type="arrow"/>
+              </a:ln>
+            </p:spPr>
+            <p:style>
+              <a:lnRef idx="1">
+                <a:schemeClr val="accent1"/>
+              </a:lnRef>
+              <a:fillRef idx="0">
+                <a:schemeClr val="accent1"/>
+              </a:fillRef>
+              <a:effectRef idx="0">
+                <a:schemeClr val="accent1"/>
+              </a:effectRef>
+              <a:fontRef idx="minor">
+                <a:schemeClr val="tx1"/>
+              </a:fontRef>
+            </p:style>
+          </p:cxnSp>
+          <p:cxnSp>
+            <p:nvCxnSpPr>
+              <p:cNvPr id="87" name="Straight Arrow Connector 86"/>
+              <p:cNvCxnSpPr>
+                <a:endCxn id="83" idx="0"/>
+              </p:cNvCxnSpPr>
+              <p:nvPr/>
+            </p:nvCxnSpPr>
+            <p:spPr>
+              <a:xfrm>
+                <a:off x="5029200" y="3838303"/>
+                <a:ext cx="304800" cy="1244238"/>
+              </a:xfrm>
+              <a:prstGeom prst="straightConnector1">
+                <a:avLst/>
+              </a:prstGeom>
+              <a:ln>
+                <a:tailEnd type="arrow"/>
+              </a:ln>
+            </p:spPr>
+            <p:style>
+              <a:lnRef idx="1">
+                <a:schemeClr val="accent1"/>
+              </a:lnRef>
+              <a:fillRef idx="0">
+                <a:schemeClr val="accent1"/>
+              </a:fillRef>
+              <a:effectRef idx="0">
+                <a:schemeClr val="accent1"/>
+              </a:effectRef>
+              <a:fontRef idx="minor">
+                <a:schemeClr val="tx1"/>
+              </a:fontRef>
+            </p:style>
+          </p:cxnSp>
+          <p:cxnSp>
+            <p:nvCxnSpPr>
+              <p:cNvPr id="88" name="Straight Arrow Connector 87"/>
+              <p:cNvCxnSpPr>
+                <a:endCxn id="84" idx="0"/>
+              </p:cNvCxnSpPr>
+              <p:nvPr/>
+            </p:nvCxnSpPr>
+            <p:spPr>
+              <a:xfrm>
+                <a:off x="5334000" y="3838303"/>
+                <a:ext cx="1905000" cy="1244239"/>
+              </a:xfrm>
+              <a:prstGeom prst="straightConnector1">
+                <a:avLst/>
+              </a:prstGeom>
+              <a:ln>
+                <a:tailEnd type="arrow"/>
+              </a:ln>
+            </p:spPr>
+            <p:style>
+              <a:lnRef idx="1">
+                <a:schemeClr val="accent1"/>
+              </a:lnRef>
+              <a:fillRef idx="0">
+                <a:schemeClr val="accent1"/>
+              </a:fillRef>
+              <a:effectRef idx="0">
+                <a:schemeClr val="accent1"/>
+              </a:effectRef>
+              <a:fontRef idx="minor">
+                <a:schemeClr val="tx1"/>
+              </a:fontRef>
+            </p:style>
+          </p:cxnSp>
+          <p:cxnSp>
+            <p:nvCxnSpPr>
+              <p:cNvPr id="89" name="Straight Arrow Connector 88"/>
+              <p:cNvCxnSpPr/>
+              <p:nvPr/>
+            </p:nvCxnSpPr>
+            <p:spPr>
+              <a:xfrm flipH="1">
+                <a:off x="3810000" y="3810000"/>
+                <a:ext cx="152400" cy="1272541"/>
+              </a:xfrm>
+              <a:prstGeom prst="straightConnector1">
+                <a:avLst/>
+              </a:prstGeom>
+              <a:ln>
+                <a:tailEnd type="arrow"/>
+              </a:ln>
+            </p:spPr>
+            <p:style>
+              <a:lnRef idx="1">
+                <a:schemeClr val="accent1"/>
+              </a:lnRef>
+              <a:fillRef idx="0">
+                <a:schemeClr val="accent1"/>
+              </a:fillRef>
+              <a:effectRef idx="0">
+                <a:schemeClr val="accent1"/>
+              </a:effectRef>
+              <a:fontRef idx="minor">
+                <a:schemeClr val="tx1"/>
+              </a:fontRef>
+            </p:style>
+          </p:cxnSp>
+          <p:cxnSp>
+            <p:nvCxnSpPr>
+              <p:cNvPr id="90" name="Straight Arrow Connector 89"/>
+              <p:cNvCxnSpPr>
+                <a:endCxn id="80" idx="2"/>
+              </p:cNvCxnSpPr>
+              <p:nvPr/>
+            </p:nvCxnSpPr>
+            <p:spPr>
+              <a:xfrm flipV="1">
+                <a:off x="3962401" y="3810000"/>
+                <a:ext cx="152401" cy="1262531"/>
+              </a:xfrm>
+              <a:prstGeom prst="straightConnector1">
+                <a:avLst/>
+              </a:prstGeom>
+              <a:ln>
+                <a:tailEnd type="arrow"/>
+              </a:ln>
+            </p:spPr>
+            <p:style>
+              <a:lnRef idx="1">
+                <a:schemeClr val="accent1"/>
+              </a:lnRef>
+              <a:fillRef idx="0">
+                <a:schemeClr val="accent1"/>
+              </a:fillRef>
+              <a:effectRef idx="0">
+                <a:schemeClr val="accent1"/>
+              </a:effectRef>
+              <a:fontRef idx="minor">
+                <a:schemeClr val="tx1"/>
+              </a:fontRef>
+            </p:style>
+          </p:cxnSp>
+        </p:grpSp>
+        <p:grpSp>
+          <p:nvGrpSpPr>
+            <p:cNvPr id="9" name="Group 8"/>
+            <p:cNvGrpSpPr/>
+            <p:nvPr/>
+          </p:nvGrpSpPr>
+          <p:grpSpPr>
+            <a:xfrm>
+              <a:off x="4780805" y="3797821"/>
+              <a:ext cx="1411355" cy="797269"/>
+              <a:chOff x="609600" y="3124200"/>
+              <a:chExt cx="7505700" cy="2667000"/>
+            </a:xfrm>
+          </p:grpSpPr>
+          <p:sp>
+            <p:nvSpPr>
+              <p:cNvPr id="69" name="Rectangle 68"/>
+              <p:cNvSpPr/>
+              <p:nvPr/>
+            </p:nvSpPr>
+            <p:spPr>
+              <a:xfrm>
+                <a:off x="2743201" y="3124200"/>
+                <a:ext cx="2743201" cy="685800"/>
+              </a:xfrm>
+              <a:prstGeom prst="rect">
+                <a:avLst/>
+              </a:prstGeom>
+            </p:spPr>
+            <p:style>
+              <a:lnRef idx="2">
+                <a:schemeClr val="accent1">
+                  <a:shade val="50000"/>
+                </a:schemeClr>
+              </a:lnRef>
+              <a:fillRef idx="1">
+                <a:schemeClr val="accent1"/>
+              </a:fillRef>
+              <a:effectRef idx="0">
+                <a:schemeClr val="accent1"/>
+              </a:effectRef>
+              <a:fontRef idx="minor">
+                <a:schemeClr val="lt1"/>
+              </a:fontRef>
+            </p:style>
+            <p:txBody>
+              <a:bodyPr rtlCol="0" anchor="ctr"/>
+              <a:lstStyle/>
+              <a:p>
+                <a:pPr algn="ctr"/>
+                <a:endParaRPr lang="en-US" dirty="0"/>
+              </a:p>
+            </p:txBody>
+          </p:sp>
+          <p:sp>
+            <p:nvSpPr>
+              <p:cNvPr id="70" name="Rectangle 69"/>
+              <p:cNvSpPr/>
+              <p:nvPr/>
+            </p:nvSpPr>
+            <p:spPr>
+              <a:xfrm>
+                <a:off x="609600" y="5105400"/>
+                <a:ext cx="1752600" cy="685800"/>
+              </a:xfrm>
+              <a:prstGeom prst="rect">
+                <a:avLst/>
+              </a:prstGeom>
+            </p:spPr>
+            <p:style>
+              <a:lnRef idx="2">
+                <a:schemeClr val="accent1">
+                  <a:shade val="50000"/>
+                </a:schemeClr>
+              </a:lnRef>
+              <a:fillRef idx="1">
+                <a:schemeClr val="accent1"/>
+              </a:fillRef>
+              <a:effectRef idx="0">
+                <a:schemeClr val="accent1"/>
+              </a:effectRef>
+              <a:fontRef idx="minor">
+                <a:schemeClr val="lt1"/>
+              </a:fontRef>
+            </p:style>
+            <p:txBody>
+              <a:bodyPr rtlCol="0" anchor="ctr"/>
+              <a:lstStyle/>
+              <a:p>
+                <a:pPr algn="ctr"/>
+                <a:endParaRPr lang="en-US" dirty="0"/>
+              </a:p>
+            </p:txBody>
+          </p:sp>
+          <p:sp>
+            <p:nvSpPr>
+              <p:cNvPr id="71" name="Rectangle 70"/>
+              <p:cNvSpPr/>
+              <p:nvPr/>
+            </p:nvSpPr>
+            <p:spPr>
+              <a:xfrm>
+                <a:off x="2536372" y="5086895"/>
+                <a:ext cx="1752600" cy="685800"/>
+              </a:xfrm>
+              <a:prstGeom prst="rect">
+                <a:avLst/>
+              </a:prstGeom>
+            </p:spPr>
+            <p:style>
+              <a:lnRef idx="2">
+                <a:schemeClr val="accent1">
+                  <a:shade val="50000"/>
+                </a:schemeClr>
+              </a:lnRef>
+              <a:fillRef idx="1">
+                <a:schemeClr val="accent1"/>
+              </a:fillRef>
+              <a:effectRef idx="0">
+                <a:schemeClr val="accent1"/>
+              </a:effectRef>
+              <a:fontRef idx="minor">
+                <a:schemeClr val="lt1"/>
+              </a:fontRef>
+            </p:style>
+            <p:txBody>
+              <a:bodyPr rtlCol="0" anchor="ctr"/>
+              <a:lstStyle/>
+              <a:p>
+                <a:pPr algn="ctr"/>
+                <a:endParaRPr lang="en-US" dirty="0"/>
+              </a:p>
+            </p:txBody>
+          </p:sp>
+          <p:sp>
+            <p:nvSpPr>
+              <p:cNvPr id="72" name="Rectangle 71"/>
+              <p:cNvSpPr/>
+              <p:nvPr/>
+            </p:nvSpPr>
+            <p:spPr>
+              <a:xfrm>
+                <a:off x="4457700" y="5082541"/>
+                <a:ext cx="1752600" cy="685800"/>
+              </a:xfrm>
+              <a:prstGeom prst="rect">
+                <a:avLst/>
+              </a:prstGeom>
+            </p:spPr>
+            <p:style>
+              <a:lnRef idx="2">
+                <a:schemeClr val="accent1">
+                  <a:shade val="50000"/>
+                </a:schemeClr>
+              </a:lnRef>
+              <a:fillRef idx="1">
+                <a:schemeClr val="accent1"/>
+              </a:fillRef>
+              <a:effectRef idx="0">
+                <a:schemeClr val="accent1"/>
+              </a:effectRef>
+              <a:fontRef idx="minor">
+                <a:schemeClr val="lt1"/>
+              </a:fontRef>
+            </p:style>
+            <p:txBody>
+              <a:bodyPr rtlCol="0" anchor="ctr"/>
+              <a:lstStyle/>
+              <a:p>
+                <a:pPr algn="ctr"/>
+                <a:endParaRPr lang="en-US" dirty="0"/>
+              </a:p>
+            </p:txBody>
+          </p:sp>
+          <p:sp>
+            <p:nvSpPr>
+              <p:cNvPr id="73" name="Rectangle 72"/>
+              <p:cNvSpPr/>
+              <p:nvPr/>
+            </p:nvSpPr>
+            <p:spPr>
+              <a:xfrm>
+                <a:off x="6362700" y="5082542"/>
+                <a:ext cx="1752600" cy="685800"/>
+              </a:xfrm>
+              <a:prstGeom prst="rect">
+                <a:avLst/>
+              </a:prstGeom>
+            </p:spPr>
+            <p:style>
+              <a:lnRef idx="2">
+                <a:schemeClr val="accent1">
+                  <a:shade val="50000"/>
+                </a:schemeClr>
+              </a:lnRef>
+              <a:fillRef idx="1">
+                <a:schemeClr val="accent1"/>
+              </a:fillRef>
+              <a:effectRef idx="0">
+                <a:schemeClr val="accent1"/>
+              </a:effectRef>
+              <a:fontRef idx="minor">
+                <a:schemeClr val="lt1"/>
+              </a:fontRef>
+            </p:style>
+            <p:txBody>
+              <a:bodyPr rtlCol="0" anchor="ctr"/>
+              <a:lstStyle/>
+              <a:p>
+                <a:pPr algn="ctr"/>
+                <a:endParaRPr lang="en-US" dirty="0"/>
+              </a:p>
+            </p:txBody>
+          </p:sp>
+          <p:cxnSp>
+            <p:nvCxnSpPr>
+              <p:cNvPr id="74" name="Straight Arrow Connector 73"/>
+              <p:cNvCxnSpPr/>
+              <p:nvPr/>
+            </p:nvCxnSpPr>
+            <p:spPr>
+              <a:xfrm flipV="1">
+                <a:off x="1714500" y="3838304"/>
+                <a:ext cx="1448889" cy="1343296"/>
+              </a:xfrm>
+              <a:prstGeom prst="straightConnector1">
+                <a:avLst/>
+              </a:prstGeom>
+              <a:ln>
+                <a:tailEnd type="arrow"/>
+              </a:ln>
+            </p:spPr>
+            <p:style>
+              <a:lnRef idx="1">
+                <a:schemeClr val="accent1"/>
+              </a:lnRef>
+              <a:fillRef idx="0">
+                <a:schemeClr val="accent1"/>
+              </a:fillRef>
+              <a:effectRef idx="0">
+                <a:schemeClr val="accent1"/>
+              </a:effectRef>
+              <a:fontRef idx="minor">
+                <a:schemeClr val="tx1"/>
+              </a:fontRef>
+            </p:style>
+          </p:cxnSp>
+          <p:cxnSp>
+            <p:nvCxnSpPr>
+              <p:cNvPr id="75" name="Straight Arrow Connector 74"/>
+              <p:cNvCxnSpPr/>
+              <p:nvPr/>
+            </p:nvCxnSpPr>
+            <p:spPr>
+              <a:xfrm flipH="1">
+                <a:off x="1479369" y="3805016"/>
+                <a:ext cx="1562100" cy="1244238"/>
+              </a:xfrm>
+              <a:prstGeom prst="straightConnector1">
+                <a:avLst/>
+              </a:prstGeom>
+              <a:ln>
+                <a:tailEnd type="arrow"/>
+              </a:ln>
+            </p:spPr>
+            <p:style>
+              <a:lnRef idx="1">
+                <a:schemeClr val="accent1"/>
+              </a:lnRef>
+              <a:fillRef idx="0">
+                <a:schemeClr val="accent1"/>
+              </a:fillRef>
+              <a:effectRef idx="0">
+                <a:schemeClr val="accent1"/>
+              </a:effectRef>
+              <a:fontRef idx="minor">
+                <a:schemeClr val="tx1"/>
+              </a:fontRef>
+            </p:style>
+          </p:cxnSp>
+          <p:cxnSp>
+            <p:nvCxnSpPr>
+              <p:cNvPr id="76" name="Straight Arrow Connector 75"/>
+              <p:cNvCxnSpPr>
+                <a:endCxn id="72" idx="0"/>
+              </p:cNvCxnSpPr>
+              <p:nvPr/>
+            </p:nvCxnSpPr>
+            <p:spPr>
+              <a:xfrm>
+                <a:off x="5029200" y="3838303"/>
+                <a:ext cx="304800" cy="1244238"/>
+              </a:xfrm>
+              <a:prstGeom prst="straightConnector1">
+                <a:avLst/>
+              </a:prstGeom>
+              <a:ln>
+                <a:tailEnd type="arrow"/>
+              </a:ln>
+            </p:spPr>
+            <p:style>
+              <a:lnRef idx="1">
+                <a:schemeClr val="accent1"/>
+              </a:lnRef>
+              <a:fillRef idx="0">
+                <a:schemeClr val="accent1"/>
+              </a:fillRef>
+              <a:effectRef idx="0">
+                <a:schemeClr val="accent1"/>
+              </a:effectRef>
+              <a:fontRef idx="minor">
+                <a:schemeClr val="tx1"/>
+              </a:fontRef>
+            </p:style>
+          </p:cxnSp>
+          <p:cxnSp>
+            <p:nvCxnSpPr>
+              <p:cNvPr id="77" name="Straight Arrow Connector 76"/>
+              <p:cNvCxnSpPr>
+                <a:endCxn id="73" idx="0"/>
+              </p:cNvCxnSpPr>
+              <p:nvPr/>
+            </p:nvCxnSpPr>
+            <p:spPr>
+              <a:xfrm>
+                <a:off x="5334000" y="3838303"/>
+                <a:ext cx="1905000" cy="1244239"/>
+              </a:xfrm>
+              <a:prstGeom prst="straightConnector1">
+                <a:avLst/>
+              </a:prstGeom>
+              <a:ln>
+                <a:tailEnd type="arrow"/>
+              </a:ln>
+            </p:spPr>
+            <p:style>
+              <a:lnRef idx="1">
+                <a:schemeClr val="accent1"/>
+              </a:lnRef>
+              <a:fillRef idx="0">
+                <a:schemeClr val="accent1"/>
+              </a:fillRef>
+              <a:effectRef idx="0">
+                <a:schemeClr val="accent1"/>
+              </a:effectRef>
+              <a:fontRef idx="minor">
+                <a:schemeClr val="tx1"/>
+              </a:fontRef>
+            </p:style>
+          </p:cxnSp>
+          <p:cxnSp>
+            <p:nvCxnSpPr>
+              <p:cNvPr id="78" name="Straight Arrow Connector 77"/>
+              <p:cNvCxnSpPr/>
+              <p:nvPr/>
+            </p:nvCxnSpPr>
+            <p:spPr>
+              <a:xfrm flipH="1">
+                <a:off x="3810000" y="3810000"/>
+                <a:ext cx="152400" cy="1272541"/>
+              </a:xfrm>
+              <a:prstGeom prst="straightConnector1">
+                <a:avLst/>
+              </a:prstGeom>
+              <a:ln>
+                <a:tailEnd type="arrow"/>
+              </a:ln>
+            </p:spPr>
+            <p:style>
+              <a:lnRef idx="1">
+                <a:schemeClr val="accent1"/>
+              </a:lnRef>
+              <a:fillRef idx="0">
+                <a:schemeClr val="accent1"/>
+              </a:fillRef>
+              <a:effectRef idx="0">
+                <a:schemeClr val="accent1"/>
+              </a:effectRef>
+              <a:fontRef idx="minor">
+                <a:schemeClr val="tx1"/>
+              </a:fontRef>
+            </p:style>
+          </p:cxnSp>
+          <p:cxnSp>
+            <p:nvCxnSpPr>
+              <p:cNvPr id="79" name="Straight Arrow Connector 78"/>
+              <p:cNvCxnSpPr>
+                <a:endCxn id="69" idx="2"/>
+              </p:cNvCxnSpPr>
+              <p:nvPr/>
+            </p:nvCxnSpPr>
+            <p:spPr>
+              <a:xfrm flipV="1">
+                <a:off x="3962401" y="3810000"/>
+                <a:ext cx="152401" cy="1262531"/>
+              </a:xfrm>
+              <a:prstGeom prst="straightConnector1">
+                <a:avLst/>
+              </a:prstGeom>
+              <a:ln>
+                <a:tailEnd type="arrow"/>
+              </a:ln>
+            </p:spPr>
+            <p:style>
+              <a:lnRef idx="1">
+                <a:schemeClr val="accent1"/>
+              </a:lnRef>
+              <a:fillRef idx="0">
+                <a:schemeClr val="accent1"/>
+              </a:fillRef>
+              <a:effectRef idx="0">
+                <a:schemeClr val="accent1"/>
+              </a:effectRef>
+              <a:fontRef idx="minor">
+                <a:schemeClr val="tx1"/>
+              </a:fontRef>
+            </p:style>
+          </p:cxnSp>
+        </p:grpSp>
+        <p:sp>
+          <p:nvSpPr>
+            <p:cNvPr id="10" name="Rectangle 9"/>
+            <p:cNvSpPr/>
+            <p:nvPr/>
+          </p:nvSpPr>
+          <p:spPr>
+            <a:xfrm>
+              <a:off x="914400" y="2590800"/>
+              <a:ext cx="6553200" cy="2209800"/>
+            </a:xfrm>
+            <a:prstGeom prst="rect">
+              <a:avLst/>
+            </a:prstGeom>
+            <a:noFill/>
+            <a:ln>
+              <a:prstDash val="sysDash"/>
+            </a:ln>
+          </p:spPr>
+          <p:style>
+            <a:lnRef idx="2">
+              <a:schemeClr val="accent1">
+                <a:shade val="50000"/>
+              </a:schemeClr>
+            </a:lnRef>
+            <a:fillRef idx="1">
+              <a:schemeClr val="accent1"/>
+            </a:fillRef>
+            <a:effectRef idx="0">
+              <a:schemeClr val="accent1"/>
+            </a:effectRef>
+            <a:fontRef idx="minor">
+              <a:schemeClr val="lt1"/>
+            </a:fontRef>
+          </p:style>
+          <p:txBody>
+            <a:bodyPr rtlCol="0" anchor="ctr"/>
+            <a:lstStyle/>
+            <a:p>
+              <a:pPr algn="ctr"/>
+              <a:endParaRPr lang="en-US"/>
+            </a:p>
+          </p:txBody>
+        </p:sp>
+        <p:grpSp>
+          <p:nvGrpSpPr>
+            <p:cNvPr id="11" name="Group 10"/>
+            <p:cNvGrpSpPr/>
+            <p:nvPr/>
+          </p:nvGrpSpPr>
+          <p:grpSpPr>
+            <a:xfrm>
+              <a:off x="1103245" y="5603531"/>
+              <a:ext cx="1411355" cy="797269"/>
+              <a:chOff x="609600" y="3124200"/>
+              <a:chExt cx="7505700" cy="2667000"/>
+            </a:xfrm>
+          </p:grpSpPr>
+          <p:sp>
+            <p:nvSpPr>
+              <p:cNvPr id="58" name="Rectangle 57"/>
+              <p:cNvSpPr/>
+              <p:nvPr/>
+            </p:nvSpPr>
+            <p:spPr>
+              <a:xfrm>
+                <a:off x="2743201" y="3124200"/>
+                <a:ext cx="2743201" cy="685800"/>
+              </a:xfrm>
+              <a:prstGeom prst="rect">
+                <a:avLst/>
+              </a:prstGeom>
+            </p:spPr>
+            <p:style>
+              <a:lnRef idx="2">
+                <a:schemeClr val="accent1">
+                  <a:shade val="50000"/>
+                </a:schemeClr>
+              </a:lnRef>
+              <a:fillRef idx="1">
+                <a:schemeClr val="accent1"/>
+              </a:fillRef>
+              <a:effectRef idx="0">
+                <a:schemeClr val="accent1"/>
+              </a:effectRef>
+              <a:fontRef idx="minor">
+                <a:schemeClr val="lt1"/>
+              </a:fontRef>
+            </p:style>
+            <p:txBody>
+              <a:bodyPr rtlCol="0" anchor="ctr"/>
+              <a:lstStyle/>
+              <a:p>
+                <a:pPr algn="ctr"/>
+                <a:endParaRPr lang="en-US" dirty="0"/>
+              </a:p>
+            </p:txBody>
+          </p:sp>
+          <p:sp>
+            <p:nvSpPr>
+              <p:cNvPr id="59" name="Rectangle 58"/>
+              <p:cNvSpPr/>
+              <p:nvPr/>
+            </p:nvSpPr>
+            <p:spPr>
+              <a:xfrm>
+                <a:off x="609600" y="5105400"/>
+                <a:ext cx="1752600" cy="685800"/>
+              </a:xfrm>
+              <a:prstGeom prst="rect">
+                <a:avLst/>
+              </a:prstGeom>
+            </p:spPr>
+            <p:style>
+              <a:lnRef idx="2">
+                <a:schemeClr val="accent1">
+                  <a:shade val="50000"/>
+                </a:schemeClr>
+              </a:lnRef>
+              <a:fillRef idx="1">
+                <a:schemeClr val="accent1"/>
+              </a:fillRef>
+              <a:effectRef idx="0">
+                <a:schemeClr val="accent1"/>
+              </a:effectRef>
+              <a:fontRef idx="minor">
+                <a:schemeClr val="lt1"/>
+              </a:fontRef>
+            </p:style>
+            <p:txBody>
+              <a:bodyPr rtlCol="0" anchor="ctr"/>
+              <a:lstStyle/>
+              <a:p>
+                <a:pPr algn="ctr"/>
+                <a:endParaRPr lang="en-US" dirty="0"/>
+              </a:p>
+            </p:txBody>
+          </p:sp>
+          <p:sp>
+            <p:nvSpPr>
+              <p:cNvPr id="60" name="Rectangle 59"/>
+              <p:cNvSpPr/>
+              <p:nvPr/>
+            </p:nvSpPr>
+            <p:spPr>
+              <a:xfrm>
+                <a:off x="2536372" y="5086895"/>
+                <a:ext cx="1752600" cy="685800"/>
+              </a:xfrm>
+              <a:prstGeom prst="rect">
+                <a:avLst/>
+              </a:prstGeom>
+            </p:spPr>
+            <p:style>
+              <a:lnRef idx="2">
+                <a:schemeClr val="accent1">
+                  <a:shade val="50000"/>
+                </a:schemeClr>
+              </a:lnRef>
+              <a:fillRef idx="1">
+                <a:schemeClr val="accent1"/>
+              </a:fillRef>
+              <a:effectRef idx="0">
+                <a:schemeClr val="accent1"/>
+              </a:effectRef>
+              <a:fontRef idx="minor">
+                <a:schemeClr val="lt1"/>
+              </a:fontRef>
+            </p:style>
+            <p:txBody>
+              <a:bodyPr rtlCol="0" anchor="ctr"/>
+              <a:lstStyle/>
+              <a:p>
+                <a:pPr algn="ctr"/>
+                <a:endParaRPr lang="en-US" dirty="0"/>
+              </a:p>
+            </p:txBody>
+          </p:sp>
+          <p:sp>
+            <p:nvSpPr>
+              <p:cNvPr id="61" name="Rectangle 60"/>
+              <p:cNvSpPr/>
+              <p:nvPr/>
+            </p:nvSpPr>
+            <p:spPr>
+              <a:xfrm>
+                <a:off x="4457700" y="5082541"/>
+                <a:ext cx="1752600" cy="685800"/>
+              </a:xfrm>
+              <a:prstGeom prst="rect">
+                <a:avLst/>
+              </a:prstGeom>
+            </p:spPr>
+            <p:style>
+              <a:lnRef idx="2">
+                <a:schemeClr val="accent1">
+                  <a:shade val="50000"/>
+                </a:schemeClr>
+              </a:lnRef>
+              <a:fillRef idx="1">
+                <a:schemeClr val="accent1"/>
+              </a:fillRef>
+              <a:effectRef idx="0">
+                <a:schemeClr val="accent1"/>
+              </a:effectRef>
+              <a:fontRef idx="minor">
+                <a:schemeClr val="lt1"/>
+              </a:fontRef>
+            </p:style>
+            <p:txBody>
+              <a:bodyPr rtlCol="0" anchor="ctr"/>
+              <a:lstStyle/>
+              <a:p>
+                <a:pPr algn="ctr"/>
+                <a:endParaRPr lang="en-US" dirty="0"/>
+              </a:p>
+            </p:txBody>
+          </p:sp>
+          <p:sp>
+            <p:nvSpPr>
+              <p:cNvPr id="62" name="Rectangle 61"/>
+              <p:cNvSpPr/>
+              <p:nvPr/>
+            </p:nvSpPr>
+            <p:spPr>
+              <a:xfrm>
+                <a:off x="6362700" y="5082542"/>
+                <a:ext cx="1752600" cy="685800"/>
+              </a:xfrm>
+              <a:prstGeom prst="rect">
+                <a:avLst/>
+              </a:prstGeom>
+            </p:spPr>
+            <p:style>
+              <a:lnRef idx="2">
+                <a:schemeClr val="accent1">
+                  <a:shade val="50000"/>
+                </a:schemeClr>
+              </a:lnRef>
+              <a:fillRef idx="1">
+                <a:schemeClr val="accent1"/>
+              </a:fillRef>
+              <a:effectRef idx="0">
+                <a:schemeClr val="accent1"/>
+              </a:effectRef>
+              <a:fontRef idx="minor">
+                <a:schemeClr val="lt1"/>
+              </a:fontRef>
+            </p:style>
+            <p:txBody>
+              <a:bodyPr rtlCol="0" anchor="ctr"/>
+              <a:lstStyle/>
+              <a:p>
+                <a:pPr algn="ctr"/>
+                <a:endParaRPr lang="en-US" dirty="0"/>
+              </a:p>
+            </p:txBody>
+          </p:sp>
+          <p:cxnSp>
+            <p:nvCxnSpPr>
+              <p:cNvPr id="63" name="Straight Arrow Connector 62"/>
+              <p:cNvCxnSpPr/>
+              <p:nvPr/>
+            </p:nvCxnSpPr>
+            <p:spPr>
+              <a:xfrm flipV="1">
+                <a:off x="1714500" y="3838304"/>
+                <a:ext cx="1448889" cy="1343296"/>
+              </a:xfrm>
+              <a:prstGeom prst="straightConnector1">
+                <a:avLst/>
+              </a:prstGeom>
+              <a:ln>
+                <a:tailEnd type="arrow"/>
+              </a:ln>
+            </p:spPr>
+            <p:style>
+              <a:lnRef idx="1">
+                <a:schemeClr val="accent1"/>
+              </a:lnRef>
+              <a:fillRef idx="0">
+                <a:schemeClr val="accent1"/>
+              </a:fillRef>
+              <a:effectRef idx="0">
+                <a:schemeClr val="accent1"/>
+              </a:effectRef>
+              <a:fontRef idx="minor">
+                <a:schemeClr val="tx1"/>
+              </a:fontRef>
+            </p:style>
+          </p:cxnSp>
+          <p:cxnSp>
+            <p:nvCxnSpPr>
+              <p:cNvPr id="64" name="Straight Arrow Connector 63"/>
+              <p:cNvCxnSpPr/>
+              <p:nvPr/>
+            </p:nvCxnSpPr>
+            <p:spPr>
+              <a:xfrm flipH="1">
+                <a:off x="1479369" y="3805016"/>
+                <a:ext cx="1562100" cy="1244238"/>
+              </a:xfrm>
+              <a:prstGeom prst="straightConnector1">
+                <a:avLst/>
+              </a:prstGeom>
+              <a:ln>
+                <a:tailEnd type="arrow"/>
+              </a:ln>
+            </p:spPr>
+            <p:style>
+              <a:lnRef idx="1">
+                <a:schemeClr val="accent1"/>
+              </a:lnRef>
+              <a:fillRef idx="0">
+                <a:schemeClr val="accent1"/>
+              </a:fillRef>
+              <a:effectRef idx="0">
+                <a:schemeClr val="accent1"/>
+              </a:effectRef>
+              <a:fontRef idx="minor">
+                <a:schemeClr val="tx1"/>
+              </a:fontRef>
+            </p:style>
+          </p:cxnSp>
+          <p:cxnSp>
+            <p:nvCxnSpPr>
+              <p:cNvPr id="65" name="Straight Arrow Connector 64"/>
+              <p:cNvCxnSpPr>
+                <a:endCxn id="61" idx="0"/>
+              </p:cNvCxnSpPr>
+              <p:nvPr/>
+            </p:nvCxnSpPr>
+            <p:spPr>
+              <a:xfrm>
+                <a:off x="5029200" y="3838303"/>
+                <a:ext cx="304800" cy="1244238"/>
+              </a:xfrm>
+              <a:prstGeom prst="straightConnector1">
+                <a:avLst/>
+              </a:prstGeom>
+              <a:ln>
+                <a:tailEnd type="arrow"/>
+              </a:ln>
+            </p:spPr>
+            <p:style>
+              <a:lnRef idx="1">
+                <a:schemeClr val="accent1"/>
+              </a:lnRef>
+              <a:fillRef idx="0">
+                <a:schemeClr val="accent1"/>
+              </a:fillRef>
+              <a:effectRef idx="0">
+                <a:schemeClr val="accent1"/>
+              </a:effectRef>
+              <a:fontRef idx="minor">
+                <a:schemeClr val="tx1"/>
+              </a:fontRef>
+            </p:style>
+          </p:cxnSp>
+          <p:cxnSp>
+            <p:nvCxnSpPr>
+              <p:cNvPr id="66" name="Straight Arrow Connector 65"/>
+              <p:cNvCxnSpPr>
+                <a:endCxn id="62" idx="0"/>
+              </p:cNvCxnSpPr>
+              <p:nvPr/>
+            </p:nvCxnSpPr>
+            <p:spPr>
+              <a:xfrm>
+                <a:off x="5334000" y="3838303"/>
+                <a:ext cx="1905000" cy="1244239"/>
+              </a:xfrm>
+              <a:prstGeom prst="straightConnector1">
+                <a:avLst/>
+              </a:prstGeom>
+              <a:ln>
+                <a:tailEnd type="arrow"/>
+              </a:ln>
+            </p:spPr>
+            <p:style>
+              <a:lnRef idx="1">
+                <a:schemeClr val="accent1"/>
+              </a:lnRef>
+              <a:fillRef idx="0">
+                <a:schemeClr val="accent1"/>
+              </a:fillRef>
+              <a:effectRef idx="0">
+                <a:schemeClr val="accent1"/>
+              </a:effectRef>
+              <a:fontRef idx="minor">
+                <a:schemeClr val="tx1"/>
+              </a:fontRef>
+            </p:style>
+          </p:cxnSp>
+          <p:cxnSp>
+            <p:nvCxnSpPr>
+              <p:cNvPr id="67" name="Straight Arrow Connector 66"/>
+              <p:cNvCxnSpPr/>
+              <p:nvPr/>
+            </p:nvCxnSpPr>
+            <p:spPr>
+              <a:xfrm flipH="1">
+                <a:off x="3810000" y="3810000"/>
+                <a:ext cx="152400" cy="1272541"/>
+              </a:xfrm>
+              <a:prstGeom prst="straightConnector1">
+                <a:avLst/>
+              </a:prstGeom>
+              <a:ln>
+                <a:tailEnd type="arrow"/>
+              </a:ln>
+            </p:spPr>
+            <p:style>
+              <a:lnRef idx="1">
+                <a:schemeClr val="accent1"/>
+              </a:lnRef>
+              <a:fillRef idx="0">
+                <a:schemeClr val="accent1"/>
+              </a:fillRef>
+              <a:effectRef idx="0">
+                <a:schemeClr val="accent1"/>
+              </a:effectRef>
+              <a:fontRef idx="minor">
+                <a:schemeClr val="tx1"/>
+              </a:fontRef>
+            </p:style>
+          </p:cxnSp>
+          <p:cxnSp>
+            <p:nvCxnSpPr>
+              <p:cNvPr id="68" name="Straight Arrow Connector 67"/>
+              <p:cNvCxnSpPr>
+                <a:endCxn id="58" idx="2"/>
+              </p:cNvCxnSpPr>
+              <p:nvPr/>
+            </p:nvCxnSpPr>
+            <p:spPr>
+              <a:xfrm flipV="1">
+                <a:off x="3962401" y="3810000"/>
+                <a:ext cx="152401" cy="1262531"/>
+              </a:xfrm>
+              <a:prstGeom prst="straightConnector1">
+                <a:avLst/>
+              </a:prstGeom>
+              <a:ln>
+                <a:tailEnd type="arrow"/>
+              </a:ln>
+            </p:spPr>
+            <p:style>
+              <a:lnRef idx="1">
+                <a:schemeClr val="accent1"/>
+              </a:lnRef>
+              <a:fillRef idx="0">
+                <a:schemeClr val="accent1"/>
+              </a:fillRef>
+              <a:effectRef idx="0">
+                <a:schemeClr val="accent1"/>
+              </a:effectRef>
+              <a:fontRef idx="minor">
+                <a:schemeClr val="tx1"/>
+              </a:fontRef>
+            </p:style>
+          </p:cxnSp>
+        </p:grpSp>
+        <p:grpSp>
+          <p:nvGrpSpPr>
+            <p:cNvPr id="12" name="Group 11"/>
+            <p:cNvGrpSpPr/>
+            <p:nvPr/>
+          </p:nvGrpSpPr>
+          <p:grpSpPr>
+            <a:xfrm>
+              <a:off x="3541645" y="5603531"/>
+              <a:ext cx="1411355" cy="797269"/>
+              <a:chOff x="609600" y="3124200"/>
+              <a:chExt cx="7505700" cy="2667000"/>
+            </a:xfrm>
+          </p:grpSpPr>
+          <p:sp>
+            <p:nvSpPr>
+              <p:cNvPr id="47" name="Rectangle 46"/>
+              <p:cNvSpPr/>
+              <p:nvPr/>
+            </p:nvSpPr>
+            <p:spPr>
+              <a:xfrm>
+                <a:off x="2743201" y="3124200"/>
+                <a:ext cx="2743201" cy="685800"/>
+              </a:xfrm>
+              <a:prstGeom prst="rect">
+                <a:avLst/>
+              </a:prstGeom>
+            </p:spPr>
+            <p:style>
+              <a:lnRef idx="2">
+                <a:schemeClr val="accent1">
+                  <a:shade val="50000"/>
+                </a:schemeClr>
+              </a:lnRef>
+              <a:fillRef idx="1">
+                <a:schemeClr val="accent1"/>
+              </a:fillRef>
+              <a:effectRef idx="0">
+                <a:schemeClr val="accent1"/>
+              </a:effectRef>
+              <a:fontRef idx="minor">
+                <a:schemeClr val="lt1"/>
+              </a:fontRef>
+            </p:style>
+            <p:txBody>
+              <a:bodyPr rtlCol="0" anchor="ctr"/>
+              <a:lstStyle/>
+              <a:p>
+                <a:pPr algn="ctr"/>
+                <a:endParaRPr lang="en-US" dirty="0"/>
+              </a:p>
+            </p:txBody>
+          </p:sp>
+          <p:sp>
+            <p:nvSpPr>
+              <p:cNvPr id="48" name="Rectangle 47"/>
+              <p:cNvSpPr/>
+              <p:nvPr/>
+            </p:nvSpPr>
+            <p:spPr>
+              <a:xfrm>
+                <a:off x="609600" y="5105400"/>
+                <a:ext cx="1752600" cy="685800"/>
+              </a:xfrm>
+              <a:prstGeom prst="rect">
+                <a:avLst/>
+              </a:prstGeom>
+            </p:spPr>
+            <p:style>
+              <a:lnRef idx="2">
+                <a:schemeClr val="accent1">
+                  <a:shade val="50000"/>
+                </a:schemeClr>
+              </a:lnRef>
+              <a:fillRef idx="1">
+                <a:schemeClr val="accent1"/>
+              </a:fillRef>
+              <a:effectRef idx="0">
+                <a:schemeClr val="accent1"/>
+              </a:effectRef>
+              <a:fontRef idx="minor">
+                <a:schemeClr val="lt1"/>
+              </a:fontRef>
+            </p:style>
+            <p:txBody>
+              <a:bodyPr rtlCol="0" anchor="ctr"/>
+              <a:lstStyle/>
+              <a:p>
+                <a:pPr algn="ctr"/>
+                <a:endParaRPr lang="en-US" dirty="0"/>
+              </a:p>
+            </p:txBody>
+          </p:sp>
+          <p:sp>
+            <p:nvSpPr>
+              <p:cNvPr id="49" name="Rectangle 48"/>
+              <p:cNvSpPr/>
+              <p:nvPr/>
+            </p:nvSpPr>
+            <p:spPr>
+              <a:xfrm>
+                <a:off x="2536372" y="5086895"/>
+                <a:ext cx="1752600" cy="685800"/>
+              </a:xfrm>
+              <a:prstGeom prst="rect">
+                <a:avLst/>
+              </a:prstGeom>
+            </p:spPr>
+            <p:style>
+              <a:lnRef idx="2">
+                <a:schemeClr val="accent1">
+                  <a:shade val="50000"/>
+                </a:schemeClr>
+              </a:lnRef>
+              <a:fillRef idx="1">
+                <a:schemeClr val="accent1"/>
+              </a:fillRef>
+              <a:effectRef idx="0">
+                <a:schemeClr val="accent1"/>
+              </a:effectRef>
+              <a:fontRef idx="minor">
+                <a:schemeClr val="lt1"/>
+              </a:fontRef>
+            </p:style>
+            <p:txBody>
+              <a:bodyPr rtlCol="0" anchor="ctr"/>
+              <a:lstStyle/>
+              <a:p>
+                <a:pPr algn="ctr"/>
+                <a:endParaRPr lang="en-US" dirty="0"/>
+              </a:p>
+            </p:txBody>
+          </p:sp>
+          <p:sp>
+            <p:nvSpPr>
+              <p:cNvPr id="50" name="Rectangle 49"/>
+              <p:cNvSpPr/>
+              <p:nvPr/>
+            </p:nvSpPr>
+            <p:spPr>
+              <a:xfrm>
+                <a:off x="4457700" y="5082541"/>
+                <a:ext cx="1752600" cy="685800"/>
+              </a:xfrm>
+              <a:prstGeom prst="rect">
+                <a:avLst/>
+              </a:prstGeom>
+            </p:spPr>
+            <p:style>
+              <a:lnRef idx="2">
+                <a:schemeClr val="accent1">
+                  <a:shade val="50000"/>
+                </a:schemeClr>
+              </a:lnRef>
+              <a:fillRef idx="1">
+                <a:schemeClr val="accent1"/>
+              </a:fillRef>
+              <a:effectRef idx="0">
+                <a:schemeClr val="accent1"/>
+              </a:effectRef>
+              <a:fontRef idx="minor">
+                <a:schemeClr val="lt1"/>
+              </a:fontRef>
+            </p:style>
+            <p:txBody>
+              <a:bodyPr rtlCol="0" anchor="ctr"/>
+              <a:lstStyle/>
+              <a:p>
+                <a:pPr algn="ctr"/>
+                <a:endParaRPr lang="en-US" dirty="0"/>
+              </a:p>
+            </p:txBody>
+          </p:sp>
+          <p:sp>
+            <p:nvSpPr>
+              <p:cNvPr id="51" name="Rectangle 50"/>
+              <p:cNvSpPr/>
+              <p:nvPr/>
+            </p:nvSpPr>
+            <p:spPr>
+              <a:xfrm>
+                <a:off x="6362700" y="5082542"/>
+                <a:ext cx="1752600" cy="685800"/>
+              </a:xfrm>
+              <a:prstGeom prst="rect">
+                <a:avLst/>
+              </a:prstGeom>
+            </p:spPr>
+            <p:style>
+              <a:lnRef idx="2">
+                <a:schemeClr val="accent1">
+                  <a:shade val="50000"/>
+                </a:schemeClr>
+              </a:lnRef>
+              <a:fillRef idx="1">
+                <a:schemeClr val="accent1"/>
+              </a:fillRef>
+              <a:effectRef idx="0">
+                <a:schemeClr val="accent1"/>
+              </a:effectRef>
+              <a:fontRef idx="minor">
+                <a:schemeClr val="lt1"/>
+              </a:fontRef>
+            </p:style>
+            <p:txBody>
+              <a:bodyPr rtlCol="0" anchor="ctr"/>
+              <a:lstStyle/>
+              <a:p>
+                <a:pPr algn="ctr"/>
+                <a:endParaRPr lang="en-US" dirty="0"/>
+              </a:p>
+            </p:txBody>
+          </p:sp>
+          <p:cxnSp>
+            <p:nvCxnSpPr>
+              <p:cNvPr id="52" name="Straight Arrow Connector 51"/>
+              <p:cNvCxnSpPr/>
+              <p:nvPr/>
+            </p:nvCxnSpPr>
+            <p:spPr>
+              <a:xfrm flipV="1">
+                <a:off x="1714500" y="3838304"/>
+                <a:ext cx="1448889" cy="1343296"/>
+              </a:xfrm>
+              <a:prstGeom prst="straightConnector1">
+                <a:avLst/>
+              </a:prstGeom>
+              <a:ln>
+                <a:tailEnd type="arrow"/>
+              </a:ln>
+            </p:spPr>
+            <p:style>
+              <a:lnRef idx="1">
+                <a:schemeClr val="accent1"/>
+              </a:lnRef>
+              <a:fillRef idx="0">
+                <a:schemeClr val="accent1"/>
+              </a:fillRef>
+              <a:effectRef idx="0">
+                <a:schemeClr val="accent1"/>
+              </a:effectRef>
+              <a:fontRef idx="minor">
+                <a:schemeClr val="tx1"/>
+              </a:fontRef>
+            </p:style>
+          </p:cxnSp>
+          <p:cxnSp>
+            <p:nvCxnSpPr>
+              <p:cNvPr id="53" name="Straight Arrow Connector 52"/>
+              <p:cNvCxnSpPr/>
+              <p:nvPr/>
+            </p:nvCxnSpPr>
+            <p:spPr>
+              <a:xfrm flipH="1">
+                <a:off x="1479369" y="3805016"/>
+                <a:ext cx="1562100" cy="1244238"/>
+              </a:xfrm>
+              <a:prstGeom prst="straightConnector1">
+                <a:avLst/>
+              </a:prstGeom>
+              <a:ln>
+                <a:tailEnd type="arrow"/>
+              </a:ln>
+            </p:spPr>
+            <p:style>
+              <a:lnRef idx="1">
+                <a:schemeClr val="accent1"/>
+              </a:lnRef>
+              <a:fillRef idx="0">
+                <a:schemeClr val="accent1"/>
+              </a:fillRef>
+              <a:effectRef idx="0">
+                <a:schemeClr val="accent1"/>
+              </a:effectRef>
+              <a:fontRef idx="minor">
+                <a:schemeClr val="tx1"/>
+              </a:fontRef>
+            </p:style>
+          </p:cxnSp>
+          <p:cxnSp>
+            <p:nvCxnSpPr>
+              <p:cNvPr id="54" name="Straight Arrow Connector 53"/>
+              <p:cNvCxnSpPr>
+                <a:endCxn id="50" idx="0"/>
+              </p:cNvCxnSpPr>
+              <p:nvPr/>
+            </p:nvCxnSpPr>
+            <p:spPr>
+              <a:xfrm>
+                <a:off x="5029200" y="3838303"/>
+                <a:ext cx="304800" cy="1244238"/>
+              </a:xfrm>
+              <a:prstGeom prst="straightConnector1">
+                <a:avLst/>
+              </a:prstGeom>
+              <a:ln>
+                <a:tailEnd type="arrow"/>
+              </a:ln>
+            </p:spPr>
+            <p:style>
+              <a:lnRef idx="1">
+                <a:schemeClr val="accent1"/>
+              </a:lnRef>
+              <a:fillRef idx="0">
+                <a:schemeClr val="accent1"/>
+              </a:fillRef>
+              <a:effectRef idx="0">
+                <a:schemeClr val="accent1"/>
+              </a:effectRef>
+              <a:fontRef idx="minor">
+                <a:schemeClr val="tx1"/>
+              </a:fontRef>
+            </p:style>
+          </p:cxnSp>
+          <p:cxnSp>
+            <p:nvCxnSpPr>
+              <p:cNvPr id="55" name="Straight Arrow Connector 54"/>
+              <p:cNvCxnSpPr>
+                <a:endCxn id="51" idx="0"/>
+              </p:cNvCxnSpPr>
+              <p:nvPr/>
+            </p:nvCxnSpPr>
+            <p:spPr>
+              <a:xfrm>
+                <a:off x="5334000" y="3838303"/>
+                <a:ext cx="1905000" cy="1244239"/>
+              </a:xfrm>
+              <a:prstGeom prst="straightConnector1">
+                <a:avLst/>
+              </a:prstGeom>
+              <a:ln>
+                <a:tailEnd type="arrow"/>
+              </a:ln>
+            </p:spPr>
+            <p:style>
+              <a:lnRef idx="1">
+                <a:schemeClr val="accent1"/>
+              </a:lnRef>
+              <a:fillRef idx="0">
+                <a:schemeClr val="accent1"/>
+              </a:fillRef>
+              <a:effectRef idx="0">
+                <a:schemeClr val="accent1"/>
+              </a:effectRef>
+              <a:fontRef idx="minor">
+                <a:schemeClr val="tx1"/>
+              </a:fontRef>
+            </p:style>
+          </p:cxnSp>
+          <p:cxnSp>
+            <p:nvCxnSpPr>
+              <p:cNvPr id="56" name="Straight Arrow Connector 55"/>
+              <p:cNvCxnSpPr/>
+              <p:nvPr/>
+            </p:nvCxnSpPr>
+            <p:spPr>
+              <a:xfrm flipH="1">
+                <a:off x="3810000" y="3810000"/>
+                <a:ext cx="152400" cy="1272541"/>
+              </a:xfrm>
+              <a:prstGeom prst="straightConnector1">
+                <a:avLst/>
+              </a:prstGeom>
+              <a:ln>
+                <a:tailEnd type="arrow"/>
+              </a:ln>
+            </p:spPr>
+            <p:style>
+              <a:lnRef idx="1">
+                <a:schemeClr val="accent1"/>
+              </a:lnRef>
+              <a:fillRef idx="0">
+                <a:schemeClr val="accent1"/>
+              </a:fillRef>
+              <a:effectRef idx="0">
+                <a:schemeClr val="accent1"/>
+              </a:effectRef>
+              <a:fontRef idx="minor">
+                <a:schemeClr val="tx1"/>
+              </a:fontRef>
+            </p:style>
+          </p:cxnSp>
+          <p:cxnSp>
+            <p:nvCxnSpPr>
+              <p:cNvPr id="57" name="Straight Arrow Connector 56"/>
+              <p:cNvCxnSpPr>
+                <a:endCxn id="47" idx="2"/>
+              </p:cNvCxnSpPr>
+              <p:nvPr/>
+            </p:nvCxnSpPr>
+            <p:spPr>
+              <a:xfrm flipV="1">
+                <a:off x="3962401" y="3810000"/>
+                <a:ext cx="152401" cy="1262531"/>
+              </a:xfrm>
+              <a:prstGeom prst="straightConnector1">
+                <a:avLst/>
+              </a:prstGeom>
+              <a:ln>
+                <a:tailEnd type="arrow"/>
+              </a:ln>
+            </p:spPr>
+            <p:style>
+              <a:lnRef idx="1">
+                <a:schemeClr val="accent1"/>
+              </a:lnRef>
+              <a:fillRef idx="0">
+                <a:schemeClr val="accent1"/>
+              </a:fillRef>
+              <a:effectRef idx="0">
+                <a:schemeClr val="accent1"/>
+              </a:effectRef>
+              <a:fontRef idx="minor">
+                <a:schemeClr val="tx1"/>
+              </a:fontRef>
+            </p:style>
+          </p:cxnSp>
+        </p:grpSp>
+        <p:grpSp>
+          <p:nvGrpSpPr>
+            <p:cNvPr id="13" name="Group 12"/>
+            <p:cNvGrpSpPr/>
+            <p:nvPr/>
+          </p:nvGrpSpPr>
+          <p:grpSpPr>
+            <a:xfrm>
+              <a:off x="6019800" y="5603531"/>
+              <a:ext cx="1411355" cy="797269"/>
+              <a:chOff x="609600" y="3124200"/>
+              <a:chExt cx="7505700" cy="2667000"/>
+            </a:xfrm>
+          </p:grpSpPr>
+          <p:sp>
+            <p:nvSpPr>
+              <p:cNvPr id="36" name="Rectangle 35"/>
+              <p:cNvSpPr/>
+              <p:nvPr/>
+            </p:nvSpPr>
+            <p:spPr>
+              <a:xfrm>
+                <a:off x="2743201" y="3124200"/>
+                <a:ext cx="2743201" cy="685800"/>
+              </a:xfrm>
+              <a:prstGeom prst="rect">
+                <a:avLst/>
+              </a:prstGeom>
+            </p:spPr>
+            <p:style>
+              <a:lnRef idx="2">
+                <a:schemeClr val="accent1">
+                  <a:shade val="50000"/>
+                </a:schemeClr>
+              </a:lnRef>
+              <a:fillRef idx="1">
+                <a:schemeClr val="accent1"/>
+              </a:fillRef>
+              <a:effectRef idx="0">
+                <a:schemeClr val="accent1"/>
+              </a:effectRef>
+              <a:fontRef idx="minor">
+                <a:schemeClr val="lt1"/>
+              </a:fontRef>
+            </p:style>
+            <p:txBody>
+              <a:bodyPr rtlCol="0" anchor="ctr"/>
+              <a:lstStyle/>
+              <a:p>
+                <a:pPr algn="ctr"/>
+                <a:endParaRPr lang="en-US" dirty="0"/>
+              </a:p>
+            </p:txBody>
+          </p:sp>
+          <p:sp>
+            <p:nvSpPr>
+              <p:cNvPr id="37" name="Rectangle 36"/>
+              <p:cNvSpPr/>
+              <p:nvPr/>
+            </p:nvSpPr>
+            <p:spPr>
+              <a:xfrm>
+                <a:off x="609600" y="5105400"/>
+                <a:ext cx="1752600" cy="685800"/>
+              </a:xfrm>
+              <a:prstGeom prst="rect">
+                <a:avLst/>
+              </a:prstGeom>
+            </p:spPr>
+            <p:style>
+              <a:lnRef idx="2">
+                <a:schemeClr val="accent1">
+                  <a:shade val="50000"/>
+                </a:schemeClr>
+              </a:lnRef>
+              <a:fillRef idx="1">
+                <a:schemeClr val="accent1"/>
+              </a:fillRef>
+              <a:effectRef idx="0">
+                <a:schemeClr val="accent1"/>
+              </a:effectRef>
+              <a:fontRef idx="minor">
+                <a:schemeClr val="lt1"/>
+              </a:fontRef>
+            </p:style>
+            <p:txBody>
+              <a:bodyPr rtlCol="0" anchor="ctr"/>
+              <a:lstStyle/>
+              <a:p>
+                <a:pPr algn="ctr"/>
+                <a:endParaRPr lang="en-US" dirty="0"/>
+              </a:p>
+            </p:txBody>
+          </p:sp>
+          <p:sp>
+            <p:nvSpPr>
+              <p:cNvPr id="38" name="Rectangle 37"/>
+              <p:cNvSpPr/>
+              <p:nvPr/>
+            </p:nvSpPr>
+            <p:spPr>
+              <a:xfrm>
+                <a:off x="2536372" y="5086895"/>
+                <a:ext cx="1752600" cy="685800"/>
+              </a:xfrm>
+              <a:prstGeom prst="rect">
+                <a:avLst/>
+              </a:prstGeom>
+            </p:spPr>
+            <p:style>
+              <a:lnRef idx="2">
+                <a:schemeClr val="accent1">
+                  <a:shade val="50000"/>
+                </a:schemeClr>
+              </a:lnRef>
+              <a:fillRef idx="1">
+                <a:schemeClr val="accent1"/>
+              </a:fillRef>
+              <a:effectRef idx="0">
+                <a:schemeClr val="accent1"/>
+              </a:effectRef>
+              <a:fontRef idx="minor">
+                <a:schemeClr val="lt1"/>
+              </a:fontRef>
+            </p:style>
+            <p:txBody>
+              <a:bodyPr rtlCol="0" anchor="ctr"/>
+              <a:lstStyle/>
+              <a:p>
+                <a:pPr algn="ctr"/>
+                <a:endParaRPr lang="en-US" dirty="0"/>
+              </a:p>
+            </p:txBody>
+          </p:sp>
+          <p:sp>
+            <p:nvSpPr>
+              <p:cNvPr id="39" name="Rectangle 38"/>
+              <p:cNvSpPr/>
+              <p:nvPr/>
+            </p:nvSpPr>
+            <p:spPr>
+              <a:xfrm>
+                <a:off x="4457700" y="5082541"/>
+                <a:ext cx="1752600" cy="685800"/>
+              </a:xfrm>
+              <a:prstGeom prst="rect">
+                <a:avLst/>
+              </a:prstGeom>
+            </p:spPr>
+            <p:style>
+              <a:lnRef idx="2">
+                <a:schemeClr val="accent1">
+                  <a:shade val="50000"/>
+                </a:schemeClr>
+              </a:lnRef>
+              <a:fillRef idx="1">
+                <a:schemeClr val="accent1"/>
+              </a:fillRef>
+              <a:effectRef idx="0">
+                <a:schemeClr val="accent1"/>
+              </a:effectRef>
+              <a:fontRef idx="minor">
+                <a:schemeClr val="lt1"/>
+              </a:fontRef>
+            </p:style>
+            <p:txBody>
+              <a:bodyPr rtlCol="0" anchor="ctr"/>
+              <a:lstStyle/>
+              <a:p>
+                <a:pPr algn="ctr"/>
+                <a:endParaRPr lang="en-US" dirty="0"/>
+              </a:p>
+            </p:txBody>
+          </p:sp>
+          <p:sp>
+            <p:nvSpPr>
+              <p:cNvPr id="40" name="Rectangle 39"/>
+              <p:cNvSpPr/>
+              <p:nvPr/>
+            </p:nvSpPr>
+            <p:spPr>
+              <a:xfrm>
+                <a:off x="6362700" y="5082542"/>
+                <a:ext cx="1752600" cy="685800"/>
+              </a:xfrm>
+              <a:prstGeom prst="rect">
+                <a:avLst/>
+              </a:prstGeom>
+            </p:spPr>
+            <p:style>
+              <a:lnRef idx="2">
+                <a:schemeClr val="accent1">
+                  <a:shade val="50000"/>
+                </a:schemeClr>
+              </a:lnRef>
+              <a:fillRef idx="1">
+                <a:schemeClr val="accent1"/>
+              </a:fillRef>
+              <a:effectRef idx="0">
+                <a:schemeClr val="accent1"/>
+              </a:effectRef>
+              <a:fontRef idx="minor">
+                <a:schemeClr val="lt1"/>
+              </a:fontRef>
+            </p:style>
+            <p:txBody>
+              <a:bodyPr rtlCol="0" anchor="ctr"/>
+              <a:lstStyle/>
+              <a:p>
+                <a:pPr algn="ctr"/>
+                <a:endParaRPr lang="en-US" dirty="0"/>
+              </a:p>
+            </p:txBody>
+          </p:sp>
+          <p:cxnSp>
+            <p:nvCxnSpPr>
+              <p:cNvPr id="41" name="Straight Arrow Connector 40"/>
+              <p:cNvCxnSpPr/>
+              <p:nvPr/>
+            </p:nvCxnSpPr>
+            <p:spPr>
+              <a:xfrm flipV="1">
+                <a:off x="1714500" y="3838304"/>
+                <a:ext cx="1448889" cy="1343296"/>
+              </a:xfrm>
+              <a:prstGeom prst="straightConnector1">
+                <a:avLst/>
+              </a:prstGeom>
+              <a:ln>
+                <a:tailEnd type="arrow"/>
+              </a:ln>
+            </p:spPr>
+            <p:style>
+              <a:lnRef idx="1">
+                <a:schemeClr val="accent1"/>
+              </a:lnRef>
+              <a:fillRef idx="0">
+                <a:schemeClr val="accent1"/>
+              </a:fillRef>
+              <a:effectRef idx="0">
+                <a:schemeClr val="accent1"/>
+              </a:effectRef>
+              <a:fontRef idx="minor">
+                <a:schemeClr val="tx1"/>
+              </a:fontRef>
+            </p:style>
+          </p:cxnSp>
+          <p:cxnSp>
+            <p:nvCxnSpPr>
+              <p:cNvPr id="42" name="Straight Arrow Connector 41"/>
+              <p:cNvCxnSpPr/>
+              <p:nvPr/>
+            </p:nvCxnSpPr>
+            <p:spPr>
+              <a:xfrm flipH="1">
+                <a:off x="1479369" y="3805016"/>
+                <a:ext cx="1562100" cy="1244238"/>
+              </a:xfrm>
+              <a:prstGeom prst="straightConnector1">
+                <a:avLst/>
+              </a:prstGeom>
+              <a:ln>
+                <a:tailEnd type="arrow"/>
+              </a:ln>
+            </p:spPr>
+            <p:style>
+              <a:lnRef idx="1">
+                <a:schemeClr val="accent1"/>
+              </a:lnRef>
+              <a:fillRef idx="0">
+                <a:schemeClr val="accent1"/>
+              </a:fillRef>
+              <a:effectRef idx="0">
+                <a:schemeClr val="accent1"/>
+              </a:effectRef>
+              <a:fontRef idx="minor">
+                <a:schemeClr val="tx1"/>
+              </a:fontRef>
+            </p:style>
+          </p:cxnSp>
+          <p:cxnSp>
+            <p:nvCxnSpPr>
+              <p:cNvPr id="43" name="Straight Arrow Connector 42"/>
+              <p:cNvCxnSpPr>
+                <a:endCxn id="39" idx="0"/>
+              </p:cNvCxnSpPr>
+              <p:nvPr/>
+            </p:nvCxnSpPr>
+            <p:spPr>
+              <a:xfrm>
+                <a:off x="5029200" y="3838303"/>
+                <a:ext cx="304800" cy="1244238"/>
+              </a:xfrm>
+              <a:prstGeom prst="straightConnector1">
+                <a:avLst/>
+              </a:prstGeom>
+              <a:ln>
+                <a:tailEnd type="arrow"/>
+              </a:ln>
+            </p:spPr>
+            <p:style>
+              <a:lnRef idx="1">
+                <a:schemeClr val="accent1"/>
+              </a:lnRef>
+              <a:fillRef idx="0">
+                <a:schemeClr val="accent1"/>
+              </a:fillRef>
+              <a:effectRef idx="0">
+                <a:schemeClr val="accent1"/>
+              </a:effectRef>
+              <a:fontRef idx="minor">
+                <a:schemeClr val="tx1"/>
+              </a:fontRef>
+            </p:style>
+          </p:cxnSp>
+          <p:cxnSp>
+            <p:nvCxnSpPr>
+              <p:cNvPr id="44" name="Straight Arrow Connector 43"/>
+              <p:cNvCxnSpPr>
+                <a:endCxn id="40" idx="0"/>
+              </p:cNvCxnSpPr>
+              <p:nvPr/>
+            </p:nvCxnSpPr>
+            <p:spPr>
+              <a:xfrm>
+                <a:off x="5334000" y="3838303"/>
+                <a:ext cx="1905000" cy="1244239"/>
+              </a:xfrm>
+              <a:prstGeom prst="straightConnector1">
+                <a:avLst/>
+              </a:prstGeom>
+              <a:ln>
+                <a:tailEnd type="arrow"/>
+              </a:ln>
+            </p:spPr>
+            <p:style>
+              <a:lnRef idx="1">
+                <a:schemeClr val="accent1"/>
+              </a:lnRef>
+              <a:fillRef idx="0">
+                <a:schemeClr val="accent1"/>
+              </a:fillRef>
+              <a:effectRef idx="0">
+                <a:schemeClr val="accent1"/>
+              </a:effectRef>
+              <a:fontRef idx="minor">
+                <a:schemeClr val="tx1"/>
+              </a:fontRef>
+            </p:style>
+          </p:cxnSp>
+          <p:cxnSp>
+            <p:nvCxnSpPr>
+              <p:cNvPr id="45" name="Straight Arrow Connector 44"/>
+              <p:cNvCxnSpPr/>
+              <p:nvPr/>
+            </p:nvCxnSpPr>
+            <p:spPr>
+              <a:xfrm flipH="1">
+                <a:off x="3810000" y="3810000"/>
+                <a:ext cx="152400" cy="1272541"/>
+              </a:xfrm>
+              <a:prstGeom prst="straightConnector1">
+                <a:avLst/>
+              </a:prstGeom>
+              <a:ln>
+                <a:tailEnd type="arrow"/>
+              </a:ln>
+            </p:spPr>
+            <p:style>
+              <a:lnRef idx="1">
+                <a:schemeClr val="accent1"/>
+              </a:lnRef>
+              <a:fillRef idx="0">
+                <a:schemeClr val="accent1"/>
+              </a:fillRef>
+              <a:effectRef idx="0">
+                <a:schemeClr val="accent1"/>
+              </a:effectRef>
+              <a:fontRef idx="minor">
+                <a:schemeClr val="tx1"/>
+              </a:fontRef>
+            </p:style>
+          </p:cxnSp>
+          <p:cxnSp>
+            <p:nvCxnSpPr>
+              <p:cNvPr id="46" name="Straight Arrow Connector 45"/>
+              <p:cNvCxnSpPr>
+                <a:endCxn id="36" idx="2"/>
+              </p:cNvCxnSpPr>
+              <p:nvPr/>
+            </p:nvCxnSpPr>
+            <p:spPr>
+              <a:xfrm flipV="1">
+                <a:off x="3962401" y="3810000"/>
+                <a:ext cx="152401" cy="1262531"/>
+              </a:xfrm>
+              <a:prstGeom prst="straightConnector1">
+                <a:avLst/>
+              </a:prstGeom>
+              <a:ln>
+                <a:tailEnd type="arrow"/>
+              </a:ln>
+            </p:spPr>
+            <p:style>
+              <a:lnRef idx="1">
+                <a:schemeClr val="accent1"/>
+              </a:lnRef>
+              <a:fillRef idx="0">
+                <a:schemeClr val="accent1"/>
+              </a:fillRef>
+              <a:effectRef idx="0">
+                <a:schemeClr val="accent1"/>
+              </a:effectRef>
+              <a:fontRef idx="minor">
+                <a:schemeClr val="tx1"/>
+              </a:fontRef>
+            </p:style>
+          </p:cxnSp>
+        </p:grpSp>
+        <p:sp>
+          <p:nvSpPr>
+            <p:cNvPr id="14" name="TextBox 13"/>
+            <p:cNvSpPr txBox="1"/>
+            <p:nvPr/>
+          </p:nvSpPr>
+          <p:spPr>
+            <a:xfrm>
+              <a:off x="3204003" y="2221468"/>
+              <a:ext cx="983835" cy="369332"/>
+            </a:xfrm>
+            <a:prstGeom prst="rect">
+              <a:avLst/>
+            </a:prstGeom>
+            <a:noFill/>
+          </p:spPr>
+          <p:txBody>
+            <a:bodyPr wrap="square" rtlCol="0">
+              <a:spAutoFit/>
+            </a:bodyPr>
+            <a:lstStyle/>
+            <a:p>
+              <a:r>
+                <a:rPr lang="en-US" dirty="0" smtClean="0"/>
+                <a:t>Github</a:t>
+              </a:r>
+              <a:endParaRPr lang="en-US" dirty="0"/>
+            </a:p>
+          </p:txBody>
+        </p:sp>
+        <p:sp>
+          <p:nvSpPr>
+            <p:cNvPr id="15" name="TextBox 14"/>
+            <p:cNvSpPr txBox="1"/>
+            <p:nvPr/>
+          </p:nvSpPr>
+          <p:spPr>
+            <a:xfrm>
+              <a:off x="4243123" y="2655583"/>
+              <a:ext cx="1020972" cy="646331"/>
+            </a:xfrm>
+            <a:prstGeom prst="rect">
+              <a:avLst/>
+            </a:prstGeom>
+            <a:noFill/>
+          </p:spPr>
+          <p:txBody>
+            <a:bodyPr wrap="square" rtlCol="0">
+              <a:spAutoFit/>
+            </a:bodyPr>
+            <a:lstStyle/>
+            <a:p>
+              <a:pPr algn="ctr"/>
+              <a:r>
+                <a:rPr lang="en-US" dirty="0" smtClean="0"/>
+                <a:t>Course Repo</a:t>
+              </a:r>
+              <a:endParaRPr lang="en-US" dirty="0"/>
+            </a:p>
+          </p:txBody>
+        </p:sp>
+        <p:sp>
+          <p:nvSpPr>
+            <p:cNvPr id="16" name="TextBox 15"/>
+            <p:cNvSpPr txBox="1"/>
+            <p:nvPr/>
+          </p:nvSpPr>
+          <p:spPr>
+            <a:xfrm>
+              <a:off x="6323711" y="3797821"/>
+              <a:ext cx="1014376" cy="646331"/>
+            </a:xfrm>
+            <a:prstGeom prst="rect">
+              <a:avLst/>
+            </a:prstGeom>
+            <a:noFill/>
+          </p:spPr>
+          <p:txBody>
+            <a:bodyPr wrap="square" rtlCol="0">
+              <a:spAutoFit/>
+            </a:bodyPr>
+            <a:lstStyle/>
+            <a:p>
+              <a:pPr algn="ctr"/>
+              <a:r>
+                <a:rPr lang="en-US" dirty="0" smtClean="0"/>
+                <a:t>Student Repos</a:t>
+              </a:r>
+              <a:endParaRPr lang="en-US" dirty="0"/>
+            </a:p>
+          </p:txBody>
+        </p:sp>
+        <p:cxnSp>
+          <p:nvCxnSpPr>
+            <p:cNvPr id="17" name="Straight Arrow Connector 16"/>
+            <p:cNvCxnSpPr/>
+            <p:nvPr/>
+          </p:nvCxnSpPr>
+          <p:spPr>
+            <a:xfrm flipH="1">
+              <a:off x="2262428" y="3374808"/>
+              <a:ext cx="709372" cy="320892"/>
+            </a:xfrm>
+            <a:prstGeom prst="straightConnector1">
+              <a:avLst/>
+            </a:prstGeom>
+            <a:ln>
+              <a:tailEnd type="arrow"/>
+            </a:ln>
+          </p:spPr>
+          <p:style>
+            <a:lnRef idx="1">
+              <a:schemeClr val="accent1"/>
+            </a:lnRef>
+            <a:fillRef idx="0">
+              <a:schemeClr val="accent1"/>
+            </a:fillRef>
+            <a:effectRef idx="0">
+              <a:schemeClr val="accent1"/>
+            </a:effectRef>
+            <a:fontRef idx="minor">
+              <a:schemeClr val="tx1"/>
+            </a:fontRef>
+          </p:style>
+        </p:cxnSp>
+        <p:cxnSp>
+          <p:nvCxnSpPr>
+            <p:cNvPr id="18" name="Straight Arrow Connector 17"/>
+            <p:cNvCxnSpPr/>
+            <p:nvPr/>
+          </p:nvCxnSpPr>
+          <p:spPr>
+            <a:xfrm>
+              <a:off x="4580735" y="3381641"/>
+              <a:ext cx="657353" cy="416180"/>
+            </a:xfrm>
+            <a:prstGeom prst="straightConnector1">
+              <a:avLst/>
+            </a:prstGeom>
+            <a:ln>
+              <a:tailEnd type="arrow"/>
+            </a:ln>
+          </p:spPr>
+          <p:style>
+            <a:lnRef idx="1">
+              <a:schemeClr val="accent1"/>
+            </a:lnRef>
+            <a:fillRef idx="0">
+              <a:schemeClr val="accent1"/>
+            </a:fillRef>
+            <a:effectRef idx="0">
+              <a:schemeClr val="accent1"/>
+            </a:effectRef>
+            <a:fontRef idx="minor">
+              <a:schemeClr val="tx1"/>
+            </a:fontRef>
+          </p:style>
+        </p:cxnSp>
+        <p:cxnSp>
+          <p:nvCxnSpPr>
+            <p:cNvPr id="19" name="Straight Arrow Connector 18"/>
+            <p:cNvCxnSpPr>
+              <a:endCxn id="80" idx="0"/>
+            </p:cNvCxnSpPr>
+            <p:nvPr/>
+          </p:nvCxnSpPr>
+          <p:spPr>
+            <a:xfrm flipH="1">
+              <a:off x="3725021" y="3535254"/>
+              <a:ext cx="32750" cy="265922"/>
+            </a:xfrm>
+            <a:prstGeom prst="straightConnector1">
+              <a:avLst/>
+            </a:prstGeom>
+            <a:ln>
+              <a:tailEnd type="arrow"/>
+            </a:ln>
+          </p:spPr>
+          <p:style>
+            <a:lnRef idx="1">
+              <a:schemeClr val="accent1"/>
+            </a:lnRef>
+            <a:fillRef idx="0">
+              <a:schemeClr val="accent1"/>
+            </a:fillRef>
+            <a:effectRef idx="0">
+              <a:schemeClr val="accent1"/>
+            </a:effectRef>
+            <a:fontRef idx="minor">
+              <a:schemeClr val="tx1"/>
+            </a:fontRef>
+          </p:style>
+        </p:cxnSp>
+        <p:sp>
+          <p:nvSpPr>
+            <p:cNvPr id="20" name="TextBox 19"/>
+            <p:cNvSpPr txBox="1"/>
+            <p:nvPr/>
+          </p:nvSpPr>
+          <p:spPr>
+            <a:xfrm>
+              <a:off x="2068993" y="3220399"/>
+              <a:ext cx="601591" cy="369332"/>
+            </a:xfrm>
+            <a:prstGeom prst="rect">
+              <a:avLst/>
+            </a:prstGeom>
+            <a:noFill/>
+          </p:spPr>
+          <p:txBody>
+            <a:bodyPr wrap="square" rtlCol="0">
+              <a:spAutoFit/>
+            </a:bodyPr>
+            <a:lstStyle/>
+            <a:p>
+              <a:r>
+                <a:rPr lang="en-US" dirty="0" smtClean="0"/>
+                <a:t>Pull</a:t>
+              </a:r>
+              <a:endParaRPr lang="en-US" dirty="0"/>
+            </a:p>
+          </p:txBody>
+        </p:sp>
+        <p:sp>
+          <p:nvSpPr>
+            <p:cNvPr id="21" name="TextBox 20"/>
+            <p:cNvSpPr txBox="1"/>
+            <p:nvPr/>
+          </p:nvSpPr>
+          <p:spPr>
+            <a:xfrm>
+              <a:off x="4937292" y="3397286"/>
+              <a:ext cx="601591" cy="369332"/>
+            </a:xfrm>
+            <a:prstGeom prst="rect">
+              <a:avLst/>
+            </a:prstGeom>
+            <a:noFill/>
+          </p:spPr>
+          <p:txBody>
+            <a:bodyPr wrap="square" rtlCol="0">
+              <a:spAutoFit/>
+            </a:bodyPr>
+            <a:lstStyle/>
+            <a:p>
+              <a:r>
+                <a:rPr lang="en-US" dirty="0" smtClean="0"/>
+                <a:t>Pull</a:t>
+              </a:r>
+              <a:endParaRPr lang="en-US" dirty="0"/>
+            </a:p>
+          </p:txBody>
+        </p:sp>
+        <p:sp>
+          <p:nvSpPr>
+            <p:cNvPr id="22" name="TextBox 21"/>
+            <p:cNvSpPr txBox="1"/>
+            <p:nvPr/>
+          </p:nvSpPr>
+          <p:spPr>
+            <a:xfrm>
+              <a:off x="3789498" y="3506022"/>
+              <a:ext cx="601591" cy="369332"/>
+            </a:xfrm>
+            <a:prstGeom prst="rect">
+              <a:avLst/>
+            </a:prstGeom>
+            <a:noFill/>
+          </p:spPr>
+          <p:txBody>
+            <a:bodyPr wrap="square" rtlCol="0">
+              <a:spAutoFit/>
+            </a:bodyPr>
+            <a:lstStyle/>
+            <a:p>
+              <a:r>
+                <a:rPr lang="en-US" dirty="0" smtClean="0"/>
+                <a:t>Pull</a:t>
+              </a:r>
+              <a:endParaRPr lang="en-US" dirty="0"/>
+            </a:p>
+          </p:txBody>
+        </p:sp>
+        <p:cxnSp>
+          <p:nvCxnSpPr>
+            <p:cNvPr id="23" name="Straight Arrow Connector 22"/>
+            <p:cNvCxnSpPr/>
+            <p:nvPr/>
+          </p:nvCxnSpPr>
+          <p:spPr>
+            <a:xfrm flipH="1">
+              <a:off x="1655821" y="4598445"/>
+              <a:ext cx="92205" cy="1005086"/>
+            </a:xfrm>
+            <a:prstGeom prst="straightConnector1">
+              <a:avLst/>
+            </a:prstGeom>
+            <a:ln>
+              <a:tailEnd type="arrow"/>
+            </a:ln>
+          </p:spPr>
+          <p:style>
+            <a:lnRef idx="1">
+              <a:schemeClr val="accent1"/>
+            </a:lnRef>
+            <a:fillRef idx="0">
+              <a:schemeClr val="accent1"/>
+            </a:fillRef>
+            <a:effectRef idx="0">
+              <a:schemeClr val="accent1"/>
+            </a:effectRef>
+            <a:fontRef idx="minor">
+              <a:schemeClr val="tx1"/>
+            </a:fontRef>
+          </p:style>
+        </p:cxnSp>
+        <p:cxnSp>
+          <p:nvCxnSpPr>
+            <p:cNvPr id="24" name="Straight Arrow Connector 23"/>
+            <p:cNvCxnSpPr>
+              <a:stCxn id="58" idx="0"/>
+              <a:endCxn id="93" idx="2"/>
+            </p:cNvCxnSpPr>
+            <p:nvPr/>
+          </p:nvCxnSpPr>
+          <p:spPr>
+            <a:xfrm flipV="1">
+              <a:off x="1762356" y="4592100"/>
+              <a:ext cx="110133" cy="1011431"/>
+            </a:xfrm>
+            <a:prstGeom prst="straightConnector1">
+              <a:avLst/>
+            </a:prstGeom>
+            <a:ln>
+              <a:tailEnd type="arrow"/>
+            </a:ln>
+          </p:spPr>
+          <p:style>
+            <a:lnRef idx="1">
+              <a:schemeClr val="accent1"/>
+            </a:lnRef>
+            <a:fillRef idx="0">
+              <a:schemeClr val="accent1"/>
+            </a:fillRef>
+            <a:effectRef idx="0">
+              <a:schemeClr val="accent1"/>
+            </a:effectRef>
+            <a:fontRef idx="minor">
+              <a:schemeClr val="tx1"/>
+            </a:fontRef>
+          </p:style>
+        </p:cxnSp>
+        <p:cxnSp>
+          <p:nvCxnSpPr>
+            <p:cNvPr id="25" name="Straight Arrow Connector 24"/>
+            <p:cNvCxnSpPr>
+              <a:endCxn id="47" idx="0"/>
+            </p:cNvCxnSpPr>
+            <p:nvPr/>
+          </p:nvCxnSpPr>
+          <p:spPr>
+            <a:xfrm>
+              <a:off x="3852061" y="4598445"/>
+              <a:ext cx="348695" cy="1005086"/>
+            </a:xfrm>
+            <a:prstGeom prst="straightConnector1">
+              <a:avLst/>
+            </a:prstGeom>
+            <a:ln>
+              <a:tailEnd type="arrow"/>
+            </a:ln>
+          </p:spPr>
+          <p:style>
+            <a:lnRef idx="1">
+              <a:schemeClr val="accent1"/>
+            </a:lnRef>
+            <a:fillRef idx="0">
+              <a:schemeClr val="accent1"/>
+            </a:fillRef>
+            <a:effectRef idx="0">
+              <a:schemeClr val="accent1"/>
+            </a:effectRef>
+            <a:fontRef idx="minor">
+              <a:schemeClr val="tx1"/>
+            </a:fontRef>
+          </p:style>
+        </p:cxnSp>
+        <p:cxnSp>
+          <p:nvCxnSpPr>
+            <p:cNvPr id="26" name="Straight Arrow Connector 25"/>
+            <p:cNvCxnSpPr>
+              <a:endCxn id="83" idx="2"/>
+            </p:cNvCxnSpPr>
+            <p:nvPr/>
+          </p:nvCxnSpPr>
+          <p:spPr>
+            <a:xfrm flipH="1" flipV="1">
+              <a:off x="3954276" y="4591612"/>
+              <a:ext cx="447078" cy="1011919"/>
+            </a:xfrm>
+            <a:prstGeom prst="straightConnector1">
+              <a:avLst/>
+            </a:prstGeom>
+            <a:ln>
+              <a:tailEnd type="arrow"/>
+            </a:ln>
+          </p:spPr>
+          <p:style>
+            <a:lnRef idx="1">
+              <a:schemeClr val="accent1"/>
+            </a:lnRef>
+            <a:fillRef idx="0">
+              <a:schemeClr val="accent1"/>
+            </a:fillRef>
+            <a:effectRef idx="0">
+              <a:schemeClr val="accent1"/>
+            </a:effectRef>
+            <a:fontRef idx="minor">
+              <a:schemeClr val="tx1"/>
+            </a:fontRef>
+          </p:style>
+        </p:cxnSp>
+        <p:cxnSp>
+          <p:nvCxnSpPr>
+            <p:cNvPr id="27" name="Straight Arrow Connector 26"/>
+            <p:cNvCxnSpPr>
+              <a:stCxn id="72" idx="2"/>
+            </p:cNvCxnSpPr>
+            <p:nvPr/>
+          </p:nvCxnSpPr>
+          <p:spPr>
+            <a:xfrm>
+              <a:off x="5669171" y="4588257"/>
+              <a:ext cx="830838" cy="1015274"/>
+            </a:xfrm>
+            <a:prstGeom prst="straightConnector1">
+              <a:avLst/>
+            </a:prstGeom>
+            <a:ln>
+              <a:tailEnd type="arrow"/>
+            </a:ln>
+          </p:spPr>
+          <p:style>
+            <a:lnRef idx="1">
+              <a:schemeClr val="accent1"/>
+            </a:lnRef>
+            <a:fillRef idx="0">
+              <a:schemeClr val="accent1"/>
+            </a:fillRef>
+            <a:effectRef idx="0">
+              <a:schemeClr val="accent1"/>
+            </a:effectRef>
+            <a:fontRef idx="minor">
+              <a:schemeClr val="tx1"/>
+            </a:fontRef>
+          </p:style>
+        </p:cxnSp>
+        <p:cxnSp>
+          <p:nvCxnSpPr>
+            <p:cNvPr id="28" name="Straight Arrow Connector 27"/>
+            <p:cNvCxnSpPr>
+              <a:stCxn id="36" idx="0"/>
+            </p:cNvCxnSpPr>
+            <p:nvPr/>
+          </p:nvCxnSpPr>
+          <p:spPr>
+            <a:xfrm flipH="1" flipV="1">
+              <a:off x="6019800" y="4598445"/>
+              <a:ext cx="659111" cy="1005086"/>
+            </a:xfrm>
+            <a:prstGeom prst="straightConnector1">
+              <a:avLst/>
+            </a:prstGeom>
+            <a:ln>
+              <a:tailEnd type="arrow"/>
+            </a:ln>
+          </p:spPr>
+          <p:style>
+            <a:lnRef idx="1">
+              <a:schemeClr val="accent1"/>
+            </a:lnRef>
+            <a:fillRef idx="0">
+              <a:schemeClr val="accent1"/>
+            </a:fillRef>
+            <a:effectRef idx="0">
+              <a:schemeClr val="accent1"/>
+            </a:effectRef>
+            <a:fontRef idx="minor">
+              <a:schemeClr val="tx1"/>
+            </a:fontRef>
+          </p:style>
+        </p:cxnSp>
+        <p:sp>
+          <p:nvSpPr>
+            <p:cNvPr id="29" name="TextBox 28"/>
+            <p:cNvSpPr txBox="1"/>
+            <p:nvPr/>
+          </p:nvSpPr>
+          <p:spPr>
+            <a:xfrm>
+              <a:off x="1182404" y="4916322"/>
+              <a:ext cx="601591" cy="369332"/>
+            </a:xfrm>
+            <a:prstGeom prst="rect">
+              <a:avLst/>
+            </a:prstGeom>
+            <a:noFill/>
+          </p:spPr>
+          <p:txBody>
+            <a:bodyPr wrap="square" rtlCol="0">
+              <a:spAutoFit/>
+            </a:bodyPr>
+            <a:lstStyle/>
+            <a:p>
+              <a:r>
+                <a:rPr lang="en-US" dirty="0" smtClean="0"/>
+                <a:t>Pull</a:t>
+              </a:r>
+              <a:endParaRPr lang="en-US" dirty="0"/>
+            </a:p>
+          </p:txBody>
+        </p:sp>
+        <p:sp>
+          <p:nvSpPr>
+            <p:cNvPr id="30" name="TextBox 29"/>
+            <p:cNvSpPr txBox="1"/>
+            <p:nvPr/>
+          </p:nvSpPr>
+          <p:spPr>
+            <a:xfrm>
+              <a:off x="3424224" y="4931967"/>
+              <a:ext cx="601591" cy="369332"/>
+            </a:xfrm>
+            <a:prstGeom prst="rect">
+              <a:avLst/>
+            </a:prstGeom>
+            <a:noFill/>
+          </p:spPr>
+          <p:txBody>
+            <a:bodyPr wrap="square" rtlCol="0">
+              <a:spAutoFit/>
+            </a:bodyPr>
+            <a:lstStyle/>
+            <a:p>
+              <a:r>
+                <a:rPr lang="en-US" dirty="0" smtClean="0"/>
+                <a:t>Pull</a:t>
+              </a:r>
+              <a:endParaRPr lang="en-US" dirty="0"/>
+            </a:p>
+          </p:txBody>
+        </p:sp>
+        <p:sp>
+          <p:nvSpPr>
+            <p:cNvPr id="31" name="TextBox 30"/>
+            <p:cNvSpPr txBox="1"/>
+            <p:nvPr/>
+          </p:nvSpPr>
+          <p:spPr>
+            <a:xfrm>
+              <a:off x="5538883" y="5066779"/>
+              <a:ext cx="601591" cy="369332"/>
+            </a:xfrm>
+            <a:prstGeom prst="rect">
+              <a:avLst/>
+            </a:prstGeom>
+            <a:noFill/>
+          </p:spPr>
+          <p:txBody>
+            <a:bodyPr wrap="square" rtlCol="0">
+              <a:spAutoFit/>
+            </a:bodyPr>
+            <a:lstStyle/>
+            <a:p>
+              <a:r>
+                <a:rPr lang="en-US" dirty="0" smtClean="0"/>
+                <a:t>Pull</a:t>
+              </a:r>
+              <a:endParaRPr lang="en-US" dirty="0"/>
+            </a:p>
+          </p:txBody>
+        </p:sp>
+        <p:sp>
+          <p:nvSpPr>
+            <p:cNvPr id="32" name="TextBox 31"/>
+            <p:cNvSpPr txBox="1"/>
+            <p:nvPr/>
+          </p:nvSpPr>
+          <p:spPr>
+            <a:xfrm>
+              <a:off x="1826833" y="4947612"/>
+              <a:ext cx="765149" cy="369332"/>
+            </a:xfrm>
+            <a:prstGeom prst="rect">
+              <a:avLst/>
+            </a:prstGeom>
+            <a:noFill/>
+          </p:spPr>
+          <p:txBody>
+            <a:bodyPr wrap="square" rtlCol="0">
+              <a:spAutoFit/>
+            </a:bodyPr>
+            <a:lstStyle/>
+            <a:p>
+              <a:r>
+                <a:rPr lang="en-US" dirty="0" smtClean="0"/>
+                <a:t>Push</a:t>
+              </a:r>
+              <a:endParaRPr lang="en-US" dirty="0"/>
+            </a:p>
+          </p:txBody>
+        </p:sp>
+        <p:sp>
+          <p:nvSpPr>
+            <p:cNvPr id="33" name="TextBox 32"/>
+            <p:cNvSpPr txBox="1"/>
+            <p:nvPr/>
+          </p:nvSpPr>
+          <p:spPr>
+            <a:xfrm>
+              <a:off x="4200755" y="4916322"/>
+              <a:ext cx="765149" cy="369332"/>
+            </a:xfrm>
+            <a:prstGeom prst="rect">
+              <a:avLst/>
+            </a:prstGeom>
+            <a:noFill/>
+          </p:spPr>
+          <p:txBody>
+            <a:bodyPr wrap="square" rtlCol="0">
+              <a:spAutoFit/>
+            </a:bodyPr>
+            <a:lstStyle/>
+            <a:p>
+              <a:r>
+                <a:rPr lang="en-US" dirty="0" smtClean="0"/>
+                <a:t>Push</a:t>
+              </a:r>
+              <a:endParaRPr lang="en-US" dirty="0"/>
+            </a:p>
+          </p:txBody>
+        </p:sp>
+        <p:sp>
+          <p:nvSpPr>
+            <p:cNvPr id="34" name="TextBox 33"/>
+            <p:cNvSpPr txBox="1"/>
+            <p:nvPr/>
+          </p:nvSpPr>
+          <p:spPr>
+            <a:xfrm>
+              <a:off x="6420998" y="5065169"/>
+              <a:ext cx="765149" cy="369332"/>
+            </a:xfrm>
+            <a:prstGeom prst="rect">
+              <a:avLst/>
+            </a:prstGeom>
+            <a:noFill/>
+          </p:spPr>
+          <p:txBody>
+            <a:bodyPr wrap="square" rtlCol="0">
+              <a:spAutoFit/>
+            </a:bodyPr>
+            <a:lstStyle/>
+            <a:p>
+              <a:r>
+                <a:rPr lang="en-US" dirty="0" smtClean="0"/>
+                <a:t>Push</a:t>
+              </a:r>
+              <a:endParaRPr lang="en-US" dirty="0"/>
+            </a:p>
+          </p:txBody>
+        </p:sp>
+        <p:sp>
+          <p:nvSpPr>
+            <p:cNvPr id="35" name="TextBox 34"/>
+            <p:cNvSpPr txBox="1"/>
+            <p:nvPr/>
+          </p:nvSpPr>
+          <p:spPr>
+            <a:xfrm>
+              <a:off x="7467600" y="5244372"/>
+              <a:ext cx="1219200" cy="923330"/>
+            </a:xfrm>
+            <a:prstGeom prst="rect">
+              <a:avLst/>
+            </a:prstGeom>
+            <a:noFill/>
+          </p:spPr>
+          <p:txBody>
+            <a:bodyPr wrap="square" rtlCol="0">
+              <a:spAutoFit/>
+            </a:bodyPr>
+            <a:lstStyle/>
+            <a:p>
+              <a:pPr algn="ctr"/>
+              <a:r>
+                <a:rPr lang="en-US" dirty="0" smtClean="0"/>
+                <a:t>Local Computer Repos</a:t>
+              </a:r>
+              <a:endParaRPr lang="en-US" dirty="0"/>
+            </a:p>
+          </p:txBody>
+        </p:sp>
+      </p:grpSp>
+      <p:sp>
+        <p:nvSpPr>
+          <p:cNvPr id="226" name="Rectangle 225"/>
+          <p:cNvSpPr/>
+          <p:nvPr/>
+        </p:nvSpPr>
+        <p:spPr>
+          <a:xfrm>
+            <a:off x="304800" y="5706037"/>
+            <a:ext cx="8229600" cy="911695"/>
+          </a:xfrm>
+          <a:prstGeom prst="rect">
+            <a:avLst/>
+          </a:prstGeom>
+        </p:spPr>
+        <p:style>
+          <a:lnRef idx="2">
+            <a:schemeClr val="accent1">
+              <a:shade val="50000"/>
+            </a:schemeClr>
+          </a:lnRef>
+          <a:fillRef idx="1">
+            <a:schemeClr val="accent1"/>
+          </a:fillRef>
+          <a:effectRef idx="0">
+            <a:schemeClr val="accent1"/>
+          </a:effectRef>
+          <a:fontRef idx="minor">
+            <a:schemeClr val="lt1"/>
+          </a:fontRef>
+        </p:style>
+        <p:txBody>
+          <a:bodyPr rtlCol="0" anchor="t"/>
+          <a:lstStyle/>
+          <a:p>
+            <a:r>
+              <a:rPr lang="en-US" sz="1400" dirty="0" err="1">
+                <a:latin typeface="Courier New" panose="02070309020205020404" pitchFamily="49" charset="0"/>
+                <a:cs typeface="Courier New" panose="02070309020205020404" pitchFamily="49" charset="0"/>
+              </a:rPr>
+              <a:t>git</a:t>
+            </a:r>
+            <a:r>
+              <a:rPr lang="en-US" sz="1400" dirty="0">
+                <a:latin typeface="Courier New" panose="02070309020205020404" pitchFamily="49" charset="0"/>
+                <a:cs typeface="Courier New" panose="02070309020205020404" pitchFamily="49" charset="0"/>
+              </a:rPr>
+              <a:t> remote add </a:t>
+            </a:r>
+            <a:r>
+              <a:rPr lang="en-US" sz="1400" dirty="0" smtClean="0">
+                <a:latin typeface="Courier New" panose="02070309020205020404" pitchFamily="49" charset="0"/>
+                <a:cs typeface="Courier New" panose="02070309020205020404" pitchFamily="49" charset="0"/>
+              </a:rPr>
+              <a:t>upstream  # Do this one time</a:t>
+            </a:r>
+          </a:p>
+          <a:p>
+            <a:r>
+              <a:rPr lang="en-US" sz="1400" dirty="0">
+                <a:latin typeface="Courier New" panose="02070309020205020404" pitchFamily="49" charset="0"/>
+                <a:cs typeface="Courier New" panose="02070309020205020404" pitchFamily="49" charset="0"/>
+              </a:rPr>
+              <a:t> </a:t>
+            </a:r>
+            <a:r>
+              <a:rPr lang="en-US" sz="1400" dirty="0" smtClean="0">
+                <a:latin typeface="Courier New" panose="02070309020205020404" pitchFamily="49" charset="0"/>
+                <a:cs typeface="Courier New" panose="02070309020205020404" pitchFamily="49" charset="0"/>
+              </a:rPr>
+              <a:t>   https</a:t>
+            </a:r>
+            <a:r>
+              <a:rPr lang="en-US" sz="1400" dirty="0">
+                <a:latin typeface="Courier New" panose="02070309020205020404" pitchFamily="49" charset="0"/>
+                <a:cs typeface="Courier New" panose="02070309020205020404" pitchFamily="49" charset="0"/>
+              </a:rPr>
+              <a:t>://</a:t>
+            </a:r>
+            <a:r>
+              <a:rPr lang="en-US" sz="1400" dirty="0" smtClean="0">
+                <a:latin typeface="Courier New" panose="02070309020205020404" pitchFamily="49" charset="0"/>
+                <a:cs typeface="Courier New" panose="02070309020205020404" pitchFamily="49" charset="0"/>
+              </a:rPr>
+              <a:t>github.com/joshpeterson/DevelopingConcurrentSoftware.git</a:t>
+            </a:r>
+          </a:p>
+          <a:p>
+            <a:r>
+              <a:rPr lang="en-US" sz="1400" dirty="0" err="1" smtClean="0">
+                <a:latin typeface="Courier New" panose="02070309020205020404" pitchFamily="49" charset="0"/>
+                <a:cs typeface="Courier New" panose="02070309020205020404" pitchFamily="49" charset="0"/>
+              </a:rPr>
+              <a:t>git</a:t>
+            </a:r>
+            <a:r>
+              <a:rPr lang="en-US" sz="1400" dirty="0" smtClean="0">
+                <a:latin typeface="Courier New" panose="02070309020205020404" pitchFamily="49" charset="0"/>
+                <a:cs typeface="Courier New" panose="02070309020205020404" pitchFamily="49" charset="0"/>
+              </a:rPr>
+              <a:t> pull upstream master # Do this each time to update</a:t>
+            </a:r>
+          </a:p>
+          <a:p>
+            <a:r>
+              <a:rPr lang="en-US" sz="1400" dirty="0" err="1" smtClean="0">
+                <a:latin typeface="Courier New" panose="02070309020205020404" pitchFamily="49" charset="0"/>
+                <a:cs typeface="Courier New" panose="02070309020205020404" pitchFamily="49" charset="0"/>
+              </a:rPr>
+              <a:t>git</a:t>
+            </a:r>
+            <a:r>
+              <a:rPr lang="en-US" sz="1400" dirty="0" smtClean="0">
+                <a:latin typeface="Courier New" panose="02070309020205020404" pitchFamily="49" charset="0"/>
+                <a:cs typeface="Courier New" panose="02070309020205020404" pitchFamily="49" charset="0"/>
+              </a:rPr>
+              <a:t> push origin master   # </a:t>
+            </a:r>
+            <a:r>
+              <a:rPr lang="en-US" sz="1400" dirty="0">
+                <a:latin typeface="Courier New" panose="02070309020205020404" pitchFamily="49" charset="0"/>
+                <a:cs typeface="Courier New" panose="02070309020205020404" pitchFamily="49" charset="0"/>
+              </a:rPr>
+              <a:t>Do this each time to update</a:t>
+            </a:r>
+            <a:endParaRPr lang="en-US" sz="1400" dirty="0">
+              <a:latin typeface="Courier New" panose="02070309020205020404" pitchFamily="49" charset="0"/>
+              <a:cs typeface="Courier New" panose="02070309020205020404" pitchFamily="49" charset="0"/>
+            </a:endParaRPr>
+          </a:p>
+        </p:txBody>
+      </p:sp>
+      <p:cxnSp>
+        <p:nvCxnSpPr>
+          <p:cNvPr id="228" name="Straight Arrow Connector 227"/>
+          <p:cNvCxnSpPr>
+            <a:stCxn id="103" idx="2"/>
+          </p:cNvCxnSpPr>
+          <p:nvPr/>
+        </p:nvCxnSpPr>
+        <p:spPr>
+          <a:xfrm flipH="1">
+            <a:off x="2369788" y="3484147"/>
+            <a:ext cx="842990" cy="2332857"/>
+          </a:xfrm>
+          <a:prstGeom prst="straightConnector1">
+            <a:avLst/>
+          </a:prstGeom>
+          <a:ln>
+            <a:tailEnd type="arrow"/>
+          </a:ln>
+        </p:spPr>
+        <p:style>
+          <a:lnRef idx="3">
+            <a:schemeClr val="accent5"/>
+          </a:lnRef>
+          <a:fillRef idx="0">
+            <a:schemeClr val="accent5"/>
+          </a:fillRef>
+          <a:effectRef idx="2">
+            <a:schemeClr val="accent5"/>
+          </a:effectRef>
+          <a:fontRef idx="minor">
+            <a:schemeClr val="tx1"/>
+          </a:fontRef>
+        </p:style>
+      </p:cxnSp>
+      <p:cxnSp>
+        <p:nvCxnSpPr>
+          <p:cNvPr id="232" name="Straight Arrow Connector 231"/>
+          <p:cNvCxnSpPr>
+            <a:stCxn id="58" idx="0"/>
+            <a:endCxn id="93" idx="2"/>
+          </p:cNvCxnSpPr>
+          <p:nvPr/>
+        </p:nvCxnSpPr>
+        <p:spPr>
+          <a:xfrm flipV="1">
+            <a:off x="1762356" y="4592100"/>
+            <a:ext cx="110133" cy="1011431"/>
+          </a:xfrm>
+          <a:prstGeom prst="straightConnector1">
+            <a:avLst/>
+          </a:prstGeom>
+          <a:ln>
+            <a:tailEnd type="arrow"/>
+          </a:ln>
+        </p:spPr>
+        <p:style>
+          <a:lnRef idx="3">
+            <a:schemeClr val="accent5"/>
+          </a:lnRef>
+          <a:fillRef idx="0">
+            <a:schemeClr val="accent5"/>
+          </a:fillRef>
+          <a:effectRef idx="2">
+            <a:schemeClr val="accent5"/>
+          </a:effectRef>
+          <a:fontRef idx="minor">
+            <a:schemeClr val="tx1"/>
+          </a:fontRef>
+        </p:style>
+      </p:cxnSp>
+    </p:spTree>
+    <p:extLst>
+      <p:ext uri="{BB962C8B-B14F-4D97-AF65-F5344CB8AC3E}">
+        <p14:creationId xmlns:p14="http://schemas.microsoft.com/office/powerpoint/2010/main" val="316214532"/>
+      </p:ext>
+    </p:extLst>
+  </p:cSld>
+  <p:clrMapOvr>
+    <a:masterClrMapping/>
+  </p:clrMapOvr>
+  <p:timing>
+    <p:tnLst>
+      <p:par>
+        <p:cTn id="1" dur="indefinite" restart="never" nodeType="tmRoot">
+          <p:childTnLst>
+            <p:seq concurrent="1" nextAc="seek">
+              <p:cTn id="2" dur="indefinite" nodeType="mainSeq">
+                <p:childTnLst>
+                  <p:par>
+                    <p:cTn id="3" fill="hold">
+                      <p:stCondLst>
+                        <p:cond delay="indefinite"/>
+                      </p:stCondLst>
+                      <p:childTnLst>
+                        <p:par>
+                          <p:cTn id="4" fill="hold">
+                            <p:stCondLst>
+                              <p:cond delay="0"/>
+                            </p:stCondLst>
+                            <p:childTnLst>
+                              <p:par>
+                                <p:cTn id="5" presetID="1" presetClass="entr" presetSubtype="0" fill="hold" nodeType="clickEffect">
+                                  <p:stCondLst>
+                                    <p:cond delay="0"/>
+                                  </p:stCondLst>
+                                  <p:childTnLst>
+                                    <p:set>
+                                      <p:cBhvr>
+                                        <p:cTn id="6" dur="1" fill="hold">
+                                          <p:stCondLst>
+                                            <p:cond delay="0"/>
+                                          </p:stCondLst>
+                                        </p:cTn>
+                                        <p:tgtEl>
+                                          <p:spTgt spid="228"/>
+                                        </p:tgtEl>
+                                        <p:attrNameLst>
+                                          <p:attrName>style.visibility</p:attrName>
+                                        </p:attrNameLst>
+                                      </p:cBhvr>
+                                      <p:to>
+                                        <p:strVal val="visible"/>
+                                      </p:to>
+                                    </p:set>
+                                  </p:childTnLst>
+                                </p:cTn>
+                              </p:par>
+                            </p:childTnLst>
+                          </p:cTn>
+                        </p:par>
+                      </p:childTnLst>
+                    </p:cTn>
+                  </p:par>
+                  <p:par>
+                    <p:cTn id="7" fill="hold">
+                      <p:stCondLst>
+                        <p:cond delay="indefinite"/>
+                      </p:stCondLst>
+                      <p:childTnLst>
+                        <p:par>
+                          <p:cTn id="8" fill="hold">
+                            <p:stCondLst>
+                              <p:cond delay="0"/>
+                            </p:stCondLst>
+                            <p:childTnLst>
+                              <p:par>
+                                <p:cTn id="9" presetID="1" presetClass="exit" presetSubtype="0" fill="hold" nodeType="clickEffect">
+                                  <p:stCondLst>
+                                    <p:cond delay="0"/>
+                                  </p:stCondLst>
+                                  <p:childTnLst>
+                                    <p:set>
+                                      <p:cBhvr>
+                                        <p:cTn id="10" dur="1" fill="hold">
+                                          <p:stCondLst>
+                                            <p:cond delay="0"/>
+                                          </p:stCondLst>
+                                        </p:cTn>
+                                        <p:tgtEl>
+                                          <p:spTgt spid="228"/>
+                                        </p:tgtEl>
+                                        <p:attrNameLst>
+                                          <p:attrName>style.visibility</p:attrName>
+                                        </p:attrNameLst>
+                                      </p:cBhvr>
+                                      <p:to>
+                                        <p:strVal val="hidden"/>
+                                      </p:to>
+                                    </p:set>
+                                  </p:childTnLst>
+                                </p:cTn>
+                              </p:par>
+                              <p:par>
+                                <p:cTn id="11" presetID="1" presetClass="entr" presetSubtype="0" fill="hold" nodeType="withEffect">
+                                  <p:stCondLst>
+                                    <p:cond delay="0"/>
+                                  </p:stCondLst>
+                                  <p:childTnLst>
+                                    <p:set>
+                                      <p:cBhvr>
+                                        <p:cTn id="12" dur="1" fill="hold">
+                                          <p:stCondLst>
+                                            <p:cond delay="0"/>
+                                          </p:stCondLst>
+                                        </p:cTn>
+                                        <p:tgtEl>
+                                          <p:spTgt spid="232"/>
+                                        </p:tgtEl>
+                                        <p:attrNameLst>
+                                          <p:attrName>style.visibility</p:attrName>
+                                        </p:attrNameLst>
+                                      </p:cBhvr>
+                                      <p:to>
+                                        <p:strVal val="visible"/>
+                                      </p:to>
+                                    </p:set>
+                                  </p:childTnLst>
+                                </p:cTn>
+                              </p:par>
+                            </p:childTnLst>
+                          </p:cTn>
+                        </p:par>
+                      </p:childTnLst>
+                    </p:cTn>
+                  </p:par>
+                  <p:par>
+                    <p:cTn id="13" fill="hold">
+                      <p:stCondLst>
+                        <p:cond delay="indefinite"/>
+                      </p:stCondLst>
+                      <p:childTnLst>
+                        <p:par>
+                          <p:cTn id="14" fill="hold">
+                            <p:stCondLst>
+                              <p:cond delay="0"/>
+                            </p:stCondLst>
+                            <p:childTnLst>
+                              <p:par>
+                                <p:cTn id="15" presetID="1" presetClass="exit" presetSubtype="0" fill="hold" nodeType="clickEffect">
+                                  <p:stCondLst>
+                                    <p:cond delay="0"/>
+                                  </p:stCondLst>
+                                  <p:childTnLst>
+                                    <p:set>
+                                      <p:cBhvr>
+                                        <p:cTn id="16" dur="1" fill="hold">
+                                          <p:stCondLst>
+                                            <p:cond delay="0"/>
+                                          </p:stCondLst>
+                                        </p:cTn>
+                                        <p:tgtEl>
+                                          <p:spTgt spid="232"/>
+                                        </p:tgtEl>
+                                        <p:attrNameLst>
+                                          <p:attrName>style.visibility</p:attrName>
+                                        </p:attrNameLst>
+                                      </p:cBhvr>
+                                      <p:to>
+                                        <p:strVal val="hidden"/>
+                                      </p:to>
+                                    </p:set>
+                                  </p:childTnLst>
+                                </p:cTn>
+                              </p:par>
+                              <p:par>
+                                <p:cTn id="17" presetID="1" presetClass="entr" presetSubtype="0" fill="hold" grpId="0" nodeType="withEffect">
+                                  <p:stCondLst>
+                                    <p:cond delay="0"/>
+                                  </p:stCondLst>
+                                  <p:childTnLst>
+                                    <p:set>
+                                      <p:cBhvr>
+                                        <p:cTn id="18" dur="1" fill="hold">
+                                          <p:stCondLst>
+                                            <p:cond delay="0"/>
+                                          </p:stCondLst>
+                                        </p:cTn>
+                                        <p:tgtEl>
+                                          <p:spTgt spid="226"/>
+                                        </p:tgtEl>
+                                        <p:attrNameLst>
+                                          <p:attrName>style.visibility</p:attrName>
+                                        </p:attrNameLst>
+                                      </p:cBhvr>
+                                      <p:to>
+                                        <p:strVal val="visible"/>
+                                      </p:to>
+                                    </p:set>
+                                  </p:childTnLst>
+                                </p:cTn>
+                              </p:par>
+                            </p:childTnLst>
+                          </p:cTn>
+                        </p:par>
+                      </p:childTnLst>
+                    </p:cTn>
+                  </p:par>
+                </p:childTnLst>
+              </p:cTn>
+              <p:prevCondLst>
+                <p:cond evt="onPrev" delay="0">
+                  <p:tgtEl>
+                    <p:sldTgt/>
+                  </p:tgtEl>
+                </p:cond>
+              </p:prevCondLst>
+              <p:nextCondLst>
+                <p:cond evt="onNext" delay="0">
+                  <p:tgtEl>
+                    <p:sldTgt/>
+                  </p:tgtEl>
+                </p:cond>
+              </p:nextCondLst>
+            </p:seq>
+          </p:childTnLst>
+        </p:cTn>
+      </p:par>
+    </p:tnLst>
+    <p:bldLst>
+      <p:bldP spid="226" grpId="0" animBg="1"/>
+    </p:bldLst>
+  </p:timing>
+</p:sld>
+</file>
+
+<file path=ppt/slides/slide11.xml><?xml version="1.0" encoding="utf-8"?>
+<p:sld xmlns:a="http://schemas.openxmlformats.org/drawingml/2006/main" xmlns:r="http://schemas.openxmlformats.org/officeDocument/2006/relationships" xmlns:p="http://schemas.openxmlformats.org/presentationml/2006/main">
+  <p:cSld>
+    <p:spTree>
+      <p:nvGrpSpPr>
+        <p:cNvPr id="1" name=""/>
+        <p:cNvGrpSpPr/>
+        <p:nvPr/>
+      </p:nvGrpSpPr>
+      <p:grpSpPr>
+        <a:xfrm>
+          <a:off x="0" y="0"/>
+          <a:ext cx="0" cy="0"/>
+          <a:chOff x="0" y="0"/>
+          <a:chExt cx="0" cy="0"/>
+        </a:xfrm>
+      </p:grpSpPr>
+      <p:sp>
+        <p:nvSpPr>
+          <p:cNvPr id="2" name="Title 1"/>
+          <p:cNvSpPr>
+            <a:spLocks noGrp="1"/>
+          </p:cNvSpPr>
+          <p:nvPr>
+            <p:ph type="title"/>
+          </p:nvPr>
+        </p:nvSpPr>
+        <p:spPr/>
+        <p:txBody>
+          <a:bodyPr/>
+          <a:lstStyle/>
+          <a:p>
+            <a:r>
+              <a:rPr lang="en-US" dirty="0" smtClean="0"/>
               <a:t>Make changes to the local repo</a:t>
             </a:r>
             <a:endParaRPr lang="en-US" dirty="0"/>
@@ -3939,7 +8167,7 @@
           <a:p>
             <a:fld id="{6DA12B36-9664-4CB0-8B2E-F4A2F44AE97E}" type="slidenum">
               <a:rPr lang="en-US" smtClean="0"/>
-              <a:t>10</a:t>
+              <a:t>11</a:t>
             </a:fld>
             <a:endParaRPr lang="en-US"/>
           </a:p>
@@ -7788,10 +12016,17 @@
   <p:clrMapOvr>
     <a:masterClrMapping/>
   </p:clrMapOvr>
+  <p:timing>
+    <p:tnLst>
+      <p:par>
+        <p:cTn id="1" dur="indefinite" restart="never" nodeType="tmRoot"/>
+      </p:par>
+    </p:tnLst>
+  </p:timing>
 </p:sld>
 </file>
 
-<file path=ppt/slides/slide11.xml><?xml version="1.0" encoding="utf-8"?>
+<file path=ppt/slides/slide12.xml><?xml version="1.0" encoding="utf-8"?>
 <p:sld xmlns:a="http://schemas.openxmlformats.org/drawingml/2006/main" xmlns:r="http://schemas.openxmlformats.org/officeDocument/2006/relationships" xmlns:p="http://schemas.openxmlformats.org/presentationml/2006/main">
   <p:cSld>
     <p:spTree>
@@ -7925,7 +12160,7 @@
           <a:p>
             <a:fld id="{6DA12B36-9664-4CB0-8B2E-F4A2F44AE97E}" type="slidenum">
               <a:rPr lang="en-US" smtClean="0"/>
-              <a:t>11</a:t>
+              <a:t>12</a:t>
             </a:fld>
             <a:endParaRPr lang="en-US"/>
           </a:p>
@@ -8123,10 +12358,17 @@
   <p:clrMapOvr>
     <a:masterClrMapping/>
   </p:clrMapOvr>
+  <p:timing>
+    <p:tnLst>
+      <p:par>
+        <p:cTn id="1" dur="indefinite" restart="never" nodeType="tmRoot"/>
+      </p:par>
+    </p:tnLst>
+  </p:timing>
 </p:sld>
 </file>
 
-<file path=ppt/slides/slide12.xml><?xml version="1.0" encoding="utf-8"?>
+<file path=ppt/slides/slide13.xml><?xml version="1.0" encoding="utf-8"?>
 <p:sld xmlns:a="http://schemas.openxmlformats.org/drawingml/2006/main" xmlns:r="http://schemas.openxmlformats.org/officeDocument/2006/relationships" xmlns:p="http://schemas.openxmlformats.org/presentationml/2006/main">
   <p:cSld>
     <p:spTree>
@@ -8237,11 +12479,7 @@
             <a:pPr marL="800100" lvl="1" indent="-342900"/>
             <a:r>
               <a:rPr lang="en-US" dirty="0" smtClean="0"/>
-              <a:t>Review </a:t>
-            </a:r>
-            <a:r>
-              <a:rPr lang="en-US" dirty="0" smtClean="0"/>
-              <a:t>changes that have been committed to the repo</a:t>
+              <a:t>Review changes that have been committed to the repo</a:t>
             </a:r>
             <a:endParaRPr lang="en-US" dirty="0"/>
           </a:p>
@@ -8264,7 +12502,7 @@
           <a:p>
             <a:fld id="{6DA12B36-9664-4CB0-8B2E-F4A2F44AE97E}" type="slidenum">
               <a:rPr lang="en-US" smtClean="0"/>
-              <a:t>12</a:t>
+              <a:t>13</a:t>
             </a:fld>
             <a:endParaRPr lang="en-US"/>
           </a:p>
@@ -8429,14 +12667,7 @@
                 <a:latin typeface="Courier New" panose="02070309020205020404" pitchFamily="49" charset="0"/>
                 <a:cs typeface="Courier New" panose="02070309020205020404" pitchFamily="49" charset="0"/>
               </a:rPr>
-              <a:t> </a:t>
-            </a:r>
-            <a:r>
-              <a:rPr lang="en-US" dirty="0" smtClean="0">
-                <a:latin typeface="Courier New" panose="02070309020205020404" pitchFamily="49" charset="0"/>
-                <a:cs typeface="Courier New" panose="02070309020205020404" pitchFamily="49" charset="0"/>
-              </a:rPr>
-              <a:t>diff</a:t>
+              <a:t> diff</a:t>
             </a:r>
             <a:endParaRPr lang="en-US" dirty="0">
               <a:latin typeface="Courier New" panose="02070309020205020404" pitchFamily="49" charset="0"/>
@@ -8458,7 +12689,7 @@
 </p:sld>
 </file>
 
-<file path=ppt/slides/slide13.xml><?xml version="1.0" encoding="utf-8"?>
+<file path=ppt/slides/slide14.xml><?xml version="1.0" encoding="utf-8"?>
 <p:sld xmlns:a="http://schemas.openxmlformats.org/drawingml/2006/main" xmlns:r="http://schemas.openxmlformats.org/officeDocument/2006/relationships" xmlns:p="http://schemas.openxmlformats.org/presentationml/2006/main">
   <p:cSld>
     <p:spTree>
@@ -8574,7 +12805,7 @@
           <a:p>
             <a:fld id="{6DA12B36-9664-4CB0-8B2E-F4A2F44AE97E}" type="slidenum">
               <a:rPr lang="en-US" smtClean="0"/>
-              <a:t>13</a:t>
+              <a:t>14</a:t>
             </a:fld>
             <a:endParaRPr lang="en-US"/>
           </a:p>
@@ -8761,7 +12992,7 @@
 </p:sld>
 </file>
 
-<file path=ppt/slides/slide14.xml><?xml version="1.0" encoding="utf-8"?>
+<file path=ppt/slides/slide15.xml><?xml version="1.0" encoding="utf-8"?>
 <p:sld xmlns:a="http://schemas.openxmlformats.org/drawingml/2006/main" xmlns:r="http://schemas.openxmlformats.org/officeDocument/2006/relationships" xmlns:p="http://schemas.openxmlformats.org/presentationml/2006/main">
   <p:cSld>
     <p:spTree>
@@ -8863,7 +13094,7 @@
           <a:p>
             <a:fld id="{6DA12B36-9664-4CB0-8B2E-F4A2F44AE97E}" type="slidenum">
               <a:rPr lang="en-US" smtClean="0"/>
-              <a:t>14</a:t>
+              <a:t>15</a:t>
             </a:fld>
             <a:endParaRPr lang="en-US"/>
           </a:p>
@@ -9015,7 +13246,7 @@
 </p:sld>
 </file>
 
-<file path=ppt/slides/slide15.xml><?xml version="1.0" encoding="utf-8"?>
+<file path=ppt/slides/slide16.xml><?xml version="1.0" encoding="utf-8"?>
 <p:sld xmlns:a="http://schemas.openxmlformats.org/drawingml/2006/main" xmlns:r="http://schemas.openxmlformats.org/officeDocument/2006/relationships" xmlns:p="http://schemas.openxmlformats.org/presentationml/2006/main">
   <p:cSld>
     <p:spTree>
@@ -9095,7 +13326,7 @@
           <a:p>
             <a:fld id="{6DA12B36-9664-4CB0-8B2E-F4A2F44AE97E}" type="slidenum">
               <a:rPr lang="en-US" smtClean="0"/>
-              <a:t>15</a:t>
+              <a:t>16</a:t>
             </a:fld>
             <a:endParaRPr lang="en-US"/>
           </a:p>
@@ -12900,7 +17131,7 @@
 </p:sld>
 </file>
 
-<file path=ppt/slides/slide16.xml><?xml version="1.0" encoding="utf-8"?>
+<file path=ppt/slides/slide17.xml><?xml version="1.0" encoding="utf-8"?>
 <p:sld xmlns:a="http://schemas.openxmlformats.org/drawingml/2006/main" xmlns:r="http://schemas.openxmlformats.org/officeDocument/2006/relationships" xmlns:p="http://schemas.openxmlformats.org/presentationml/2006/main">
   <p:cSld>
     <p:spTree>
@@ -13028,7 +17259,7 @@
           <a:p>
             <a:fld id="{6DA12B36-9664-4CB0-8B2E-F4A2F44AE97E}" type="slidenum">
               <a:rPr lang="en-US" smtClean="0"/>
-              <a:t>16</a:t>
+              <a:t>17</a:t>
             </a:fld>
             <a:endParaRPr lang="en-US"/>
           </a:p>
@@ -13243,7 +17474,7 @@
 </p:sld>
 </file>
 
-<file path=ppt/slides/slide17.xml><?xml version="1.0" encoding="utf-8"?>
+<file path=ppt/slides/slide18.xml><?xml version="1.0" encoding="utf-8"?>
 <p:sld xmlns:a="http://schemas.openxmlformats.org/drawingml/2006/main" xmlns:r="http://schemas.openxmlformats.org/officeDocument/2006/relationships" xmlns:p="http://schemas.openxmlformats.org/presentationml/2006/main">
   <p:cSld>
     <p:spTree>
@@ -13344,7 +17575,7 @@
           <a:p>
             <a:fld id="{6DA12B36-9664-4CB0-8B2E-F4A2F44AE97E}" type="slidenum">
               <a:rPr lang="en-US" smtClean="0"/>
-              <a:t>17</a:t>
+              <a:t>18</a:t>
             </a:fld>
             <a:endParaRPr lang="en-US"/>
           </a:p>
@@ -15140,7 +19371,7 @@
 </p:sld>
 </file>
 
-<file path=ppt/slides/slide18.xml><?xml version="1.0" encoding="utf-8"?>
+<file path=ppt/slides/slide19.xml><?xml version="1.0" encoding="utf-8"?>
 <p:sld xmlns:a="http://schemas.openxmlformats.org/drawingml/2006/main" xmlns:r="http://schemas.openxmlformats.org/officeDocument/2006/relationships" xmlns:p="http://schemas.openxmlformats.org/presentationml/2006/main">
   <p:cSld>
     <p:spTree>
@@ -15239,7 +19470,7 @@
           <a:p>
             <a:fld id="{6DA12B36-9664-4CB0-8B2E-F4A2F44AE97E}" type="slidenum">
               <a:rPr lang="en-US" smtClean="0"/>
-              <a:t>18</a:t>
+              <a:t>19</a:t>
             </a:fld>
             <a:endParaRPr lang="en-US"/>
           </a:p>
@@ -18716,7 +22947,204 @@
 </p:sld>
 </file>
 
-<file path=ppt/slides/slide19.xml><?xml version="1.0" encoding="utf-8"?>
+<file path=ppt/slides/slide2.xml><?xml version="1.0" encoding="utf-8"?>
+<p:sld xmlns:a="http://schemas.openxmlformats.org/drawingml/2006/main" xmlns:r="http://schemas.openxmlformats.org/officeDocument/2006/relationships" xmlns:p="http://schemas.openxmlformats.org/presentationml/2006/main">
+  <p:cSld>
+    <p:spTree>
+      <p:nvGrpSpPr>
+        <p:cNvPr id="1" name=""/>
+        <p:cNvGrpSpPr/>
+        <p:nvPr/>
+      </p:nvGrpSpPr>
+      <p:grpSpPr>
+        <a:xfrm>
+          <a:off x="0" y="0"/>
+          <a:ext cx="0" cy="0"/>
+          <a:chOff x="0" y="0"/>
+          <a:chExt cx="0" cy="0"/>
+        </a:xfrm>
+      </p:grpSpPr>
+      <p:sp>
+        <p:nvSpPr>
+          <p:cNvPr id="2" name="Title 1"/>
+          <p:cNvSpPr>
+            <a:spLocks noGrp="1"/>
+          </p:cNvSpPr>
+          <p:nvPr>
+            <p:ph type="title"/>
+          </p:nvPr>
+        </p:nvSpPr>
+        <p:spPr/>
+        <p:txBody>
+          <a:bodyPr/>
+          <a:lstStyle/>
+          <a:p>
+            <a:r>
+              <a:rPr lang="en-US" dirty="0" smtClean="0"/>
+              <a:t>Why </a:t>
+            </a:r>
+            <a:r>
+              <a:rPr lang="en-US" dirty="0"/>
+              <a:t>v</a:t>
+            </a:r>
+            <a:r>
+              <a:rPr lang="en-US" dirty="0" smtClean="0"/>
+              <a:t>ersion control?</a:t>
+            </a:r>
+            <a:endParaRPr lang="en-US" dirty="0"/>
+          </a:p>
+        </p:txBody>
+      </p:sp>
+      <p:sp>
+        <p:nvSpPr>
+          <p:cNvPr id="3" name="Content Placeholder 2"/>
+          <p:cNvSpPr>
+            <a:spLocks noGrp="1"/>
+          </p:cNvSpPr>
+          <p:nvPr>
+            <p:ph idx="1"/>
+          </p:nvPr>
+        </p:nvSpPr>
+        <p:spPr/>
+        <p:txBody>
+          <a:bodyPr/>
+          <a:lstStyle/>
+          <a:p>
+            <a:r>
+              <a:rPr lang="en-US" dirty="0" smtClean="0"/>
+              <a:t>Software is written in human-readable formats</a:t>
+            </a:r>
+          </a:p>
+          <a:p>
+            <a:pPr marL="914400" lvl="1" indent="-457200"/>
+            <a:r>
+              <a:rPr lang="en-US" dirty="0" smtClean="0"/>
+              <a:t>Text files</a:t>
+            </a:r>
+          </a:p>
+          <a:p>
+            <a:pPr marL="914400" lvl="1" indent="-457200"/>
+            <a:r>
+              <a:rPr lang="en-US" dirty="0" smtClean="0"/>
+              <a:t>Easy to track differences between files</a:t>
+            </a:r>
+          </a:p>
+          <a:p>
+            <a:pPr marL="914400" lvl="1" indent="-457200"/>
+            <a:r>
+              <a:rPr lang="en-US" dirty="0" smtClean="0"/>
+              <a:t>Easy to read differences between files</a:t>
+            </a:r>
+          </a:p>
+          <a:p>
+            <a:pPr marL="914400" lvl="1" indent="-457200"/>
+            <a:r>
+              <a:rPr lang="en-US" dirty="0" smtClean="0">
+                <a:hlinkClick r:id="rId2"/>
+              </a:rPr>
+              <a:t>Example</a:t>
+            </a:r>
+            <a:endParaRPr lang="en-US" dirty="0" smtClean="0"/>
+          </a:p>
+          <a:p>
+            <a:pPr marL="457200" indent="-457200"/>
+            <a:r>
+              <a:rPr lang="en-US" dirty="0" smtClean="0"/>
+              <a:t>Necessary to return to a previous version of the source code</a:t>
+            </a:r>
+          </a:p>
+          <a:p>
+            <a:pPr marL="914400" lvl="1" indent="-457200"/>
+            <a:r>
+              <a:rPr lang="en-US" dirty="0" smtClean="0"/>
+              <a:t>Defect investigation</a:t>
+            </a:r>
+          </a:p>
+          <a:p>
+            <a:pPr marL="914400" lvl="1" indent="-457200"/>
+            <a:r>
+              <a:rPr lang="en-US" dirty="0" smtClean="0"/>
+              <a:t>Security audits (</a:t>
+            </a:r>
+            <a:r>
+              <a:rPr lang="en-US" dirty="0" smtClean="0">
+                <a:hlinkClick r:id="rId3"/>
+              </a:rPr>
+              <a:t>Linux kernel backdoor attempt</a:t>
+            </a:r>
+            <a:r>
+              <a:rPr lang="en-US" dirty="0" smtClean="0"/>
+              <a:t>)</a:t>
+            </a:r>
+          </a:p>
+          <a:p>
+            <a:pPr marL="914400" lvl="1" indent="-457200"/>
+            <a:r>
+              <a:rPr lang="en-US" dirty="0" smtClean="0"/>
+              <a:t>Code change metrics</a:t>
+            </a:r>
+          </a:p>
+          <a:p>
+            <a:pPr marL="457200" indent="-457200"/>
+            <a:r>
+              <a:rPr lang="en-US" dirty="0" smtClean="0"/>
+              <a:t>Multiple developers working in the same code</a:t>
+            </a:r>
+          </a:p>
+          <a:p>
+            <a:pPr marL="914400" lvl="1" indent="-457200"/>
+            <a:r>
+              <a:rPr lang="en-US" dirty="0" smtClean="0"/>
+              <a:t>Conflict resolution</a:t>
+            </a:r>
+            <a:endParaRPr lang="en-US" dirty="0"/>
+          </a:p>
+        </p:txBody>
+      </p:sp>
+      <p:sp>
+        <p:nvSpPr>
+          <p:cNvPr id="4" name="Slide Number Placeholder 3"/>
+          <p:cNvSpPr>
+            <a:spLocks noGrp="1"/>
+          </p:cNvSpPr>
+          <p:nvPr>
+            <p:ph type="sldNum" sz="quarter" idx="12"/>
+          </p:nvPr>
+        </p:nvSpPr>
+        <p:spPr/>
+        <p:txBody>
+          <a:bodyPr/>
+          <a:lstStyle/>
+          <a:p>
+            <a:fld id="{6DA12B36-9664-4CB0-8B2E-F4A2F44AE97E}" type="slidenum">
+              <a:rPr lang="en-US" smtClean="0"/>
+              <a:t>2</a:t>
+            </a:fld>
+            <a:endParaRPr lang="en-US"/>
+          </a:p>
+        </p:txBody>
+      </p:sp>
+    </p:spTree>
+    <p:extLst>
+      <p:ext uri="{BB962C8B-B14F-4D97-AF65-F5344CB8AC3E}">
+        <p14:creationId xmlns:p14="http://schemas.microsoft.com/office/powerpoint/2010/main" val="3237691251"/>
+      </p:ext>
+    </p:extLst>
+  </p:cSld>
+  <p:clrMapOvr>
+    <a:masterClrMapping/>
+  </p:clrMapOvr>
+  <p:timing>
+    <p:tnLst>
+      <p:par>
+        <p:cTn id="1" dur="indefinite" restart="never" nodeType="tmRoot"/>
+      </p:par>
+    </p:tnLst>
+  </p:timing>
+</p:sld>
+</file>
+
+<file path=ppt/slides/slide20.xml><?xml version="1.0" encoding="utf-8"?>
 <p:sld xmlns:a="http://schemas.openxmlformats.org/drawingml/2006/main" xmlns:r="http://schemas.openxmlformats.org/officeDocument/2006/relationships" xmlns:p="http://schemas.openxmlformats.org/presentationml/2006/main">
   <p:cSld>
     <p:spTree>
@@ -18847,7 +23275,7 @@
           <a:p>
             <a:fld id="{6DA12B36-9664-4CB0-8B2E-F4A2F44AE97E}" type="slidenum">
               <a:rPr lang="en-US" smtClean="0"/>
-              <a:t>19</a:t>
+              <a:t>20</a:t>
             </a:fld>
             <a:endParaRPr lang="en-US"/>
           </a:p>
@@ -19209,204 +23637,7 @@
 </p:sld>
 </file>
 
-<file path=ppt/slides/slide2.xml><?xml version="1.0" encoding="utf-8"?>
-<p:sld xmlns:a="http://schemas.openxmlformats.org/drawingml/2006/main" xmlns:r="http://schemas.openxmlformats.org/officeDocument/2006/relationships" xmlns:p="http://schemas.openxmlformats.org/presentationml/2006/main">
-  <p:cSld>
-    <p:spTree>
-      <p:nvGrpSpPr>
-        <p:cNvPr id="1" name=""/>
-        <p:cNvGrpSpPr/>
-        <p:nvPr/>
-      </p:nvGrpSpPr>
-      <p:grpSpPr>
-        <a:xfrm>
-          <a:off x="0" y="0"/>
-          <a:ext cx="0" cy="0"/>
-          <a:chOff x="0" y="0"/>
-          <a:chExt cx="0" cy="0"/>
-        </a:xfrm>
-      </p:grpSpPr>
-      <p:sp>
-        <p:nvSpPr>
-          <p:cNvPr id="2" name="Title 1"/>
-          <p:cNvSpPr>
-            <a:spLocks noGrp="1"/>
-          </p:cNvSpPr>
-          <p:nvPr>
-            <p:ph type="title"/>
-          </p:nvPr>
-        </p:nvSpPr>
-        <p:spPr/>
-        <p:txBody>
-          <a:bodyPr/>
-          <a:lstStyle/>
-          <a:p>
-            <a:r>
-              <a:rPr lang="en-US" dirty="0" smtClean="0"/>
-              <a:t>Why </a:t>
-            </a:r>
-            <a:r>
-              <a:rPr lang="en-US" dirty="0"/>
-              <a:t>v</a:t>
-            </a:r>
-            <a:r>
-              <a:rPr lang="en-US" dirty="0" smtClean="0"/>
-              <a:t>ersion control?</a:t>
-            </a:r>
-            <a:endParaRPr lang="en-US" dirty="0"/>
-          </a:p>
-        </p:txBody>
-      </p:sp>
-      <p:sp>
-        <p:nvSpPr>
-          <p:cNvPr id="3" name="Content Placeholder 2"/>
-          <p:cNvSpPr>
-            <a:spLocks noGrp="1"/>
-          </p:cNvSpPr>
-          <p:nvPr>
-            <p:ph idx="1"/>
-          </p:nvPr>
-        </p:nvSpPr>
-        <p:spPr/>
-        <p:txBody>
-          <a:bodyPr/>
-          <a:lstStyle/>
-          <a:p>
-            <a:r>
-              <a:rPr lang="en-US" dirty="0" smtClean="0"/>
-              <a:t>Software is written in human-readable formats</a:t>
-            </a:r>
-          </a:p>
-          <a:p>
-            <a:pPr marL="914400" lvl="1" indent="-457200"/>
-            <a:r>
-              <a:rPr lang="en-US" dirty="0" smtClean="0"/>
-              <a:t>Text files</a:t>
-            </a:r>
-          </a:p>
-          <a:p>
-            <a:pPr marL="914400" lvl="1" indent="-457200"/>
-            <a:r>
-              <a:rPr lang="en-US" dirty="0" smtClean="0"/>
-              <a:t>Easy to track differences between files</a:t>
-            </a:r>
-          </a:p>
-          <a:p>
-            <a:pPr marL="914400" lvl="1" indent="-457200"/>
-            <a:r>
-              <a:rPr lang="en-US" dirty="0" smtClean="0"/>
-              <a:t>Easy to read differences between files</a:t>
-            </a:r>
-          </a:p>
-          <a:p>
-            <a:pPr marL="914400" lvl="1" indent="-457200"/>
-            <a:r>
-              <a:rPr lang="en-US" dirty="0" smtClean="0">
-                <a:hlinkClick r:id="rId2"/>
-              </a:rPr>
-              <a:t>Example</a:t>
-            </a:r>
-            <a:endParaRPr lang="en-US" dirty="0" smtClean="0"/>
-          </a:p>
-          <a:p>
-            <a:pPr marL="457200" indent="-457200"/>
-            <a:r>
-              <a:rPr lang="en-US" dirty="0" smtClean="0"/>
-              <a:t>Necessary to return to a previous version of the source code</a:t>
-            </a:r>
-          </a:p>
-          <a:p>
-            <a:pPr marL="914400" lvl="1" indent="-457200"/>
-            <a:r>
-              <a:rPr lang="en-US" dirty="0" smtClean="0"/>
-              <a:t>Defect investigation</a:t>
-            </a:r>
-          </a:p>
-          <a:p>
-            <a:pPr marL="914400" lvl="1" indent="-457200"/>
-            <a:r>
-              <a:rPr lang="en-US" dirty="0" smtClean="0"/>
-              <a:t>Security audits (</a:t>
-            </a:r>
-            <a:r>
-              <a:rPr lang="en-US" dirty="0" smtClean="0">
-                <a:hlinkClick r:id="rId3"/>
-              </a:rPr>
-              <a:t>Linux kernel backdoor attempt</a:t>
-            </a:r>
-            <a:r>
-              <a:rPr lang="en-US" dirty="0" smtClean="0"/>
-              <a:t>)</a:t>
-            </a:r>
-          </a:p>
-          <a:p>
-            <a:pPr marL="914400" lvl="1" indent="-457200"/>
-            <a:r>
-              <a:rPr lang="en-US" dirty="0" smtClean="0"/>
-              <a:t>Code change metrics</a:t>
-            </a:r>
-          </a:p>
-          <a:p>
-            <a:pPr marL="457200" indent="-457200"/>
-            <a:r>
-              <a:rPr lang="en-US" dirty="0" smtClean="0"/>
-              <a:t>Multiple developers working in the same code</a:t>
-            </a:r>
-          </a:p>
-          <a:p>
-            <a:pPr marL="914400" lvl="1" indent="-457200"/>
-            <a:r>
-              <a:rPr lang="en-US" dirty="0" smtClean="0"/>
-              <a:t>Conflict resolution</a:t>
-            </a:r>
-            <a:endParaRPr lang="en-US" dirty="0"/>
-          </a:p>
-        </p:txBody>
-      </p:sp>
-      <p:sp>
-        <p:nvSpPr>
-          <p:cNvPr id="4" name="Slide Number Placeholder 3"/>
-          <p:cNvSpPr>
-            <a:spLocks noGrp="1"/>
-          </p:cNvSpPr>
-          <p:nvPr>
-            <p:ph type="sldNum" sz="quarter" idx="12"/>
-          </p:nvPr>
-        </p:nvSpPr>
-        <p:spPr/>
-        <p:txBody>
-          <a:bodyPr/>
-          <a:lstStyle/>
-          <a:p>
-            <a:fld id="{6DA12B36-9664-4CB0-8B2E-F4A2F44AE97E}" type="slidenum">
-              <a:rPr lang="en-US" smtClean="0"/>
-              <a:t>2</a:t>
-            </a:fld>
-            <a:endParaRPr lang="en-US"/>
-          </a:p>
-        </p:txBody>
-      </p:sp>
-    </p:spTree>
-    <p:extLst>
-      <p:ext uri="{BB962C8B-B14F-4D97-AF65-F5344CB8AC3E}">
-        <p14:creationId xmlns:p14="http://schemas.microsoft.com/office/powerpoint/2010/main" val="3237691251"/>
-      </p:ext>
-    </p:extLst>
-  </p:cSld>
-  <p:clrMapOvr>
-    <a:masterClrMapping/>
-  </p:clrMapOvr>
-  <p:timing>
-    <p:tnLst>
-      <p:par>
-        <p:cTn id="1" dur="indefinite" restart="never" nodeType="tmRoot"/>
-      </p:par>
-    </p:tnLst>
-  </p:timing>
-</p:sld>
-</file>
-
-<file path=ppt/slides/slide20.xml><?xml version="1.0" encoding="utf-8"?>
+<file path=ppt/slides/slide21.xml><?xml version="1.0" encoding="utf-8"?>
 <p:sld xmlns:a="http://schemas.openxmlformats.org/drawingml/2006/main" xmlns:r="http://schemas.openxmlformats.org/officeDocument/2006/relationships" xmlns:p="http://schemas.openxmlformats.org/presentationml/2006/main">
   <p:cSld>
     <p:spTree>
@@ -19537,7 +23768,7 @@
           <a:p>
             <a:fld id="{6DA12B36-9664-4CB0-8B2E-F4A2F44AE97E}" type="slidenum">
               <a:rPr lang="en-US" smtClean="0"/>
-              <a:t>20</a:t>
+              <a:t>21</a:t>
             </a:fld>
             <a:endParaRPr lang="en-US"/>
           </a:p>
@@ -32134,6 +36365,13 @@
   <p:clrMapOvr>
     <a:masterClrMapping/>
   </p:clrMapOvr>
+  <p:timing>
+    <p:tnLst>
+      <p:par>
+        <p:cTn id="1" dur="indefinite" restart="never" nodeType="tmRoot"/>
+      </p:par>
+    </p:tnLst>
+  </p:timing>
 </p:sld>
 </file>
 
@@ -36109,6 +40347,186 @@
   <p:clrMapOvr>
     <a:masterClrMapping/>
   </p:clrMapOvr>
+  <p:timing>
+    <p:tnLst>
+      <p:par>
+        <p:cTn id="1" dur="indefinite" restart="never" nodeType="tmRoot">
+          <p:childTnLst>
+            <p:seq concurrent="1" nextAc="seek">
+              <p:cTn id="2" dur="indefinite" nodeType="mainSeq">
+                <p:childTnLst>
+                  <p:par>
+                    <p:cTn id="3" fill="hold">
+                      <p:stCondLst>
+                        <p:cond delay="indefinite"/>
+                      </p:stCondLst>
+                      <p:childTnLst>
+                        <p:par>
+                          <p:cTn id="4" fill="hold">
+                            <p:stCondLst>
+                              <p:cond delay="0"/>
+                            </p:stCondLst>
+                            <p:childTnLst>
+                              <p:par>
+                                <p:cTn id="5" presetID="1" presetClass="entr" presetSubtype="0" fill="hold" grpId="0" nodeType="clickEffect">
+                                  <p:stCondLst>
+                                    <p:cond delay="0"/>
+                                  </p:stCondLst>
+                                  <p:childTnLst>
+                                    <p:set>
+                                      <p:cBhvr>
+                                        <p:cTn id="6" dur="1" fill="hold">
+                                          <p:stCondLst>
+                                            <p:cond delay="0"/>
+                                          </p:stCondLst>
+                                        </p:cTn>
+                                        <p:tgtEl>
+                                          <p:spTgt spid="113"/>
+                                        </p:tgtEl>
+                                        <p:attrNameLst>
+                                          <p:attrName>style.visibility</p:attrName>
+                                        </p:attrNameLst>
+                                      </p:cBhvr>
+                                      <p:to>
+                                        <p:strVal val="visible"/>
+                                      </p:to>
+                                    </p:set>
+                                  </p:childTnLst>
+                                </p:cTn>
+                              </p:par>
+                              <p:par>
+                                <p:cTn id="7" presetID="1" presetClass="entr" presetSubtype="0" fill="hold" grpId="0" nodeType="withEffect">
+                                  <p:stCondLst>
+                                    <p:cond delay="0"/>
+                                  </p:stCondLst>
+                                  <p:childTnLst>
+                                    <p:set>
+                                      <p:cBhvr>
+                                        <p:cTn id="8" dur="1" fill="hold">
+                                          <p:stCondLst>
+                                            <p:cond delay="0"/>
+                                          </p:stCondLst>
+                                        </p:cTn>
+                                        <p:tgtEl>
+                                          <p:spTgt spid="224"/>
+                                        </p:tgtEl>
+                                        <p:attrNameLst>
+                                          <p:attrName>style.visibility</p:attrName>
+                                        </p:attrNameLst>
+                                      </p:cBhvr>
+                                      <p:to>
+                                        <p:strVal val="visible"/>
+                                      </p:to>
+                                    </p:set>
+                                  </p:childTnLst>
+                                </p:cTn>
+                              </p:par>
+                              <p:par>
+                                <p:cTn id="9" presetID="1" presetClass="entr" presetSubtype="0" fill="hold" grpId="0" nodeType="withEffect">
+                                  <p:stCondLst>
+                                    <p:cond delay="0"/>
+                                  </p:stCondLst>
+                                  <p:childTnLst>
+                                    <p:set>
+                                      <p:cBhvr>
+                                        <p:cTn id="10" dur="1" fill="hold">
+                                          <p:stCondLst>
+                                            <p:cond delay="0"/>
+                                          </p:stCondLst>
+                                        </p:cTn>
+                                        <p:tgtEl>
+                                          <p:spTgt spid="225"/>
+                                        </p:tgtEl>
+                                        <p:attrNameLst>
+                                          <p:attrName>style.visibility</p:attrName>
+                                        </p:attrNameLst>
+                                      </p:cBhvr>
+                                      <p:to>
+                                        <p:strVal val="visible"/>
+                                      </p:to>
+                                    </p:set>
+                                  </p:childTnLst>
+                                </p:cTn>
+                              </p:par>
+                            </p:childTnLst>
+                          </p:cTn>
+                        </p:par>
+                      </p:childTnLst>
+                    </p:cTn>
+                  </p:par>
+                  <p:par>
+                    <p:cTn id="11" fill="hold">
+                      <p:stCondLst>
+                        <p:cond delay="indefinite"/>
+                      </p:stCondLst>
+                      <p:childTnLst>
+                        <p:par>
+                          <p:cTn id="12" fill="hold">
+                            <p:stCondLst>
+                              <p:cond delay="0"/>
+                            </p:stCondLst>
+                            <p:childTnLst>
+                              <p:par>
+                                <p:cTn id="13" presetID="1" presetClass="entr" presetSubtype="0" fill="hold" grpId="0" nodeType="clickEffect">
+                                  <p:stCondLst>
+                                    <p:cond delay="0"/>
+                                  </p:stCondLst>
+                                  <p:childTnLst>
+                                    <p:set>
+                                      <p:cBhvr>
+                                        <p:cTn id="14" dur="1" fill="hold">
+                                          <p:stCondLst>
+                                            <p:cond delay="0"/>
+                                          </p:stCondLst>
+                                        </p:cTn>
+                                        <p:tgtEl>
+                                          <p:spTgt spid="226"/>
+                                        </p:tgtEl>
+                                        <p:attrNameLst>
+                                          <p:attrName>style.visibility</p:attrName>
+                                        </p:attrNameLst>
+                                      </p:cBhvr>
+                                      <p:to>
+                                        <p:strVal val="visible"/>
+                                      </p:to>
+                                    </p:set>
+                                  </p:childTnLst>
+                                </p:cTn>
+                              </p:par>
+                            </p:childTnLst>
+                          </p:cTn>
+                        </p:par>
+                      </p:childTnLst>
+                    </p:cTn>
+                  </p:par>
+                </p:childTnLst>
+              </p:cTn>
+              <p:prevCondLst>
+                <p:cond evt="onPrev" delay="0">
+                  <p:tgtEl>
+                    <p:sldTgt/>
+                  </p:tgtEl>
+                </p:cond>
+              </p:prevCondLst>
+              <p:nextCondLst>
+                <p:cond evt="onNext" delay="0">
+                  <p:tgtEl>
+                    <p:sldTgt/>
+                  </p:tgtEl>
+                </p:cond>
+              </p:nextCondLst>
+            </p:seq>
+          </p:childTnLst>
+        </p:cTn>
+      </p:par>
+    </p:tnLst>
+    <p:bldLst>
+      <p:bldP spid="113" grpId="0" animBg="1"/>
+      <p:bldP spid="224" grpId="0" animBg="1"/>
+      <p:bldP spid="225" grpId="0" animBg="1"/>
+      <p:bldP spid="226" grpId="0" animBg="1"/>
+    </p:bldLst>
+  </p:timing>
 </p:sld>
 </file>
 
